--- a/1_개발환경구축(리눅스프로그래밍).pptx
+++ b/1_개발환경구축(리눅스프로그래밍).pptx
@@ -21,7 +21,14 @@
     <p:sldId id="316" r:id="rId15"/>
     <p:sldId id="317" r:id="rId16"/>
     <p:sldId id="318" r:id="rId17"/>
-    <p:sldId id="305" r:id="rId18"/>
+    <p:sldId id="319" r:id="rId18"/>
+    <p:sldId id="305" r:id="rId19"/>
+    <p:sldId id="321" r:id="rId20"/>
+    <p:sldId id="322" r:id="rId21"/>
+    <p:sldId id="323" r:id="rId22"/>
+    <p:sldId id="324" r:id="rId23"/>
+    <p:sldId id="325" r:id="rId24"/>
+    <p:sldId id="320" r:id="rId25"/>
   </p:sldIdLst>
   <p:sldSz cx="12192000" cy="6858000"/>
   <p:notesSz cx="6858000" cy="9144000"/>
@@ -270,7 +277,7 @@
           <a:p>
             <a:fld id="{7F6DC872-0E0F-4B71-97B1-1CA7CAEBA243}" type="datetimeFigureOut">
               <a:rPr lang="ko-KR" altLang="en-US" smtClean="0"/>
-              <a:t>2025-10-26</a:t>
+              <a:t>2025-10-30</a:t>
             </a:fld>
             <a:endParaRPr lang="ko-KR" altLang="en-US"/>
           </a:p>
@@ -440,7 +447,7 @@
           <a:p>
             <a:fld id="{7F6DC872-0E0F-4B71-97B1-1CA7CAEBA243}" type="datetimeFigureOut">
               <a:rPr lang="ko-KR" altLang="en-US" smtClean="0"/>
-              <a:t>2025-10-26</a:t>
+              <a:t>2025-10-30</a:t>
             </a:fld>
             <a:endParaRPr lang="ko-KR" altLang="en-US"/>
           </a:p>
@@ -620,7 +627,7 @@
           <a:p>
             <a:fld id="{7F6DC872-0E0F-4B71-97B1-1CA7CAEBA243}" type="datetimeFigureOut">
               <a:rPr lang="ko-KR" altLang="en-US" smtClean="0"/>
-              <a:t>2025-10-26</a:t>
+              <a:t>2025-10-30</a:t>
             </a:fld>
             <a:endParaRPr lang="ko-KR" altLang="en-US"/>
           </a:p>
@@ -790,7 +797,7 @@
           <a:p>
             <a:fld id="{7F6DC872-0E0F-4B71-97B1-1CA7CAEBA243}" type="datetimeFigureOut">
               <a:rPr lang="ko-KR" altLang="en-US" smtClean="0"/>
-              <a:t>2025-10-26</a:t>
+              <a:t>2025-10-30</a:t>
             </a:fld>
             <a:endParaRPr lang="ko-KR" altLang="en-US"/>
           </a:p>
@@ -1036,7 +1043,7 @@
           <a:p>
             <a:fld id="{7F6DC872-0E0F-4B71-97B1-1CA7CAEBA243}" type="datetimeFigureOut">
               <a:rPr lang="ko-KR" altLang="en-US" smtClean="0"/>
-              <a:t>2025-10-26</a:t>
+              <a:t>2025-10-30</a:t>
             </a:fld>
             <a:endParaRPr lang="ko-KR" altLang="en-US"/>
           </a:p>
@@ -1268,7 +1275,7 @@
           <a:p>
             <a:fld id="{7F6DC872-0E0F-4B71-97B1-1CA7CAEBA243}" type="datetimeFigureOut">
               <a:rPr lang="ko-KR" altLang="en-US" smtClean="0"/>
-              <a:t>2025-10-26</a:t>
+              <a:t>2025-10-30</a:t>
             </a:fld>
             <a:endParaRPr lang="ko-KR" altLang="en-US"/>
           </a:p>
@@ -1635,7 +1642,7 @@
           <a:p>
             <a:fld id="{7F6DC872-0E0F-4B71-97B1-1CA7CAEBA243}" type="datetimeFigureOut">
               <a:rPr lang="ko-KR" altLang="en-US" smtClean="0"/>
-              <a:t>2025-10-26</a:t>
+              <a:t>2025-10-30</a:t>
             </a:fld>
             <a:endParaRPr lang="ko-KR" altLang="en-US"/>
           </a:p>
@@ -1753,7 +1760,7 @@
           <a:p>
             <a:fld id="{7F6DC872-0E0F-4B71-97B1-1CA7CAEBA243}" type="datetimeFigureOut">
               <a:rPr lang="ko-KR" altLang="en-US" smtClean="0"/>
-              <a:t>2025-10-26</a:t>
+              <a:t>2025-10-30</a:t>
             </a:fld>
             <a:endParaRPr lang="ko-KR" altLang="en-US"/>
           </a:p>
@@ -1848,7 +1855,7 @@
           <a:p>
             <a:fld id="{7F6DC872-0E0F-4B71-97B1-1CA7CAEBA243}" type="datetimeFigureOut">
               <a:rPr lang="ko-KR" altLang="en-US" smtClean="0"/>
-              <a:t>2025-10-26</a:t>
+              <a:t>2025-10-30</a:t>
             </a:fld>
             <a:endParaRPr lang="ko-KR" altLang="en-US"/>
           </a:p>
@@ -2125,7 +2132,7 @@
           <a:p>
             <a:fld id="{7F6DC872-0E0F-4B71-97B1-1CA7CAEBA243}" type="datetimeFigureOut">
               <a:rPr lang="ko-KR" altLang="en-US" smtClean="0"/>
-              <a:t>2025-10-26</a:t>
+              <a:t>2025-10-30</a:t>
             </a:fld>
             <a:endParaRPr lang="ko-KR" altLang="en-US"/>
           </a:p>
@@ -2382,7 +2389,7 @@
           <a:p>
             <a:fld id="{7F6DC872-0E0F-4B71-97B1-1CA7CAEBA243}" type="datetimeFigureOut">
               <a:rPr lang="ko-KR" altLang="en-US" smtClean="0"/>
-              <a:t>2025-10-26</a:t>
+              <a:t>2025-10-30</a:t>
             </a:fld>
             <a:endParaRPr lang="ko-KR" altLang="en-US"/>
           </a:p>
@@ -2595,7 +2602,7 @@
           <a:p>
             <a:fld id="{7F6DC872-0E0F-4B71-97B1-1CA7CAEBA243}" type="datetimeFigureOut">
               <a:rPr lang="ko-KR" altLang="en-US" smtClean="0"/>
-              <a:t>2025-10-26</a:t>
+              <a:t>2025-10-30</a:t>
             </a:fld>
             <a:endParaRPr lang="ko-KR" altLang="en-US"/>
           </a:p>
@@ -3125,6 +3132,44 @@
           </a:p>
         </p:txBody>
       </p:sp>
+      <p:sp>
+        <p:nvSpPr>
+          <p:cNvPr id="5" name="TextBox 4">
+            <a:extLst>
+              <a:ext uri="{FF2B5EF4-FFF2-40B4-BE49-F238E27FC236}">
+                <a16:creationId xmlns:a16="http://schemas.microsoft.com/office/drawing/2014/main" id="{DBAE73DD-0E49-C4C1-020C-407C6BC55F04}"/>
+              </a:ext>
+            </a:extLst>
+          </p:cNvPr>
+          <p:cNvSpPr txBox="1"/>
+          <p:nvPr/>
+        </p:nvSpPr>
+        <p:spPr>
+          <a:xfrm>
+            <a:off x="522514" y="6164815"/>
+            <a:ext cx="2817845" cy="369332"/>
+          </a:xfrm>
+          <a:prstGeom prst="rect">
+            <a:avLst/>
+          </a:prstGeom>
+          <a:noFill/>
+        </p:spPr>
+        <p:txBody>
+          <a:bodyPr wrap="square">
+            <a:spAutoFit/>
+          </a:bodyPr>
+          <a:lstStyle/>
+          <a:p>
+            <a:r>
+              <a:rPr lang="en-US" altLang="ko-KR" dirty="0">
+                <a:hlinkClick r:id="rId2"/>
+              </a:rPr>
+              <a:t>heartcom/Linux-Program</a:t>
+            </a:r>
+            <a:endParaRPr lang="ko-KR" altLang="en-US" dirty="0"/>
+          </a:p>
+        </p:txBody>
+      </p:sp>
     </p:spTree>
     <p:extLst>
       <p:ext uri="{BB962C8B-B14F-4D97-AF65-F5344CB8AC3E}">
@@ -8063,6 +8108,178 @@
         <p:cNvPr id="1" name="">
           <a:extLst>
             <a:ext uri="{FF2B5EF4-FFF2-40B4-BE49-F238E27FC236}">
+              <a16:creationId xmlns:a16="http://schemas.microsoft.com/office/drawing/2014/main" id="{7BD2315E-B11C-13EC-63C1-D494270368E6}"/>
+            </a:ext>
+          </a:extLst>
+        </p:cNvPr>
+        <p:cNvGrpSpPr/>
+        <p:nvPr/>
+      </p:nvGrpSpPr>
+      <p:grpSpPr>
+        <a:xfrm>
+          <a:off x="0" y="0"/>
+          <a:ext cx="0" cy="0"/>
+          <a:chOff x="0" y="0"/>
+          <a:chExt cx="0" cy="0"/>
+        </a:xfrm>
+      </p:grpSpPr>
+      <p:sp>
+        <p:nvSpPr>
+          <p:cNvPr id="3" name="직사각형 2">
+            <a:extLst>
+              <a:ext uri="{FF2B5EF4-FFF2-40B4-BE49-F238E27FC236}">
+                <a16:creationId xmlns:a16="http://schemas.microsoft.com/office/drawing/2014/main" id="{1DB5B5BD-380E-9DBA-7C64-50F8B82ABABA}"/>
+              </a:ext>
+            </a:extLst>
+          </p:cNvPr>
+          <p:cNvSpPr/>
+          <p:nvPr/>
+        </p:nvSpPr>
+        <p:spPr>
+          <a:xfrm>
+            <a:off x="0" y="0"/>
+            <a:ext cx="12192000" cy="3163078"/>
+          </a:xfrm>
+          <a:prstGeom prst="rect">
+            <a:avLst/>
+          </a:prstGeom>
+          <a:solidFill>
+            <a:schemeClr val="accent5">
+              <a:lumMod val="50000"/>
+            </a:schemeClr>
+          </a:solidFill>
+        </p:spPr>
+        <p:style>
+          <a:lnRef idx="2">
+            <a:schemeClr val="accent1">
+              <a:shade val="15000"/>
+            </a:schemeClr>
+          </a:lnRef>
+          <a:fillRef idx="1">
+            <a:schemeClr val="accent1"/>
+          </a:fillRef>
+          <a:effectRef idx="0">
+            <a:schemeClr val="accent1"/>
+          </a:effectRef>
+          <a:fontRef idx="minor">
+            <a:schemeClr val="lt1"/>
+          </a:fontRef>
+        </p:style>
+        <p:txBody>
+          <a:bodyPr rtlCol="0" anchor="ctr"/>
+          <a:lstStyle/>
+          <a:p>
+            <a:pPr marL="179388" algn="ctr"/>
+            <a:r>
+              <a:rPr lang="en-US" altLang="ko-KR" sz="4400" b="1" dirty="0"/>
+              <a:t>Python </a:t>
+            </a:r>
+            <a:r>
+              <a:rPr lang="ko-KR" altLang="en-US" sz="4400" b="1" dirty="0"/>
+              <a:t>가상 환경 구축</a:t>
+            </a:r>
+          </a:p>
+        </p:txBody>
+      </p:sp>
+      <p:sp>
+        <p:nvSpPr>
+          <p:cNvPr id="2" name="TextBox 1">
+            <a:extLst>
+              <a:ext uri="{FF2B5EF4-FFF2-40B4-BE49-F238E27FC236}">
+                <a16:creationId xmlns:a16="http://schemas.microsoft.com/office/drawing/2014/main" id="{7B6388A2-BFB5-723B-F6B7-58DC2DB0B4E7}"/>
+              </a:ext>
+            </a:extLst>
+          </p:cNvPr>
+          <p:cNvSpPr txBox="1"/>
+          <p:nvPr/>
+        </p:nvSpPr>
+        <p:spPr>
+          <a:xfrm>
+            <a:off x="3423920" y="3540760"/>
+            <a:ext cx="3270254" cy="1077218"/>
+          </a:xfrm>
+          <a:prstGeom prst="rect">
+            <a:avLst/>
+          </a:prstGeom>
+          <a:noFill/>
+        </p:spPr>
+        <p:txBody>
+          <a:bodyPr wrap="none" rtlCol="0">
+            <a:spAutoFit/>
+          </a:bodyPr>
+          <a:lstStyle/>
+          <a:p>
+            <a:pPr marL="342900" indent="-342900">
+              <a:buAutoNum type="arabicPeriod"/>
+            </a:pPr>
+            <a:r>
+              <a:rPr lang="en-US" altLang="ko-KR" sz="3200" dirty="0"/>
+              <a:t>PC </a:t>
+            </a:r>
+            <a:r>
+              <a:rPr lang="en-US" altLang="ko-KR" sz="3200" dirty="0">
+                <a:sym typeface="Wingdings" panose="05000000000000000000" pitchFamily="2" charset="2"/>
+              </a:rPr>
+              <a:t> </a:t>
+            </a:r>
+            <a:r>
+              <a:rPr lang="ko-KR" altLang="en-US" sz="3200" dirty="0"/>
+              <a:t> </a:t>
+            </a:r>
+            <a:r>
+              <a:rPr lang="en-US" altLang="ko-KR" sz="3200" dirty="0"/>
+              <a:t>anaconda</a:t>
+            </a:r>
+          </a:p>
+          <a:p>
+            <a:pPr marL="342900" indent="-342900">
+              <a:buAutoNum type="arabicPeriod"/>
+            </a:pPr>
+            <a:r>
+              <a:rPr lang="en-US" altLang="ko-KR" sz="3200" dirty="0" err="1"/>
+              <a:t>Rpi</a:t>
+            </a:r>
+            <a:r>
+              <a:rPr lang="en-US" altLang="ko-KR" sz="3200" dirty="0"/>
+              <a:t> </a:t>
+            </a:r>
+            <a:r>
+              <a:rPr lang="en-US" altLang="ko-KR" sz="3200" dirty="0">
+                <a:sym typeface="Wingdings" panose="05000000000000000000" pitchFamily="2" charset="2"/>
+              </a:rPr>
+              <a:t> </a:t>
+            </a:r>
+            <a:r>
+              <a:rPr lang="en-US" altLang="ko-KR" sz="3200" dirty="0" err="1">
+                <a:sym typeface="Wingdings" panose="05000000000000000000" pitchFamily="2" charset="2"/>
+              </a:rPr>
+              <a:t>venv</a:t>
+            </a:r>
+            <a:endParaRPr lang="ko-KR" altLang="en-US" sz="3200" dirty="0"/>
+          </a:p>
+        </p:txBody>
+      </p:sp>
+    </p:spTree>
+    <p:extLst>
+      <p:ext uri="{BB962C8B-B14F-4D97-AF65-F5344CB8AC3E}">
+        <p14:creationId xmlns:p14="http://schemas.microsoft.com/office/powerpoint/2010/main" val="1041995908"/>
+      </p:ext>
+    </p:extLst>
+  </p:cSld>
+  <p:clrMapOvr>
+    <a:masterClrMapping/>
+  </p:clrMapOvr>
+</p:sld>
+</file>
+
+<file path=ppt/slides/slide18.xml><?xml version="1.0" encoding="utf-8"?>
+<p:sld xmlns:a="http://schemas.openxmlformats.org/drawingml/2006/main" xmlns:r="http://schemas.openxmlformats.org/officeDocument/2006/relationships" xmlns:p="http://schemas.openxmlformats.org/presentationml/2006/main">
+  <p:cSld>
+    <p:spTree>
+      <p:nvGrpSpPr>
+        <p:cNvPr id="1" name="">
+          <a:extLst>
+            <a:ext uri="{FF2B5EF4-FFF2-40B4-BE49-F238E27FC236}">
               <a16:creationId xmlns:a16="http://schemas.microsoft.com/office/drawing/2014/main" id="{08F29169-11DB-0A25-9035-81DE825A9782}"/>
             </a:ext>
           </a:extLst>
@@ -8080,10 +8297,378 @@
       </p:grpSpPr>
       <p:sp>
         <p:nvSpPr>
-          <p:cNvPr id="4" name="TextBox 3">
+          <p:cNvPr id="2" name="직사각형 1">
             <a:extLst>
               <a:ext uri="{FF2B5EF4-FFF2-40B4-BE49-F238E27FC236}">
-                <a16:creationId xmlns:a16="http://schemas.microsoft.com/office/drawing/2014/main" id="{AEED1FAA-22C0-9FA2-30F6-17B308CA190D}"/>
+                <a16:creationId xmlns:a16="http://schemas.microsoft.com/office/drawing/2014/main" id="{9D8C3CCB-C50D-06C4-0512-81D94EF60491}"/>
+              </a:ext>
+            </a:extLst>
+          </p:cNvPr>
+          <p:cNvSpPr/>
+          <p:nvPr/>
+        </p:nvSpPr>
+        <p:spPr>
+          <a:xfrm>
+            <a:off x="3778898" y="1659"/>
+            <a:ext cx="8413102" cy="629938"/>
+          </a:xfrm>
+          <a:prstGeom prst="rect">
+            <a:avLst/>
+          </a:prstGeom>
+          <a:solidFill>
+            <a:schemeClr val="accent5">
+              <a:lumMod val="40000"/>
+              <a:lumOff val="60000"/>
+            </a:schemeClr>
+          </a:solidFill>
+        </p:spPr>
+        <p:style>
+          <a:lnRef idx="2">
+            <a:schemeClr val="accent1">
+              <a:shade val="50000"/>
+            </a:schemeClr>
+          </a:lnRef>
+          <a:fillRef idx="1">
+            <a:schemeClr val="accent1"/>
+          </a:fillRef>
+          <a:effectRef idx="0">
+            <a:schemeClr val="accent1"/>
+          </a:effectRef>
+          <a:fontRef idx="minor">
+            <a:schemeClr val="lt1"/>
+          </a:fontRef>
+        </p:style>
+        <p:txBody>
+          <a:bodyPr rtlCol="0" anchor="ctr"/>
+          <a:lstStyle/>
+          <a:p>
+            <a:pPr marL="465137" indent="-285750">
+              <a:buFont typeface="Wingdings" panose="05000000000000000000" pitchFamily="2" charset="2"/>
+              <a:buChar char="§"/>
+            </a:pPr>
+            <a:r>
+              <a:rPr lang="en-US" altLang="ko-KR" b="1" dirty="0">
+                <a:solidFill>
+                  <a:schemeClr val="tx1"/>
+                </a:solidFill>
+              </a:rPr>
+              <a:t>Download</a:t>
+            </a:r>
+            <a:endParaRPr lang="ko-KR" altLang="en-US" b="1" dirty="0">
+              <a:solidFill>
+                <a:schemeClr val="tx1"/>
+              </a:solidFill>
+            </a:endParaRPr>
+          </a:p>
+        </p:txBody>
+      </p:sp>
+      <p:pic>
+        <p:nvPicPr>
+          <p:cNvPr id="5" name="그림 4">
+            <a:extLst>
+              <a:ext uri="{FF2B5EF4-FFF2-40B4-BE49-F238E27FC236}">
+                <a16:creationId xmlns:a16="http://schemas.microsoft.com/office/drawing/2014/main" id="{794E6677-1245-AFCF-73D6-AF62716D2F60}"/>
+              </a:ext>
+            </a:extLst>
+          </p:cNvPr>
+          <p:cNvPicPr>
+            <a:picLocks noChangeAspect="1"/>
+          </p:cNvPicPr>
+          <p:nvPr/>
+        </p:nvPicPr>
+        <p:blipFill>
+          <a:blip r:embed="rId2"/>
+          <a:stretch>
+            <a:fillRect/>
+          </a:stretch>
+        </p:blipFill>
+        <p:spPr>
+          <a:xfrm>
+            <a:off x="519342" y="1324649"/>
+            <a:ext cx="5083790" cy="2800359"/>
+          </a:xfrm>
+          <a:prstGeom prst="rect">
+            <a:avLst/>
+          </a:prstGeom>
+          <a:ln w="22225">
+            <a:solidFill>
+              <a:schemeClr val="tx1">
+                <a:lumMod val="50000"/>
+                <a:lumOff val="50000"/>
+              </a:schemeClr>
+            </a:solidFill>
+          </a:ln>
+        </p:spPr>
+      </p:pic>
+      <p:pic>
+        <p:nvPicPr>
+          <p:cNvPr id="6" name="그림 5">
+            <a:extLst>
+              <a:ext uri="{FF2B5EF4-FFF2-40B4-BE49-F238E27FC236}">
+                <a16:creationId xmlns:a16="http://schemas.microsoft.com/office/drawing/2014/main" id="{37810730-97DB-A8D3-C718-AE02351FAA56}"/>
+              </a:ext>
+            </a:extLst>
+          </p:cNvPr>
+          <p:cNvPicPr>
+            <a:picLocks noChangeAspect="1"/>
+          </p:cNvPicPr>
+          <p:nvPr/>
+        </p:nvPicPr>
+        <p:blipFill>
+          <a:blip r:embed="rId3"/>
+          <a:stretch>
+            <a:fillRect/>
+          </a:stretch>
+        </p:blipFill>
+        <p:spPr>
+          <a:xfrm>
+            <a:off x="5950334" y="1324649"/>
+            <a:ext cx="5220364" cy="2800359"/>
+          </a:xfrm>
+          <a:prstGeom prst="rect">
+            <a:avLst/>
+          </a:prstGeom>
+          <a:ln w="19050">
+            <a:solidFill>
+              <a:schemeClr val="tx1">
+                <a:lumMod val="50000"/>
+                <a:lumOff val="50000"/>
+              </a:schemeClr>
+            </a:solidFill>
+          </a:ln>
+        </p:spPr>
+      </p:pic>
+      <p:sp>
+        <p:nvSpPr>
+          <p:cNvPr id="7" name="사각형: 둥근 모서리 6">
+            <a:extLst>
+              <a:ext uri="{FF2B5EF4-FFF2-40B4-BE49-F238E27FC236}">
+                <a16:creationId xmlns:a16="http://schemas.microsoft.com/office/drawing/2014/main" id="{992FDB8E-4825-57B0-F854-5F2EE45747DA}"/>
+              </a:ext>
+            </a:extLst>
+          </p:cNvPr>
+          <p:cNvSpPr/>
+          <p:nvPr/>
+        </p:nvSpPr>
+        <p:spPr>
+          <a:xfrm>
+            <a:off x="3385226" y="1955260"/>
+            <a:ext cx="2140085" cy="1916349"/>
+          </a:xfrm>
+          <a:prstGeom prst="roundRect">
+            <a:avLst/>
+          </a:prstGeom>
+          <a:noFill/>
+          <a:ln>
+            <a:solidFill>
+              <a:srgbClr val="C00000"/>
+            </a:solidFill>
+          </a:ln>
+        </p:spPr>
+        <p:style>
+          <a:lnRef idx="2">
+            <a:schemeClr val="accent1">
+              <a:shade val="50000"/>
+            </a:schemeClr>
+          </a:lnRef>
+          <a:fillRef idx="1">
+            <a:schemeClr val="accent1"/>
+          </a:fillRef>
+          <a:effectRef idx="0">
+            <a:schemeClr val="accent1"/>
+          </a:effectRef>
+          <a:fontRef idx="minor">
+            <a:schemeClr val="lt1"/>
+          </a:fontRef>
+        </p:style>
+        <p:txBody>
+          <a:bodyPr rtlCol="0" anchor="ctr"/>
+          <a:lstStyle/>
+          <a:p>
+            <a:pPr algn="ctr"/>
+            <a:endParaRPr lang="ko-KR" altLang="en-US"/>
+          </a:p>
+        </p:txBody>
+      </p:sp>
+      <p:sp>
+        <p:nvSpPr>
+          <p:cNvPr id="8" name="사각형: 둥근 모서리 7">
+            <a:extLst>
+              <a:ext uri="{FF2B5EF4-FFF2-40B4-BE49-F238E27FC236}">
+                <a16:creationId xmlns:a16="http://schemas.microsoft.com/office/drawing/2014/main" id="{94A8DA0B-4181-9FF6-00F8-27E07D692D6B}"/>
+              </a:ext>
+            </a:extLst>
+          </p:cNvPr>
+          <p:cNvSpPr/>
+          <p:nvPr/>
+        </p:nvSpPr>
+        <p:spPr>
+          <a:xfrm>
+            <a:off x="5979518" y="2962074"/>
+            <a:ext cx="888211" cy="306421"/>
+          </a:xfrm>
+          <a:prstGeom prst="roundRect">
+            <a:avLst/>
+          </a:prstGeom>
+          <a:noFill/>
+          <a:ln>
+            <a:solidFill>
+              <a:srgbClr val="C00000"/>
+            </a:solidFill>
+          </a:ln>
+        </p:spPr>
+        <p:style>
+          <a:lnRef idx="2">
+            <a:schemeClr val="accent1">
+              <a:shade val="50000"/>
+            </a:schemeClr>
+          </a:lnRef>
+          <a:fillRef idx="1">
+            <a:schemeClr val="accent1"/>
+          </a:fillRef>
+          <a:effectRef idx="0">
+            <a:schemeClr val="accent1"/>
+          </a:effectRef>
+          <a:fontRef idx="minor">
+            <a:schemeClr val="lt1"/>
+          </a:fontRef>
+        </p:style>
+        <p:txBody>
+          <a:bodyPr rtlCol="0" anchor="ctr"/>
+          <a:lstStyle/>
+          <a:p>
+            <a:pPr algn="ctr"/>
+            <a:endParaRPr lang="ko-KR" altLang="en-US"/>
+          </a:p>
+        </p:txBody>
+      </p:sp>
+      <p:sp>
+        <p:nvSpPr>
+          <p:cNvPr id="9" name="화살표: 아래쪽 8">
+            <a:extLst>
+              <a:ext uri="{FF2B5EF4-FFF2-40B4-BE49-F238E27FC236}">
+                <a16:creationId xmlns:a16="http://schemas.microsoft.com/office/drawing/2014/main" id="{F5AC9F4B-5814-0D01-2986-975C94B7585C}"/>
+              </a:ext>
+            </a:extLst>
+          </p:cNvPr>
+          <p:cNvSpPr/>
+          <p:nvPr/>
+        </p:nvSpPr>
+        <p:spPr>
+          <a:xfrm>
+            <a:off x="9832258" y="1032387"/>
+            <a:ext cx="304800" cy="501445"/>
+          </a:xfrm>
+          <a:prstGeom prst="downArrow">
+            <a:avLst/>
+          </a:prstGeom>
+          <a:solidFill>
+            <a:schemeClr val="accent2">
+              <a:lumMod val="50000"/>
+            </a:schemeClr>
+          </a:solidFill>
+        </p:spPr>
+        <p:style>
+          <a:lnRef idx="2">
+            <a:schemeClr val="accent1">
+              <a:shade val="15000"/>
+            </a:schemeClr>
+          </a:lnRef>
+          <a:fillRef idx="1">
+            <a:schemeClr val="accent1"/>
+          </a:fillRef>
+          <a:effectRef idx="0">
+            <a:schemeClr val="accent1"/>
+          </a:effectRef>
+          <a:fontRef idx="minor">
+            <a:schemeClr val="lt1"/>
+          </a:fontRef>
+        </p:style>
+        <p:txBody>
+          <a:bodyPr rtlCol="0" anchor="ctr"/>
+          <a:lstStyle/>
+          <a:p>
+            <a:pPr algn="ctr"/>
+            <a:endParaRPr lang="ko-KR" altLang="en-US"/>
+          </a:p>
+        </p:txBody>
+      </p:sp>
+      <p:sp>
+        <p:nvSpPr>
+          <p:cNvPr id="10" name="직사각형 9">
+            <a:extLst>
+              <a:ext uri="{FF2B5EF4-FFF2-40B4-BE49-F238E27FC236}">
+                <a16:creationId xmlns:a16="http://schemas.microsoft.com/office/drawing/2014/main" id="{F3BA46E5-6C00-CB2B-031B-DEAD503E3FA7}"/>
+              </a:ext>
+            </a:extLst>
+          </p:cNvPr>
+          <p:cNvSpPr/>
+          <p:nvPr/>
+        </p:nvSpPr>
+        <p:spPr>
+          <a:xfrm>
+            <a:off x="0" y="0"/>
+            <a:ext cx="3778898" cy="631596"/>
+          </a:xfrm>
+          <a:prstGeom prst="rect">
+            <a:avLst/>
+          </a:prstGeom>
+          <a:solidFill>
+            <a:schemeClr val="accent5">
+              <a:lumMod val="50000"/>
+            </a:schemeClr>
+          </a:solidFill>
+        </p:spPr>
+        <p:style>
+          <a:lnRef idx="2">
+            <a:schemeClr val="accent1">
+              <a:shade val="15000"/>
+            </a:schemeClr>
+          </a:lnRef>
+          <a:fillRef idx="1">
+            <a:schemeClr val="accent1"/>
+          </a:fillRef>
+          <a:effectRef idx="0">
+            <a:schemeClr val="accent1"/>
+          </a:effectRef>
+          <a:fontRef idx="minor">
+            <a:schemeClr val="lt1"/>
+          </a:fontRef>
+        </p:style>
+        <p:txBody>
+          <a:bodyPr rtlCol="0" anchor="ctr"/>
+          <a:lstStyle/>
+          <a:p>
+            <a:pPr marL="442913" indent="-263525">
+              <a:buFont typeface="Wingdings" panose="05000000000000000000" pitchFamily="2" charset="2"/>
+              <a:buChar char="§"/>
+            </a:pPr>
+            <a:r>
+              <a:rPr lang="en-US" altLang="ko-KR" sz="2000" b="1" dirty="0"/>
+              <a:t>Window </a:t>
+            </a:r>
+            <a:r>
+              <a:rPr lang="en-US" altLang="ko-KR" sz="2000" b="1" dirty="0">
+                <a:sym typeface="Wingdings" panose="05000000000000000000" pitchFamily="2" charset="2"/>
+              </a:rPr>
+              <a:t> </a:t>
+            </a:r>
+            <a:r>
+              <a:rPr lang="en-US" altLang="ko-KR" sz="2000" b="1" dirty="0" err="1">
+                <a:sym typeface="Wingdings" panose="05000000000000000000" pitchFamily="2" charset="2"/>
+              </a:rPr>
+              <a:t>Miniconda</a:t>
+            </a:r>
+            <a:endParaRPr lang="ko-KR" altLang="en-US" sz="2000" b="1" dirty="0"/>
+          </a:p>
+        </p:txBody>
+      </p:sp>
+      <p:sp>
+        <p:nvSpPr>
+          <p:cNvPr id="12" name="TextBox 11">
+            <a:extLst>
+              <a:ext uri="{FF2B5EF4-FFF2-40B4-BE49-F238E27FC236}">
+                <a16:creationId xmlns:a16="http://schemas.microsoft.com/office/drawing/2014/main" id="{E3B385A7-A27F-721C-BF2A-D67D67A7F73F}"/>
               </a:ext>
             </a:extLst>
           </p:cNvPr>
@@ -8092,8 +8677,8 @@
         </p:nvSpPr>
         <p:spPr>
           <a:xfrm>
-            <a:off x="10720799" y="5949864"/>
-            <a:ext cx="1013996" cy="584775"/>
+            <a:off x="494050" y="793456"/>
+            <a:ext cx="6101080" cy="369332"/>
           </a:xfrm>
           <a:prstGeom prst="rect">
             <a:avLst/>
@@ -8101,28 +8686,18 @@
           <a:noFill/>
         </p:spPr>
         <p:txBody>
-          <a:bodyPr wrap="none" rtlCol="0">
+          <a:bodyPr wrap="square">
             <a:spAutoFit/>
           </a:bodyPr>
           <a:lstStyle/>
           <a:p>
             <a:r>
-              <a:rPr lang="en-US" altLang="ko-KR" sz="3200" b="1" u="sng" dirty="0">
-                <a:solidFill>
-                  <a:schemeClr val="accent1">
-                    <a:lumMod val="50000"/>
-                  </a:schemeClr>
-                </a:solidFill>
+              <a:rPr lang="en-US" altLang="ko-KR" dirty="0">
+                <a:hlinkClick r:id="rId4"/>
               </a:rPr>
-              <a:t>END.</a:t>
-            </a:r>
-            <a:endParaRPr lang="ko-KR" altLang="en-US" sz="3200" b="1" u="sng" dirty="0">
-              <a:solidFill>
-                <a:schemeClr val="accent1">
-                  <a:lumMod val="50000"/>
-                </a:schemeClr>
-              </a:solidFill>
-            </a:endParaRPr>
+              <a:t>Download Success | Anaconda</a:t>
+            </a:r>
+            <a:endParaRPr lang="ko-KR" altLang="en-US" dirty="0"/>
           </a:p>
         </p:txBody>
       </p:sp>
@@ -8130,6 +8705,294 @@
     <p:extLst>
       <p:ext uri="{BB962C8B-B14F-4D97-AF65-F5344CB8AC3E}">
         <p14:creationId xmlns:p14="http://schemas.microsoft.com/office/powerpoint/2010/main" val="2298385242"/>
+      </p:ext>
+    </p:extLst>
+  </p:cSld>
+  <p:clrMapOvr>
+    <a:masterClrMapping/>
+  </p:clrMapOvr>
+</p:sld>
+</file>
+
+<file path=ppt/slides/slide19.xml><?xml version="1.0" encoding="utf-8"?>
+<p:sld xmlns:a="http://schemas.openxmlformats.org/drawingml/2006/main" xmlns:r="http://schemas.openxmlformats.org/officeDocument/2006/relationships" xmlns:p="http://schemas.openxmlformats.org/presentationml/2006/main">
+  <p:cSld>
+    <p:spTree>
+      <p:nvGrpSpPr>
+        <p:cNvPr id="1" name="">
+          <a:extLst>
+            <a:ext uri="{FF2B5EF4-FFF2-40B4-BE49-F238E27FC236}">
+              <a16:creationId xmlns:a16="http://schemas.microsoft.com/office/drawing/2014/main" id="{011D291E-979E-CFF9-ED6F-BA4D63BA142E}"/>
+            </a:ext>
+          </a:extLst>
+        </p:cNvPr>
+        <p:cNvGrpSpPr/>
+        <p:nvPr/>
+      </p:nvGrpSpPr>
+      <p:grpSpPr>
+        <a:xfrm>
+          <a:off x="0" y="0"/>
+          <a:ext cx="0" cy="0"/>
+          <a:chOff x="0" y="0"/>
+          <a:chExt cx="0" cy="0"/>
+        </a:xfrm>
+      </p:grpSpPr>
+      <p:sp>
+        <p:nvSpPr>
+          <p:cNvPr id="2" name="직사각형 1">
+            <a:extLst>
+              <a:ext uri="{FF2B5EF4-FFF2-40B4-BE49-F238E27FC236}">
+                <a16:creationId xmlns:a16="http://schemas.microsoft.com/office/drawing/2014/main" id="{240391E8-8AB1-C291-4C78-C2458DF91B1B}"/>
+              </a:ext>
+            </a:extLst>
+          </p:cNvPr>
+          <p:cNvSpPr/>
+          <p:nvPr/>
+        </p:nvSpPr>
+        <p:spPr>
+          <a:xfrm>
+            <a:off x="3778898" y="1659"/>
+            <a:ext cx="8413102" cy="629938"/>
+          </a:xfrm>
+          <a:prstGeom prst="rect">
+            <a:avLst/>
+          </a:prstGeom>
+          <a:solidFill>
+            <a:schemeClr val="accent5">
+              <a:lumMod val="40000"/>
+              <a:lumOff val="60000"/>
+            </a:schemeClr>
+          </a:solidFill>
+        </p:spPr>
+        <p:style>
+          <a:lnRef idx="2">
+            <a:schemeClr val="accent1">
+              <a:shade val="50000"/>
+            </a:schemeClr>
+          </a:lnRef>
+          <a:fillRef idx="1">
+            <a:schemeClr val="accent1"/>
+          </a:fillRef>
+          <a:effectRef idx="0">
+            <a:schemeClr val="accent1"/>
+          </a:effectRef>
+          <a:fontRef idx="minor">
+            <a:schemeClr val="lt1"/>
+          </a:fontRef>
+        </p:style>
+        <p:txBody>
+          <a:bodyPr rtlCol="0" anchor="ctr"/>
+          <a:lstStyle/>
+          <a:p>
+            <a:pPr marL="465137" indent="-285750">
+              <a:buFont typeface="Wingdings" panose="05000000000000000000" pitchFamily="2" charset="2"/>
+              <a:buChar char="§"/>
+            </a:pPr>
+            <a:r>
+              <a:rPr lang="en-US" altLang="ko-KR" b="1" dirty="0">
+                <a:solidFill>
+                  <a:schemeClr val="tx1"/>
+                </a:solidFill>
+              </a:rPr>
+              <a:t>Anaconda Prompt </a:t>
+            </a:r>
+            <a:r>
+              <a:rPr lang="ko-KR" altLang="en-US" b="1" dirty="0">
+                <a:solidFill>
+                  <a:schemeClr val="tx1"/>
+                </a:solidFill>
+              </a:rPr>
+              <a:t>실행</a:t>
+            </a:r>
+          </a:p>
+        </p:txBody>
+      </p:sp>
+      <p:sp>
+        <p:nvSpPr>
+          <p:cNvPr id="10" name="직사각형 9">
+            <a:extLst>
+              <a:ext uri="{FF2B5EF4-FFF2-40B4-BE49-F238E27FC236}">
+                <a16:creationId xmlns:a16="http://schemas.microsoft.com/office/drawing/2014/main" id="{43501B21-6AC8-D395-7A00-CF0DFC4165C2}"/>
+              </a:ext>
+            </a:extLst>
+          </p:cNvPr>
+          <p:cNvSpPr/>
+          <p:nvPr/>
+        </p:nvSpPr>
+        <p:spPr>
+          <a:xfrm>
+            <a:off x="0" y="0"/>
+            <a:ext cx="3778898" cy="631596"/>
+          </a:xfrm>
+          <a:prstGeom prst="rect">
+            <a:avLst/>
+          </a:prstGeom>
+          <a:solidFill>
+            <a:schemeClr val="accent5">
+              <a:lumMod val="50000"/>
+            </a:schemeClr>
+          </a:solidFill>
+        </p:spPr>
+        <p:style>
+          <a:lnRef idx="2">
+            <a:schemeClr val="accent1">
+              <a:shade val="15000"/>
+            </a:schemeClr>
+          </a:lnRef>
+          <a:fillRef idx="1">
+            <a:schemeClr val="accent1"/>
+          </a:fillRef>
+          <a:effectRef idx="0">
+            <a:schemeClr val="accent1"/>
+          </a:effectRef>
+          <a:fontRef idx="minor">
+            <a:schemeClr val="lt1"/>
+          </a:fontRef>
+        </p:style>
+        <p:txBody>
+          <a:bodyPr rtlCol="0" anchor="ctr"/>
+          <a:lstStyle/>
+          <a:p>
+            <a:pPr marL="442913" indent="-263525">
+              <a:buFont typeface="Wingdings" panose="05000000000000000000" pitchFamily="2" charset="2"/>
+              <a:buChar char="§"/>
+            </a:pPr>
+            <a:r>
+              <a:rPr lang="en-US" altLang="ko-KR" sz="2000" b="1" dirty="0"/>
+              <a:t>Window </a:t>
+            </a:r>
+            <a:r>
+              <a:rPr lang="en-US" altLang="ko-KR" sz="2000" b="1" dirty="0">
+                <a:sym typeface="Wingdings" panose="05000000000000000000" pitchFamily="2" charset="2"/>
+              </a:rPr>
+              <a:t> </a:t>
+            </a:r>
+            <a:r>
+              <a:rPr lang="en-US" altLang="ko-KR" sz="2000" b="1" dirty="0" err="1">
+                <a:sym typeface="Wingdings" panose="05000000000000000000" pitchFamily="2" charset="2"/>
+              </a:rPr>
+              <a:t>Miniconda</a:t>
+            </a:r>
+            <a:endParaRPr lang="ko-KR" altLang="en-US" sz="2000" b="1" dirty="0"/>
+          </a:p>
+        </p:txBody>
+      </p:sp>
+      <p:pic>
+        <p:nvPicPr>
+          <p:cNvPr id="3" name="그림 2">
+            <a:extLst>
+              <a:ext uri="{FF2B5EF4-FFF2-40B4-BE49-F238E27FC236}">
+                <a16:creationId xmlns:a16="http://schemas.microsoft.com/office/drawing/2014/main" id="{B03FBD2A-3AFF-9ED5-BAF8-E336162E8580}"/>
+              </a:ext>
+            </a:extLst>
+          </p:cNvPr>
+          <p:cNvPicPr>
+            <a:picLocks noChangeAspect="1"/>
+          </p:cNvPicPr>
+          <p:nvPr/>
+        </p:nvPicPr>
+        <p:blipFill>
+          <a:blip r:embed="rId2"/>
+          <a:stretch>
+            <a:fillRect/>
+          </a:stretch>
+        </p:blipFill>
+        <p:spPr>
+          <a:xfrm>
+            <a:off x="336582" y="856033"/>
+            <a:ext cx="5759418" cy="4756826"/>
+          </a:xfrm>
+          <a:prstGeom prst="rect">
+            <a:avLst/>
+          </a:prstGeom>
+        </p:spPr>
+      </p:pic>
+      <p:sp>
+        <p:nvSpPr>
+          <p:cNvPr id="4" name="사각형: 둥근 모서리 3">
+            <a:extLst>
+              <a:ext uri="{FF2B5EF4-FFF2-40B4-BE49-F238E27FC236}">
+                <a16:creationId xmlns:a16="http://schemas.microsoft.com/office/drawing/2014/main" id="{D17360D7-FC89-2BC2-92FD-C8F821CC3B4F}"/>
+              </a:ext>
+            </a:extLst>
+          </p:cNvPr>
+          <p:cNvSpPr/>
+          <p:nvPr/>
+        </p:nvSpPr>
+        <p:spPr>
+          <a:xfrm>
+            <a:off x="3200403" y="3093396"/>
+            <a:ext cx="1322960" cy="262647"/>
+          </a:xfrm>
+          <a:prstGeom prst="roundRect">
+            <a:avLst/>
+          </a:prstGeom>
+          <a:noFill/>
+          <a:ln>
+            <a:solidFill>
+              <a:srgbClr val="C00000"/>
+            </a:solidFill>
+          </a:ln>
+        </p:spPr>
+        <p:style>
+          <a:lnRef idx="2">
+            <a:schemeClr val="accent1">
+              <a:shade val="50000"/>
+            </a:schemeClr>
+          </a:lnRef>
+          <a:fillRef idx="1">
+            <a:schemeClr val="accent1"/>
+          </a:fillRef>
+          <a:effectRef idx="0">
+            <a:schemeClr val="accent1"/>
+          </a:effectRef>
+          <a:fontRef idx="minor">
+            <a:schemeClr val="lt1"/>
+          </a:fontRef>
+        </p:style>
+        <p:txBody>
+          <a:bodyPr rtlCol="0" anchor="ctr"/>
+          <a:lstStyle/>
+          <a:p>
+            <a:pPr algn="ctr"/>
+            <a:endParaRPr lang="ko-KR" altLang="en-US"/>
+          </a:p>
+        </p:txBody>
+      </p:sp>
+      <p:pic>
+        <p:nvPicPr>
+          <p:cNvPr id="11" name="그림 10">
+            <a:extLst>
+              <a:ext uri="{FF2B5EF4-FFF2-40B4-BE49-F238E27FC236}">
+                <a16:creationId xmlns:a16="http://schemas.microsoft.com/office/drawing/2014/main" id="{5A9E41F5-57B1-FFF4-193C-08E1AC47EB18}"/>
+              </a:ext>
+            </a:extLst>
+          </p:cNvPr>
+          <p:cNvPicPr>
+            <a:picLocks noChangeAspect="1"/>
+          </p:cNvPicPr>
+          <p:nvPr/>
+        </p:nvPicPr>
+        <p:blipFill>
+          <a:blip r:embed="rId3"/>
+          <a:stretch>
+            <a:fillRect/>
+          </a:stretch>
+        </p:blipFill>
+        <p:spPr>
+          <a:xfrm>
+            <a:off x="6541946" y="856033"/>
+            <a:ext cx="4458322" cy="2295845"/>
+          </a:xfrm>
+          <a:prstGeom prst="rect">
+            <a:avLst/>
+          </a:prstGeom>
+        </p:spPr>
+      </p:pic>
+    </p:spTree>
+    <p:extLst>
+      <p:ext uri="{BB962C8B-B14F-4D97-AF65-F5344CB8AC3E}">
+        <p14:creationId xmlns:p14="http://schemas.microsoft.com/office/powerpoint/2010/main" val="2346607438"/>
       </p:ext>
     </p:extLst>
   </p:cSld>
@@ -8333,6 +9196,3652 @@
     <p:extLst>
       <p:ext uri="{BB962C8B-B14F-4D97-AF65-F5344CB8AC3E}">
         <p14:creationId xmlns:p14="http://schemas.microsoft.com/office/powerpoint/2010/main" val="2142845943"/>
+      </p:ext>
+    </p:extLst>
+  </p:cSld>
+  <p:clrMapOvr>
+    <a:masterClrMapping/>
+  </p:clrMapOvr>
+</p:sld>
+</file>
+
+<file path=ppt/slides/slide20.xml><?xml version="1.0" encoding="utf-8"?>
+<p:sld xmlns:a="http://schemas.openxmlformats.org/drawingml/2006/main" xmlns:r="http://schemas.openxmlformats.org/officeDocument/2006/relationships" xmlns:p="http://schemas.openxmlformats.org/presentationml/2006/main">
+  <p:cSld>
+    <p:spTree>
+      <p:nvGrpSpPr>
+        <p:cNvPr id="1" name="">
+          <a:extLst>
+            <a:ext uri="{FF2B5EF4-FFF2-40B4-BE49-F238E27FC236}">
+              <a16:creationId xmlns:a16="http://schemas.microsoft.com/office/drawing/2014/main" id="{694C1904-4A1E-3432-7040-2E7227DFD8A7}"/>
+            </a:ext>
+          </a:extLst>
+        </p:cNvPr>
+        <p:cNvGrpSpPr/>
+        <p:nvPr/>
+      </p:nvGrpSpPr>
+      <p:grpSpPr>
+        <a:xfrm>
+          <a:off x="0" y="0"/>
+          <a:ext cx="0" cy="0"/>
+          <a:chOff x="0" y="0"/>
+          <a:chExt cx="0" cy="0"/>
+        </a:xfrm>
+      </p:grpSpPr>
+      <p:sp>
+        <p:nvSpPr>
+          <p:cNvPr id="2" name="직사각형 1">
+            <a:extLst>
+              <a:ext uri="{FF2B5EF4-FFF2-40B4-BE49-F238E27FC236}">
+                <a16:creationId xmlns:a16="http://schemas.microsoft.com/office/drawing/2014/main" id="{BF953E05-95ED-5858-1DA0-2B48AD5F8D8B}"/>
+              </a:ext>
+            </a:extLst>
+          </p:cNvPr>
+          <p:cNvSpPr/>
+          <p:nvPr/>
+        </p:nvSpPr>
+        <p:spPr>
+          <a:xfrm>
+            <a:off x="3778898" y="1659"/>
+            <a:ext cx="8413102" cy="629938"/>
+          </a:xfrm>
+          <a:prstGeom prst="rect">
+            <a:avLst/>
+          </a:prstGeom>
+          <a:solidFill>
+            <a:schemeClr val="accent5">
+              <a:lumMod val="40000"/>
+              <a:lumOff val="60000"/>
+            </a:schemeClr>
+          </a:solidFill>
+        </p:spPr>
+        <p:style>
+          <a:lnRef idx="2">
+            <a:schemeClr val="accent1">
+              <a:shade val="50000"/>
+            </a:schemeClr>
+          </a:lnRef>
+          <a:fillRef idx="1">
+            <a:schemeClr val="accent1"/>
+          </a:fillRef>
+          <a:effectRef idx="0">
+            <a:schemeClr val="accent1"/>
+          </a:effectRef>
+          <a:fontRef idx="minor">
+            <a:schemeClr val="lt1"/>
+          </a:fontRef>
+        </p:style>
+        <p:txBody>
+          <a:bodyPr rtlCol="0" anchor="ctr"/>
+          <a:lstStyle/>
+          <a:p>
+            <a:pPr marL="465137" indent="-285750">
+              <a:buFont typeface="Wingdings" panose="05000000000000000000" pitchFamily="2" charset="2"/>
+              <a:buChar char="§"/>
+            </a:pPr>
+            <a:r>
+              <a:rPr lang="en-US" altLang="ko-KR" b="1" dirty="0" err="1">
+                <a:solidFill>
+                  <a:schemeClr val="tx1"/>
+                </a:solidFill>
+              </a:rPr>
+              <a:t>conda</a:t>
+            </a:r>
+            <a:r>
+              <a:rPr lang="ko-KR" altLang="en-US" b="1" dirty="0">
+                <a:solidFill>
+                  <a:schemeClr val="tx1"/>
+                </a:solidFill>
+              </a:rPr>
+              <a:t> 명령어</a:t>
+            </a:r>
+          </a:p>
+        </p:txBody>
+      </p:sp>
+      <p:sp>
+        <p:nvSpPr>
+          <p:cNvPr id="10" name="직사각형 9">
+            <a:extLst>
+              <a:ext uri="{FF2B5EF4-FFF2-40B4-BE49-F238E27FC236}">
+                <a16:creationId xmlns:a16="http://schemas.microsoft.com/office/drawing/2014/main" id="{FE83B18E-7CC0-1670-0A64-6764988D5EA0}"/>
+              </a:ext>
+            </a:extLst>
+          </p:cNvPr>
+          <p:cNvSpPr/>
+          <p:nvPr/>
+        </p:nvSpPr>
+        <p:spPr>
+          <a:xfrm>
+            <a:off x="0" y="0"/>
+            <a:ext cx="3778898" cy="631596"/>
+          </a:xfrm>
+          <a:prstGeom prst="rect">
+            <a:avLst/>
+          </a:prstGeom>
+          <a:solidFill>
+            <a:schemeClr val="accent5">
+              <a:lumMod val="50000"/>
+            </a:schemeClr>
+          </a:solidFill>
+        </p:spPr>
+        <p:style>
+          <a:lnRef idx="2">
+            <a:schemeClr val="accent1">
+              <a:shade val="15000"/>
+            </a:schemeClr>
+          </a:lnRef>
+          <a:fillRef idx="1">
+            <a:schemeClr val="accent1"/>
+          </a:fillRef>
+          <a:effectRef idx="0">
+            <a:schemeClr val="accent1"/>
+          </a:effectRef>
+          <a:fontRef idx="minor">
+            <a:schemeClr val="lt1"/>
+          </a:fontRef>
+        </p:style>
+        <p:txBody>
+          <a:bodyPr rtlCol="0" anchor="ctr"/>
+          <a:lstStyle/>
+          <a:p>
+            <a:pPr marL="442913" indent="-263525">
+              <a:buFont typeface="Wingdings" panose="05000000000000000000" pitchFamily="2" charset="2"/>
+              <a:buChar char="§"/>
+            </a:pPr>
+            <a:r>
+              <a:rPr lang="en-US" altLang="ko-KR" sz="2000" b="1" dirty="0"/>
+              <a:t>Window </a:t>
+            </a:r>
+            <a:r>
+              <a:rPr lang="en-US" altLang="ko-KR" sz="2000" b="1" dirty="0">
+                <a:sym typeface="Wingdings" panose="05000000000000000000" pitchFamily="2" charset="2"/>
+              </a:rPr>
+              <a:t> </a:t>
+            </a:r>
+            <a:r>
+              <a:rPr lang="en-US" altLang="ko-KR" sz="2000" b="1" dirty="0" err="1">
+                <a:sym typeface="Wingdings" panose="05000000000000000000" pitchFamily="2" charset="2"/>
+              </a:rPr>
+              <a:t>Miniconda</a:t>
+            </a:r>
+            <a:endParaRPr lang="ko-KR" altLang="en-US" sz="2000" b="1" dirty="0"/>
+          </a:p>
+        </p:txBody>
+      </p:sp>
+      <p:graphicFrame>
+        <p:nvGraphicFramePr>
+          <p:cNvPr id="5" name="표 4">
+            <a:extLst>
+              <a:ext uri="{FF2B5EF4-FFF2-40B4-BE49-F238E27FC236}">
+                <a16:creationId xmlns:a16="http://schemas.microsoft.com/office/drawing/2014/main" id="{5AF4D29A-C983-D699-97F0-E76164CC1851}"/>
+              </a:ext>
+            </a:extLst>
+          </p:cNvPr>
+          <p:cNvGraphicFramePr>
+            <a:graphicFrameLocks noGrp="1"/>
+          </p:cNvGraphicFramePr>
+          <p:nvPr>
+            <p:extLst>
+              <p:ext uri="{D42A27DB-BD31-4B8C-83A1-F6EECF244321}">
+                <p14:modId xmlns:p14="http://schemas.microsoft.com/office/powerpoint/2010/main" val="4006308211"/>
+              </p:ext>
+            </p:extLst>
+          </p:nvPr>
+        </p:nvGraphicFramePr>
+        <p:xfrm>
+          <a:off x="835496" y="826669"/>
+          <a:ext cx="10726027" cy="5525490"/>
+        </p:xfrm>
+        <a:graphic>
+          <a:graphicData uri="http://schemas.openxmlformats.org/drawingml/2006/table">
+            <a:tbl>
+              <a:tblPr firstRow="1" bandRow="1">
+                <a:tableStyleId>{5940675A-B579-460E-94D1-54222C63F5DA}</a:tableStyleId>
+              </a:tblPr>
+              <a:tblGrid>
+                <a:gridCol w="4650904">
+                  <a:extLst>
+                    <a:ext uri="{9D8B030D-6E8A-4147-A177-3AD203B41FA5}">
+                      <a16:colId xmlns:a16="http://schemas.microsoft.com/office/drawing/2014/main" val="1949829391"/>
+                    </a:ext>
+                  </a:extLst>
+                </a:gridCol>
+                <a:gridCol w="2455101">
+                  <a:extLst>
+                    <a:ext uri="{9D8B030D-6E8A-4147-A177-3AD203B41FA5}">
+                      <a16:colId xmlns:a16="http://schemas.microsoft.com/office/drawing/2014/main" val="1782897615"/>
+                    </a:ext>
+                  </a:extLst>
+                </a:gridCol>
+                <a:gridCol w="3620022">
+                  <a:extLst>
+                    <a:ext uri="{9D8B030D-6E8A-4147-A177-3AD203B41FA5}">
+                      <a16:colId xmlns:a16="http://schemas.microsoft.com/office/drawing/2014/main" val="2065192971"/>
+                    </a:ext>
+                  </a:extLst>
+                </a:gridCol>
+              </a:tblGrid>
+              <a:tr h="457325">
+                <a:tc>
+                  <a:txBody>
+                    <a:bodyPr/>
+                    <a:lstStyle/>
+                    <a:p>
+                      <a:pPr algn="ctr" latinLnBrk="1"/>
+                      <a:r>
+                        <a:rPr lang="ko-KR" altLang="en-US" sz="1600" b="1" dirty="0">
+                          <a:solidFill>
+                            <a:schemeClr val="tx1"/>
+                          </a:solidFill>
+                        </a:rPr>
+                        <a:t>명령어</a:t>
+                      </a:r>
+                    </a:p>
+                  </a:txBody>
+                  <a:tcPr anchor="ctr">
+                    <a:solidFill>
+                      <a:schemeClr val="accent3">
+                        <a:lumMod val="20000"/>
+                        <a:lumOff val="80000"/>
+                      </a:schemeClr>
+                    </a:solidFill>
+                  </a:tcPr>
+                </a:tc>
+                <a:tc>
+                  <a:txBody>
+                    <a:bodyPr/>
+                    <a:lstStyle/>
+                    <a:p>
+                      <a:pPr algn="ctr" latinLnBrk="1"/>
+                      <a:r>
+                        <a:rPr lang="ko-KR" altLang="en-US" sz="1600" b="1" dirty="0">
+                          <a:solidFill>
+                            <a:schemeClr val="tx1"/>
+                          </a:solidFill>
+                        </a:rPr>
+                        <a:t>용 도 </a:t>
+                      </a:r>
+                    </a:p>
+                  </a:txBody>
+                  <a:tcPr anchor="ctr">
+                    <a:solidFill>
+                      <a:schemeClr val="accent3">
+                        <a:lumMod val="20000"/>
+                        <a:lumOff val="80000"/>
+                      </a:schemeClr>
+                    </a:solidFill>
+                  </a:tcPr>
+                </a:tc>
+                <a:tc>
+                  <a:txBody>
+                    <a:bodyPr/>
+                    <a:lstStyle/>
+                    <a:p>
+                      <a:pPr algn="ctr" latinLnBrk="1"/>
+                      <a:r>
+                        <a:rPr lang="ko-KR" altLang="en-US" sz="1600" b="1" dirty="0">
+                          <a:solidFill>
+                            <a:schemeClr val="tx1"/>
+                          </a:solidFill>
+                        </a:rPr>
+                        <a:t>설명</a:t>
+                      </a:r>
+                    </a:p>
+                  </a:txBody>
+                  <a:tcPr anchor="ctr">
+                    <a:solidFill>
+                      <a:schemeClr val="accent3">
+                        <a:lumMod val="20000"/>
+                        <a:lumOff val="80000"/>
+                      </a:schemeClr>
+                    </a:solidFill>
+                  </a:tcPr>
+                </a:tc>
+                <a:extLst>
+                  <a:ext uri="{0D108BD9-81ED-4DB2-BD59-A6C34878D82A}">
+                    <a16:rowId xmlns:a16="http://schemas.microsoft.com/office/drawing/2014/main" val="710943637"/>
+                  </a:ext>
+                </a:extLst>
+              </a:tr>
+              <a:tr h="457325">
+                <a:tc>
+                  <a:txBody>
+                    <a:bodyPr/>
+                    <a:lstStyle/>
+                    <a:p>
+                      <a:pPr algn="ctr" latinLnBrk="1"/>
+                      <a:r>
+                        <a:rPr lang="en-US" altLang="ko-KR" sz="1400" dirty="0"/>
+                        <a:t>Conda</a:t>
+                      </a:r>
+                      <a:r>
+                        <a:rPr lang="ko-KR" altLang="en-US" sz="1400" dirty="0"/>
+                        <a:t> </a:t>
+                      </a:r>
+                      <a:r>
+                        <a:rPr lang="en-US" altLang="ko-KR" sz="1400" dirty="0"/>
+                        <a:t>--version</a:t>
+                      </a:r>
+                      <a:endParaRPr lang="ko-KR" altLang="en-US" sz="1400" dirty="0"/>
+                    </a:p>
+                  </a:txBody>
+                  <a:tcPr anchor="ctr"/>
+                </a:tc>
+                <a:tc>
+                  <a:txBody>
+                    <a:bodyPr/>
+                    <a:lstStyle/>
+                    <a:p>
+                      <a:pPr algn="ctr" latinLnBrk="1"/>
+                      <a:r>
+                        <a:rPr lang="en-US" altLang="ko-KR" sz="1400" dirty="0"/>
+                        <a:t>Conda </a:t>
+                      </a:r>
+                      <a:r>
+                        <a:rPr lang="ko-KR" altLang="en-US" sz="1400" dirty="0"/>
+                        <a:t>버전 확인</a:t>
+                      </a:r>
+                    </a:p>
+                  </a:txBody>
+                  <a:tcPr anchor="ctr"/>
+                </a:tc>
+                <a:tc>
+                  <a:txBody>
+                    <a:bodyPr/>
+                    <a:lstStyle/>
+                    <a:p>
+                      <a:pPr algn="l" latinLnBrk="1"/>
+                      <a:r>
+                        <a:rPr lang="en-US" altLang="ko-KR" sz="1400" dirty="0" err="1"/>
+                        <a:t>conda</a:t>
+                      </a:r>
+                      <a:r>
+                        <a:rPr lang="ko-KR" altLang="en-US" sz="1400" dirty="0"/>
+                        <a:t>가 정상 설치되었는지 확인</a:t>
+                      </a:r>
+                    </a:p>
+                  </a:txBody>
+                  <a:tcPr anchor="ctr"/>
+                </a:tc>
+                <a:extLst>
+                  <a:ext uri="{0D108BD9-81ED-4DB2-BD59-A6C34878D82A}">
+                    <a16:rowId xmlns:a16="http://schemas.microsoft.com/office/drawing/2014/main" val="3928154577"/>
+                  </a:ext>
+                </a:extLst>
+              </a:tr>
+              <a:tr h="457325">
+                <a:tc>
+                  <a:txBody>
+                    <a:bodyPr/>
+                    <a:lstStyle/>
+                    <a:p>
+                      <a:pPr algn="ctr" latinLnBrk="1"/>
+                      <a:r>
+                        <a:rPr lang="en-US" altLang="ko-KR" sz="1600" b="1" dirty="0" err="1"/>
+                        <a:t>conda</a:t>
+                      </a:r>
+                      <a:r>
+                        <a:rPr lang="en-US" altLang="ko-KR" sz="1600" b="1" dirty="0"/>
+                        <a:t> env list</a:t>
+                      </a:r>
+                      <a:endParaRPr lang="ko-KR" altLang="en-US" sz="1600" b="1" dirty="0"/>
+                    </a:p>
+                  </a:txBody>
+                  <a:tcPr anchor="ctr"/>
+                </a:tc>
+                <a:tc>
+                  <a:txBody>
+                    <a:bodyPr/>
+                    <a:lstStyle/>
+                    <a:p>
+                      <a:pPr algn="ctr" latinLnBrk="1"/>
+                      <a:r>
+                        <a:rPr lang="ko-KR" altLang="en-US" sz="1400" dirty="0"/>
+                        <a:t>환경 목록 확인</a:t>
+                      </a:r>
+                    </a:p>
+                  </a:txBody>
+                  <a:tcPr anchor="ctr"/>
+                </a:tc>
+                <a:tc>
+                  <a:txBody>
+                    <a:bodyPr/>
+                    <a:lstStyle/>
+                    <a:p>
+                      <a:pPr algn="l" latinLnBrk="1"/>
+                      <a:r>
+                        <a:rPr lang="ko-KR" altLang="en-US" sz="1400" dirty="0"/>
+                        <a:t>모든 가상환경 목록 보기</a:t>
+                      </a:r>
+                      <a:r>
+                        <a:rPr lang="en-US" altLang="ko-KR" sz="1400" dirty="0"/>
+                        <a:t>(python </a:t>
+                      </a:r>
+                      <a:r>
+                        <a:rPr lang="ko-KR" altLang="en-US" sz="1400" dirty="0"/>
+                        <a:t>버전</a:t>
+                      </a:r>
+                      <a:r>
+                        <a:rPr lang="en-US" altLang="ko-KR" sz="1400" dirty="0"/>
+                        <a:t>)</a:t>
+                      </a:r>
+                      <a:endParaRPr lang="ko-KR" altLang="en-US" sz="1400" dirty="0"/>
+                    </a:p>
+                  </a:txBody>
+                  <a:tcPr anchor="ctr"/>
+                </a:tc>
+                <a:extLst>
+                  <a:ext uri="{0D108BD9-81ED-4DB2-BD59-A6C34878D82A}">
+                    <a16:rowId xmlns:a16="http://schemas.microsoft.com/office/drawing/2014/main" val="1472796606"/>
+                  </a:ext>
+                </a:extLst>
+              </a:tr>
+              <a:tr h="457325">
+                <a:tc>
+                  <a:txBody>
+                    <a:bodyPr/>
+                    <a:lstStyle/>
+                    <a:p>
+                      <a:pPr algn="ctr" latinLnBrk="1"/>
+                      <a:r>
+                        <a:rPr lang="en-US" altLang="ko-KR" sz="1400" b="1" dirty="0" err="1"/>
+                        <a:t>conda</a:t>
+                      </a:r>
+                      <a:r>
+                        <a:rPr lang="en-US" altLang="ko-KR" sz="1400" b="1" dirty="0"/>
+                        <a:t> create -n [</a:t>
+                      </a:r>
+                      <a:r>
+                        <a:rPr lang="ko-KR" altLang="en-US" sz="1400" b="1" dirty="0"/>
+                        <a:t>환경이름</a:t>
+                      </a:r>
+                      <a:r>
+                        <a:rPr lang="en-US" altLang="ko-KR" sz="1400" b="1" dirty="0"/>
+                        <a:t>] python=[</a:t>
+                      </a:r>
+                      <a:r>
+                        <a:rPr lang="ko-KR" altLang="en-US" sz="1400" b="1" dirty="0"/>
+                        <a:t>버전</a:t>
+                      </a:r>
+                      <a:r>
+                        <a:rPr lang="en-US" altLang="ko-KR" sz="1400" b="1" dirty="0"/>
+                        <a:t>]</a:t>
+                      </a:r>
+                      <a:endParaRPr lang="ko-KR" altLang="en-US" sz="1400" b="1" dirty="0"/>
+                    </a:p>
+                  </a:txBody>
+                  <a:tcPr anchor="ctr"/>
+                </a:tc>
+                <a:tc>
+                  <a:txBody>
+                    <a:bodyPr/>
+                    <a:lstStyle/>
+                    <a:p>
+                      <a:pPr algn="ctr" latinLnBrk="1"/>
+                      <a:r>
+                        <a:rPr lang="ko-KR" altLang="en-US" sz="1400" dirty="0"/>
+                        <a:t>환경 생성</a:t>
+                      </a:r>
+                    </a:p>
+                  </a:txBody>
+                  <a:tcPr anchor="ctr"/>
+                </a:tc>
+                <a:tc>
+                  <a:txBody>
+                    <a:bodyPr/>
+                    <a:lstStyle/>
+                    <a:p>
+                      <a:pPr algn="l" latinLnBrk="1"/>
+                      <a:r>
+                        <a:rPr lang="en-US" altLang="ko-KR" sz="1400" dirty="0" err="1"/>
+                        <a:t>conda</a:t>
+                      </a:r>
+                      <a:r>
+                        <a:rPr lang="en-US" altLang="ko-KR" sz="1400" dirty="0"/>
+                        <a:t> create -n py38 python=3.8</a:t>
+                      </a:r>
+                      <a:endParaRPr lang="ko-KR" altLang="en-US" sz="1400" dirty="0"/>
+                    </a:p>
+                  </a:txBody>
+                  <a:tcPr anchor="ctr"/>
+                </a:tc>
+                <a:extLst>
+                  <a:ext uri="{0D108BD9-81ED-4DB2-BD59-A6C34878D82A}">
+                    <a16:rowId xmlns:a16="http://schemas.microsoft.com/office/drawing/2014/main" val="3637515597"/>
+                  </a:ext>
+                </a:extLst>
+              </a:tr>
+              <a:tr h="457325">
+                <a:tc>
+                  <a:txBody>
+                    <a:bodyPr/>
+                    <a:lstStyle/>
+                    <a:p>
+                      <a:pPr algn="ctr" latinLnBrk="1"/>
+                      <a:r>
+                        <a:rPr lang="en-US" altLang="ko-KR" sz="1400" dirty="0" err="1"/>
+                        <a:t>conda</a:t>
+                      </a:r>
+                      <a:r>
+                        <a:rPr lang="en-US" altLang="ko-KR" sz="1400" dirty="0"/>
+                        <a:t> activate [</a:t>
+                      </a:r>
+                      <a:r>
+                        <a:rPr lang="ko-KR" altLang="en-US" sz="1400" dirty="0"/>
+                        <a:t>환경이름</a:t>
+                      </a:r>
+                      <a:r>
+                        <a:rPr lang="en-US" altLang="ko-KR" sz="1400" dirty="0"/>
+                        <a:t>]</a:t>
+                      </a:r>
+                      <a:endParaRPr lang="ko-KR" altLang="en-US" sz="1400" dirty="0"/>
+                    </a:p>
+                  </a:txBody>
+                  <a:tcPr anchor="ctr"/>
+                </a:tc>
+                <a:tc>
+                  <a:txBody>
+                    <a:bodyPr/>
+                    <a:lstStyle/>
+                    <a:p>
+                      <a:pPr algn="ctr" latinLnBrk="1"/>
+                      <a:r>
+                        <a:rPr lang="ko-KR" altLang="en-US" sz="1400" dirty="0"/>
+                        <a:t>환경 활성화</a:t>
+                      </a:r>
+                    </a:p>
+                  </a:txBody>
+                  <a:tcPr anchor="ctr"/>
+                </a:tc>
+                <a:tc>
+                  <a:txBody>
+                    <a:bodyPr/>
+                    <a:lstStyle/>
+                    <a:p>
+                      <a:pPr algn="l" latinLnBrk="1"/>
+                      <a:r>
+                        <a:rPr lang="ko-KR" altLang="en-US" sz="1400" dirty="0"/>
+                        <a:t>예</a:t>
+                      </a:r>
+                      <a:r>
+                        <a:rPr lang="en-US" altLang="ko-KR" sz="1400" dirty="0"/>
+                        <a:t>: </a:t>
+                      </a:r>
+                      <a:r>
+                        <a:rPr lang="en-US" altLang="ko-KR" sz="1400" dirty="0" err="1"/>
+                        <a:t>conda</a:t>
+                      </a:r>
+                      <a:r>
+                        <a:rPr lang="en-US" altLang="ko-KR" sz="1400" dirty="0"/>
+                        <a:t> activate py38</a:t>
+                      </a:r>
+                      <a:endParaRPr lang="ko-KR" altLang="en-US" sz="1400" dirty="0"/>
+                    </a:p>
+                  </a:txBody>
+                  <a:tcPr anchor="ctr"/>
+                </a:tc>
+                <a:extLst>
+                  <a:ext uri="{0D108BD9-81ED-4DB2-BD59-A6C34878D82A}">
+                    <a16:rowId xmlns:a16="http://schemas.microsoft.com/office/drawing/2014/main" val="4093238599"/>
+                  </a:ext>
+                </a:extLst>
+              </a:tr>
+              <a:tr h="457325">
+                <a:tc>
+                  <a:txBody>
+                    <a:bodyPr/>
+                    <a:lstStyle/>
+                    <a:p>
+                      <a:pPr algn="ctr" latinLnBrk="1"/>
+                      <a:r>
+                        <a:rPr lang="en-US" altLang="ko-KR" sz="1400" dirty="0" err="1"/>
+                        <a:t>conda</a:t>
+                      </a:r>
+                      <a:r>
+                        <a:rPr lang="en-US" altLang="ko-KR" sz="1400" dirty="0"/>
+                        <a:t> deactivate</a:t>
+                      </a:r>
+                      <a:endParaRPr lang="ko-KR" altLang="en-US" sz="1400" dirty="0"/>
+                    </a:p>
+                  </a:txBody>
+                  <a:tcPr anchor="ctr"/>
+                </a:tc>
+                <a:tc>
+                  <a:txBody>
+                    <a:bodyPr/>
+                    <a:lstStyle/>
+                    <a:p>
+                      <a:pPr algn="ctr" latinLnBrk="1"/>
+                      <a:r>
+                        <a:rPr lang="ko-KR" altLang="en-US" sz="1400" dirty="0"/>
+                        <a:t>환경 비활성화</a:t>
+                      </a:r>
+                    </a:p>
+                  </a:txBody>
+                  <a:tcPr anchor="ctr"/>
+                </a:tc>
+                <a:tc>
+                  <a:txBody>
+                    <a:bodyPr/>
+                    <a:lstStyle/>
+                    <a:p>
+                      <a:pPr algn="l" latinLnBrk="1"/>
+                      <a:r>
+                        <a:rPr lang="ko-KR" altLang="en-US" sz="1400" dirty="0"/>
+                        <a:t>현재 활성화된 환경 끄기</a:t>
+                      </a:r>
+                    </a:p>
+                  </a:txBody>
+                  <a:tcPr anchor="ctr"/>
+                </a:tc>
+                <a:extLst>
+                  <a:ext uri="{0D108BD9-81ED-4DB2-BD59-A6C34878D82A}">
+                    <a16:rowId xmlns:a16="http://schemas.microsoft.com/office/drawing/2014/main" val="672353977"/>
+                  </a:ext>
+                </a:extLst>
+              </a:tr>
+              <a:tr h="639002">
+                <a:tc>
+                  <a:txBody>
+                    <a:bodyPr/>
+                    <a:lstStyle/>
+                    <a:p>
+                      <a:pPr algn="ctr" latinLnBrk="1"/>
+                      <a:r>
+                        <a:rPr lang="en-US" altLang="ko-KR" sz="1400" dirty="0" err="1"/>
+                        <a:t>conda</a:t>
+                      </a:r>
+                      <a:r>
+                        <a:rPr lang="en-US" altLang="ko-KR" sz="1400" dirty="0"/>
+                        <a:t> install [</a:t>
+                      </a:r>
+                      <a:r>
+                        <a:rPr lang="ko-KR" altLang="en-US" sz="1400" dirty="0"/>
+                        <a:t>패키지명</a:t>
+                      </a:r>
+                      <a:r>
+                        <a:rPr lang="en-US" altLang="ko-KR" sz="1400" dirty="0"/>
+                        <a:t>] </a:t>
+                      </a:r>
+                      <a:r>
+                        <a:rPr lang="ko-KR" altLang="en-US" sz="1400" dirty="0"/>
+                        <a:t>또는</a:t>
+                      </a:r>
+                      <a:endParaRPr lang="en-US" altLang="ko-KR" sz="1400" dirty="0"/>
+                    </a:p>
+                    <a:p>
+                      <a:pPr marL="0" marR="0" lvl="0" indent="0" algn="ctr" defTabSz="914400" rtl="0" eaLnBrk="1" fontAlgn="auto" latinLnBrk="1" hangingPunct="1">
+                        <a:lnSpc>
+                          <a:spcPct val="100000"/>
+                        </a:lnSpc>
+                        <a:spcBef>
+                          <a:spcPts val="0"/>
+                        </a:spcBef>
+                        <a:spcAft>
+                          <a:spcPts val="0"/>
+                        </a:spcAft>
+                        <a:buClrTx/>
+                        <a:buSzTx/>
+                        <a:buFontTx/>
+                        <a:buNone/>
+                        <a:tabLst/>
+                        <a:defRPr/>
+                      </a:pPr>
+                      <a:r>
+                        <a:rPr lang="en-US" altLang="ko-KR" sz="1400" dirty="0"/>
+                        <a:t>Pip</a:t>
+                      </a:r>
+                      <a:r>
+                        <a:rPr lang="ko-KR" altLang="en-US" sz="1400" dirty="0"/>
+                        <a:t> </a:t>
+                      </a:r>
+                      <a:r>
+                        <a:rPr lang="en-US" altLang="ko-KR" sz="1400" dirty="0"/>
+                        <a:t>install</a:t>
+                      </a:r>
+                      <a:r>
+                        <a:rPr lang="ko-KR" altLang="en-US" sz="1400" dirty="0"/>
+                        <a:t>  </a:t>
+                      </a:r>
+                      <a:r>
+                        <a:rPr lang="en-US" altLang="ko-KR" sz="1400" dirty="0"/>
+                        <a:t>[</a:t>
+                      </a:r>
+                      <a:r>
+                        <a:rPr lang="ko-KR" altLang="en-US" sz="1400" dirty="0"/>
+                        <a:t>패키지명</a:t>
+                      </a:r>
+                      <a:r>
+                        <a:rPr lang="en-US" altLang="ko-KR" sz="1400" dirty="0"/>
+                        <a:t>]</a:t>
+                      </a:r>
+                      <a:endParaRPr lang="ko-KR" altLang="en-US" sz="1400" dirty="0"/>
+                    </a:p>
+                  </a:txBody>
+                  <a:tcPr anchor="ctr"/>
+                </a:tc>
+                <a:tc>
+                  <a:txBody>
+                    <a:bodyPr/>
+                    <a:lstStyle/>
+                    <a:p>
+                      <a:pPr algn="ctr" latinLnBrk="1"/>
+                      <a:r>
+                        <a:rPr lang="ko-KR" altLang="en-US" sz="1400" dirty="0"/>
+                        <a:t>패키지 설치</a:t>
+                      </a:r>
+                    </a:p>
+                  </a:txBody>
+                  <a:tcPr anchor="ctr"/>
+                </a:tc>
+                <a:tc>
+                  <a:txBody>
+                    <a:bodyPr/>
+                    <a:lstStyle/>
+                    <a:p>
+                      <a:pPr algn="l" latinLnBrk="1"/>
+                      <a:r>
+                        <a:rPr lang="ko-KR" altLang="en-US" sz="1400" dirty="0"/>
+                        <a:t>예</a:t>
+                      </a:r>
+                      <a:r>
+                        <a:rPr lang="en-US" altLang="ko-KR" sz="1400" dirty="0"/>
+                        <a:t>: </a:t>
+                      </a:r>
+                      <a:r>
+                        <a:rPr lang="en-US" altLang="ko-KR" sz="1400" dirty="0" err="1"/>
+                        <a:t>conda</a:t>
+                      </a:r>
+                      <a:r>
+                        <a:rPr lang="en-US" altLang="ko-KR" sz="1400" dirty="0"/>
+                        <a:t> install </a:t>
+                      </a:r>
+                      <a:r>
+                        <a:rPr lang="en-US" altLang="ko-KR" sz="1400" dirty="0" err="1"/>
+                        <a:t>numpy</a:t>
+                      </a:r>
+                      <a:endParaRPr lang="ko-KR" altLang="en-US" sz="1400" dirty="0"/>
+                    </a:p>
+                  </a:txBody>
+                  <a:tcPr anchor="ctr"/>
+                </a:tc>
+                <a:extLst>
+                  <a:ext uri="{0D108BD9-81ED-4DB2-BD59-A6C34878D82A}">
+                    <a16:rowId xmlns:a16="http://schemas.microsoft.com/office/drawing/2014/main" val="1669081489"/>
+                  </a:ext>
+                </a:extLst>
+              </a:tr>
+              <a:tr h="639002">
+                <a:tc>
+                  <a:txBody>
+                    <a:bodyPr/>
+                    <a:lstStyle/>
+                    <a:p>
+                      <a:pPr algn="ctr" latinLnBrk="1"/>
+                      <a:r>
+                        <a:rPr lang="en-US" altLang="ko-KR" sz="1400" dirty="0" err="1"/>
+                        <a:t>conda</a:t>
+                      </a:r>
+                      <a:r>
+                        <a:rPr lang="en-US" altLang="ko-KR" sz="1400" dirty="0"/>
+                        <a:t> remove [</a:t>
+                      </a:r>
+                      <a:r>
+                        <a:rPr lang="ko-KR" altLang="en-US" sz="1400" dirty="0"/>
+                        <a:t>패키지명</a:t>
+                      </a:r>
+                      <a:r>
+                        <a:rPr lang="en-US" altLang="ko-KR" sz="1400" dirty="0"/>
+                        <a:t>] </a:t>
+                      </a:r>
+                      <a:r>
+                        <a:rPr lang="ko-KR" altLang="en-US" sz="1400" dirty="0"/>
+                        <a:t>또는</a:t>
+                      </a:r>
+                      <a:endParaRPr lang="en-US" altLang="ko-KR" sz="1400" dirty="0"/>
+                    </a:p>
+                    <a:p>
+                      <a:pPr marL="0" marR="0" lvl="0" indent="0" algn="ctr" defTabSz="914400" rtl="0" eaLnBrk="1" fontAlgn="auto" latinLnBrk="1" hangingPunct="1">
+                        <a:lnSpc>
+                          <a:spcPct val="100000"/>
+                        </a:lnSpc>
+                        <a:spcBef>
+                          <a:spcPts val="0"/>
+                        </a:spcBef>
+                        <a:spcAft>
+                          <a:spcPts val="0"/>
+                        </a:spcAft>
+                        <a:buClrTx/>
+                        <a:buSzTx/>
+                        <a:buFontTx/>
+                        <a:buNone/>
+                        <a:tabLst/>
+                        <a:defRPr/>
+                      </a:pPr>
+                      <a:r>
+                        <a:rPr lang="en-US" altLang="ko-KR" sz="1400" dirty="0"/>
+                        <a:t>pip</a:t>
+                      </a:r>
+                      <a:r>
+                        <a:rPr lang="ko-KR" altLang="en-US" sz="1400" dirty="0"/>
+                        <a:t> </a:t>
+                      </a:r>
+                      <a:r>
+                        <a:rPr lang="en-US" altLang="ko-KR" sz="1400" dirty="0"/>
+                        <a:t>uninstall</a:t>
+                      </a:r>
+                      <a:r>
+                        <a:rPr lang="ko-KR" altLang="en-US" sz="1400" dirty="0"/>
+                        <a:t>  </a:t>
+                      </a:r>
+                      <a:r>
+                        <a:rPr lang="en-US" altLang="ko-KR" sz="1400" dirty="0"/>
+                        <a:t>[</a:t>
+                      </a:r>
+                      <a:r>
+                        <a:rPr lang="ko-KR" altLang="en-US" sz="1400" dirty="0"/>
+                        <a:t>패키지명</a:t>
+                      </a:r>
+                      <a:r>
+                        <a:rPr lang="en-US" altLang="ko-KR" sz="1400" dirty="0"/>
+                        <a:t>]</a:t>
+                      </a:r>
+                      <a:endParaRPr lang="ko-KR" altLang="en-US" sz="1400" dirty="0"/>
+                    </a:p>
+                  </a:txBody>
+                  <a:tcPr anchor="ctr"/>
+                </a:tc>
+                <a:tc>
+                  <a:txBody>
+                    <a:bodyPr/>
+                    <a:lstStyle/>
+                    <a:p>
+                      <a:pPr algn="ctr" latinLnBrk="1"/>
+                      <a:r>
+                        <a:rPr lang="ko-KR" altLang="en-US" sz="1400" dirty="0"/>
+                        <a:t>패키지 삭제</a:t>
+                      </a:r>
+                    </a:p>
+                  </a:txBody>
+                  <a:tcPr anchor="ctr"/>
+                </a:tc>
+                <a:tc>
+                  <a:txBody>
+                    <a:bodyPr/>
+                    <a:lstStyle/>
+                    <a:p>
+                      <a:pPr algn="l" latinLnBrk="1"/>
+                      <a:r>
+                        <a:rPr lang="ko-KR" altLang="en-US" sz="1400" dirty="0"/>
+                        <a:t>예</a:t>
+                      </a:r>
+                      <a:r>
+                        <a:rPr lang="en-US" altLang="ko-KR" sz="1400" dirty="0"/>
+                        <a:t>: </a:t>
+                      </a:r>
+                      <a:r>
+                        <a:rPr lang="en-US" altLang="ko-KR" sz="1400" dirty="0" err="1"/>
+                        <a:t>conda</a:t>
+                      </a:r>
+                      <a:r>
+                        <a:rPr lang="en-US" altLang="ko-KR" sz="1400" dirty="0"/>
+                        <a:t> remove </a:t>
+                      </a:r>
+                      <a:r>
+                        <a:rPr lang="en-US" altLang="ko-KR" sz="1400" dirty="0" err="1"/>
+                        <a:t>numpy</a:t>
+                      </a:r>
+                      <a:endParaRPr lang="ko-KR" altLang="en-US" sz="1400" dirty="0"/>
+                    </a:p>
+                  </a:txBody>
+                  <a:tcPr anchor="ctr"/>
+                </a:tc>
+                <a:extLst>
+                  <a:ext uri="{0D108BD9-81ED-4DB2-BD59-A6C34878D82A}">
+                    <a16:rowId xmlns:a16="http://schemas.microsoft.com/office/drawing/2014/main" val="702360871"/>
+                  </a:ext>
+                </a:extLst>
+              </a:tr>
+              <a:tr h="375884">
+                <a:tc>
+                  <a:txBody>
+                    <a:bodyPr/>
+                    <a:lstStyle/>
+                    <a:p>
+                      <a:pPr algn="ctr" latinLnBrk="1"/>
+                      <a:r>
+                        <a:rPr lang="en-US" altLang="ko-KR" sz="1400" dirty="0" err="1"/>
+                        <a:t>conda</a:t>
+                      </a:r>
+                      <a:r>
+                        <a:rPr lang="en-US" altLang="ko-KR" sz="1400" dirty="0"/>
+                        <a:t> list</a:t>
+                      </a:r>
+                      <a:endParaRPr lang="ko-KR" altLang="en-US" sz="1400" dirty="0"/>
+                    </a:p>
+                  </a:txBody>
+                  <a:tcPr anchor="ctr"/>
+                </a:tc>
+                <a:tc>
+                  <a:txBody>
+                    <a:bodyPr/>
+                    <a:lstStyle/>
+                    <a:p>
+                      <a:pPr algn="ctr" latinLnBrk="1"/>
+                      <a:r>
+                        <a:rPr lang="ko-KR" altLang="en-US" sz="1400" dirty="0"/>
+                        <a:t>패키지 목록 확인</a:t>
+                      </a:r>
+                    </a:p>
+                  </a:txBody>
+                  <a:tcPr anchor="ctr"/>
+                </a:tc>
+                <a:tc>
+                  <a:txBody>
+                    <a:bodyPr/>
+                    <a:lstStyle/>
+                    <a:p>
+                      <a:pPr algn="l" latinLnBrk="1"/>
+                      <a:r>
+                        <a:rPr lang="ko-KR" altLang="en-US" sz="1400" dirty="0"/>
+                        <a:t>현재 환경에 설치된 패키지 보기</a:t>
+                      </a:r>
+                    </a:p>
+                  </a:txBody>
+                  <a:tcPr anchor="ctr"/>
+                </a:tc>
+                <a:extLst>
+                  <a:ext uri="{0D108BD9-81ED-4DB2-BD59-A6C34878D82A}">
+                    <a16:rowId xmlns:a16="http://schemas.microsoft.com/office/drawing/2014/main" val="1500572271"/>
+                  </a:ext>
+                </a:extLst>
+              </a:tr>
+              <a:tr h="375884">
+                <a:tc>
+                  <a:txBody>
+                    <a:bodyPr/>
+                    <a:lstStyle/>
+                    <a:p>
+                      <a:pPr algn="ctr"/>
+                      <a:r>
+                        <a:rPr lang="en-US" altLang="ko-KR" sz="1400" dirty="0" err="1"/>
+                        <a:t>conda</a:t>
+                      </a:r>
+                      <a:r>
+                        <a:rPr lang="en-US" altLang="ko-KR" sz="1400" dirty="0"/>
+                        <a:t> remove -n [</a:t>
+                      </a:r>
+                      <a:r>
+                        <a:rPr lang="ko-KR" altLang="en-US" sz="1400" dirty="0"/>
+                        <a:t>환경이름</a:t>
+                      </a:r>
+                      <a:r>
+                        <a:rPr lang="en-US" altLang="ko-KR" sz="1400" dirty="0"/>
+                        <a:t>] --all</a:t>
+                      </a:r>
+                    </a:p>
+                  </a:txBody>
+                  <a:tcPr anchor="ctr"/>
+                </a:tc>
+                <a:tc>
+                  <a:txBody>
+                    <a:bodyPr/>
+                    <a:lstStyle/>
+                    <a:p>
+                      <a:pPr algn="ctr"/>
+                      <a:r>
+                        <a:rPr lang="ko-KR" altLang="en-US" sz="1400" dirty="0"/>
+                        <a:t>환경 삭제</a:t>
+                      </a:r>
+                      <a:endParaRPr lang="en-US" sz="1400" dirty="0"/>
+                    </a:p>
+                  </a:txBody>
+                  <a:tcPr anchor="ctr"/>
+                </a:tc>
+                <a:tc>
+                  <a:txBody>
+                    <a:bodyPr/>
+                    <a:lstStyle/>
+                    <a:p>
+                      <a:pPr algn="l" latinLnBrk="1"/>
+                      <a:r>
+                        <a:rPr lang="ko-KR" altLang="en-US" sz="1400" dirty="0"/>
+                        <a:t>예</a:t>
+                      </a:r>
+                      <a:r>
+                        <a:rPr lang="en-US" altLang="ko-KR" sz="1400" dirty="0"/>
+                        <a:t>: </a:t>
+                      </a:r>
+                      <a:r>
+                        <a:rPr lang="en-US" altLang="ko-KR" sz="1400" dirty="0" err="1"/>
+                        <a:t>conda</a:t>
+                      </a:r>
+                      <a:r>
+                        <a:rPr lang="en-US" altLang="ko-KR" sz="1400" dirty="0"/>
+                        <a:t> remove -n py38 --all</a:t>
+                      </a:r>
+                      <a:endParaRPr lang="ko-KR" altLang="en-US" sz="1400" dirty="0"/>
+                    </a:p>
+                  </a:txBody>
+                  <a:tcPr anchor="ctr"/>
+                </a:tc>
+                <a:extLst>
+                  <a:ext uri="{0D108BD9-81ED-4DB2-BD59-A6C34878D82A}">
+                    <a16:rowId xmlns:a16="http://schemas.microsoft.com/office/drawing/2014/main" val="1970989389"/>
+                  </a:ext>
+                </a:extLst>
+              </a:tr>
+              <a:tr h="375884">
+                <a:tc>
+                  <a:txBody>
+                    <a:bodyPr/>
+                    <a:lstStyle/>
+                    <a:p>
+                      <a:pPr algn="ctr" latinLnBrk="1"/>
+                      <a:r>
+                        <a:rPr lang="en-US" altLang="ko-KR" sz="1400" dirty="0" err="1"/>
+                        <a:t>conda</a:t>
+                      </a:r>
+                      <a:r>
+                        <a:rPr lang="en-US" altLang="ko-KR" sz="1400" dirty="0"/>
+                        <a:t> search [</a:t>
+                      </a:r>
+                      <a:r>
+                        <a:rPr lang="ko-KR" altLang="en-US" sz="1400" dirty="0"/>
+                        <a:t>패키지명</a:t>
+                      </a:r>
+                      <a:r>
+                        <a:rPr lang="en-US" altLang="ko-KR" sz="1400" dirty="0"/>
+                        <a:t>]</a:t>
+                      </a:r>
+                      <a:endParaRPr lang="ko-KR" altLang="en-US" sz="1400" dirty="0"/>
+                    </a:p>
+                  </a:txBody>
+                  <a:tcPr anchor="ctr"/>
+                </a:tc>
+                <a:tc>
+                  <a:txBody>
+                    <a:bodyPr/>
+                    <a:lstStyle/>
+                    <a:p>
+                      <a:pPr algn="ctr" latinLnBrk="1"/>
+                      <a:r>
+                        <a:rPr lang="ko-KR" altLang="en-US" sz="1400" dirty="0"/>
+                        <a:t>패키지 검색</a:t>
+                      </a:r>
+                    </a:p>
+                  </a:txBody>
+                  <a:tcPr anchor="ctr"/>
+                </a:tc>
+                <a:tc>
+                  <a:txBody>
+                    <a:bodyPr/>
+                    <a:lstStyle/>
+                    <a:p>
+                      <a:pPr algn="l" latinLnBrk="1"/>
+                      <a:r>
+                        <a:rPr lang="ko-KR" altLang="en-US" sz="1400" dirty="0"/>
+                        <a:t>설치 가능한 패키지 확인</a:t>
+                      </a:r>
+                    </a:p>
+                  </a:txBody>
+                  <a:tcPr anchor="ctr"/>
+                </a:tc>
+                <a:extLst>
+                  <a:ext uri="{0D108BD9-81ED-4DB2-BD59-A6C34878D82A}">
+                    <a16:rowId xmlns:a16="http://schemas.microsoft.com/office/drawing/2014/main" val="2458425717"/>
+                  </a:ext>
+                </a:extLst>
+              </a:tr>
+              <a:tr h="375884">
+                <a:tc>
+                  <a:txBody>
+                    <a:bodyPr/>
+                    <a:lstStyle/>
+                    <a:p>
+                      <a:pPr algn="ctr" latinLnBrk="1"/>
+                      <a:r>
+                        <a:rPr lang="en-US" altLang="ko-KR" sz="1400" dirty="0" err="1"/>
+                        <a:t>conda</a:t>
+                      </a:r>
+                      <a:r>
+                        <a:rPr lang="en-US" altLang="ko-KR" sz="1400" dirty="0"/>
+                        <a:t> update </a:t>
+                      </a:r>
+                      <a:r>
+                        <a:rPr lang="en-US" altLang="ko-KR" sz="1400" dirty="0" err="1"/>
+                        <a:t>conda</a:t>
+                      </a:r>
+                      <a:endParaRPr lang="ko-KR" altLang="en-US" sz="1400" dirty="0"/>
+                    </a:p>
+                  </a:txBody>
+                  <a:tcPr anchor="ctr"/>
+                </a:tc>
+                <a:tc>
+                  <a:txBody>
+                    <a:bodyPr/>
+                    <a:lstStyle/>
+                    <a:p>
+                      <a:pPr algn="ctr" latinLnBrk="1"/>
+                      <a:r>
+                        <a:rPr lang="en-US" altLang="ko-KR" sz="1400" dirty="0"/>
+                        <a:t>Conda </a:t>
+                      </a:r>
+                      <a:r>
+                        <a:rPr lang="ko-KR" altLang="en-US" sz="1400" dirty="0"/>
+                        <a:t>업데이트</a:t>
+                      </a:r>
+                    </a:p>
+                  </a:txBody>
+                  <a:tcPr anchor="ctr"/>
+                </a:tc>
+                <a:tc>
+                  <a:txBody>
+                    <a:bodyPr/>
+                    <a:lstStyle/>
+                    <a:p>
+                      <a:pPr algn="l"/>
+                      <a:r>
+                        <a:rPr lang="en-US" altLang="ko-KR" sz="1400" dirty="0" err="1"/>
+                        <a:t>conda</a:t>
+                      </a:r>
+                      <a:r>
+                        <a:rPr lang="en-US" altLang="ko-KR" sz="1400" dirty="0"/>
+                        <a:t> </a:t>
+                      </a:r>
+                      <a:r>
+                        <a:rPr lang="ko-KR" altLang="en-US" sz="1400" dirty="0"/>
+                        <a:t>자체 최신 버전으로 업데이트</a:t>
+                      </a:r>
+                    </a:p>
+                  </a:txBody>
+                  <a:tcPr anchor="ctr"/>
+                </a:tc>
+                <a:extLst>
+                  <a:ext uri="{0D108BD9-81ED-4DB2-BD59-A6C34878D82A}">
+                    <a16:rowId xmlns:a16="http://schemas.microsoft.com/office/drawing/2014/main" val="2170102575"/>
+                  </a:ext>
+                </a:extLst>
+              </a:tr>
+            </a:tbl>
+          </a:graphicData>
+        </a:graphic>
+      </p:graphicFrame>
+    </p:spTree>
+    <p:extLst>
+      <p:ext uri="{BB962C8B-B14F-4D97-AF65-F5344CB8AC3E}">
+        <p14:creationId xmlns:p14="http://schemas.microsoft.com/office/powerpoint/2010/main" val="2355340685"/>
+      </p:ext>
+    </p:extLst>
+  </p:cSld>
+  <p:clrMapOvr>
+    <a:masterClrMapping/>
+  </p:clrMapOvr>
+</p:sld>
+</file>
+
+<file path=ppt/slides/slide21.xml><?xml version="1.0" encoding="utf-8"?>
+<p:sld xmlns:a="http://schemas.openxmlformats.org/drawingml/2006/main" xmlns:r="http://schemas.openxmlformats.org/officeDocument/2006/relationships" xmlns:p="http://schemas.openxmlformats.org/presentationml/2006/main">
+  <p:cSld>
+    <p:spTree>
+      <p:nvGrpSpPr>
+        <p:cNvPr id="1" name="">
+          <a:extLst>
+            <a:ext uri="{FF2B5EF4-FFF2-40B4-BE49-F238E27FC236}">
+              <a16:creationId xmlns:a16="http://schemas.microsoft.com/office/drawing/2014/main" id="{F4B89D2F-AA13-9BDA-3FDB-A97EEF6A75BA}"/>
+            </a:ext>
+          </a:extLst>
+        </p:cNvPr>
+        <p:cNvGrpSpPr/>
+        <p:nvPr/>
+      </p:nvGrpSpPr>
+      <p:grpSpPr>
+        <a:xfrm>
+          <a:off x="0" y="0"/>
+          <a:ext cx="0" cy="0"/>
+          <a:chOff x="0" y="0"/>
+          <a:chExt cx="0" cy="0"/>
+        </a:xfrm>
+      </p:grpSpPr>
+      <p:sp>
+        <p:nvSpPr>
+          <p:cNvPr id="2" name="직사각형 1">
+            <a:extLst>
+              <a:ext uri="{FF2B5EF4-FFF2-40B4-BE49-F238E27FC236}">
+                <a16:creationId xmlns:a16="http://schemas.microsoft.com/office/drawing/2014/main" id="{D047C8B6-E84C-6FF9-9571-C16C34E0BDDA}"/>
+              </a:ext>
+            </a:extLst>
+          </p:cNvPr>
+          <p:cNvSpPr/>
+          <p:nvPr/>
+        </p:nvSpPr>
+        <p:spPr>
+          <a:xfrm>
+            <a:off x="3778898" y="1659"/>
+            <a:ext cx="8413102" cy="629938"/>
+          </a:xfrm>
+          <a:prstGeom prst="rect">
+            <a:avLst/>
+          </a:prstGeom>
+          <a:solidFill>
+            <a:schemeClr val="accent5">
+              <a:lumMod val="40000"/>
+              <a:lumOff val="60000"/>
+            </a:schemeClr>
+          </a:solidFill>
+        </p:spPr>
+        <p:style>
+          <a:lnRef idx="2">
+            <a:schemeClr val="accent1">
+              <a:shade val="50000"/>
+            </a:schemeClr>
+          </a:lnRef>
+          <a:fillRef idx="1">
+            <a:schemeClr val="accent1"/>
+          </a:fillRef>
+          <a:effectRef idx="0">
+            <a:schemeClr val="accent1"/>
+          </a:effectRef>
+          <a:fontRef idx="minor">
+            <a:schemeClr val="lt1"/>
+          </a:fontRef>
+        </p:style>
+        <p:txBody>
+          <a:bodyPr rtlCol="0" anchor="ctr"/>
+          <a:lstStyle/>
+          <a:p>
+            <a:pPr marL="465137" indent="-285750">
+              <a:buFont typeface="Wingdings" panose="05000000000000000000" pitchFamily="2" charset="2"/>
+              <a:buChar char="§"/>
+            </a:pPr>
+            <a:r>
+              <a:rPr lang="en-US" altLang="ko-KR" b="1" dirty="0" err="1">
+                <a:solidFill>
+                  <a:schemeClr val="tx1"/>
+                </a:solidFill>
+              </a:rPr>
+              <a:t>conda</a:t>
+            </a:r>
+            <a:r>
+              <a:rPr lang="en-US" altLang="ko-KR" b="1" dirty="0">
+                <a:solidFill>
+                  <a:schemeClr val="tx1"/>
+                </a:solidFill>
+              </a:rPr>
+              <a:t> </a:t>
+            </a:r>
+            <a:r>
+              <a:rPr lang="ko-KR" altLang="en-US" b="1" dirty="0">
+                <a:solidFill>
+                  <a:schemeClr val="tx1"/>
+                </a:solidFill>
+              </a:rPr>
+              <a:t>가상 환경 만들기</a:t>
+            </a:r>
+          </a:p>
+        </p:txBody>
+      </p:sp>
+      <p:sp>
+        <p:nvSpPr>
+          <p:cNvPr id="10" name="직사각형 9">
+            <a:extLst>
+              <a:ext uri="{FF2B5EF4-FFF2-40B4-BE49-F238E27FC236}">
+                <a16:creationId xmlns:a16="http://schemas.microsoft.com/office/drawing/2014/main" id="{59F985D8-A7E6-E06C-597A-5AE530C64613}"/>
+              </a:ext>
+            </a:extLst>
+          </p:cNvPr>
+          <p:cNvSpPr/>
+          <p:nvPr/>
+        </p:nvSpPr>
+        <p:spPr>
+          <a:xfrm>
+            <a:off x="0" y="0"/>
+            <a:ext cx="3778898" cy="631596"/>
+          </a:xfrm>
+          <a:prstGeom prst="rect">
+            <a:avLst/>
+          </a:prstGeom>
+          <a:solidFill>
+            <a:schemeClr val="accent5">
+              <a:lumMod val="50000"/>
+            </a:schemeClr>
+          </a:solidFill>
+        </p:spPr>
+        <p:style>
+          <a:lnRef idx="2">
+            <a:schemeClr val="accent1">
+              <a:shade val="15000"/>
+            </a:schemeClr>
+          </a:lnRef>
+          <a:fillRef idx="1">
+            <a:schemeClr val="accent1"/>
+          </a:fillRef>
+          <a:effectRef idx="0">
+            <a:schemeClr val="accent1"/>
+          </a:effectRef>
+          <a:fontRef idx="minor">
+            <a:schemeClr val="lt1"/>
+          </a:fontRef>
+        </p:style>
+        <p:txBody>
+          <a:bodyPr rtlCol="0" anchor="ctr"/>
+          <a:lstStyle/>
+          <a:p>
+            <a:pPr marL="442913" indent="-263525">
+              <a:buFont typeface="Wingdings" panose="05000000000000000000" pitchFamily="2" charset="2"/>
+              <a:buChar char="§"/>
+            </a:pPr>
+            <a:r>
+              <a:rPr lang="en-US" altLang="ko-KR" sz="2000" b="1" dirty="0"/>
+              <a:t>Window </a:t>
+            </a:r>
+            <a:r>
+              <a:rPr lang="en-US" altLang="ko-KR" sz="2000" b="1" dirty="0">
+                <a:sym typeface="Wingdings" panose="05000000000000000000" pitchFamily="2" charset="2"/>
+              </a:rPr>
+              <a:t> </a:t>
+            </a:r>
+            <a:r>
+              <a:rPr lang="en-US" altLang="ko-KR" sz="2000" b="1" dirty="0" err="1">
+                <a:sym typeface="Wingdings" panose="05000000000000000000" pitchFamily="2" charset="2"/>
+              </a:rPr>
+              <a:t>Miniconda</a:t>
+            </a:r>
+            <a:endParaRPr lang="ko-KR" altLang="en-US" sz="2000" b="1" dirty="0"/>
+          </a:p>
+        </p:txBody>
+      </p:sp>
+      <p:sp>
+        <p:nvSpPr>
+          <p:cNvPr id="3" name="TextBox 2">
+            <a:extLst>
+              <a:ext uri="{FF2B5EF4-FFF2-40B4-BE49-F238E27FC236}">
+                <a16:creationId xmlns:a16="http://schemas.microsoft.com/office/drawing/2014/main" id="{3ED2E021-1FF3-7954-4F5C-C6F4F077CD65}"/>
+              </a:ext>
+            </a:extLst>
+          </p:cNvPr>
+          <p:cNvSpPr txBox="1"/>
+          <p:nvPr/>
+        </p:nvSpPr>
+        <p:spPr>
+          <a:xfrm>
+            <a:off x="231228" y="925360"/>
+            <a:ext cx="10005848" cy="4550926"/>
+          </a:xfrm>
+          <a:prstGeom prst="rect">
+            <a:avLst/>
+          </a:prstGeom>
+          <a:noFill/>
+        </p:spPr>
+        <p:txBody>
+          <a:bodyPr wrap="square">
+            <a:spAutoFit/>
+          </a:bodyPr>
+          <a:lstStyle/>
+          <a:p>
+            <a:pPr marL="285750" indent="-285750">
+              <a:lnSpc>
+                <a:spcPts val="2500"/>
+              </a:lnSpc>
+              <a:buFont typeface="Wingdings" panose="05000000000000000000" pitchFamily="2" charset="2"/>
+              <a:buChar char="§"/>
+            </a:pPr>
+            <a:r>
+              <a:rPr lang="en-US" altLang="ko-KR" dirty="0">
+                <a:solidFill>
+                  <a:srgbClr val="3A0DFB"/>
+                </a:solidFill>
+              </a:rPr>
+              <a:t>Anaconda Terms of Service </a:t>
+            </a:r>
+            <a:r>
+              <a:rPr lang="ko-KR" altLang="en-US" dirty="0">
+                <a:solidFill>
+                  <a:srgbClr val="3A0DFB"/>
+                </a:solidFill>
+              </a:rPr>
+              <a:t>수락 </a:t>
+            </a:r>
+            <a:r>
+              <a:rPr lang="en-US" altLang="ko-KR" dirty="0">
+                <a:solidFill>
+                  <a:srgbClr val="3A0DFB"/>
+                </a:solidFill>
+              </a:rPr>
+              <a:t>( </a:t>
+            </a:r>
+            <a:r>
+              <a:rPr lang="ko-KR" altLang="en-US" dirty="0">
+                <a:solidFill>
+                  <a:srgbClr val="3A0DFB"/>
+                </a:solidFill>
+              </a:rPr>
+              <a:t>아래 </a:t>
+            </a:r>
+            <a:r>
+              <a:rPr lang="en-US" altLang="ko-KR" dirty="0">
+                <a:solidFill>
+                  <a:srgbClr val="3A0DFB"/>
+                </a:solidFill>
+              </a:rPr>
+              <a:t>3</a:t>
+            </a:r>
+            <a:r>
+              <a:rPr lang="ko-KR" altLang="en-US" dirty="0">
+                <a:solidFill>
+                  <a:srgbClr val="3A0DFB"/>
+                </a:solidFill>
+              </a:rPr>
+              <a:t>줄</a:t>
+            </a:r>
+            <a:r>
+              <a:rPr lang="en-US" altLang="ko-KR" dirty="0">
+                <a:solidFill>
+                  <a:srgbClr val="3A0DFB"/>
+                </a:solidFill>
+              </a:rPr>
+              <a:t>, </a:t>
+            </a:r>
+            <a:r>
+              <a:rPr lang="en-US" altLang="ko-KR" dirty="0" err="1">
+                <a:solidFill>
+                  <a:srgbClr val="3A0DFB"/>
+                </a:solidFill>
+              </a:rPr>
+              <a:t>cmd</a:t>
+            </a:r>
+            <a:r>
+              <a:rPr lang="ko-KR" altLang="en-US" dirty="0">
+                <a:solidFill>
+                  <a:srgbClr val="3A0DFB"/>
+                </a:solidFill>
+              </a:rPr>
+              <a:t>에 입력</a:t>
+            </a:r>
+            <a:r>
+              <a:rPr lang="en-US" altLang="ko-KR" dirty="0">
+                <a:solidFill>
+                  <a:srgbClr val="3A0DFB"/>
+                </a:solidFill>
+              </a:rPr>
+              <a:t>)</a:t>
+            </a:r>
+            <a:endParaRPr lang="en-US" altLang="ko-KR" dirty="0"/>
+          </a:p>
+          <a:p>
+            <a:pPr indent="179388">
+              <a:lnSpc>
+                <a:spcPts val="2500"/>
+              </a:lnSpc>
+            </a:pPr>
+            <a:r>
+              <a:rPr lang="ko-KR" altLang="en-US" dirty="0" err="1"/>
+              <a:t>conda</a:t>
+            </a:r>
+            <a:r>
+              <a:rPr lang="ko-KR" altLang="en-US" dirty="0"/>
+              <a:t> </a:t>
+            </a:r>
+            <a:r>
+              <a:rPr lang="ko-KR" altLang="en-US" dirty="0" err="1"/>
+              <a:t>tos</a:t>
+            </a:r>
+            <a:r>
+              <a:rPr lang="ko-KR" altLang="en-US" dirty="0"/>
+              <a:t> </a:t>
+            </a:r>
+            <a:r>
+              <a:rPr lang="ko-KR" altLang="en-US" dirty="0" err="1"/>
+              <a:t>accept</a:t>
+            </a:r>
+            <a:r>
+              <a:rPr lang="ko-KR" altLang="en-US" dirty="0"/>
+              <a:t> --</a:t>
+            </a:r>
+            <a:r>
+              <a:rPr lang="ko-KR" altLang="en-US" dirty="0" err="1"/>
+              <a:t>override-channels</a:t>
+            </a:r>
+            <a:r>
+              <a:rPr lang="ko-KR" altLang="en-US" dirty="0"/>
+              <a:t> --</a:t>
+            </a:r>
+            <a:r>
+              <a:rPr lang="ko-KR" altLang="en-US" dirty="0" err="1"/>
+              <a:t>channel</a:t>
+            </a:r>
+            <a:r>
+              <a:rPr lang="ko-KR" altLang="en-US" dirty="0"/>
+              <a:t> https://repo.anaconda.com/pkgs/main</a:t>
+            </a:r>
+          </a:p>
+          <a:p>
+            <a:pPr indent="179388">
+              <a:lnSpc>
+                <a:spcPts val="2500"/>
+              </a:lnSpc>
+            </a:pPr>
+            <a:r>
+              <a:rPr lang="ko-KR" altLang="en-US" dirty="0" err="1"/>
+              <a:t>conda</a:t>
+            </a:r>
+            <a:r>
+              <a:rPr lang="ko-KR" altLang="en-US" dirty="0"/>
+              <a:t> </a:t>
+            </a:r>
+            <a:r>
+              <a:rPr lang="ko-KR" altLang="en-US" dirty="0" err="1"/>
+              <a:t>tos</a:t>
+            </a:r>
+            <a:r>
+              <a:rPr lang="ko-KR" altLang="en-US" dirty="0"/>
+              <a:t> </a:t>
+            </a:r>
+            <a:r>
+              <a:rPr lang="ko-KR" altLang="en-US" dirty="0" err="1"/>
+              <a:t>accept</a:t>
+            </a:r>
+            <a:r>
+              <a:rPr lang="ko-KR" altLang="en-US" dirty="0"/>
+              <a:t> --</a:t>
+            </a:r>
+            <a:r>
+              <a:rPr lang="ko-KR" altLang="en-US" dirty="0" err="1"/>
+              <a:t>override-channels</a:t>
+            </a:r>
+            <a:r>
+              <a:rPr lang="ko-KR" altLang="en-US" dirty="0"/>
+              <a:t> --</a:t>
+            </a:r>
+            <a:r>
+              <a:rPr lang="ko-KR" altLang="en-US" dirty="0" err="1"/>
+              <a:t>channel</a:t>
+            </a:r>
+            <a:r>
+              <a:rPr lang="ko-KR" altLang="en-US" dirty="0"/>
+              <a:t> https://repo.anaconda.com/pkgs/r</a:t>
+            </a:r>
+          </a:p>
+          <a:p>
+            <a:pPr indent="179388">
+              <a:lnSpc>
+                <a:spcPts val="2500"/>
+              </a:lnSpc>
+            </a:pPr>
+            <a:r>
+              <a:rPr lang="ko-KR" altLang="en-US" dirty="0" err="1"/>
+              <a:t>conda</a:t>
+            </a:r>
+            <a:r>
+              <a:rPr lang="ko-KR" altLang="en-US" dirty="0"/>
+              <a:t> </a:t>
+            </a:r>
+            <a:r>
+              <a:rPr lang="ko-KR" altLang="en-US" dirty="0" err="1"/>
+              <a:t>tos</a:t>
+            </a:r>
+            <a:r>
+              <a:rPr lang="ko-KR" altLang="en-US" dirty="0"/>
+              <a:t> </a:t>
+            </a:r>
+            <a:r>
+              <a:rPr lang="ko-KR" altLang="en-US" dirty="0" err="1"/>
+              <a:t>accept</a:t>
+            </a:r>
+            <a:r>
+              <a:rPr lang="ko-KR" altLang="en-US" dirty="0"/>
+              <a:t> --</a:t>
+            </a:r>
+            <a:r>
+              <a:rPr lang="ko-KR" altLang="en-US" dirty="0" err="1"/>
+              <a:t>override-channels</a:t>
+            </a:r>
+            <a:r>
+              <a:rPr lang="ko-KR" altLang="en-US" dirty="0"/>
+              <a:t> --</a:t>
+            </a:r>
+            <a:r>
+              <a:rPr lang="ko-KR" altLang="en-US" dirty="0" err="1"/>
+              <a:t>channel</a:t>
+            </a:r>
+            <a:r>
+              <a:rPr lang="ko-KR" altLang="en-US" dirty="0"/>
+              <a:t> </a:t>
+            </a:r>
+            <a:r>
+              <a:rPr lang="ko-KR" altLang="en-US" dirty="0">
+                <a:hlinkClick r:id="rId2"/>
+              </a:rPr>
+              <a:t>https://repo.anaconda.com/pkgs/msys2</a:t>
+            </a:r>
+            <a:endParaRPr lang="en-US" altLang="ko-KR" dirty="0"/>
+          </a:p>
+          <a:p>
+            <a:pPr indent="179388">
+              <a:lnSpc>
+                <a:spcPts val="2500"/>
+              </a:lnSpc>
+            </a:pPr>
+            <a:endParaRPr lang="en-US" altLang="ko-KR" dirty="0"/>
+          </a:p>
+          <a:p>
+            <a:pPr indent="179388">
+              <a:lnSpc>
+                <a:spcPts val="2500"/>
+              </a:lnSpc>
+            </a:pPr>
+            <a:r>
+              <a:rPr lang="en-US" altLang="ko-KR" dirty="0" err="1"/>
+              <a:t>conda</a:t>
+            </a:r>
+            <a:r>
+              <a:rPr lang="en-US" altLang="ko-KR" dirty="0"/>
+              <a:t> create –n pi39 python=3.9 –y</a:t>
+            </a:r>
+          </a:p>
+          <a:p>
+            <a:pPr indent="179388">
+              <a:lnSpc>
+                <a:spcPts val="2500"/>
+              </a:lnSpc>
+            </a:pPr>
+            <a:endParaRPr lang="en-US" altLang="ko-KR" dirty="0"/>
+          </a:p>
+          <a:p>
+            <a:pPr indent="179388">
+              <a:lnSpc>
+                <a:spcPts val="2500"/>
+              </a:lnSpc>
+            </a:pPr>
+            <a:r>
+              <a:rPr lang="en-US" altLang="ko-KR" dirty="0" err="1"/>
+              <a:t>conda</a:t>
+            </a:r>
+            <a:r>
+              <a:rPr lang="en-US" altLang="ko-KR" dirty="0"/>
+              <a:t> env list</a:t>
+            </a:r>
+          </a:p>
+          <a:p>
+            <a:pPr indent="179388">
+              <a:lnSpc>
+                <a:spcPts val="2500"/>
+              </a:lnSpc>
+            </a:pPr>
+            <a:endParaRPr lang="en-US" altLang="ko-KR" dirty="0"/>
+          </a:p>
+          <a:p>
+            <a:pPr indent="179388">
+              <a:lnSpc>
+                <a:spcPts val="2500"/>
+              </a:lnSpc>
+            </a:pPr>
+            <a:endParaRPr lang="en-US" altLang="ko-KR" dirty="0"/>
+          </a:p>
+          <a:p>
+            <a:pPr indent="179388">
+              <a:lnSpc>
+                <a:spcPts val="2500"/>
+              </a:lnSpc>
+            </a:pPr>
+            <a:endParaRPr lang="en-US" altLang="ko-KR" dirty="0"/>
+          </a:p>
+          <a:p>
+            <a:pPr indent="179388">
+              <a:lnSpc>
+                <a:spcPts val="2500"/>
+              </a:lnSpc>
+            </a:pPr>
+            <a:endParaRPr lang="en-US" altLang="ko-KR" dirty="0"/>
+          </a:p>
+          <a:p>
+            <a:pPr indent="179388">
+              <a:lnSpc>
+                <a:spcPts val="2500"/>
+              </a:lnSpc>
+            </a:pPr>
+            <a:endParaRPr lang="en-US" altLang="ko-KR" dirty="0"/>
+          </a:p>
+          <a:p>
+            <a:pPr indent="179388">
+              <a:lnSpc>
+                <a:spcPts val="2500"/>
+              </a:lnSpc>
+            </a:pPr>
+            <a:r>
+              <a:rPr lang="en-US" altLang="ko-KR" dirty="0" err="1"/>
+              <a:t>conda</a:t>
+            </a:r>
+            <a:r>
+              <a:rPr lang="en-US" altLang="ko-KR" dirty="0"/>
+              <a:t> activate pi39</a:t>
+            </a:r>
+            <a:endParaRPr lang="ko-KR" altLang="en-US" dirty="0"/>
+          </a:p>
+        </p:txBody>
+      </p:sp>
+      <p:pic>
+        <p:nvPicPr>
+          <p:cNvPr id="4" name="그림 3">
+            <a:extLst>
+              <a:ext uri="{FF2B5EF4-FFF2-40B4-BE49-F238E27FC236}">
+                <a16:creationId xmlns:a16="http://schemas.microsoft.com/office/drawing/2014/main" id="{56FC2F01-4824-DA8C-4CE1-D7F98B870B62}"/>
+              </a:ext>
+            </a:extLst>
+          </p:cNvPr>
+          <p:cNvPicPr>
+            <a:picLocks noChangeAspect="1"/>
+          </p:cNvPicPr>
+          <p:nvPr/>
+        </p:nvPicPr>
+        <p:blipFill>
+          <a:blip r:embed="rId3"/>
+          <a:stretch>
+            <a:fillRect/>
+          </a:stretch>
+        </p:blipFill>
+        <p:spPr>
+          <a:xfrm>
+            <a:off x="542641" y="3584397"/>
+            <a:ext cx="6209955" cy="1386995"/>
+          </a:xfrm>
+          <a:prstGeom prst="rect">
+            <a:avLst/>
+          </a:prstGeom>
+        </p:spPr>
+      </p:pic>
+      <p:pic>
+        <p:nvPicPr>
+          <p:cNvPr id="5" name="그림 4">
+            <a:extLst>
+              <a:ext uri="{FF2B5EF4-FFF2-40B4-BE49-F238E27FC236}">
+                <a16:creationId xmlns:a16="http://schemas.microsoft.com/office/drawing/2014/main" id="{E39C96DA-024A-0715-1028-24AD67C0303B}"/>
+              </a:ext>
+            </a:extLst>
+          </p:cNvPr>
+          <p:cNvPicPr>
+            <a:picLocks noChangeAspect="1"/>
+          </p:cNvPicPr>
+          <p:nvPr/>
+        </p:nvPicPr>
+        <p:blipFill>
+          <a:blip r:embed="rId4"/>
+          <a:stretch>
+            <a:fillRect/>
+          </a:stretch>
+        </p:blipFill>
+        <p:spPr>
+          <a:xfrm>
+            <a:off x="542641" y="5476286"/>
+            <a:ext cx="4141040" cy="766859"/>
+          </a:xfrm>
+          <a:prstGeom prst="rect">
+            <a:avLst/>
+          </a:prstGeom>
+        </p:spPr>
+      </p:pic>
+    </p:spTree>
+    <p:extLst>
+      <p:ext uri="{BB962C8B-B14F-4D97-AF65-F5344CB8AC3E}">
+        <p14:creationId xmlns:p14="http://schemas.microsoft.com/office/powerpoint/2010/main" val="2017951354"/>
+      </p:ext>
+    </p:extLst>
+  </p:cSld>
+  <p:clrMapOvr>
+    <a:masterClrMapping/>
+  </p:clrMapOvr>
+</p:sld>
+</file>
+
+<file path=ppt/slides/slide22.xml><?xml version="1.0" encoding="utf-8"?>
+<p:sld xmlns:a="http://schemas.openxmlformats.org/drawingml/2006/main" xmlns:r="http://schemas.openxmlformats.org/officeDocument/2006/relationships" xmlns:p="http://schemas.openxmlformats.org/presentationml/2006/main">
+  <p:cSld>
+    <p:spTree>
+      <p:nvGrpSpPr>
+        <p:cNvPr id="1" name="">
+          <a:extLst>
+            <a:ext uri="{FF2B5EF4-FFF2-40B4-BE49-F238E27FC236}">
+              <a16:creationId xmlns:a16="http://schemas.microsoft.com/office/drawing/2014/main" id="{42D97A31-D527-73FD-04E0-D93BACB50826}"/>
+            </a:ext>
+          </a:extLst>
+        </p:cNvPr>
+        <p:cNvGrpSpPr/>
+        <p:nvPr/>
+      </p:nvGrpSpPr>
+      <p:grpSpPr>
+        <a:xfrm>
+          <a:off x="0" y="0"/>
+          <a:ext cx="0" cy="0"/>
+          <a:chOff x="0" y="0"/>
+          <a:chExt cx="0" cy="0"/>
+        </a:xfrm>
+      </p:grpSpPr>
+      <p:sp>
+        <p:nvSpPr>
+          <p:cNvPr id="2" name="직사각형 1">
+            <a:extLst>
+              <a:ext uri="{FF2B5EF4-FFF2-40B4-BE49-F238E27FC236}">
+                <a16:creationId xmlns:a16="http://schemas.microsoft.com/office/drawing/2014/main" id="{CD4A8830-6750-D893-B306-5C5A9D1E26BF}"/>
+              </a:ext>
+            </a:extLst>
+          </p:cNvPr>
+          <p:cNvSpPr/>
+          <p:nvPr/>
+        </p:nvSpPr>
+        <p:spPr>
+          <a:xfrm>
+            <a:off x="3778898" y="1659"/>
+            <a:ext cx="8413102" cy="629938"/>
+          </a:xfrm>
+          <a:prstGeom prst="rect">
+            <a:avLst/>
+          </a:prstGeom>
+          <a:solidFill>
+            <a:schemeClr val="accent2">
+              <a:lumMod val="60000"/>
+              <a:lumOff val="40000"/>
+            </a:schemeClr>
+          </a:solidFill>
+        </p:spPr>
+        <p:style>
+          <a:lnRef idx="2">
+            <a:schemeClr val="accent1">
+              <a:shade val="50000"/>
+            </a:schemeClr>
+          </a:lnRef>
+          <a:fillRef idx="1">
+            <a:schemeClr val="accent1"/>
+          </a:fillRef>
+          <a:effectRef idx="0">
+            <a:schemeClr val="accent1"/>
+          </a:effectRef>
+          <a:fontRef idx="minor">
+            <a:schemeClr val="lt1"/>
+          </a:fontRef>
+        </p:style>
+        <p:txBody>
+          <a:bodyPr rtlCol="0" anchor="ctr"/>
+          <a:lstStyle/>
+          <a:p>
+            <a:pPr marL="465137" indent="-285750">
+              <a:buFont typeface="Wingdings" panose="05000000000000000000" pitchFamily="2" charset="2"/>
+              <a:buChar char="§"/>
+            </a:pPr>
+            <a:r>
+              <a:rPr lang="ko-KR" altLang="en-US" b="1" dirty="0">
+                <a:solidFill>
+                  <a:schemeClr val="tx1"/>
+                </a:solidFill>
+              </a:rPr>
+              <a:t>설치</a:t>
+            </a:r>
+          </a:p>
+        </p:txBody>
+      </p:sp>
+      <p:sp>
+        <p:nvSpPr>
+          <p:cNvPr id="10" name="직사각형 9">
+            <a:extLst>
+              <a:ext uri="{FF2B5EF4-FFF2-40B4-BE49-F238E27FC236}">
+                <a16:creationId xmlns:a16="http://schemas.microsoft.com/office/drawing/2014/main" id="{E2734FA6-A466-5538-8639-B8CD75D0853E}"/>
+              </a:ext>
+            </a:extLst>
+          </p:cNvPr>
+          <p:cNvSpPr/>
+          <p:nvPr/>
+        </p:nvSpPr>
+        <p:spPr>
+          <a:xfrm>
+            <a:off x="0" y="0"/>
+            <a:ext cx="3778898" cy="631596"/>
+          </a:xfrm>
+          <a:prstGeom prst="rect">
+            <a:avLst/>
+          </a:prstGeom>
+          <a:solidFill>
+            <a:schemeClr val="accent5">
+              <a:lumMod val="50000"/>
+            </a:schemeClr>
+          </a:solidFill>
+        </p:spPr>
+        <p:style>
+          <a:lnRef idx="2">
+            <a:schemeClr val="accent1">
+              <a:shade val="15000"/>
+            </a:schemeClr>
+          </a:lnRef>
+          <a:fillRef idx="1">
+            <a:schemeClr val="accent1"/>
+          </a:fillRef>
+          <a:effectRef idx="0">
+            <a:schemeClr val="accent1"/>
+          </a:effectRef>
+          <a:fontRef idx="minor">
+            <a:schemeClr val="lt1"/>
+          </a:fontRef>
+        </p:style>
+        <p:txBody>
+          <a:bodyPr rtlCol="0" anchor="ctr"/>
+          <a:lstStyle/>
+          <a:p>
+            <a:pPr marL="442913" indent="-263525">
+              <a:buFont typeface="Wingdings" panose="05000000000000000000" pitchFamily="2" charset="2"/>
+              <a:buChar char="§"/>
+            </a:pPr>
+            <a:r>
+              <a:rPr lang="en-US" altLang="ko-KR" sz="2000" b="1" dirty="0" err="1"/>
+              <a:t>Rpi</a:t>
+            </a:r>
+            <a:r>
+              <a:rPr lang="en-US" altLang="ko-KR" sz="2000" b="1" dirty="0"/>
+              <a:t> </a:t>
+            </a:r>
+            <a:r>
+              <a:rPr lang="en-US" altLang="ko-KR" sz="2000" b="1" dirty="0">
+                <a:sym typeface="Wingdings" panose="05000000000000000000" pitchFamily="2" charset="2"/>
+              </a:rPr>
+              <a:t> </a:t>
+            </a:r>
+            <a:r>
+              <a:rPr lang="en-US" altLang="ko-KR" sz="2000" b="1" dirty="0" err="1">
+                <a:sym typeface="Wingdings" panose="05000000000000000000" pitchFamily="2" charset="2"/>
+              </a:rPr>
+              <a:t>venv</a:t>
+            </a:r>
+            <a:endParaRPr lang="ko-KR" altLang="en-US" sz="2000" b="1" dirty="0"/>
+          </a:p>
+        </p:txBody>
+      </p:sp>
+      <p:sp>
+        <p:nvSpPr>
+          <p:cNvPr id="4" name="TextBox 3">
+            <a:extLst>
+              <a:ext uri="{FF2B5EF4-FFF2-40B4-BE49-F238E27FC236}">
+                <a16:creationId xmlns:a16="http://schemas.microsoft.com/office/drawing/2014/main" id="{D022F260-FF5D-6710-0D88-9756F2E4C373}"/>
+              </a:ext>
+            </a:extLst>
+          </p:cNvPr>
+          <p:cNvSpPr txBox="1"/>
+          <p:nvPr/>
+        </p:nvSpPr>
+        <p:spPr>
+          <a:xfrm>
+            <a:off x="416560" y="1016060"/>
+            <a:ext cx="11551920" cy="2262799"/>
+          </a:xfrm>
+          <a:prstGeom prst="rect">
+            <a:avLst/>
+          </a:prstGeom>
+          <a:noFill/>
+        </p:spPr>
+        <p:txBody>
+          <a:bodyPr wrap="square">
+            <a:spAutoFit/>
+          </a:bodyPr>
+          <a:lstStyle/>
+          <a:p>
+            <a:pPr>
+              <a:lnSpc>
+                <a:spcPts val="2900"/>
+              </a:lnSpc>
+            </a:pPr>
+            <a:r>
+              <a:rPr lang="en-US" altLang="ko-KR" dirty="0"/>
+              <a:t>1. </a:t>
+            </a:r>
+            <a:r>
+              <a:rPr lang="ko-KR" altLang="en-US" dirty="0"/>
+              <a:t> 최신 패키지 목록으로 갱신</a:t>
+            </a:r>
+          </a:p>
+          <a:p>
+            <a:pPr>
+              <a:lnSpc>
+                <a:spcPts val="2900"/>
+              </a:lnSpc>
+            </a:pPr>
+            <a:r>
+              <a:rPr lang="ko-KR" altLang="en-US" dirty="0"/>
+              <a:t>    sudo </a:t>
+            </a:r>
+            <a:r>
+              <a:rPr lang="ko-KR" altLang="en-US" dirty="0" err="1"/>
+              <a:t>apt</a:t>
+            </a:r>
+            <a:r>
+              <a:rPr lang="ko-KR" altLang="en-US" dirty="0"/>
+              <a:t> </a:t>
+            </a:r>
+            <a:r>
+              <a:rPr lang="ko-KR" altLang="en-US" dirty="0" err="1"/>
+              <a:t>update</a:t>
+            </a:r>
+            <a:endParaRPr lang="ko-KR" altLang="en-US" dirty="0"/>
+          </a:p>
+          <a:p>
+            <a:pPr>
+              <a:lnSpc>
+                <a:spcPts val="2900"/>
+              </a:lnSpc>
+            </a:pPr>
+            <a:endParaRPr lang="ko-KR" altLang="en-US" dirty="0"/>
+          </a:p>
+          <a:p>
+            <a:pPr>
+              <a:lnSpc>
+                <a:spcPts val="2900"/>
+              </a:lnSpc>
+            </a:pPr>
+            <a:r>
+              <a:rPr lang="en-US" altLang="ko-KR" dirty="0"/>
+              <a:t>2. </a:t>
+            </a:r>
+            <a:r>
+              <a:rPr lang="ko-KR" altLang="en-US" dirty="0"/>
+              <a:t> </a:t>
+            </a:r>
+            <a:r>
+              <a:rPr lang="ko-KR" altLang="en-US" dirty="0" err="1"/>
+              <a:t>venv</a:t>
+            </a:r>
+            <a:r>
+              <a:rPr lang="ko-KR" altLang="en-US" dirty="0"/>
+              <a:t> 모듈/</a:t>
+            </a:r>
+            <a:r>
+              <a:rPr lang="ko-KR" altLang="en-US" dirty="0" err="1"/>
+              <a:t>빌드도구</a:t>
+            </a:r>
+            <a:r>
+              <a:rPr lang="ko-KR" altLang="en-US" dirty="0"/>
+              <a:t>/pip 등 기본 준비</a:t>
+            </a:r>
+          </a:p>
+          <a:p>
+            <a:pPr>
+              <a:lnSpc>
+                <a:spcPts val="2900"/>
+              </a:lnSpc>
+            </a:pPr>
+            <a:r>
+              <a:rPr lang="ko-KR" altLang="en-US" dirty="0"/>
+              <a:t>    sudo </a:t>
+            </a:r>
+            <a:r>
+              <a:rPr lang="ko-KR" altLang="en-US" dirty="0" err="1"/>
+              <a:t>apt</a:t>
+            </a:r>
+            <a:r>
+              <a:rPr lang="ko-KR" altLang="en-US" dirty="0"/>
+              <a:t> </a:t>
+            </a:r>
+            <a:r>
+              <a:rPr lang="ko-KR" altLang="en-US" dirty="0" err="1"/>
+              <a:t>install</a:t>
+            </a:r>
+            <a:r>
+              <a:rPr lang="ko-KR" altLang="en-US" dirty="0"/>
+              <a:t> -</a:t>
+            </a:r>
+            <a:r>
+              <a:rPr lang="ko-KR" altLang="en-US" dirty="0" err="1"/>
+              <a:t>y</a:t>
+            </a:r>
+            <a:r>
+              <a:rPr lang="ko-KR" altLang="en-US" dirty="0"/>
+              <a:t> python3-venv python3-pip python3-dev </a:t>
+            </a:r>
+            <a:r>
+              <a:rPr lang="ko-KR" altLang="en-US" dirty="0" err="1"/>
+              <a:t>build-essential</a:t>
+            </a:r>
+            <a:endParaRPr lang="ko-KR" altLang="en-US" dirty="0"/>
+          </a:p>
+          <a:p>
+            <a:pPr>
+              <a:lnSpc>
+                <a:spcPts val="2600"/>
+              </a:lnSpc>
+            </a:pPr>
+            <a:endParaRPr lang="ko-KR" altLang="en-US" dirty="0"/>
+          </a:p>
+        </p:txBody>
+      </p:sp>
+    </p:spTree>
+    <p:extLst>
+      <p:ext uri="{BB962C8B-B14F-4D97-AF65-F5344CB8AC3E}">
+        <p14:creationId xmlns:p14="http://schemas.microsoft.com/office/powerpoint/2010/main" val="1910780868"/>
+      </p:ext>
+    </p:extLst>
+  </p:cSld>
+  <p:clrMapOvr>
+    <a:masterClrMapping/>
+  </p:clrMapOvr>
+</p:sld>
+</file>
+
+<file path=ppt/slides/slide23.xml><?xml version="1.0" encoding="utf-8"?>
+<p:sld xmlns:a="http://schemas.openxmlformats.org/drawingml/2006/main" xmlns:r="http://schemas.openxmlformats.org/officeDocument/2006/relationships" xmlns:p="http://schemas.openxmlformats.org/presentationml/2006/main">
+  <p:cSld>
+    <p:spTree>
+      <p:nvGrpSpPr>
+        <p:cNvPr id="1" name="">
+          <a:extLst>
+            <a:ext uri="{FF2B5EF4-FFF2-40B4-BE49-F238E27FC236}">
+              <a16:creationId xmlns:a16="http://schemas.microsoft.com/office/drawing/2014/main" id="{C533A5A8-A3F2-273F-4010-702E2F0D464D}"/>
+            </a:ext>
+          </a:extLst>
+        </p:cNvPr>
+        <p:cNvGrpSpPr/>
+        <p:nvPr/>
+      </p:nvGrpSpPr>
+      <p:grpSpPr>
+        <a:xfrm>
+          <a:off x="0" y="0"/>
+          <a:ext cx="0" cy="0"/>
+          <a:chOff x="0" y="0"/>
+          <a:chExt cx="0" cy="0"/>
+        </a:xfrm>
+      </p:grpSpPr>
+      <p:sp>
+        <p:nvSpPr>
+          <p:cNvPr id="2" name="직사각형 1">
+            <a:extLst>
+              <a:ext uri="{FF2B5EF4-FFF2-40B4-BE49-F238E27FC236}">
+                <a16:creationId xmlns:a16="http://schemas.microsoft.com/office/drawing/2014/main" id="{ACBEBCCD-6449-E63A-CF90-D97418F7DAFD}"/>
+              </a:ext>
+            </a:extLst>
+          </p:cNvPr>
+          <p:cNvSpPr/>
+          <p:nvPr/>
+        </p:nvSpPr>
+        <p:spPr>
+          <a:xfrm>
+            <a:off x="3778898" y="1659"/>
+            <a:ext cx="8413102" cy="629938"/>
+          </a:xfrm>
+          <a:prstGeom prst="rect">
+            <a:avLst/>
+          </a:prstGeom>
+          <a:solidFill>
+            <a:schemeClr val="accent2">
+              <a:lumMod val="60000"/>
+              <a:lumOff val="40000"/>
+            </a:schemeClr>
+          </a:solidFill>
+        </p:spPr>
+        <p:style>
+          <a:lnRef idx="2">
+            <a:schemeClr val="accent1">
+              <a:shade val="50000"/>
+            </a:schemeClr>
+          </a:lnRef>
+          <a:fillRef idx="1">
+            <a:schemeClr val="accent1"/>
+          </a:fillRef>
+          <a:effectRef idx="0">
+            <a:schemeClr val="accent1"/>
+          </a:effectRef>
+          <a:fontRef idx="minor">
+            <a:schemeClr val="lt1"/>
+          </a:fontRef>
+        </p:style>
+        <p:txBody>
+          <a:bodyPr rtlCol="0" anchor="ctr"/>
+          <a:lstStyle/>
+          <a:p>
+            <a:pPr marL="465137" indent="-285750">
+              <a:buFont typeface="Wingdings" panose="05000000000000000000" pitchFamily="2" charset="2"/>
+              <a:buChar char="§"/>
+            </a:pPr>
+            <a:r>
+              <a:rPr lang="ko-KR" altLang="en-US" b="1" dirty="0">
+                <a:solidFill>
+                  <a:schemeClr val="tx1"/>
+                </a:solidFill>
+              </a:rPr>
+              <a:t>주요 명령어</a:t>
+            </a:r>
+          </a:p>
+        </p:txBody>
+      </p:sp>
+      <p:sp>
+        <p:nvSpPr>
+          <p:cNvPr id="10" name="직사각형 9">
+            <a:extLst>
+              <a:ext uri="{FF2B5EF4-FFF2-40B4-BE49-F238E27FC236}">
+                <a16:creationId xmlns:a16="http://schemas.microsoft.com/office/drawing/2014/main" id="{8FFA70AA-DC30-FBE7-2780-AFAC6121B16A}"/>
+              </a:ext>
+            </a:extLst>
+          </p:cNvPr>
+          <p:cNvSpPr/>
+          <p:nvPr/>
+        </p:nvSpPr>
+        <p:spPr>
+          <a:xfrm>
+            <a:off x="0" y="0"/>
+            <a:ext cx="3778898" cy="631596"/>
+          </a:xfrm>
+          <a:prstGeom prst="rect">
+            <a:avLst/>
+          </a:prstGeom>
+          <a:solidFill>
+            <a:schemeClr val="accent5">
+              <a:lumMod val="50000"/>
+            </a:schemeClr>
+          </a:solidFill>
+        </p:spPr>
+        <p:style>
+          <a:lnRef idx="2">
+            <a:schemeClr val="accent1">
+              <a:shade val="15000"/>
+            </a:schemeClr>
+          </a:lnRef>
+          <a:fillRef idx="1">
+            <a:schemeClr val="accent1"/>
+          </a:fillRef>
+          <a:effectRef idx="0">
+            <a:schemeClr val="accent1"/>
+          </a:effectRef>
+          <a:fontRef idx="minor">
+            <a:schemeClr val="lt1"/>
+          </a:fontRef>
+        </p:style>
+        <p:txBody>
+          <a:bodyPr rtlCol="0" anchor="ctr"/>
+          <a:lstStyle/>
+          <a:p>
+            <a:pPr marL="442913" indent="-263525">
+              <a:buFont typeface="Wingdings" panose="05000000000000000000" pitchFamily="2" charset="2"/>
+              <a:buChar char="§"/>
+            </a:pPr>
+            <a:r>
+              <a:rPr lang="en-US" altLang="ko-KR" sz="2000" b="1" dirty="0" err="1"/>
+              <a:t>Rpi</a:t>
+            </a:r>
+            <a:r>
+              <a:rPr lang="en-US" altLang="ko-KR" sz="2000" b="1" dirty="0"/>
+              <a:t> </a:t>
+            </a:r>
+            <a:r>
+              <a:rPr lang="en-US" altLang="ko-KR" sz="2000" b="1" dirty="0">
+                <a:sym typeface="Wingdings" panose="05000000000000000000" pitchFamily="2" charset="2"/>
+              </a:rPr>
+              <a:t> </a:t>
+            </a:r>
+            <a:r>
+              <a:rPr lang="en-US" altLang="ko-KR" sz="2000" b="1" dirty="0" err="1">
+                <a:sym typeface="Wingdings" panose="05000000000000000000" pitchFamily="2" charset="2"/>
+              </a:rPr>
+              <a:t>venv</a:t>
+            </a:r>
+            <a:endParaRPr lang="ko-KR" altLang="en-US" sz="2000" b="1" dirty="0"/>
+          </a:p>
+        </p:txBody>
+      </p:sp>
+      <p:graphicFrame>
+        <p:nvGraphicFramePr>
+          <p:cNvPr id="3" name="표 2">
+            <a:extLst>
+              <a:ext uri="{FF2B5EF4-FFF2-40B4-BE49-F238E27FC236}">
+                <a16:creationId xmlns:a16="http://schemas.microsoft.com/office/drawing/2014/main" id="{0763AF00-AF57-E035-09A0-DFDB3B60B175}"/>
+              </a:ext>
+            </a:extLst>
+          </p:cNvPr>
+          <p:cNvGraphicFramePr>
+            <a:graphicFrameLocks noGrp="1"/>
+          </p:cNvGraphicFramePr>
+          <p:nvPr>
+            <p:extLst>
+              <p:ext uri="{D42A27DB-BD31-4B8C-83A1-F6EECF244321}">
+                <p14:modId xmlns:p14="http://schemas.microsoft.com/office/powerpoint/2010/main" val="2492615380"/>
+              </p:ext>
+            </p:extLst>
+          </p:nvPr>
+        </p:nvGraphicFramePr>
+        <p:xfrm>
+          <a:off x="432652" y="782318"/>
+          <a:ext cx="11251347" cy="5659121"/>
+        </p:xfrm>
+        <a:graphic>
+          <a:graphicData uri="http://schemas.openxmlformats.org/drawingml/2006/table">
+            <a:tbl>
+              <a:tblPr>
+                <a:tableStyleId>{5940675A-B579-460E-94D1-54222C63F5DA}</a:tableStyleId>
+              </a:tblPr>
+              <a:tblGrid>
+                <a:gridCol w="3346868">
+                  <a:extLst>
+                    <a:ext uri="{9D8B030D-6E8A-4147-A177-3AD203B41FA5}">
+                      <a16:colId xmlns:a16="http://schemas.microsoft.com/office/drawing/2014/main" val="1604387024"/>
+                    </a:ext>
+                  </a:extLst>
+                </a:gridCol>
+                <a:gridCol w="4154030">
+                  <a:extLst>
+                    <a:ext uri="{9D8B030D-6E8A-4147-A177-3AD203B41FA5}">
+                      <a16:colId xmlns:a16="http://schemas.microsoft.com/office/drawing/2014/main" val="2686152777"/>
+                    </a:ext>
+                  </a:extLst>
+                </a:gridCol>
+                <a:gridCol w="3750449">
+                  <a:extLst>
+                    <a:ext uri="{9D8B030D-6E8A-4147-A177-3AD203B41FA5}">
+                      <a16:colId xmlns:a16="http://schemas.microsoft.com/office/drawing/2014/main" val="76995238"/>
+                    </a:ext>
+                  </a:extLst>
+                </a:gridCol>
+              </a:tblGrid>
+              <a:tr h="435317">
+                <a:tc>
+                  <a:txBody>
+                    <a:bodyPr/>
+                    <a:lstStyle/>
+                    <a:p>
+                      <a:pPr algn="ctr">
+                        <a:buNone/>
+                      </a:pPr>
+                      <a:r>
+                        <a:rPr lang="ko-KR" altLang="en-US" sz="1400" b="1" dirty="0">
+                          <a:latin typeface="+mn-ea"/>
+                          <a:ea typeface="+mn-ea"/>
+                        </a:rPr>
+                        <a:t>목적</a:t>
+                      </a:r>
+                    </a:p>
+                  </a:txBody>
+                  <a:tcPr marL="32232" marR="32232" marT="16116" marB="16116" anchor="ctr">
+                    <a:solidFill>
+                      <a:schemeClr val="accent3">
+                        <a:lumMod val="20000"/>
+                        <a:lumOff val="80000"/>
+                      </a:schemeClr>
+                    </a:solidFill>
+                  </a:tcPr>
+                </a:tc>
+                <a:tc>
+                  <a:txBody>
+                    <a:bodyPr/>
+                    <a:lstStyle/>
+                    <a:p>
+                      <a:pPr algn="ctr">
+                        <a:buNone/>
+                      </a:pPr>
+                      <a:r>
+                        <a:rPr lang="ko-KR" altLang="en-US" sz="1400" b="1" dirty="0">
+                          <a:latin typeface="+mn-ea"/>
+                          <a:ea typeface="+mn-ea"/>
+                        </a:rPr>
+                        <a:t>명령어</a:t>
+                      </a:r>
+                    </a:p>
+                  </a:txBody>
+                  <a:tcPr marL="32232" marR="32232" marT="16116" marB="16116" anchor="ctr">
+                    <a:solidFill>
+                      <a:schemeClr val="accent3">
+                        <a:lumMod val="20000"/>
+                        <a:lumOff val="80000"/>
+                      </a:schemeClr>
+                    </a:solidFill>
+                  </a:tcPr>
+                </a:tc>
+                <a:tc>
+                  <a:txBody>
+                    <a:bodyPr/>
+                    <a:lstStyle/>
+                    <a:p>
+                      <a:pPr algn="ctr">
+                        <a:buNone/>
+                      </a:pPr>
+                      <a:r>
+                        <a:rPr lang="ko-KR" altLang="en-US" sz="1400" b="1" dirty="0">
+                          <a:latin typeface="+mn-ea"/>
+                          <a:ea typeface="+mn-ea"/>
+                        </a:rPr>
+                        <a:t>예시 </a:t>
+                      </a:r>
+                      <a:r>
+                        <a:rPr lang="en-US" altLang="ko-KR" sz="1400" b="1" dirty="0">
+                          <a:latin typeface="+mn-ea"/>
+                          <a:ea typeface="+mn-ea"/>
+                        </a:rPr>
+                        <a:t>/ </a:t>
+                      </a:r>
+                      <a:r>
+                        <a:rPr lang="ko-KR" altLang="en-US" sz="1400" b="1" dirty="0">
+                          <a:latin typeface="+mn-ea"/>
+                          <a:ea typeface="+mn-ea"/>
+                        </a:rPr>
+                        <a:t>비고</a:t>
+                      </a:r>
+                    </a:p>
+                  </a:txBody>
+                  <a:tcPr marL="32232" marR="32232" marT="16116" marB="16116" anchor="ctr">
+                    <a:solidFill>
+                      <a:schemeClr val="accent3">
+                        <a:lumMod val="20000"/>
+                        <a:lumOff val="80000"/>
+                      </a:schemeClr>
+                    </a:solidFill>
+                  </a:tcPr>
+                </a:tc>
+                <a:extLst>
+                  <a:ext uri="{0D108BD9-81ED-4DB2-BD59-A6C34878D82A}">
+                    <a16:rowId xmlns:a16="http://schemas.microsoft.com/office/drawing/2014/main" val="4277439395"/>
+                  </a:ext>
+                </a:extLst>
+              </a:tr>
+              <a:tr h="435317">
+                <a:tc>
+                  <a:txBody>
+                    <a:bodyPr/>
+                    <a:lstStyle/>
+                    <a:p>
+                      <a:pPr algn="ctr">
+                        <a:buNone/>
+                      </a:pPr>
+                      <a:r>
+                        <a:rPr lang="ko-KR" altLang="en-US" sz="1400">
+                          <a:latin typeface="+mn-ea"/>
+                          <a:ea typeface="+mn-ea"/>
+                        </a:rPr>
+                        <a:t>가상환경 생성</a:t>
+                      </a:r>
+                    </a:p>
+                  </a:txBody>
+                  <a:tcPr marL="32232" marR="32232" marT="16116" marB="16116" anchor="ctr"/>
+                </a:tc>
+                <a:tc>
+                  <a:txBody>
+                    <a:bodyPr/>
+                    <a:lstStyle/>
+                    <a:p>
+                      <a:pPr>
+                        <a:buNone/>
+                      </a:pPr>
+                      <a:r>
+                        <a:rPr lang="en-US" sz="1400">
+                          <a:latin typeface="+mn-ea"/>
+                          <a:ea typeface="+mn-ea"/>
+                        </a:rPr>
+                        <a:t>python3 -m venv &lt;</a:t>
+                      </a:r>
+                      <a:r>
+                        <a:rPr lang="ko-KR" altLang="en-US" sz="1400">
+                          <a:latin typeface="+mn-ea"/>
+                          <a:ea typeface="+mn-ea"/>
+                        </a:rPr>
+                        <a:t>경로</a:t>
+                      </a:r>
+                      <a:r>
+                        <a:rPr lang="en-US" altLang="ko-KR" sz="1400">
+                          <a:latin typeface="+mn-ea"/>
+                          <a:ea typeface="+mn-ea"/>
+                        </a:rPr>
+                        <a:t>&gt;</a:t>
+                      </a:r>
+                      <a:endParaRPr lang="ko-KR" altLang="en-US" sz="1400">
+                        <a:latin typeface="+mn-ea"/>
+                        <a:ea typeface="+mn-ea"/>
+                      </a:endParaRPr>
+                    </a:p>
+                  </a:txBody>
+                  <a:tcPr marL="32232" marR="32232" marT="16116" marB="16116" anchor="ctr"/>
+                </a:tc>
+                <a:tc>
+                  <a:txBody>
+                    <a:bodyPr/>
+                    <a:lstStyle/>
+                    <a:p>
+                      <a:pPr>
+                        <a:buNone/>
+                      </a:pPr>
+                      <a:r>
+                        <a:rPr lang="en-US" sz="1400" dirty="0">
+                          <a:latin typeface="+mn-ea"/>
+                          <a:ea typeface="+mn-ea"/>
+                        </a:rPr>
+                        <a:t>python3 -m </a:t>
+                      </a:r>
+                      <a:r>
+                        <a:rPr lang="en-US" sz="1400" dirty="0" err="1">
+                          <a:latin typeface="+mn-ea"/>
+                          <a:ea typeface="+mn-ea"/>
+                        </a:rPr>
+                        <a:t>venv</a:t>
+                      </a:r>
+                      <a:r>
+                        <a:rPr lang="en-US" sz="1400" dirty="0">
+                          <a:latin typeface="+mn-ea"/>
+                          <a:ea typeface="+mn-ea"/>
+                        </a:rPr>
+                        <a:t> .</a:t>
+                      </a:r>
+                      <a:r>
+                        <a:rPr lang="en-US" sz="1400" dirty="0" err="1">
+                          <a:latin typeface="+mn-ea"/>
+                          <a:ea typeface="+mn-ea"/>
+                        </a:rPr>
+                        <a:t>venv</a:t>
+                      </a:r>
+                      <a:endParaRPr lang="en-US" sz="1400" dirty="0">
+                        <a:latin typeface="+mn-ea"/>
+                        <a:ea typeface="+mn-ea"/>
+                      </a:endParaRPr>
+                    </a:p>
+                  </a:txBody>
+                  <a:tcPr marL="32232" marR="32232" marT="16116" marB="16116" anchor="ctr"/>
+                </a:tc>
+                <a:extLst>
+                  <a:ext uri="{0D108BD9-81ED-4DB2-BD59-A6C34878D82A}">
+                    <a16:rowId xmlns:a16="http://schemas.microsoft.com/office/drawing/2014/main" val="2366747118"/>
+                  </a:ext>
+                </a:extLst>
+              </a:tr>
+              <a:tr h="435317">
+                <a:tc>
+                  <a:txBody>
+                    <a:bodyPr/>
+                    <a:lstStyle/>
+                    <a:p>
+                      <a:pPr algn="ctr">
+                        <a:buNone/>
+                      </a:pPr>
+                      <a:r>
+                        <a:rPr lang="ko-KR" altLang="en-US" sz="1400" b="1" dirty="0">
+                          <a:latin typeface="+mn-ea"/>
+                          <a:ea typeface="+mn-ea"/>
+                        </a:rPr>
+                        <a:t>특정 버전으로 생성</a:t>
+                      </a:r>
+                    </a:p>
+                  </a:txBody>
+                  <a:tcPr marL="32232" marR="32232" marT="16116" marB="16116" anchor="ctr"/>
+                </a:tc>
+                <a:tc>
+                  <a:txBody>
+                    <a:bodyPr/>
+                    <a:lstStyle/>
+                    <a:p>
+                      <a:pPr>
+                        <a:buNone/>
+                      </a:pPr>
+                      <a:r>
+                        <a:rPr lang="en-US" sz="1400" b="1" dirty="0">
+                          <a:latin typeface="+mn-ea"/>
+                          <a:ea typeface="+mn-ea"/>
+                        </a:rPr>
+                        <a:t>python3.X -m </a:t>
+                      </a:r>
+                      <a:r>
+                        <a:rPr lang="en-US" sz="1400" b="1" dirty="0" err="1">
+                          <a:latin typeface="+mn-ea"/>
+                          <a:ea typeface="+mn-ea"/>
+                        </a:rPr>
+                        <a:t>venv</a:t>
+                      </a:r>
+                      <a:r>
+                        <a:rPr lang="en-US" sz="1400" b="1" dirty="0">
+                          <a:latin typeface="+mn-ea"/>
+                          <a:ea typeface="+mn-ea"/>
+                        </a:rPr>
+                        <a:t> &lt;</a:t>
+                      </a:r>
+                      <a:r>
+                        <a:rPr lang="ko-KR" altLang="en-US" sz="1400" b="1" dirty="0">
+                          <a:latin typeface="+mn-ea"/>
+                          <a:ea typeface="+mn-ea"/>
+                        </a:rPr>
+                        <a:t>경로</a:t>
+                      </a:r>
+                      <a:r>
+                        <a:rPr lang="en-US" altLang="ko-KR" sz="1400" b="1" dirty="0">
+                          <a:latin typeface="+mn-ea"/>
+                          <a:ea typeface="+mn-ea"/>
+                        </a:rPr>
+                        <a:t>&gt;</a:t>
+                      </a:r>
+                      <a:endParaRPr lang="ko-KR" altLang="en-US" sz="1400" b="1" dirty="0">
+                        <a:latin typeface="+mn-ea"/>
+                        <a:ea typeface="+mn-ea"/>
+                      </a:endParaRPr>
+                    </a:p>
+                  </a:txBody>
+                  <a:tcPr marL="32232" marR="32232" marT="16116" marB="16116" anchor="ctr"/>
+                </a:tc>
+                <a:tc>
+                  <a:txBody>
+                    <a:bodyPr/>
+                    <a:lstStyle/>
+                    <a:p>
+                      <a:pPr>
+                        <a:buNone/>
+                      </a:pPr>
+                      <a:r>
+                        <a:rPr lang="en-US" sz="1400" b="1" dirty="0">
+                          <a:latin typeface="+mn-ea"/>
+                          <a:ea typeface="+mn-ea"/>
+                        </a:rPr>
+                        <a:t>python3.11 -m </a:t>
+                      </a:r>
+                      <a:r>
+                        <a:rPr lang="en-US" sz="1400" b="1" dirty="0" err="1">
+                          <a:latin typeface="+mn-ea"/>
+                          <a:ea typeface="+mn-ea"/>
+                        </a:rPr>
+                        <a:t>venv</a:t>
+                      </a:r>
+                      <a:r>
+                        <a:rPr lang="en-US" sz="1400" b="1" dirty="0">
+                          <a:latin typeface="+mn-ea"/>
+                          <a:ea typeface="+mn-ea"/>
+                        </a:rPr>
+                        <a:t> .</a:t>
+                      </a:r>
+                      <a:r>
+                        <a:rPr lang="en-US" sz="1400" b="1" dirty="0" err="1">
+                          <a:latin typeface="+mn-ea"/>
+                          <a:ea typeface="+mn-ea"/>
+                        </a:rPr>
+                        <a:t>venv</a:t>
+                      </a:r>
+                      <a:endParaRPr lang="en-US" sz="1400" b="1" dirty="0">
+                        <a:latin typeface="+mn-ea"/>
+                        <a:ea typeface="+mn-ea"/>
+                      </a:endParaRPr>
+                    </a:p>
+                  </a:txBody>
+                  <a:tcPr marL="32232" marR="32232" marT="16116" marB="16116" anchor="ctr"/>
+                </a:tc>
+                <a:extLst>
+                  <a:ext uri="{0D108BD9-81ED-4DB2-BD59-A6C34878D82A}">
+                    <a16:rowId xmlns:a16="http://schemas.microsoft.com/office/drawing/2014/main" val="135229977"/>
+                  </a:ext>
+                </a:extLst>
+              </a:tr>
+              <a:tr h="435317">
+                <a:tc>
+                  <a:txBody>
+                    <a:bodyPr/>
+                    <a:lstStyle/>
+                    <a:p>
+                      <a:pPr algn="ctr">
+                        <a:buNone/>
+                      </a:pPr>
+                      <a:r>
+                        <a:rPr lang="ko-KR" altLang="en-US" sz="1400">
+                          <a:latin typeface="+mn-ea"/>
+                          <a:ea typeface="+mn-ea"/>
+                        </a:rPr>
+                        <a:t>활성화</a:t>
+                      </a:r>
+                    </a:p>
+                  </a:txBody>
+                  <a:tcPr marL="32232" marR="32232" marT="16116" marB="16116" anchor="ctr"/>
+                </a:tc>
+                <a:tc>
+                  <a:txBody>
+                    <a:bodyPr/>
+                    <a:lstStyle/>
+                    <a:p>
+                      <a:pPr>
+                        <a:buNone/>
+                      </a:pPr>
+                      <a:r>
+                        <a:rPr lang="en-US" sz="1400">
+                          <a:latin typeface="+mn-ea"/>
+                          <a:ea typeface="+mn-ea"/>
+                        </a:rPr>
+                        <a:t>source &lt;</a:t>
+                      </a:r>
+                      <a:r>
+                        <a:rPr lang="ko-KR" altLang="en-US" sz="1400">
+                          <a:latin typeface="+mn-ea"/>
+                          <a:ea typeface="+mn-ea"/>
+                        </a:rPr>
+                        <a:t>경로</a:t>
+                      </a:r>
+                      <a:r>
+                        <a:rPr lang="en-US" altLang="ko-KR" sz="1400">
+                          <a:latin typeface="+mn-ea"/>
+                          <a:ea typeface="+mn-ea"/>
+                        </a:rPr>
+                        <a:t>&gt;/</a:t>
+                      </a:r>
+                      <a:r>
+                        <a:rPr lang="en-US" sz="1400">
+                          <a:latin typeface="+mn-ea"/>
+                          <a:ea typeface="+mn-ea"/>
+                        </a:rPr>
+                        <a:t>bin/activate</a:t>
+                      </a:r>
+                    </a:p>
+                  </a:txBody>
+                  <a:tcPr marL="32232" marR="32232" marT="16116" marB="16116" anchor="ctr"/>
+                </a:tc>
+                <a:tc>
+                  <a:txBody>
+                    <a:bodyPr/>
+                    <a:lstStyle/>
+                    <a:p>
+                      <a:pPr>
+                        <a:buNone/>
+                      </a:pPr>
+                      <a:r>
+                        <a:rPr lang="en-US" sz="1400" dirty="0">
+                          <a:latin typeface="+mn-ea"/>
+                          <a:ea typeface="+mn-ea"/>
+                        </a:rPr>
+                        <a:t>source .</a:t>
+                      </a:r>
+                      <a:r>
+                        <a:rPr lang="en-US" sz="1400" dirty="0" err="1">
+                          <a:latin typeface="+mn-ea"/>
+                          <a:ea typeface="+mn-ea"/>
+                        </a:rPr>
+                        <a:t>venv</a:t>
+                      </a:r>
+                      <a:r>
+                        <a:rPr lang="en-US" sz="1400" dirty="0">
+                          <a:latin typeface="+mn-ea"/>
+                          <a:ea typeface="+mn-ea"/>
+                        </a:rPr>
+                        <a:t>/bin/activate</a:t>
+                      </a:r>
+                    </a:p>
+                  </a:txBody>
+                  <a:tcPr marL="32232" marR="32232" marT="16116" marB="16116" anchor="ctr"/>
+                </a:tc>
+                <a:extLst>
+                  <a:ext uri="{0D108BD9-81ED-4DB2-BD59-A6C34878D82A}">
+                    <a16:rowId xmlns:a16="http://schemas.microsoft.com/office/drawing/2014/main" val="1118387088"/>
+                  </a:ext>
+                </a:extLst>
+              </a:tr>
+              <a:tr h="435317">
+                <a:tc>
+                  <a:txBody>
+                    <a:bodyPr/>
+                    <a:lstStyle/>
+                    <a:p>
+                      <a:pPr algn="ctr">
+                        <a:buNone/>
+                      </a:pPr>
+                      <a:r>
+                        <a:rPr lang="ko-KR" altLang="en-US" sz="1400">
+                          <a:latin typeface="+mn-ea"/>
+                          <a:ea typeface="+mn-ea"/>
+                        </a:rPr>
+                        <a:t>비활성화</a:t>
+                      </a:r>
+                    </a:p>
+                  </a:txBody>
+                  <a:tcPr marL="32232" marR="32232" marT="16116" marB="16116" anchor="ctr"/>
+                </a:tc>
+                <a:tc>
+                  <a:txBody>
+                    <a:bodyPr/>
+                    <a:lstStyle/>
+                    <a:p>
+                      <a:pPr>
+                        <a:buNone/>
+                      </a:pPr>
+                      <a:r>
+                        <a:rPr lang="en-US" sz="1400">
+                          <a:latin typeface="+mn-ea"/>
+                          <a:ea typeface="+mn-ea"/>
+                        </a:rPr>
+                        <a:t>deactivate</a:t>
+                      </a:r>
+                    </a:p>
+                  </a:txBody>
+                  <a:tcPr marL="32232" marR="32232" marT="16116" marB="16116" anchor="ctr"/>
+                </a:tc>
+                <a:tc>
+                  <a:txBody>
+                    <a:bodyPr/>
+                    <a:lstStyle/>
+                    <a:p>
+                      <a:pPr>
+                        <a:buNone/>
+                      </a:pPr>
+                      <a:endParaRPr lang="ko-KR" altLang="en-US" sz="1400">
+                        <a:latin typeface="+mn-ea"/>
+                        <a:ea typeface="+mn-ea"/>
+                      </a:endParaRPr>
+                    </a:p>
+                  </a:txBody>
+                  <a:tcPr marL="32232" marR="32232" marT="16116" marB="16116" anchor="ctr"/>
+                </a:tc>
+                <a:extLst>
+                  <a:ext uri="{0D108BD9-81ED-4DB2-BD59-A6C34878D82A}">
+                    <a16:rowId xmlns:a16="http://schemas.microsoft.com/office/drawing/2014/main" val="2603750260"/>
+                  </a:ext>
+                </a:extLst>
+              </a:tr>
+              <a:tr h="435317">
+                <a:tc>
+                  <a:txBody>
+                    <a:bodyPr/>
+                    <a:lstStyle/>
+                    <a:p>
+                      <a:pPr algn="ctr">
+                        <a:buNone/>
+                      </a:pPr>
+                      <a:r>
+                        <a:rPr lang="en-US" altLang="ko-KR" sz="1400">
+                          <a:latin typeface="+mn-ea"/>
+                          <a:ea typeface="+mn-ea"/>
+                        </a:rPr>
+                        <a:t>pip/</a:t>
+                      </a:r>
+                      <a:r>
+                        <a:rPr lang="ko-KR" altLang="en-US" sz="1400">
+                          <a:latin typeface="+mn-ea"/>
+                          <a:ea typeface="+mn-ea"/>
+                        </a:rPr>
+                        <a:t>빌드툴 업그레이드</a:t>
+                      </a:r>
+                    </a:p>
+                  </a:txBody>
+                  <a:tcPr marL="32232" marR="32232" marT="16116" marB="16116" anchor="ctr"/>
+                </a:tc>
+                <a:tc>
+                  <a:txBody>
+                    <a:bodyPr/>
+                    <a:lstStyle/>
+                    <a:p>
+                      <a:pPr>
+                        <a:buNone/>
+                      </a:pPr>
+                      <a:r>
+                        <a:rPr lang="en-US" sz="1400" dirty="0">
+                          <a:latin typeface="+mn-ea"/>
+                          <a:ea typeface="+mn-ea"/>
+                        </a:rPr>
+                        <a:t>python -m pip install -U pip </a:t>
+                      </a:r>
+                      <a:r>
+                        <a:rPr lang="en-US" sz="1400" dirty="0" err="1">
+                          <a:latin typeface="+mn-ea"/>
+                          <a:ea typeface="+mn-ea"/>
+                        </a:rPr>
+                        <a:t>setuptools</a:t>
+                      </a:r>
+                      <a:r>
+                        <a:rPr lang="en-US" sz="1400" dirty="0">
+                          <a:latin typeface="+mn-ea"/>
+                          <a:ea typeface="+mn-ea"/>
+                        </a:rPr>
+                        <a:t> wheel</a:t>
+                      </a:r>
+                    </a:p>
+                  </a:txBody>
+                  <a:tcPr marL="32232" marR="32232" marT="16116" marB="16116" anchor="ctr"/>
+                </a:tc>
+                <a:tc>
+                  <a:txBody>
+                    <a:bodyPr/>
+                    <a:lstStyle/>
+                    <a:p>
+                      <a:pPr>
+                        <a:buNone/>
+                      </a:pPr>
+                      <a:r>
+                        <a:rPr lang="ko-KR" altLang="en-US" sz="1400" b="1">
+                          <a:latin typeface="+mn-ea"/>
+                          <a:ea typeface="+mn-ea"/>
+                        </a:rPr>
+                        <a:t>항상</a:t>
+                      </a:r>
+                      <a:r>
+                        <a:rPr lang="ko-KR" altLang="en-US" sz="1400">
+                          <a:latin typeface="+mn-ea"/>
+                          <a:ea typeface="+mn-ea"/>
+                        </a:rPr>
+                        <a:t> </a:t>
+                      </a:r>
+                      <a:r>
+                        <a:rPr lang="en-US" altLang="ko-KR" sz="1400">
+                          <a:latin typeface="+mn-ea"/>
+                          <a:ea typeface="+mn-ea"/>
+                        </a:rPr>
+                        <a:t>python -m pip ...</a:t>
+                      </a:r>
+                      <a:r>
+                        <a:rPr lang="ko-KR" altLang="en-US" sz="1400">
+                          <a:latin typeface="+mn-ea"/>
+                          <a:ea typeface="+mn-ea"/>
+                        </a:rPr>
+                        <a:t> 권장</a:t>
+                      </a:r>
+                    </a:p>
+                  </a:txBody>
+                  <a:tcPr marL="32232" marR="32232" marT="16116" marB="16116" anchor="ctr"/>
+                </a:tc>
+                <a:extLst>
+                  <a:ext uri="{0D108BD9-81ED-4DB2-BD59-A6C34878D82A}">
+                    <a16:rowId xmlns:a16="http://schemas.microsoft.com/office/drawing/2014/main" val="946914919"/>
+                  </a:ext>
+                </a:extLst>
+              </a:tr>
+              <a:tr h="435317">
+                <a:tc>
+                  <a:txBody>
+                    <a:bodyPr/>
+                    <a:lstStyle/>
+                    <a:p>
+                      <a:pPr algn="ctr">
+                        <a:buNone/>
+                      </a:pPr>
+                      <a:r>
+                        <a:rPr lang="ko-KR" altLang="en-US" sz="1400">
+                          <a:latin typeface="+mn-ea"/>
+                          <a:ea typeface="+mn-ea"/>
+                        </a:rPr>
+                        <a:t>패키지 설치</a:t>
+                      </a:r>
+                    </a:p>
+                  </a:txBody>
+                  <a:tcPr marL="32232" marR="32232" marT="16116" marB="16116" anchor="ctr"/>
+                </a:tc>
+                <a:tc>
+                  <a:txBody>
+                    <a:bodyPr/>
+                    <a:lstStyle/>
+                    <a:p>
+                      <a:pPr>
+                        <a:buNone/>
+                      </a:pPr>
+                      <a:r>
+                        <a:rPr lang="en-US" sz="1400">
+                          <a:latin typeface="+mn-ea"/>
+                          <a:ea typeface="+mn-ea"/>
+                        </a:rPr>
+                        <a:t>python -m pip install &lt;</a:t>
+                      </a:r>
+                      <a:r>
+                        <a:rPr lang="ko-KR" altLang="en-US" sz="1400">
+                          <a:latin typeface="+mn-ea"/>
+                          <a:ea typeface="+mn-ea"/>
+                        </a:rPr>
+                        <a:t>패키지</a:t>
+                      </a:r>
+                      <a:r>
+                        <a:rPr lang="en-US" altLang="ko-KR" sz="1400">
+                          <a:latin typeface="+mn-ea"/>
+                          <a:ea typeface="+mn-ea"/>
+                        </a:rPr>
+                        <a:t>&gt;</a:t>
+                      </a:r>
+                      <a:endParaRPr lang="ko-KR" altLang="en-US" sz="1400">
+                        <a:latin typeface="+mn-ea"/>
+                        <a:ea typeface="+mn-ea"/>
+                      </a:endParaRPr>
+                    </a:p>
+                  </a:txBody>
+                  <a:tcPr marL="32232" marR="32232" marT="16116" marB="16116" anchor="ctr"/>
+                </a:tc>
+                <a:tc>
+                  <a:txBody>
+                    <a:bodyPr/>
+                    <a:lstStyle/>
+                    <a:p>
+                      <a:pPr>
+                        <a:buNone/>
+                      </a:pPr>
+                      <a:r>
+                        <a:rPr lang="en-US" sz="1400">
+                          <a:latin typeface="+mn-ea"/>
+                          <a:ea typeface="+mn-ea"/>
+                        </a:rPr>
+                        <a:t>python -m pip install requests</a:t>
+                      </a:r>
+                    </a:p>
+                  </a:txBody>
+                  <a:tcPr marL="32232" marR="32232" marT="16116" marB="16116" anchor="ctr"/>
+                </a:tc>
+                <a:extLst>
+                  <a:ext uri="{0D108BD9-81ED-4DB2-BD59-A6C34878D82A}">
+                    <a16:rowId xmlns:a16="http://schemas.microsoft.com/office/drawing/2014/main" val="850081977"/>
+                  </a:ext>
+                </a:extLst>
+              </a:tr>
+              <a:tr h="435317">
+                <a:tc>
+                  <a:txBody>
+                    <a:bodyPr/>
+                    <a:lstStyle/>
+                    <a:p>
+                      <a:pPr algn="ctr">
+                        <a:buNone/>
+                      </a:pPr>
+                      <a:r>
+                        <a:rPr lang="ko-KR" altLang="en-US" sz="1400">
+                          <a:latin typeface="+mn-ea"/>
+                          <a:ea typeface="+mn-ea"/>
+                        </a:rPr>
+                        <a:t>패키지 제거</a:t>
+                      </a:r>
+                    </a:p>
+                  </a:txBody>
+                  <a:tcPr marL="32232" marR="32232" marT="16116" marB="16116" anchor="ctr"/>
+                </a:tc>
+                <a:tc>
+                  <a:txBody>
+                    <a:bodyPr/>
+                    <a:lstStyle/>
+                    <a:p>
+                      <a:pPr>
+                        <a:buNone/>
+                      </a:pPr>
+                      <a:r>
+                        <a:rPr lang="en-US" sz="1400">
+                          <a:latin typeface="+mn-ea"/>
+                          <a:ea typeface="+mn-ea"/>
+                        </a:rPr>
+                        <a:t>python -m pip uninstall &lt;</a:t>
+                      </a:r>
+                      <a:r>
+                        <a:rPr lang="ko-KR" altLang="en-US" sz="1400">
+                          <a:latin typeface="+mn-ea"/>
+                          <a:ea typeface="+mn-ea"/>
+                        </a:rPr>
+                        <a:t>패키지</a:t>
+                      </a:r>
+                      <a:r>
+                        <a:rPr lang="en-US" altLang="ko-KR" sz="1400">
+                          <a:latin typeface="+mn-ea"/>
+                          <a:ea typeface="+mn-ea"/>
+                        </a:rPr>
+                        <a:t>&gt;</a:t>
+                      </a:r>
+                      <a:endParaRPr lang="ko-KR" altLang="en-US" sz="1400">
+                        <a:latin typeface="+mn-ea"/>
+                        <a:ea typeface="+mn-ea"/>
+                      </a:endParaRPr>
+                    </a:p>
+                  </a:txBody>
+                  <a:tcPr marL="32232" marR="32232" marT="16116" marB="16116" anchor="ctr"/>
+                </a:tc>
+                <a:tc>
+                  <a:txBody>
+                    <a:bodyPr/>
+                    <a:lstStyle/>
+                    <a:p>
+                      <a:pPr>
+                        <a:buNone/>
+                      </a:pPr>
+                      <a:r>
+                        <a:rPr lang="en-US" sz="1400">
+                          <a:latin typeface="+mn-ea"/>
+                          <a:ea typeface="+mn-ea"/>
+                        </a:rPr>
+                        <a:t>python -m pip uninstall requests</a:t>
+                      </a:r>
+                    </a:p>
+                  </a:txBody>
+                  <a:tcPr marL="32232" marR="32232" marT="16116" marB="16116" anchor="ctr"/>
+                </a:tc>
+                <a:extLst>
+                  <a:ext uri="{0D108BD9-81ED-4DB2-BD59-A6C34878D82A}">
+                    <a16:rowId xmlns:a16="http://schemas.microsoft.com/office/drawing/2014/main" val="626109515"/>
+                  </a:ext>
+                </a:extLst>
+              </a:tr>
+              <a:tr h="435317">
+                <a:tc>
+                  <a:txBody>
+                    <a:bodyPr/>
+                    <a:lstStyle/>
+                    <a:p>
+                      <a:pPr algn="ctr">
+                        <a:buNone/>
+                      </a:pPr>
+                      <a:r>
+                        <a:rPr lang="ko-KR" altLang="en-US" sz="1400">
+                          <a:latin typeface="+mn-ea"/>
+                          <a:ea typeface="+mn-ea"/>
+                        </a:rPr>
+                        <a:t>설치 목록 보기</a:t>
+                      </a:r>
+                    </a:p>
+                  </a:txBody>
+                  <a:tcPr marL="32232" marR="32232" marT="16116" marB="16116" anchor="ctr"/>
+                </a:tc>
+                <a:tc>
+                  <a:txBody>
+                    <a:bodyPr/>
+                    <a:lstStyle/>
+                    <a:p>
+                      <a:pPr>
+                        <a:buNone/>
+                      </a:pPr>
+                      <a:r>
+                        <a:rPr lang="en-US" sz="1400">
+                          <a:latin typeface="+mn-ea"/>
+                          <a:ea typeface="+mn-ea"/>
+                        </a:rPr>
+                        <a:t>python -m pip list</a:t>
+                      </a:r>
+                    </a:p>
+                  </a:txBody>
+                  <a:tcPr marL="32232" marR="32232" marT="16116" marB="16116" anchor="ctr"/>
+                </a:tc>
+                <a:tc>
+                  <a:txBody>
+                    <a:bodyPr/>
+                    <a:lstStyle/>
+                    <a:p>
+                      <a:pPr>
+                        <a:buNone/>
+                      </a:pPr>
+                      <a:endParaRPr lang="ko-KR" altLang="en-US" sz="1400">
+                        <a:latin typeface="+mn-ea"/>
+                        <a:ea typeface="+mn-ea"/>
+                      </a:endParaRPr>
+                    </a:p>
+                  </a:txBody>
+                  <a:tcPr marL="32232" marR="32232" marT="16116" marB="16116" anchor="ctr"/>
+                </a:tc>
+                <a:extLst>
+                  <a:ext uri="{0D108BD9-81ED-4DB2-BD59-A6C34878D82A}">
+                    <a16:rowId xmlns:a16="http://schemas.microsoft.com/office/drawing/2014/main" val="2181777386"/>
+                  </a:ext>
+                </a:extLst>
+              </a:tr>
+              <a:tr h="435317">
+                <a:tc>
+                  <a:txBody>
+                    <a:bodyPr/>
+                    <a:lstStyle/>
+                    <a:p>
+                      <a:pPr algn="ctr">
+                        <a:buNone/>
+                      </a:pPr>
+                      <a:r>
+                        <a:rPr lang="ko-KR" altLang="en-US" sz="1400">
+                          <a:latin typeface="+mn-ea"/>
+                          <a:ea typeface="+mn-ea"/>
+                        </a:rPr>
+                        <a:t>현재 파이썬 경로 확인</a:t>
+                      </a:r>
+                    </a:p>
+                  </a:txBody>
+                  <a:tcPr marL="32232" marR="32232" marT="16116" marB="16116" anchor="ctr"/>
+                </a:tc>
+                <a:tc>
+                  <a:txBody>
+                    <a:bodyPr/>
+                    <a:lstStyle/>
+                    <a:p>
+                      <a:pPr>
+                        <a:buNone/>
+                      </a:pPr>
+                      <a:r>
+                        <a:rPr lang="en-US" sz="1400">
+                          <a:latin typeface="+mn-ea"/>
+                          <a:ea typeface="+mn-ea"/>
+                        </a:rPr>
+                        <a:t>which python</a:t>
+                      </a:r>
+                    </a:p>
+                  </a:txBody>
+                  <a:tcPr marL="32232" marR="32232" marT="16116" marB="16116" anchor="ctr"/>
+                </a:tc>
+                <a:tc>
+                  <a:txBody>
+                    <a:bodyPr/>
+                    <a:lstStyle/>
+                    <a:p>
+                      <a:pPr>
+                        <a:buNone/>
+                      </a:pPr>
+                      <a:r>
+                        <a:rPr lang="en-US" sz="1400" dirty="0" err="1">
+                          <a:latin typeface="+mn-ea"/>
+                          <a:ea typeface="+mn-ea"/>
+                        </a:rPr>
+                        <a:t>venv</a:t>
+                      </a:r>
+                      <a:r>
+                        <a:rPr lang="ko-KR" altLang="en-US" sz="1400" dirty="0">
+                          <a:latin typeface="+mn-ea"/>
+                          <a:ea typeface="+mn-ea"/>
+                        </a:rPr>
+                        <a:t>면 </a:t>
+                      </a:r>
+                      <a:r>
+                        <a:rPr lang="en-US" altLang="ko-KR" sz="1400" dirty="0">
+                          <a:latin typeface="+mn-ea"/>
+                          <a:ea typeface="+mn-ea"/>
+                        </a:rPr>
+                        <a:t>.../.</a:t>
+                      </a:r>
+                      <a:r>
+                        <a:rPr lang="en-US" sz="1400" dirty="0" err="1">
+                          <a:latin typeface="+mn-ea"/>
+                          <a:ea typeface="+mn-ea"/>
+                        </a:rPr>
+                        <a:t>venv</a:t>
+                      </a:r>
+                      <a:r>
+                        <a:rPr lang="en-US" sz="1400" dirty="0">
+                          <a:latin typeface="+mn-ea"/>
+                          <a:ea typeface="+mn-ea"/>
+                        </a:rPr>
+                        <a:t>/bin/python</a:t>
+                      </a:r>
+                    </a:p>
+                  </a:txBody>
+                  <a:tcPr marL="32232" marR="32232" marT="16116" marB="16116" anchor="ctr"/>
+                </a:tc>
+                <a:extLst>
+                  <a:ext uri="{0D108BD9-81ED-4DB2-BD59-A6C34878D82A}">
+                    <a16:rowId xmlns:a16="http://schemas.microsoft.com/office/drawing/2014/main" val="2265047882"/>
+                  </a:ext>
+                </a:extLst>
+              </a:tr>
+              <a:tr h="435317">
+                <a:tc>
+                  <a:txBody>
+                    <a:bodyPr/>
+                    <a:lstStyle/>
+                    <a:p>
+                      <a:pPr algn="ctr">
+                        <a:buNone/>
+                      </a:pPr>
+                      <a:r>
+                        <a:rPr lang="en-US" sz="1400">
+                          <a:latin typeface="+mn-ea"/>
+                          <a:ea typeface="+mn-ea"/>
+                        </a:rPr>
+                        <a:t>pip </a:t>
+                      </a:r>
+                      <a:r>
+                        <a:rPr lang="ko-KR" altLang="en-US" sz="1400">
+                          <a:latin typeface="+mn-ea"/>
+                          <a:ea typeface="+mn-ea"/>
+                        </a:rPr>
+                        <a:t>경로 확인</a:t>
+                      </a:r>
+                    </a:p>
+                  </a:txBody>
+                  <a:tcPr marL="32232" marR="32232" marT="16116" marB="16116" anchor="ctr"/>
+                </a:tc>
+                <a:tc>
+                  <a:txBody>
+                    <a:bodyPr/>
+                    <a:lstStyle/>
+                    <a:p>
+                      <a:pPr>
+                        <a:buNone/>
+                      </a:pPr>
+                      <a:r>
+                        <a:rPr lang="en-US" sz="1400">
+                          <a:latin typeface="+mn-ea"/>
+                          <a:ea typeface="+mn-ea"/>
+                        </a:rPr>
+                        <a:t>which pip</a:t>
+                      </a:r>
+                    </a:p>
+                  </a:txBody>
+                  <a:tcPr marL="32232" marR="32232" marT="16116" marB="16116" anchor="ctr"/>
+                </a:tc>
+                <a:tc>
+                  <a:txBody>
+                    <a:bodyPr/>
+                    <a:lstStyle/>
+                    <a:p>
+                      <a:pPr>
+                        <a:buNone/>
+                      </a:pPr>
+                      <a:r>
+                        <a:rPr lang="en-US" sz="1400">
+                          <a:latin typeface="+mn-ea"/>
+                          <a:ea typeface="+mn-ea"/>
+                        </a:rPr>
+                        <a:t>venv</a:t>
+                      </a:r>
+                      <a:r>
+                        <a:rPr lang="ko-KR" altLang="en-US" sz="1400">
+                          <a:latin typeface="+mn-ea"/>
+                          <a:ea typeface="+mn-ea"/>
+                        </a:rPr>
+                        <a:t>면 </a:t>
+                      </a:r>
+                      <a:r>
+                        <a:rPr lang="en-US" altLang="ko-KR" sz="1400">
+                          <a:latin typeface="+mn-ea"/>
+                          <a:ea typeface="+mn-ea"/>
+                        </a:rPr>
+                        <a:t>.../.</a:t>
+                      </a:r>
+                      <a:r>
+                        <a:rPr lang="en-US" sz="1400">
+                          <a:latin typeface="+mn-ea"/>
+                          <a:ea typeface="+mn-ea"/>
+                        </a:rPr>
+                        <a:t>venv/bin/pip</a:t>
+                      </a:r>
+                    </a:p>
+                  </a:txBody>
+                  <a:tcPr marL="32232" marR="32232" marT="16116" marB="16116" anchor="ctr"/>
+                </a:tc>
+                <a:extLst>
+                  <a:ext uri="{0D108BD9-81ED-4DB2-BD59-A6C34878D82A}">
+                    <a16:rowId xmlns:a16="http://schemas.microsoft.com/office/drawing/2014/main" val="1414825989"/>
+                  </a:ext>
+                </a:extLst>
+              </a:tr>
+              <a:tr h="435317">
+                <a:tc>
+                  <a:txBody>
+                    <a:bodyPr/>
+                    <a:lstStyle/>
+                    <a:p>
+                      <a:pPr algn="ctr">
+                        <a:buNone/>
+                      </a:pPr>
+                      <a:r>
+                        <a:rPr lang="en-US" sz="1400">
+                          <a:latin typeface="+mn-ea"/>
+                          <a:ea typeface="+mn-ea"/>
+                        </a:rPr>
+                        <a:t>venv </a:t>
+                      </a:r>
+                      <a:r>
+                        <a:rPr lang="ko-KR" altLang="en-US" sz="1400">
+                          <a:latin typeface="+mn-ea"/>
+                          <a:ea typeface="+mn-ea"/>
+                        </a:rPr>
+                        <a:t>경로 확인</a:t>
+                      </a:r>
+                    </a:p>
+                  </a:txBody>
+                  <a:tcPr marL="32232" marR="32232" marT="16116" marB="16116" anchor="ctr"/>
+                </a:tc>
+                <a:tc>
+                  <a:txBody>
+                    <a:bodyPr/>
+                    <a:lstStyle/>
+                    <a:p>
+                      <a:pPr>
+                        <a:buNone/>
+                      </a:pPr>
+                      <a:r>
+                        <a:rPr lang="en-US" sz="1400">
+                          <a:latin typeface="+mn-ea"/>
+                          <a:ea typeface="+mn-ea"/>
+                        </a:rPr>
+                        <a:t>echo $VIRTUAL_ENV</a:t>
+                      </a:r>
+                    </a:p>
+                  </a:txBody>
+                  <a:tcPr marL="32232" marR="32232" marT="16116" marB="16116" anchor="ctr"/>
+                </a:tc>
+                <a:tc>
+                  <a:txBody>
+                    <a:bodyPr/>
+                    <a:lstStyle/>
+                    <a:p>
+                      <a:pPr>
+                        <a:buNone/>
+                      </a:pPr>
+                      <a:r>
+                        <a:rPr lang="ko-KR" altLang="en-US" sz="1400">
+                          <a:latin typeface="+mn-ea"/>
+                          <a:ea typeface="+mn-ea"/>
+                        </a:rPr>
+                        <a:t>활성화 시 </a:t>
+                      </a:r>
+                      <a:r>
+                        <a:rPr lang="en-US" altLang="ko-KR" sz="1400">
+                          <a:latin typeface="+mn-ea"/>
+                          <a:ea typeface="+mn-ea"/>
+                        </a:rPr>
+                        <a:t>venv </a:t>
+                      </a:r>
+                      <a:r>
+                        <a:rPr lang="ko-KR" altLang="en-US" sz="1400">
+                          <a:latin typeface="+mn-ea"/>
+                          <a:ea typeface="+mn-ea"/>
+                        </a:rPr>
+                        <a:t>루트 표시</a:t>
+                      </a:r>
+                    </a:p>
+                  </a:txBody>
+                  <a:tcPr marL="32232" marR="32232" marT="16116" marB="16116" anchor="ctr"/>
+                </a:tc>
+                <a:extLst>
+                  <a:ext uri="{0D108BD9-81ED-4DB2-BD59-A6C34878D82A}">
+                    <a16:rowId xmlns:a16="http://schemas.microsoft.com/office/drawing/2014/main" val="3070787142"/>
+                  </a:ext>
+                </a:extLst>
+              </a:tr>
+              <a:tr h="435317">
+                <a:tc>
+                  <a:txBody>
+                    <a:bodyPr/>
+                    <a:lstStyle/>
+                    <a:p>
+                      <a:pPr algn="ctr">
+                        <a:buNone/>
+                      </a:pPr>
+                      <a:r>
+                        <a:rPr lang="ko-KR" altLang="en-US" sz="1400" dirty="0">
+                          <a:latin typeface="+mn-ea"/>
+                          <a:ea typeface="+mn-ea"/>
+                        </a:rPr>
+                        <a:t>환경 삭제</a:t>
+                      </a:r>
+                    </a:p>
+                  </a:txBody>
+                  <a:tcPr marL="32232" marR="32232" marT="16116" marB="16116" anchor="ctr"/>
+                </a:tc>
+                <a:tc>
+                  <a:txBody>
+                    <a:bodyPr/>
+                    <a:lstStyle/>
+                    <a:p>
+                      <a:pPr>
+                        <a:buNone/>
+                      </a:pPr>
+                      <a:r>
+                        <a:rPr lang="en-US" sz="1400">
+                          <a:latin typeface="+mn-ea"/>
+                          <a:ea typeface="+mn-ea"/>
+                        </a:rPr>
+                        <a:t>rm -rf &lt;</a:t>
+                      </a:r>
+                      <a:r>
+                        <a:rPr lang="ko-KR" altLang="en-US" sz="1400">
+                          <a:latin typeface="+mn-ea"/>
+                          <a:ea typeface="+mn-ea"/>
+                        </a:rPr>
+                        <a:t>경로</a:t>
+                      </a:r>
+                      <a:r>
+                        <a:rPr lang="en-US" altLang="ko-KR" sz="1400">
+                          <a:latin typeface="+mn-ea"/>
+                          <a:ea typeface="+mn-ea"/>
+                        </a:rPr>
+                        <a:t>&gt;</a:t>
+                      </a:r>
+                      <a:endParaRPr lang="ko-KR" altLang="en-US" sz="1400">
+                        <a:latin typeface="+mn-ea"/>
+                        <a:ea typeface="+mn-ea"/>
+                      </a:endParaRPr>
+                    </a:p>
+                  </a:txBody>
+                  <a:tcPr marL="32232" marR="32232" marT="16116" marB="16116" anchor="ctr"/>
+                </a:tc>
+                <a:tc>
+                  <a:txBody>
+                    <a:bodyPr/>
+                    <a:lstStyle/>
+                    <a:p>
+                      <a:pPr>
+                        <a:buNone/>
+                      </a:pPr>
+                      <a:r>
+                        <a:rPr lang="en-US" altLang="ko-KR" sz="1400" dirty="0">
+                          <a:latin typeface="+mn-ea"/>
+                          <a:ea typeface="+mn-ea"/>
+                        </a:rPr>
+                        <a:t>rm -rf .</a:t>
+                      </a:r>
+                      <a:r>
+                        <a:rPr lang="en-US" altLang="ko-KR" sz="1400" dirty="0" err="1">
+                          <a:latin typeface="+mn-ea"/>
+                          <a:ea typeface="+mn-ea"/>
+                        </a:rPr>
+                        <a:t>venv</a:t>
+                      </a:r>
+                      <a:r>
+                        <a:rPr lang="ko-KR" altLang="en-US" sz="1400" dirty="0">
+                          <a:latin typeface="+mn-ea"/>
+                          <a:ea typeface="+mn-ea"/>
+                        </a:rPr>
+                        <a:t> </a:t>
+                      </a:r>
+                      <a:r>
+                        <a:rPr lang="en-US" altLang="ko-KR" sz="1400" dirty="0">
+                          <a:latin typeface="+mn-ea"/>
+                          <a:ea typeface="+mn-ea"/>
+                        </a:rPr>
+                        <a:t>(</a:t>
+                      </a:r>
+                      <a:r>
+                        <a:rPr lang="ko-KR" altLang="en-US" sz="1400" dirty="0">
+                          <a:latin typeface="+mn-ea"/>
+                          <a:ea typeface="+mn-ea"/>
+                        </a:rPr>
+                        <a:t>폴더 삭제 </a:t>
+                      </a:r>
+                      <a:r>
+                        <a:rPr lang="en-US" altLang="ko-KR" sz="1400" dirty="0">
+                          <a:latin typeface="+mn-ea"/>
+                          <a:ea typeface="+mn-ea"/>
+                        </a:rPr>
+                        <a:t>= </a:t>
+                      </a:r>
+                      <a:r>
+                        <a:rPr lang="ko-KR" altLang="en-US" sz="1400" dirty="0">
+                          <a:latin typeface="+mn-ea"/>
+                          <a:ea typeface="+mn-ea"/>
+                        </a:rPr>
+                        <a:t>제거</a:t>
+                      </a:r>
+                      <a:r>
+                        <a:rPr lang="en-US" altLang="ko-KR" sz="1400" dirty="0">
+                          <a:latin typeface="+mn-ea"/>
+                          <a:ea typeface="+mn-ea"/>
+                        </a:rPr>
+                        <a:t>)</a:t>
+                      </a:r>
+                    </a:p>
+                  </a:txBody>
+                  <a:tcPr marL="32232" marR="32232" marT="16116" marB="16116" anchor="ctr"/>
+                </a:tc>
+                <a:extLst>
+                  <a:ext uri="{0D108BD9-81ED-4DB2-BD59-A6C34878D82A}">
+                    <a16:rowId xmlns:a16="http://schemas.microsoft.com/office/drawing/2014/main" val="1653142341"/>
+                  </a:ext>
+                </a:extLst>
+              </a:tr>
+            </a:tbl>
+          </a:graphicData>
+        </a:graphic>
+      </p:graphicFrame>
+    </p:spTree>
+    <p:extLst>
+      <p:ext uri="{BB962C8B-B14F-4D97-AF65-F5344CB8AC3E}">
+        <p14:creationId xmlns:p14="http://schemas.microsoft.com/office/powerpoint/2010/main" val="279400267"/>
+      </p:ext>
+    </p:extLst>
+  </p:cSld>
+  <p:clrMapOvr>
+    <a:masterClrMapping/>
+  </p:clrMapOvr>
+</p:sld>
+</file>
+
+<file path=ppt/slides/slide24.xml><?xml version="1.0" encoding="utf-8"?>
+<p:sld xmlns:a="http://schemas.openxmlformats.org/drawingml/2006/main" xmlns:r="http://schemas.openxmlformats.org/officeDocument/2006/relationships" xmlns:p="http://schemas.openxmlformats.org/presentationml/2006/main">
+  <p:cSld>
+    <p:spTree>
+      <p:nvGrpSpPr>
+        <p:cNvPr id="1" name="">
+          <a:extLst>
+            <a:ext uri="{FF2B5EF4-FFF2-40B4-BE49-F238E27FC236}">
+              <a16:creationId xmlns:a16="http://schemas.microsoft.com/office/drawing/2014/main" id="{AC9E50EF-3C1E-E72E-C0A2-5B9110C2134F}"/>
+            </a:ext>
+          </a:extLst>
+        </p:cNvPr>
+        <p:cNvGrpSpPr/>
+        <p:nvPr/>
+      </p:nvGrpSpPr>
+      <p:grpSpPr>
+        <a:xfrm>
+          <a:off x="0" y="0"/>
+          <a:ext cx="0" cy="0"/>
+          <a:chOff x="0" y="0"/>
+          <a:chExt cx="0" cy="0"/>
+        </a:xfrm>
+      </p:grpSpPr>
+      <p:sp>
+        <p:nvSpPr>
+          <p:cNvPr id="4" name="TextBox 3">
+            <a:extLst>
+              <a:ext uri="{FF2B5EF4-FFF2-40B4-BE49-F238E27FC236}">
+                <a16:creationId xmlns:a16="http://schemas.microsoft.com/office/drawing/2014/main" id="{3335D009-3078-58DC-D4C3-600E4FAE84F0}"/>
+              </a:ext>
+            </a:extLst>
+          </p:cNvPr>
+          <p:cNvSpPr txBox="1"/>
+          <p:nvPr/>
+        </p:nvSpPr>
+        <p:spPr>
+          <a:xfrm>
+            <a:off x="10720799" y="5949864"/>
+            <a:ext cx="1013996" cy="584775"/>
+          </a:xfrm>
+          <a:prstGeom prst="rect">
+            <a:avLst/>
+          </a:prstGeom>
+          <a:noFill/>
+        </p:spPr>
+        <p:txBody>
+          <a:bodyPr wrap="none" rtlCol="0">
+            <a:spAutoFit/>
+          </a:bodyPr>
+          <a:lstStyle/>
+          <a:p>
+            <a:r>
+              <a:rPr lang="en-US" altLang="ko-KR" sz="3200" b="1" u="sng" dirty="0">
+                <a:solidFill>
+                  <a:schemeClr val="accent1">
+                    <a:lumMod val="50000"/>
+                  </a:schemeClr>
+                </a:solidFill>
+              </a:rPr>
+              <a:t>END.</a:t>
+            </a:r>
+            <a:endParaRPr lang="ko-KR" altLang="en-US" sz="3200" b="1" u="sng" dirty="0">
+              <a:solidFill>
+                <a:schemeClr val="accent1">
+                  <a:lumMod val="50000"/>
+                </a:schemeClr>
+              </a:solidFill>
+            </a:endParaRPr>
+          </a:p>
+        </p:txBody>
+      </p:sp>
+    </p:spTree>
+    <p:extLst>
+      <p:ext uri="{BB962C8B-B14F-4D97-AF65-F5344CB8AC3E}">
+        <p14:creationId xmlns:p14="http://schemas.microsoft.com/office/powerpoint/2010/main" val="1647161791"/>
       </p:ext>
     </p:extLst>
   </p:cSld>

--- a/1_개발환경구축(리눅스프로그래밍).pptx
+++ b/1_개발환경구축(리눅스프로그래밍).pptx
@@ -10,25 +10,28 @@
     <p:sldId id="304" r:id="rId4"/>
     <p:sldId id="306" r:id="rId5"/>
     <p:sldId id="307" r:id="rId6"/>
-    <p:sldId id="308" r:id="rId7"/>
-    <p:sldId id="309" r:id="rId8"/>
-    <p:sldId id="311" r:id="rId9"/>
-    <p:sldId id="310" r:id="rId10"/>
-    <p:sldId id="312" r:id="rId11"/>
-    <p:sldId id="313" r:id="rId12"/>
-    <p:sldId id="314" r:id="rId13"/>
-    <p:sldId id="315" r:id="rId14"/>
-    <p:sldId id="316" r:id="rId15"/>
-    <p:sldId id="317" r:id="rId16"/>
-    <p:sldId id="318" r:id="rId17"/>
-    <p:sldId id="319" r:id="rId18"/>
-    <p:sldId id="305" r:id="rId19"/>
-    <p:sldId id="321" r:id="rId20"/>
-    <p:sldId id="322" r:id="rId21"/>
-    <p:sldId id="323" r:id="rId22"/>
-    <p:sldId id="324" r:id="rId23"/>
-    <p:sldId id="325" r:id="rId24"/>
-    <p:sldId id="320" r:id="rId25"/>
+    <p:sldId id="326" r:id="rId7"/>
+    <p:sldId id="327" r:id="rId8"/>
+    <p:sldId id="308" r:id="rId9"/>
+    <p:sldId id="328" r:id="rId10"/>
+    <p:sldId id="309" r:id="rId11"/>
+    <p:sldId id="311" r:id="rId12"/>
+    <p:sldId id="310" r:id="rId13"/>
+    <p:sldId id="312" r:id="rId14"/>
+    <p:sldId id="313" r:id="rId15"/>
+    <p:sldId id="314" r:id="rId16"/>
+    <p:sldId id="315" r:id="rId17"/>
+    <p:sldId id="316" r:id="rId18"/>
+    <p:sldId id="317" r:id="rId19"/>
+    <p:sldId id="318" r:id="rId20"/>
+    <p:sldId id="319" r:id="rId21"/>
+    <p:sldId id="305" r:id="rId22"/>
+    <p:sldId id="321" r:id="rId23"/>
+    <p:sldId id="322" r:id="rId24"/>
+    <p:sldId id="323" r:id="rId25"/>
+    <p:sldId id="324" r:id="rId26"/>
+    <p:sldId id="325" r:id="rId27"/>
+    <p:sldId id="320" r:id="rId28"/>
   </p:sldIdLst>
   <p:sldSz cx="12192000" cy="6858000"/>
   <p:notesSz cx="6858000" cy="9144000"/>
@@ -277,7 +280,7 @@
           <a:p>
             <a:fld id="{7F6DC872-0E0F-4B71-97B1-1CA7CAEBA243}" type="datetimeFigureOut">
               <a:rPr lang="ko-KR" altLang="en-US" smtClean="0"/>
-              <a:t>2025-10-30</a:t>
+              <a:t>2025-11-02</a:t>
             </a:fld>
             <a:endParaRPr lang="ko-KR" altLang="en-US"/>
           </a:p>
@@ -447,7 +450,7 @@
           <a:p>
             <a:fld id="{7F6DC872-0E0F-4B71-97B1-1CA7CAEBA243}" type="datetimeFigureOut">
               <a:rPr lang="ko-KR" altLang="en-US" smtClean="0"/>
-              <a:t>2025-10-30</a:t>
+              <a:t>2025-11-02</a:t>
             </a:fld>
             <a:endParaRPr lang="ko-KR" altLang="en-US"/>
           </a:p>
@@ -627,7 +630,7 @@
           <a:p>
             <a:fld id="{7F6DC872-0E0F-4B71-97B1-1CA7CAEBA243}" type="datetimeFigureOut">
               <a:rPr lang="ko-KR" altLang="en-US" smtClean="0"/>
-              <a:t>2025-10-30</a:t>
+              <a:t>2025-11-02</a:t>
             </a:fld>
             <a:endParaRPr lang="ko-KR" altLang="en-US"/>
           </a:p>
@@ -797,7 +800,7 @@
           <a:p>
             <a:fld id="{7F6DC872-0E0F-4B71-97B1-1CA7CAEBA243}" type="datetimeFigureOut">
               <a:rPr lang="ko-KR" altLang="en-US" smtClean="0"/>
-              <a:t>2025-10-30</a:t>
+              <a:t>2025-11-02</a:t>
             </a:fld>
             <a:endParaRPr lang="ko-KR" altLang="en-US"/>
           </a:p>
@@ -1043,7 +1046,7 @@
           <a:p>
             <a:fld id="{7F6DC872-0E0F-4B71-97B1-1CA7CAEBA243}" type="datetimeFigureOut">
               <a:rPr lang="ko-KR" altLang="en-US" smtClean="0"/>
-              <a:t>2025-10-30</a:t>
+              <a:t>2025-11-02</a:t>
             </a:fld>
             <a:endParaRPr lang="ko-KR" altLang="en-US"/>
           </a:p>
@@ -1275,7 +1278,7 @@
           <a:p>
             <a:fld id="{7F6DC872-0E0F-4B71-97B1-1CA7CAEBA243}" type="datetimeFigureOut">
               <a:rPr lang="ko-KR" altLang="en-US" smtClean="0"/>
-              <a:t>2025-10-30</a:t>
+              <a:t>2025-11-02</a:t>
             </a:fld>
             <a:endParaRPr lang="ko-KR" altLang="en-US"/>
           </a:p>
@@ -1642,7 +1645,7 @@
           <a:p>
             <a:fld id="{7F6DC872-0E0F-4B71-97B1-1CA7CAEBA243}" type="datetimeFigureOut">
               <a:rPr lang="ko-KR" altLang="en-US" smtClean="0"/>
-              <a:t>2025-10-30</a:t>
+              <a:t>2025-11-02</a:t>
             </a:fld>
             <a:endParaRPr lang="ko-KR" altLang="en-US"/>
           </a:p>
@@ -1760,7 +1763,7 @@
           <a:p>
             <a:fld id="{7F6DC872-0E0F-4B71-97B1-1CA7CAEBA243}" type="datetimeFigureOut">
               <a:rPr lang="ko-KR" altLang="en-US" smtClean="0"/>
-              <a:t>2025-10-30</a:t>
+              <a:t>2025-11-02</a:t>
             </a:fld>
             <a:endParaRPr lang="ko-KR" altLang="en-US"/>
           </a:p>
@@ -1855,7 +1858,7 @@
           <a:p>
             <a:fld id="{7F6DC872-0E0F-4B71-97B1-1CA7CAEBA243}" type="datetimeFigureOut">
               <a:rPr lang="ko-KR" altLang="en-US" smtClean="0"/>
-              <a:t>2025-10-30</a:t>
+              <a:t>2025-11-02</a:t>
             </a:fld>
             <a:endParaRPr lang="ko-KR" altLang="en-US"/>
           </a:p>
@@ -2132,7 +2135,7 @@
           <a:p>
             <a:fld id="{7F6DC872-0E0F-4B71-97B1-1CA7CAEBA243}" type="datetimeFigureOut">
               <a:rPr lang="ko-KR" altLang="en-US" smtClean="0"/>
-              <a:t>2025-10-30</a:t>
+              <a:t>2025-11-02</a:t>
             </a:fld>
             <a:endParaRPr lang="ko-KR" altLang="en-US"/>
           </a:p>
@@ -2389,7 +2392,7 @@
           <a:p>
             <a:fld id="{7F6DC872-0E0F-4B71-97B1-1CA7CAEBA243}" type="datetimeFigureOut">
               <a:rPr lang="ko-KR" altLang="en-US" smtClean="0"/>
-              <a:t>2025-10-30</a:t>
+              <a:t>2025-11-02</a:t>
             </a:fld>
             <a:endParaRPr lang="ko-KR" altLang="en-US"/>
           </a:p>
@@ -2602,7 +2605,7 @@
           <a:p>
             <a:fld id="{7F6DC872-0E0F-4B71-97B1-1CA7CAEBA243}" type="datetimeFigureOut">
               <a:rPr lang="ko-KR" altLang="en-US" smtClean="0"/>
-              <a:t>2025-10-30</a:t>
+              <a:t>2025-11-02</a:t>
             </a:fld>
             <a:endParaRPr lang="ko-KR" altLang="en-US"/>
           </a:p>
@@ -3191,6 +3194,1684 @@
         <p:cNvPr id="1" name="">
           <a:extLst>
             <a:ext uri="{FF2B5EF4-FFF2-40B4-BE49-F238E27FC236}">
+              <a16:creationId xmlns:a16="http://schemas.microsoft.com/office/drawing/2014/main" id="{4D04E998-77D9-D7C8-C1CB-9C80F2428BD5}"/>
+            </a:ext>
+          </a:extLst>
+        </p:cNvPr>
+        <p:cNvGrpSpPr/>
+        <p:nvPr/>
+      </p:nvGrpSpPr>
+      <p:grpSpPr>
+        <a:xfrm>
+          <a:off x="0" y="0"/>
+          <a:ext cx="0" cy="0"/>
+          <a:chOff x="0" y="0"/>
+          <a:chExt cx="0" cy="0"/>
+        </a:xfrm>
+      </p:grpSpPr>
+      <p:sp>
+        <p:nvSpPr>
+          <p:cNvPr id="3" name="직사각형 2">
+            <a:extLst>
+              <a:ext uri="{FF2B5EF4-FFF2-40B4-BE49-F238E27FC236}">
+                <a16:creationId xmlns:a16="http://schemas.microsoft.com/office/drawing/2014/main" id="{003A58A0-3662-5B90-02BA-42268D3773A6}"/>
+              </a:ext>
+            </a:extLst>
+          </p:cNvPr>
+          <p:cNvSpPr/>
+          <p:nvPr/>
+        </p:nvSpPr>
+        <p:spPr>
+          <a:xfrm>
+            <a:off x="0" y="0"/>
+            <a:ext cx="3778898" cy="631596"/>
+          </a:xfrm>
+          <a:prstGeom prst="rect">
+            <a:avLst/>
+          </a:prstGeom>
+          <a:solidFill>
+            <a:srgbClr val="002060"/>
+          </a:solidFill>
+        </p:spPr>
+        <p:style>
+          <a:lnRef idx="2">
+            <a:schemeClr val="accent1">
+              <a:shade val="15000"/>
+            </a:schemeClr>
+          </a:lnRef>
+          <a:fillRef idx="1">
+            <a:schemeClr val="accent1"/>
+          </a:fillRef>
+          <a:effectRef idx="0">
+            <a:schemeClr val="accent1"/>
+          </a:effectRef>
+          <a:fontRef idx="minor">
+            <a:schemeClr val="lt1"/>
+          </a:fontRef>
+        </p:style>
+        <p:txBody>
+          <a:bodyPr rtlCol="0" anchor="ctr"/>
+          <a:lstStyle/>
+          <a:p>
+            <a:pPr marL="442913" indent="-263525">
+              <a:buFont typeface="Wingdings" panose="05000000000000000000" pitchFamily="2" charset="2"/>
+              <a:buChar char="§"/>
+            </a:pPr>
+            <a:r>
+              <a:rPr lang="ko-KR" altLang="en-US" sz="2000" b="1" dirty="0"/>
+              <a:t>실습 환경</a:t>
+            </a:r>
+          </a:p>
+        </p:txBody>
+      </p:sp>
+      <p:sp>
+        <p:nvSpPr>
+          <p:cNvPr id="2" name="직사각형 1">
+            <a:extLst>
+              <a:ext uri="{FF2B5EF4-FFF2-40B4-BE49-F238E27FC236}">
+                <a16:creationId xmlns:a16="http://schemas.microsoft.com/office/drawing/2014/main" id="{BE0E3BF3-3F80-0090-6B17-2717BC2C2D08}"/>
+              </a:ext>
+            </a:extLst>
+          </p:cNvPr>
+          <p:cNvSpPr/>
+          <p:nvPr/>
+        </p:nvSpPr>
+        <p:spPr>
+          <a:xfrm>
+            <a:off x="3789058" y="-3715"/>
+            <a:ext cx="3952862" cy="631596"/>
+          </a:xfrm>
+          <a:prstGeom prst="rect">
+            <a:avLst/>
+          </a:prstGeom>
+          <a:solidFill>
+            <a:schemeClr val="accent5">
+              <a:lumMod val="50000"/>
+            </a:schemeClr>
+          </a:solidFill>
+        </p:spPr>
+        <p:style>
+          <a:lnRef idx="2">
+            <a:schemeClr val="accent1">
+              <a:shade val="15000"/>
+            </a:schemeClr>
+          </a:lnRef>
+          <a:fillRef idx="1">
+            <a:schemeClr val="accent1"/>
+          </a:fillRef>
+          <a:effectRef idx="0">
+            <a:schemeClr val="accent1"/>
+          </a:effectRef>
+          <a:fontRef idx="minor">
+            <a:schemeClr val="lt1"/>
+          </a:fontRef>
+        </p:style>
+        <p:txBody>
+          <a:bodyPr rtlCol="0" anchor="ctr"/>
+          <a:lstStyle/>
+          <a:p>
+            <a:pPr marL="355600" indent="-176213">
+              <a:buFont typeface="Arial" panose="020B0604020202020204" pitchFamily="34" charset="0"/>
+              <a:buChar char="•"/>
+            </a:pPr>
+            <a:r>
+              <a:rPr lang="ko-KR" altLang="en-US" sz="2000" b="1" dirty="0"/>
+              <a:t>가상 환경 설치</a:t>
+            </a:r>
+          </a:p>
+        </p:txBody>
+      </p:sp>
+      <p:pic>
+        <p:nvPicPr>
+          <p:cNvPr id="5" name="그림 4">
+            <a:extLst>
+              <a:ext uri="{FF2B5EF4-FFF2-40B4-BE49-F238E27FC236}">
+                <a16:creationId xmlns:a16="http://schemas.microsoft.com/office/drawing/2014/main" id="{4C8AC454-F331-63AC-95F9-927FA1183FB0}"/>
+              </a:ext>
+            </a:extLst>
+          </p:cNvPr>
+          <p:cNvPicPr>
+            <a:picLocks noChangeAspect="1"/>
+          </p:cNvPicPr>
+          <p:nvPr/>
+        </p:nvPicPr>
+        <p:blipFill>
+          <a:blip r:embed="rId2"/>
+          <a:stretch>
+            <a:fillRect/>
+          </a:stretch>
+        </p:blipFill>
+        <p:spPr>
+          <a:xfrm>
+            <a:off x="584925" y="1268330"/>
+            <a:ext cx="7811590" cy="1171739"/>
+          </a:xfrm>
+          <a:prstGeom prst="rect">
+            <a:avLst/>
+          </a:prstGeom>
+          <a:ln>
+            <a:solidFill>
+              <a:schemeClr val="accent1">
+                <a:shade val="15000"/>
+              </a:schemeClr>
+            </a:solidFill>
+          </a:ln>
+        </p:spPr>
+      </p:pic>
+      <p:sp>
+        <p:nvSpPr>
+          <p:cNvPr id="7" name="TextBox 6">
+            <a:extLst>
+              <a:ext uri="{FF2B5EF4-FFF2-40B4-BE49-F238E27FC236}">
+                <a16:creationId xmlns:a16="http://schemas.microsoft.com/office/drawing/2014/main" id="{D2F5AB1E-0306-B743-6865-65FD84884687}"/>
+              </a:ext>
+            </a:extLst>
+          </p:cNvPr>
+          <p:cNvSpPr txBox="1"/>
+          <p:nvPr/>
+        </p:nvSpPr>
+        <p:spPr>
+          <a:xfrm flipH="1">
+            <a:off x="290285" y="848198"/>
+            <a:ext cx="3337561" cy="369332"/>
+          </a:xfrm>
+          <a:prstGeom prst="rect">
+            <a:avLst/>
+          </a:prstGeom>
+          <a:noFill/>
+        </p:spPr>
+        <p:txBody>
+          <a:bodyPr wrap="square" rtlCol="0">
+            <a:spAutoFit/>
+          </a:bodyPr>
+          <a:lstStyle/>
+          <a:p>
+            <a:pPr marL="285750" indent="-285750">
+              <a:buFont typeface="Arial" panose="020B0604020202020204" pitchFamily="34" charset="0"/>
+              <a:buChar char="•"/>
+            </a:pPr>
+            <a:r>
+              <a:rPr lang="ko-KR" altLang="en-US" dirty="0"/>
+              <a:t>현재 폴더 내용 확인</a:t>
+            </a:r>
+          </a:p>
+        </p:txBody>
+      </p:sp>
+      <p:sp>
+        <p:nvSpPr>
+          <p:cNvPr id="8" name="TextBox 7">
+            <a:extLst>
+              <a:ext uri="{FF2B5EF4-FFF2-40B4-BE49-F238E27FC236}">
+                <a16:creationId xmlns:a16="http://schemas.microsoft.com/office/drawing/2014/main" id="{8DCD1DC8-52B4-F025-7F73-308E1A97666F}"/>
+              </a:ext>
+            </a:extLst>
+          </p:cNvPr>
+          <p:cNvSpPr txBox="1"/>
+          <p:nvPr/>
+        </p:nvSpPr>
+        <p:spPr>
+          <a:xfrm flipH="1">
+            <a:off x="310605" y="2707471"/>
+            <a:ext cx="3337561" cy="369332"/>
+          </a:xfrm>
+          <a:prstGeom prst="rect">
+            <a:avLst/>
+          </a:prstGeom>
+          <a:noFill/>
+        </p:spPr>
+        <p:txBody>
+          <a:bodyPr wrap="square" rtlCol="0">
+            <a:spAutoFit/>
+          </a:bodyPr>
+          <a:lstStyle/>
+          <a:p>
+            <a:pPr marL="285750" indent="-285750">
+              <a:buFont typeface="Arial" panose="020B0604020202020204" pitchFamily="34" charset="0"/>
+              <a:buChar char="•"/>
+            </a:pPr>
+            <a:r>
+              <a:rPr lang="en-US" altLang="ko-KR" dirty="0"/>
+              <a:t>work </a:t>
+            </a:r>
+            <a:r>
+              <a:rPr lang="ko-KR" altLang="en-US" dirty="0"/>
+              <a:t>폴더 생성 </a:t>
+            </a:r>
+            <a:r>
+              <a:rPr lang="en-US" altLang="ko-KR" dirty="0"/>
+              <a:t>: </a:t>
+            </a:r>
+            <a:r>
+              <a:rPr lang="en-US" altLang="ko-KR" dirty="0" err="1"/>
+              <a:t>mkdir</a:t>
+            </a:r>
+            <a:r>
+              <a:rPr lang="en-US" altLang="ko-KR" dirty="0"/>
+              <a:t> work</a:t>
+            </a:r>
+            <a:endParaRPr lang="ko-KR" altLang="en-US" dirty="0"/>
+          </a:p>
+        </p:txBody>
+      </p:sp>
+      <p:pic>
+        <p:nvPicPr>
+          <p:cNvPr id="10" name="그림 9">
+            <a:extLst>
+              <a:ext uri="{FF2B5EF4-FFF2-40B4-BE49-F238E27FC236}">
+                <a16:creationId xmlns:a16="http://schemas.microsoft.com/office/drawing/2014/main" id="{FD135896-A706-0150-7861-8A03E1570BA2}"/>
+              </a:ext>
+            </a:extLst>
+          </p:cNvPr>
+          <p:cNvPicPr>
+            <a:picLocks noChangeAspect="1"/>
+          </p:cNvPicPr>
+          <p:nvPr/>
+        </p:nvPicPr>
+        <p:blipFill>
+          <a:blip r:embed="rId3"/>
+          <a:stretch>
+            <a:fillRect/>
+          </a:stretch>
+        </p:blipFill>
+        <p:spPr>
+          <a:xfrm>
+            <a:off x="595084" y="3076802"/>
+            <a:ext cx="5999785" cy="1341129"/>
+          </a:xfrm>
+          <a:prstGeom prst="rect">
+            <a:avLst/>
+          </a:prstGeom>
+        </p:spPr>
+      </p:pic>
+      <p:sp>
+        <p:nvSpPr>
+          <p:cNvPr id="11" name="TextBox 10">
+            <a:extLst>
+              <a:ext uri="{FF2B5EF4-FFF2-40B4-BE49-F238E27FC236}">
+                <a16:creationId xmlns:a16="http://schemas.microsoft.com/office/drawing/2014/main" id="{A0B387DC-A12F-0628-FD0A-B19F0B00AF58}"/>
+              </a:ext>
+            </a:extLst>
+          </p:cNvPr>
+          <p:cNvSpPr txBox="1"/>
+          <p:nvPr/>
+        </p:nvSpPr>
+        <p:spPr>
+          <a:xfrm flipH="1">
+            <a:off x="290285" y="4566743"/>
+            <a:ext cx="8132356" cy="369332"/>
+          </a:xfrm>
+          <a:prstGeom prst="rect">
+            <a:avLst/>
+          </a:prstGeom>
+          <a:noFill/>
+        </p:spPr>
+        <p:txBody>
+          <a:bodyPr wrap="square" rtlCol="0">
+            <a:spAutoFit/>
+          </a:bodyPr>
+          <a:lstStyle/>
+          <a:p>
+            <a:pPr marL="285750" indent="-285750">
+              <a:buFont typeface="Arial" panose="020B0604020202020204" pitchFamily="34" charset="0"/>
+              <a:buChar char="•"/>
+            </a:pPr>
+            <a:r>
+              <a:rPr lang="en-US" altLang="ko-KR" dirty="0"/>
+              <a:t>python3.11</a:t>
+            </a:r>
+            <a:r>
+              <a:rPr lang="ko-KR" altLang="en-US" dirty="0"/>
+              <a:t> 버전으로 가상환경 만들기 </a:t>
+            </a:r>
+            <a:r>
+              <a:rPr lang="en-US" altLang="ko-KR" dirty="0"/>
+              <a:t>:  python3.11 -m </a:t>
+            </a:r>
+            <a:r>
+              <a:rPr lang="en-US" altLang="ko-KR" dirty="0" err="1"/>
+              <a:t>venv</a:t>
+            </a:r>
+            <a:r>
+              <a:rPr lang="en-US" altLang="ko-KR" dirty="0"/>
+              <a:t> .</a:t>
+            </a:r>
+            <a:r>
+              <a:rPr lang="en-US" altLang="ko-KR" dirty="0" err="1"/>
+              <a:t>venv</a:t>
+            </a:r>
+            <a:endParaRPr lang="ko-KR" altLang="en-US" dirty="0"/>
+          </a:p>
+        </p:txBody>
+      </p:sp>
+      <p:pic>
+        <p:nvPicPr>
+          <p:cNvPr id="14" name="그림 13">
+            <a:extLst>
+              <a:ext uri="{FF2B5EF4-FFF2-40B4-BE49-F238E27FC236}">
+                <a16:creationId xmlns:a16="http://schemas.microsoft.com/office/drawing/2014/main" id="{027A72D3-C3C8-82CB-43DD-0E532341C2BF}"/>
+              </a:ext>
+            </a:extLst>
+          </p:cNvPr>
+          <p:cNvPicPr>
+            <a:picLocks noChangeAspect="1"/>
+          </p:cNvPicPr>
+          <p:nvPr/>
+        </p:nvPicPr>
+        <p:blipFill>
+          <a:blip r:embed="rId4"/>
+          <a:stretch>
+            <a:fillRect/>
+          </a:stretch>
+        </p:blipFill>
+        <p:spPr>
+          <a:xfrm>
+            <a:off x="607593" y="4976714"/>
+            <a:ext cx="3841807" cy="1200565"/>
+          </a:xfrm>
+          <a:prstGeom prst="rect">
+            <a:avLst/>
+          </a:prstGeom>
+          <a:ln>
+            <a:solidFill>
+              <a:schemeClr val="accent1">
+                <a:shade val="15000"/>
+              </a:schemeClr>
+            </a:solidFill>
+          </a:ln>
+        </p:spPr>
+      </p:pic>
+    </p:spTree>
+    <p:extLst>
+      <p:ext uri="{BB962C8B-B14F-4D97-AF65-F5344CB8AC3E}">
+        <p14:creationId xmlns:p14="http://schemas.microsoft.com/office/powerpoint/2010/main" val="3973854312"/>
+      </p:ext>
+    </p:extLst>
+  </p:cSld>
+  <p:clrMapOvr>
+    <a:masterClrMapping/>
+  </p:clrMapOvr>
+</p:sld>
+</file>
+
+<file path=ppt/slides/slide11.xml><?xml version="1.0" encoding="utf-8"?>
+<p:sld xmlns:a="http://schemas.openxmlformats.org/drawingml/2006/main" xmlns:r="http://schemas.openxmlformats.org/officeDocument/2006/relationships" xmlns:p="http://schemas.openxmlformats.org/presentationml/2006/main">
+  <p:cSld>
+    <p:spTree>
+      <p:nvGrpSpPr>
+        <p:cNvPr id="1" name="">
+          <a:extLst>
+            <a:ext uri="{FF2B5EF4-FFF2-40B4-BE49-F238E27FC236}">
+              <a16:creationId xmlns:a16="http://schemas.microsoft.com/office/drawing/2014/main" id="{D7B8027B-10CD-6622-3BBD-2176FA2EF466}"/>
+            </a:ext>
+          </a:extLst>
+        </p:cNvPr>
+        <p:cNvGrpSpPr/>
+        <p:nvPr/>
+      </p:nvGrpSpPr>
+      <p:grpSpPr>
+        <a:xfrm>
+          <a:off x="0" y="0"/>
+          <a:ext cx="0" cy="0"/>
+          <a:chOff x="0" y="0"/>
+          <a:chExt cx="0" cy="0"/>
+        </a:xfrm>
+      </p:grpSpPr>
+      <p:sp>
+        <p:nvSpPr>
+          <p:cNvPr id="3" name="직사각형 2">
+            <a:extLst>
+              <a:ext uri="{FF2B5EF4-FFF2-40B4-BE49-F238E27FC236}">
+                <a16:creationId xmlns:a16="http://schemas.microsoft.com/office/drawing/2014/main" id="{7B8BCF29-8100-0B16-7AFA-B25C1C7D4248}"/>
+              </a:ext>
+            </a:extLst>
+          </p:cNvPr>
+          <p:cNvSpPr/>
+          <p:nvPr/>
+        </p:nvSpPr>
+        <p:spPr>
+          <a:xfrm>
+            <a:off x="0" y="0"/>
+            <a:ext cx="3778898" cy="631596"/>
+          </a:xfrm>
+          <a:prstGeom prst="rect">
+            <a:avLst/>
+          </a:prstGeom>
+          <a:solidFill>
+            <a:srgbClr val="002060"/>
+          </a:solidFill>
+        </p:spPr>
+        <p:style>
+          <a:lnRef idx="2">
+            <a:schemeClr val="accent1">
+              <a:shade val="15000"/>
+            </a:schemeClr>
+          </a:lnRef>
+          <a:fillRef idx="1">
+            <a:schemeClr val="accent1"/>
+          </a:fillRef>
+          <a:effectRef idx="0">
+            <a:schemeClr val="accent1"/>
+          </a:effectRef>
+          <a:fontRef idx="minor">
+            <a:schemeClr val="lt1"/>
+          </a:fontRef>
+        </p:style>
+        <p:txBody>
+          <a:bodyPr rtlCol="0" anchor="ctr"/>
+          <a:lstStyle/>
+          <a:p>
+            <a:pPr marL="442913" indent="-263525">
+              <a:buFont typeface="Wingdings" panose="05000000000000000000" pitchFamily="2" charset="2"/>
+              <a:buChar char="§"/>
+            </a:pPr>
+            <a:r>
+              <a:rPr lang="ko-KR" altLang="en-US" sz="2000" b="1" dirty="0"/>
+              <a:t>실습 환경</a:t>
+            </a:r>
+          </a:p>
+        </p:txBody>
+      </p:sp>
+      <p:sp>
+        <p:nvSpPr>
+          <p:cNvPr id="2" name="직사각형 1">
+            <a:extLst>
+              <a:ext uri="{FF2B5EF4-FFF2-40B4-BE49-F238E27FC236}">
+                <a16:creationId xmlns:a16="http://schemas.microsoft.com/office/drawing/2014/main" id="{0699EDBA-701A-808B-913E-705484D7D39E}"/>
+              </a:ext>
+            </a:extLst>
+          </p:cNvPr>
+          <p:cNvSpPr/>
+          <p:nvPr/>
+        </p:nvSpPr>
+        <p:spPr>
+          <a:xfrm>
+            <a:off x="3789058" y="-3715"/>
+            <a:ext cx="3952862" cy="631596"/>
+          </a:xfrm>
+          <a:prstGeom prst="rect">
+            <a:avLst/>
+          </a:prstGeom>
+          <a:solidFill>
+            <a:schemeClr val="accent5">
+              <a:lumMod val="50000"/>
+            </a:schemeClr>
+          </a:solidFill>
+        </p:spPr>
+        <p:style>
+          <a:lnRef idx="2">
+            <a:schemeClr val="accent1">
+              <a:shade val="15000"/>
+            </a:schemeClr>
+          </a:lnRef>
+          <a:fillRef idx="1">
+            <a:schemeClr val="accent1"/>
+          </a:fillRef>
+          <a:effectRef idx="0">
+            <a:schemeClr val="accent1"/>
+          </a:effectRef>
+          <a:fontRef idx="minor">
+            <a:schemeClr val="lt1"/>
+          </a:fontRef>
+        </p:style>
+        <p:txBody>
+          <a:bodyPr rtlCol="0" anchor="ctr"/>
+          <a:lstStyle/>
+          <a:p>
+            <a:pPr marL="355600" indent="-176213">
+              <a:buFont typeface="Arial" panose="020B0604020202020204" pitchFamily="34" charset="0"/>
+              <a:buChar char="•"/>
+            </a:pPr>
+            <a:r>
+              <a:rPr lang="ko-KR" altLang="en-US" sz="2000" b="1" dirty="0"/>
+              <a:t>가상 환경 설치</a:t>
+            </a:r>
+          </a:p>
+        </p:txBody>
+      </p:sp>
+      <p:sp>
+        <p:nvSpPr>
+          <p:cNvPr id="7" name="TextBox 6">
+            <a:extLst>
+              <a:ext uri="{FF2B5EF4-FFF2-40B4-BE49-F238E27FC236}">
+                <a16:creationId xmlns:a16="http://schemas.microsoft.com/office/drawing/2014/main" id="{C173B5AF-EDF6-DE72-FC41-2BE9DE48370D}"/>
+              </a:ext>
+            </a:extLst>
+          </p:cNvPr>
+          <p:cNvSpPr txBox="1"/>
+          <p:nvPr/>
+        </p:nvSpPr>
+        <p:spPr>
+          <a:xfrm flipH="1">
+            <a:off x="290285" y="848198"/>
+            <a:ext cx="3337561" cy="369332"/>
+          </a:xfrm>
+          <a:prstGeom prst="rect">
+            <a:avLst/>
+          </a:prstGeom>
+          <a:noFill/>
+        </p:spPr>
+        <p:txBody>
+          <a:bodyPr wrap="square" rtlCol="0">
+            <a:spAutoFit/>
+          </a:bodyPr>
+          <a:lstStyle/>
+          <a:p>
+            <a:pPr marL="285750" indent="-285750">
+              <a:buFont typeface="Arial" panose="020B0604020202020204" pitchFamily="34" charset="0"/>
+              <a:buChar char="•"/>
+            </a:pPr>
+            <a:r>
+              <a:rPr lang="ko-KR" altLang="en-US" dirty="0"/>
+              <a:t>가상환경 실행</a:t>
+            </a:r>
+          </a:p>
+        </p:txBody>
+      </p:sp>
+      <p:pic>
+        <p:nvPicPr>
+          <p:cNvPr id="6" name="그림 5">
+            <a:extLst>
+              <a:ext uri="{FF2B5EF4-FFF2-40B4-BE49-F238E27FC236}">
+                <a16:creationId xmlns:a16="http://schemas.microsoft.com/office/drawing/2014/main" id="{BD8BE4D6-5A77-1E57-E15A-5A1323F81424}"/>
+              </a:ext>
+            </a:extLst>
+          </p:cNvPr>
+          <p:cNvPicPr>
+            <a:picLocks noChangeAspect="1"/>
+          </p:cNvPicPr>
+          <p:nvPr/>
+        </p:nvPicPr>
+        <p:blipFill>
+          <a:blip r:embed="rId2"/>
+          <a:stretch>
+            <a:fillRect/>
+          </a:stretch>
+        </p:blipFill>
+        <p:spPr>
+          <a:xfrm>
+            <a:off x="538908" y="1852031"/>
+            <a:ext cx="6687483" cy="1800476"/>
+          </a:xfrm>
+          <a:prstGeom prst="rect">
+            <a:avLst/>
+          </a:prstGeom>
+          <a:ln>
+            <a:solidFill>
+              <a:schemeClr val="tx1">
+                <a:lumMod val="50000"/>
+                <a:lumOff val="50000"/>
+              </a:schemeClr>
+            </a:solidFill>
+          </a:ln>
+        </p:spPr>
+      </p:pic>
+      <p:sp>
+        <p:nvSpPr>
+          <p:cNvPr id="9" name="TextBox 8">
+            <a:extLst>
+              <a:ext uri="{FF2B5EF4-FFF2-40B4-BE49-F238E27FC236}">
+                <a16:creationId xmlns:a16="http://schemas.microsoft.com/office/drawing/2014/main" id="{A0732013-9003-4745-D051-D09DD62A6122}"/>
+              </a:ext>
+            </a:extLst>
+          </p:cNvPr>
+          <p:cNvSpPr txBox="1"/>
+          <p:nvPr/>
+        </p:nvSpPr>
+        <p:spPr>
+          <a:xfrm>
+            <a:off x="538908" y="1205700"/>
+            <a:ext cx="2558842" cy="646331"/>
+          </a:xfrm>
+          <a:prstGeom prst="rect">
+            <a:avLst/>
+          </a:prstGeom>
+          <a:noFill/>
+        </p:spPr>
+        <p:txBody>
+          <a:bodyPr wrap="none" rtlCol="0">
+            <a:spAutoFit/>
+          </a:bodyPr>
+          <a:lstStyle/>
+          <a:p>
+            <a:r>
+              <a:rPr lang="en-US" altLang="ko-KR" dirty="0"/>
+              <a:t>source .</a:t>
+            </a:r>
+            <a:r>
+              <a:rPr lang="en-US" altLang="ko-KR" dirty="0" err="1"/>
+              <a:t>venv</a:t>
+            </a:r>
+            <a:r>
+              <a:rPr lang="en-US" altLang="ko-KR" dirty="0"/>
+              <a:t>/bin/activate</a:t>
+            </a:r>
+          </a:p>
+          <a:p>
+            <a:r>
+              <a:rPr lang="en-US" altLang="ko-KR" dirty="0"/>
+              <a:t>deactivate</a:t>
+            </a:r>
+            <a:endParaRPr lang="ko-KR" altLang="en-US" dirty="0"/>
+          </a:p>
+        </p:txBody>
+      </p:sp>
+    </p:spTree>
+    <p:extLst>
+      <p:ext uri="{BB962C8B-B14F-4D97-AF65-F5344CB8AC3E}">
+        <p14:creationId xmlns:p14="http://schemas.microsoft.com/office/powerpoint/2010/main" val="470306724"/>
+      </p:ext>
+    </p:extLst>
+  </p:cSld>
+  <p:clrMapOvr>
+    <a:masterClrMapping/>
+  </p:clrMapOvr>
+</p:sld>
+</file>
+
+<file path=ppt/slides/slide12.xml><?xml version="1.0" encoding="utf-8"?>
+<p:sld xmlns:a="http://schemas.openxmlformats.org/drawingml/2006/main" xmlns:r="http://schemas.openxmlformats.org/officeDocument/2006/relationships" xmlns:p="http://schemas.openxmlformats.org/presentationml/2006/main">
+  <p:cSld>
+    <p:spTree>
+      <p:nvGrpSpPr>
+        <p:cNvPr id="1" name="">
+          <a:extLst>
+            <a:ext uri="{FF2B5EF4-FFF2-40B4-BE49-F238E27FC236}">
+              <a16:creationId xmlns:a16="http://schemas.microsoft.com/office/drawing/2014/main" id="{58C3FDCF-7AF7-FCD8-0E9F-F4F6F6C8C685}"/>
+            </a:ext>
+          </a:extLst>
+        </p:cNvPr>
+        <p:cNvGrpSpPr/>
+        <p:nvPr/>
+      </p:nvGrpSpPr>
+      <p:grpSpPr>
+        <a:xfrm>
+          <a:off x="0" y="0"/>
+          <a:ext cx="0" cy="0"/>
+          <a:chOff x="0" y="0"/>
+          <a:chExt cx="0" cy="0"/>
+        </a:xfrm>
+      </p:grpSpPr>
+      <p:sp>
+        <p:nvSpPr>
+          <p:cNvPr id="3" name="직사각형 2">
+            <a:extLst>
+              <a:ext uri="{FF2B5EF4-FFF2-40B4-BE49-F238E27FC236}">
+                <a16:creationId xmlns:a16="http://schemas.microsoft.com/office/drawing/2014/main" id="{40940FF2-ED9B-05A8-4358-545E721CCE2B}"/>
+              </a:ext>
+            </a:extLst>
+          </p:cNvPr>
+          <p:cNvSpPr/>
+          <p:nvPr/>
+        </p:nvSpPr>
+        <p:spPr>
+          <a:xfrm>
+            <a:off x="0" y="0"/>
+            <a:ext cx="3778898" cy="631596"/>
+          </a:xfrm>
+          <a:prstGeom prst="rect">
+            <a:avLst/>
+          </a:prstGeom>
+          <a:solidFill>
+            <a:schemeClr val="accent5">
+              <a:lumMod val="50000"/>
+            </a:schemeClr>
+          </a:solidFill>
+        </p:spPr>
+        <p:style>
+          <a:lnRef idx="2">
+            <a:schemeClr val="accent1">
+              <a:shade val="15000"/>
+            </a:schemeClr>
+          </a:lnRef>
+          <a:fillRef idx="1">
+            <a:schemeClr val="accent1"/>
+          </a:fillRef>
+          <a:effectRef idx="0">
+            <a:schemeClr val="accent1"/>
+          </a:effectRef>
+          <a:fontRef idx="minor">
+            <a:schemeClr val="lt1"/>
+          </a:fontRef>
+        </p:style>
+        <p:txBody>
+          <a:bodyPr rtlCol="0" anchor="ctr"/>
+          <a:lstStyle/>
+          <a:p>
+            <a:pPr marL="442913" indent="-263525">
+              <a:buFont typeface="Wingdings" panose="05000000000000000000" pitchFamily="2" charset="2"/>
+              <a:buChar char="§"/>
+            </a:pPr>
+            <a:r>
+              <a:rPr lang="ko-KR" altLang="en-US" sz="2000" b="1" dirty="0"/>
+              <a:t>리눅스 명령어</a:t>
+            </a:r>
+          </a:p>
+        </p:txBody>
+      </p:sp>
+      <p:sp>
+        <p:nvSpPr>
+          <p:cNvPr id="4" name="직사각형 3">
+            <a:extLst>
+              <a:ext uri="{FF2B5EF4-FFF2-40B4-BE49-F238E27FC236}">
+                <a16:creationId xmlns:a16="http://schemas.microsoft.com/office/drawing/2014/main" id="{B1868EAB-4E9D-6684-A1AD-4E738536865F}"/>
+              </a:ext>
+            </a:extLst>
+          </p:cNvPr>
+          <p:cNvSpPr/>
+          <p:nvPr/>
+        </p:nvSpPr>
+        <p:spPr>
+          <a:xfrm>
+            <a:off x="3789058" y="-3715"/>
+            <a:ext cx="3952862" cy="631596"/>
+          </a:xfrm>
+          <a:prstGeom prst="rect">
+            <a:avLst/>
+          </a:prstGeom>
+          <a:solidFill>
+            <a:srgbClr val="00B050"/>
+          </a:solidFill>
+        </p:spPr>
+        <p:style>
+          <a:lnRef idx="2">
+            <a:schemeClr val="accent1">
+              <a:shade val="15000"/>
+            </a:schemeClr>
+          </a:lnRef>
+          <a:fillRef idx="1">
+            <a:schemeClr val="accent1"/>
+          </a:fillRef>
+          <a:effectRef idx="0">
+            <a:schemeClr val="accent1"/>
+          </a:effectRef>
+          <a:fontRef idx="minor">
+            <a:schemeClr val="lt1"/>
+          </a:fontRef>
+        </p:style>
+        <p:txBody>
+          <a:bodyPr rtlCol="0" anchor="ctr"/>
+          <a:lstStyle/>
+          <a:p>
+            <a:pPr marL="355600" indent="-176213">
+              <a:buFont typeface="Arial" panose="020B0604020202020204" pitchFamily="34" charset="0"/>
+              <a:buChar char="•"/>
+            </a:pPr>
+            <a:r>
+              <a:rPr lang="ko-KR" altLang="en-US" sz="2000" b="1" dirty="0"/>
+              <a:t>파일</a:t>
+            </a:r>
+            <a:r>
+              <a:rPr lang="en-US" altLang="ko-KR" sz="2000" b="1" dirty="0"/>
+              <a:t>/</a:t>
+            </a:r>
+            <a:r>
+              <a:rPr lang="ko-KR" altLang="en-US" sz="2000" b="1" dirty="0"/>
+              <a:t>디렉토리 관련</a:t>
+            </a:r>
+          </a:p>
+        </p:txBody>
+      </p:sp>
+      <p:graphicFrame>
+        <p:nvGraphicFramePr>
+          <p:cNvPr id="5" name="표 4">
+            <a:extLst>
+              <a:ext uri="{FF2B5EF4-FFF2-40B4-BE49-F238E27FC236}">
+                <a16:creationId xmlns:a16="http://schemas.microsoft.com/office/drawing/2014/main" id="{1C03A567-C988-2425-6772-36DF9B744CDC}"/>
+              </a:ext>
+            </a:extLst>
+          </p:cNvPr>
+          <p:cNvGraphicFramePr>
+            <a:graphicFrameLocks noGrp="1"/>
+          </p:cNvGraphicFramePr>
+          <p:nvPr>
+            <p:extLst>
+              <p:ext uri="{D42A27DB-BD31-4B8C-83A1-F6EECF244321}">
+                <p14:modId xmlns:p14="http://schemas.microsoft.com/office/powerpoint/2010/main" val="3441293527"/>
+              </p:ext>
+            </p:extLst>
+          </p:nvPr>
+        </p:nvGraphicFramePr>
+        <p:xfrm>
+          <a:off x="446729" y="912654"/>
+          <a:ext cx="10515600" cy="4689578"/>
+        </p:xfrm>
+        <a:graphic>
+          <a:graphicData uri="http://schemas.openxmlformats.org/drawingml/2006/table">
+            <a:tbl>
+              <a:tblPr>
+                <a:tableStyleId>{5940675A-B579-460E-94D1-54222C63F5DA}</a:tableStyleId>
+              </a:tblPr>
+              <a:tblGrid>
+                <a:gridCol w="1910391">
+                  <a:extLst>
+                    <a:ext uri="{9D8B030D-6E8A-4147-A177-3AD203B41FA5}">
+                      <a16:colId xmlns:a16="http://schemas.microsoft.com/office/drawing/2014/main" val="2209365290"/>
+                    </a:ext>
+                  </a:extLst>
+                </a:gridCol>
+                <a:gridCol w="2743200">
+                  <a:extLst>
+                    <a:ext uri="{9D8B030D-6E8A-4147-A177-3AD203B41FA5}">
+                      <a16:colId xmlns:a16="http://schemas.microsoft.com/office/drawing/2014/main" val="81765637"/>
+                    </a:ext>
+                  </a:extLst>
+                </a:gridCol>
+                <a:gridCol w="3233109">
+                  <a:extLst>
+                    <a:ext uri="{9D8B030D-6E8A-4147-A177-3AD203B41FA5}">
+                      <a16:colId xmlns:a16="http://schemas.microsoft.com/office/drawing/2014/main" val="2686932100"/>
+                    </a:ext>
+                  </a:extLst>
+                </a:gridCol>
+                <a:gridCol w="2628900">
+                  <a:extLst>
+                    <a:ext uri="{9D8B030D-6E8A-4147-A177-3AD203B41FA5}">
+                      <a16:colId xmlns:a16="http://schemas.microsoft.com/office/drawing/2014/main" val="2137572290"/>
+                    </a:ext>
+                  </a:extLst>
+                </a:gridCol>
+              </a:tblGrid>
+              <a:tr h="439925">
+                <a:tc>
+                  <a:txBody>
+                    <a:bodyPr/>
+                    <a:lstStyle/>
+                    <a:p>
+                      <a:pPr algn="ctr">
+                        <a:buNone/>
+                      </a:pPr>
+                      <a:r>
+                        <a:rPr lang="ko-KR" altLang="en-US" dirty="0"/>
+                        <a:t>명령어</a:t>
+                      </a:r>
+                    </a:p>
+                  </a:txBody>
+                  <a:tcPr anchor="ctr">
+                    <a:solidFill>
+                      <a:schemeClr val="accent2">
+                        <a:lumMod val="20000"/>
+                        <a:lumOff val="80000"/>
+                      </a:schemeClr>
+                    </a:solidFill>
+                  </a:tcPr>
+                </a:tc>
+                <a:tc>
+                  <a:txBody>
+                    <a:bodyPr/>
+                    <a:lstStyle/>
+                    <a:p>
+                      <a:pPr algn="ctr">
+                        <a:buNone/>
+                      </a:pPr>
+                      <a:r>
+                        <a:rPr lang="ko-KR" altLang="en-US" dirty="0"/>
+                        <a:t>용도</a:t>
+                      </a:r>
+                    </a:p>
+                  </a:txBody>
+                  <a:tcPr anchor="ctr">
+                    <a:solidFill>
+                      <a:schemeClr val="accent2">
+                        <a:lumMod val="20000"/>
+                        <a:lumOff val="80000"/>
+                      </a:schemeClr>
+                    </a:solidFill>
+                  </a:tcPr>
+                </a:tc>
+                <a:tc>
+                  <a:txBody>
+                    <a:bodyPr/>
+                    <a:lstStyle/>
+                    <a:p>
+                      <a:pPr algn="ctr">
+                        <a:buNone/>
+                      </a:pPr>
+                      <a:r>
+                        <a:rPr lang="ko-KR" altLang="en-US" dirty="0"/>
+                        <a:t>자주 쓰는 옵션</a:t>
+                      </a:r>
+                    </a:p>
+                  </a:txBody>
+                  <a:tcPr anchor="ctr">
+                    <a:solidFill>
+                      <a:schemeClr val="accent2">
+                        <a:lumMod val="20000"/>
+                        <a:lumOff val="80000"/>
+                      </a:schemeClr>
+                    </a:solidFill>
+                  </a:tcPr>
+                </a:tc>
+                <a:tc>
+                  <a:txBody>
+                    <a:bodyPr/>
+                    <a:lstStyle/>
+                    <a:p>
+                      <a:pPr algn="ctr">
+                        <a:buNone/>
+                      </a:pPr>
+                      <a:r>
+                        <a:rPr lang="ko-KR" altLang="en-US" dirty="0"/>
+                        <a:t>예시</a:t>
+                      </a:r>
+                    </a:p>
+                  </a:txBody>
+                  <a:tcPr anchor="ctr">
+                    <a:solidFill>
+                      <a:schemeClr val="accent2">
+                        <a:lumMod val="20000"/>
+                        <a:lumOff val="80000"/>
+                      </a:schemeClr>
+                    </a:solidFill>
+                  </a:tcPr>
+                </a:tc>
+                <a:extLst>
+                  <a:ext uri="{0D108BD9-81ED-4DB2-BD59-A6C34878D82A}">
+                    <a16:rowId xmlns:a16="http://schemas.microsoft.com/office/drawing/2014/main" val="2570324081"/>
+                  </a:ext>
+                </a:extLst>
+              </a:tr>
+              <a:tr h="439925">
+                <a:tc>
+                  <a:txBody>
+                    <a:bodyPr/>
+                    <a:lstStyle/>
+                    <a:p>
+                      <a:pPr algn="ctr">
+                        <a:buNone/>
+                      </a:pPr>
+                      <a:r>
+                        <a:rPr lang="en-US" dirty="0" err="1"/>
+                        <a:t>pwd</a:t>
+                      </a:r>
+                      <a:endParaRPr lang="en-US" dirty="0"/>
+                    </a:p>
+                  </a:txBody>
+                  <a:tcPr anchor="ctr"/>
+                </a:tc>
+                <a:tc>
+                  <a:txBody>
+                    <a:bodyPr/>
+                    <a:lstStyle/>
+                    <a:p>
+                      <a:pPr>
+                        <a:buNone/>
+                      </a:pPr>
+                      <a:r>
+                        <a:rPr lang="ko-KR" altLang="en-US"/>
+                        <a:t>현재 경로 출력</a:t>
+                      </a:r>
+                    </a:p>
+                  </a:txBody>
+                  <a:tcPr anchor="ctr"/>
+                </a:tc>
+                <a:tc>
+                  <a:txBody>
+                    <a:bodyPr/>
+                    <a:lstStyle/>
+                    <a:p>
+                      <a:pPr>
+                        <a:buNone/>
+                      </a:pPr>
+                      <a:r>
+                        <a:rPr lang="en-US" altLang="ko-KR"/>
+                        <a:t>-</a:t>
+                      </a:r>
+                    </a:p>
+                  </a:txBody>
+                  <a:tcPr anchor="ctr"/>
+                </a:tc>
+                <a:tc>
+                  <a:txBody>
+                    <a:bodyPr/>
+                    <a:lstStyle/>
+                    <a:p>
+                      <a:pPr>
+                        <a:buNone/>
+                      </a:pPr>
+                      <a:r>
+                        <a:rPr lang="en-US"/>
+                        <a:t>pwd</a:t>
+                      </a:r>
+                    </a:p>
+                  </a:txBody>
+                  <a:tcPr anchor="ctr"/>
+                </a:tc>
+                <a:extLst>
+                  <a:ext uri="{0D108BD9-81ED-4DB2-BD59-A6C34878D82A}">
+                    <a16:rowId xmlns:a16="http://schemas.microsoft.com/office/drawing/2014/main" val="683228950"/>
+                  </a:ext>
+                </a:extLst>
+              </a:tr>
+              <a:tr h="769868">
+                <a:tc>
+                  <a:txBody>
+                    <a:bodyPr/>
+                    <a:lstStyle/>
+                    <a:p>
+                      <a:pPr algn="ctr">
+                        <a:buNone/>
+                      </a:pPr>
+                      <a:r>
+                        <a:rPr lang="en-US"/>
+                        <a:t>ls</a:t>
+                      </a:r>
+                    </a:p>
+                  </a:txBody>
+                  <a:tcPr anchor="ctr"/>
+                </a:tc>
+                <a:tc>
+                  <a:txBody>
+                    <a:bodyPr/>
+                    <a:lstStyle/>
+                    <a:p>
+                      <a:pPr>
+                        <a:buNone/>
+                      </a:pPr>
+                      <a:r>
+                        <a:rPr lang="ko-KR" altLang="en-US" dirty="0"/>
+                        <a:t>파일 목록 보기</a:t>
+                      </a:r>
+                    </a:p>
+                  </a:txBody>
+                  <a:tcPr anchor="ctr"/>
+                </a:tc>
+                <a:tc>
+                  <a:txBody>
+                    <a:bodyPr/>
+                    <a:lstStyle/>
+                    <a:p>
+                      <a:pPr>
+                        <a:buNone/>
+                      </a:pPr>
+                      <a:r>
+                        <a:rPr lang="en-US" altLang="ko-KR" dirty="0"/>
+                        <a:t>-a</a:t>
+                      </a:r>
+                      <a:r>
+                        <a:rPr lang="ko-KR" altLang="en-US" dirty="0"/>
+                        <a:t> 숨김 파일 보기</a:t>
+                      </a:r>
+                      <a:r>
+                        <a:rPr lang="en-US" altLang="ko-KR" dirty="0"/>
+                        <a:t> </a:t>
+                      </a:r>
+                    </a:p>
+                    <a:p>
+                      <a:pPr>
+                        <a:buNone/>
+                      </a:pPr>
+                      <a:r>
+                        <a:rPr lang="en-US" altLang="ko-KR" dirty="0"/>
+                        <a:t>-l</a:t>
+                      </a:r>
+                      <a:r>
+                        <a:rPr lang="ko-KR" altLang="en-US" dirty="0"/>
+                        <a:t> 자세히</a:t>
+                      </a:r>
+                    </a:p>
+                  </a:txBody>
+                  <a:tcPr anchor="ctr"/>
+                </a:tc>
+                <a:tc>
+                  <a:txBody>
+                    <a:bodyPr/>
+                    <a:lstStyle/>
+                    <a:p>
+                      <a:pPr>
+                        <a:buNone/>
+                      </a:pPr>
+                      <a:r>
+                        <a:rPr lang="en-US" dirty="0"/>
+                        <a:t>ls -la</a:t>
+                      </a:r>
+                    </a:p>
+                  </a:txBody>
+                  <a:tcPr anchor="ctr"/>
+                </a:tc>
+                <a:extLst>
+                  <a:ext uri="{0D108BD9-81ED-4DB2-BD59-A6C34878D82A}">
+                    <a16:rowId xmlns:a16="http://schemas.microsoft.com/office/drawing/2014/main" val="1085089344"/>
+                  </a:ext>
+                </a:extLst>
+              </a:tr>
+              <a:tr h="439925">
+                <a:tc>
+                  <a:txBody>
+                    <a:bodyPr/>
+                    <a:lstStyle/>
+                    <a:p>
+                      <a:pPr algn="ctr">
+                        <a:buNone/>
+                      </a:pPr>
+                      <a:r>
+                        <a:rPr lang="en-US"/>
+                        <a:t>cd</a:t>
+                      </a:r>
+                    </a:p>
+                  </a:txBody>
+                  <a:tcPr anchor="ctr"/>
+                </a:tc>
+                <a:tc>
+                  <a:txBody>
+                    <a:bodyPr/>
+                    <a:lstStyle/>
+                    <a:p>
+                      <a:pPr>
+                        <a:buNone/>
+                      </a:pPr>
+                      <a:r>
+                        <a:rPr lang="ko-KR" altLang="en-US"/>
+                        <a:t>디렉터리 이동</a:t>
+                      </a:r>
+                    </a:p>
+                  </a:txBody>
+                  <a:tcPr anchor="ctr"/>
+                </a:tc>
+                <a:tc>
+                  <a:txBody>
+                    <a:bodyPr/>
+                    <a:lstStyle/>
+                    <a:p>
+                      <a:pPr>
+                        <a:buNone/>
+                      </a:pPr>
+                      <a:r>
+                        <a:rPr lang="en-US" altLang="ko-KR" dirty="0"/>
+                        <a:t>-</a:t>
+                      </a:r>
+                      <a:r>
+                        <a:rPr lang="ko-KR" altLang="en-US" dirty="0"/>
+                        <a:t>  </a:t>
+                      </a:r>
+                      <a:r>
+                        <a:rPr lang="en-US" altLang="ko-KR" dirty="0"/>
+                        <a:t>..</a:t>
+                      </a:r>
+                      <a:endParaRPr lang="ko-KR" altLang="en-US" dirty="0"/>
+                    </a:p>
+                  </a:txBody>
+                  <a:tcPr anchor="ctr"/>
+                </a:tc>
+                <a:tc>
+                  <a:txBody>
+                    <a:bodyPr/>
+                    <a:lstStyle/>
+                    <a:p>
+                      <a:pPr>
+                        <a:buNone/>
+                      </a:pPr>
+                      <a:r>
+                        <a:rPr lang="en-US" dirty="0"/>
+                        <a:t>cd ~/projects</a:t>
+                      </a:r>
+                    </a:p>
+                  </a:txBody>
+                  <a:tcPr anchor="ctr"/>
+                </a:tc>
+                <a:extLst>
+                  <a:ext uri="{0D108BD9-81ED-4DB2-BD59-A6C34878D82A}">
+                    <a16:rowId xmlns:a16="http://schemas.microsoft.com/office/drawing/2014/main" val="555598751"/>
+                  </a:ext>
+                </a:extLst>
+              </a:tr>
+              <a:tr h="439925">
+                <a:tc>
+                  <a:txBody>
+                    <a:bodyPr/>
+                    <a:lstStyle/>
+                    <a:p>
+                      <a:pPr algn="ctr">
+                        <a:buNone/>
+                      </a:pPr>
+                      <a:r>
+                        <a:rPr lang="en-US"/>
+                        <a:t>mkdir</a:t>
+                      </a:r>
+                    </a:p>
+                  </a:txBody>
+                  <a:tcPr anchor="ctr"/>
+                </a:tc>
+                <a:tc>
+                  <a:txBody>
+                    <a:bodyPr/>
+                    <a:lstStyle/>
+                    <a:p>
+                      <a:pPr>
+                        <a:buNone/>
+                      </a:pPr>
+                      <a:r>
+                        <a:rPr lang="ko-KR" altLang="en-US"/>
+                        <a:t>디렉터리 생성</a:t>
+                      </a:r>
+                    </a:p>
+                  </a:txBody>
+                  <a:tcPr anchor="ctr"/>
+                </a:tc>
+                <a:tc>
+                  <a:txBody>
+                    <a:bodyPr/>
+                    <a:lstStyle/>
+                    <a:p>
+                      <a:pPr>
+                        <a:buNone/>
+                      </a:pPr>
+                      <a:r>
+                        <a:rPr lang="en-US"/>
+                        <a:t>-p </a:t>
+                      </a:r>
+                      <a:r>
+                        <a:rPr lang="ko-KR" altLang="en-US"/>
+                        <a:t>상위까지</a:t>
+                      </a:r>
+                    </a:p>
+                  </a:txBody>
+                  <a:tcPr anchor="ctr"/>
+                </a:tc>
+                <a:tc>
+                  <a:txBody>
+                    <a:bodyPr/>
+                    <a:lstStyle/>
+                    <a:p>
+                      <a:pPr>
+                        <a:buNone/>
+                      </a:pPr>
+                      <a:r>
+                        <a:rPr lang="en-US"/>
+                        <a:t>mkdir -p data/raw</a:t>
+                      </a:r>
+                    </a:p>
+                  </a:txBody>
+                  <a:tcPr anchor="ctr"/>
+                </a:tc>
+                <a:extLst>
+                  <a:ext uri="{0D108BD9-81ED-4DB2-BD59-A6C34878D82A}">
+                    <a16:rowId xmlns:a16="http://schemas.microsoft.com/office/drawing/2014/main" val="4094742331"/>
+                  </a:ext>
+                </a:extLst>
+              </a:tr>
+              <a:tr h="439925">
+                <a:tc>
+                  <a:txBody>
+                    <a:bodyPr/>
+                    <a:lstStyle/>
+                    <a:p>
+                      <a:pPr algn="ctr">
+                        <a:buNone/>
+                      </a:pPr>
+                      <a:r>
+                        <a:rPr lang="en-US"/>
+                        <a:t>cp</a:t>
+                      </a:r>
+                    </a:p>
+                  </a:txBody>
+                  <a:tcPr anchor="ctr"/>
+                </a:tc>
+                <a:tc>
+                  <a:txBody>
+                    <a:bodyPr/>
+                    <a:lstStyle/>
+                    <a:p>
+                      <a:pPr>
+                        <a:buNone/>
+                      </a:pPr>
+                      <a:r>
+                        <a:rPr lang="ko-KR" altLang="en-US" dirty="0"/>
+                        <a:t>폴더 복사</a:t>
+                      </a:r>
+                    </a:p>
+                  </a:txBody>
+                  <a:tcPr anchor="ctr"/>
+                </a:tc>
+                <a:tc>
+                  <a:txBody>
+                    <a:bodyPr/>
+                    <a:lstStyle/>
+                    <a:p>
+                      <a:pPr>
+                        <a:buNone/>
+                      </a:pPr>
+                      <a:r>
+                        <a:rPr lang="en-US" dirty="0"/>
+                        <a:t>-r </a:t>
+                      </a:r>
+                      <a:r>
+                        <a:rPr lang="ko-KR" altLang="en-US" dirty="0"/>
+                        <a:t>폴더와 모든 내용 복사</a:t>
+                      </a:r>
+                      <a:endParaRPr lang="en-US" altLang="ko-KR" dirty="0"/>
+                    </a:p>
+                    <a:p>
+                      <a:pPr>
+                        <a:buNone/>
+                      </a:pPr>
+                      <a:r>
+                        <a:rPr lang="en-US" altLang="ko-KR" dirty="0"/>
+                        <a:t>-</a:t>
+                      </a:r>
+                      <a:r>
+                        <a:rPr lang="en-US" dirty="0"/>
+                        <a:t>a </a:t>
+                      </a:r>
+                      <a:r>
+                        <a:rPr lang="ko-KR" altLang="en-US" dirty="0"/>
+                        <a:t>속성 유지</a:t>
+                      </a:r>
+                    </a:p>
+                  </a:txBody>
+                  <a:tcPr anchor="ctr"/>
+                </a:tc>
+                <a:tc>
+                  <a:txBody>
+                    <a:bodyPr/>
+                    <a:lstStyle/>
+                    <a:p>
+                      <a:pPr>
+                        <a:buNone/>
+                      </a:pPr>
+                      <a:r>
+                        <a:rPr lang="en-US"/>
+                        <a:t>cp -a src/ dst/</a:t>
+                      </a:r>
+                    </a:p>
+                  </a:txBody>
+                  <a:tcPr anchor="ctr"/>
+                </a:tc>
+                <a:extLst>
+                  <a:ext uri="{0D108BD9-81ED-4DB2-BD59-A6C34878D82A}">
+                    <a16:rowId xmlns:a16="http://schemas.microsoft.com/office/drawing/2014/main" val="3946834447"/>
+                  </a:ext>
+                </a:extLst>
+              </a:tr>
+              <a:tr h="439925">
+                <a:tc>
+                  <a:txBody>
+                    <a:bodyPr/>
+                    <a:lstStyle/>
+                    <a:p>
+                      <a:pPr algn="ctr">
+                        <a:buNone/>
+                      </a:pPr>
+                      <a:r>
+                        <a:rPr lang="en-US"/>
+                        <a:t>mv</a:t>
+                      </a:r>
+                    </a:p>
+                  </a:txBody>
+                  <a:tcPr anchor="ctr"/>
+                </a:tc>
+                <a:tc>
+                  <a:txBody>
+                    <a:bodyPr/>
+                    <a:lstStyle/>
+                    <a:p>
+                      <a:pPr>
+                        <a:buNone/>
+                      </a:pPr>
+                      <a:r>
+                        <a:rPr lang="ko-KR" altLang="en-US" dirty="0"/>
+                        <a:t>파일</a:t>
+                      </a:r>
+                      <a:r>
+                        <a:rPr lang="en-US" altLang="ko-KR" dirty="0"/>
+                        <a:t>,</a:t>
+                      </a:r>
+                      <a:r>
+                        <a:rPr lang="ko-KR" altLang="en-US" dirty="0"/>
+                        <a:t>폴더 이동</a:t>
+                      </a:r>
+                      <a:r>
+                        <a:rPr lang="en-US" altLang="ko-KR" dirty="0"/>
+                        <a:t>/</a:t>
+                      </a:r>
+                      <a:r>
+                        <a:rPr lang="ko-KR" altLang="en-US" dirty="0"/>
+                        <a:t>이름변경</a:t>
+                      </a:r>
+                    </a:p>
+                  </a:txBody>
+                  <a:tcPr anchor="ctr"/>
+                </a:tc>
+                <a:tc>
+                  <a:txBody>
+                    <a:bodyPr/>
+                    <a:lstStyle/>
+                    <a:p>
+                      <a:pPr>
+                        <a:buNone/>
+                      </a:pPr>
+                      <a:endParaRPr lang="en-US" altLang="ko-KR" dirty="0"/>
+                    </a:p>
+                  </a:txBody>
+                  <a:tcPr anchor="ctr"/>
+                </a:tc>
+                <a:tc>
+                  <a:txBody>
+                    <a:bodyPr/>
+                    <a:lstStyle/>
+                    <a:p>
+                      <a:pPr>
+                        <a:buNone/>
+                      </a:pPr>
+                      <a:r>
+                        <a:rPr lang="en-US"/>
+                        <a:t>mv app.py app.old.py</a:t>
+                      </a:r>
+                    </a:p>
+                  </a:txBody>
+                  <a:tcPr anchor="ctr"/>
+                </a:tc>
+                <a:extLst>
+                  <a:ext uri="{0D108BD9-81ED-4DB2-BD59-A6C34878D82A}">
+                    <a16:rowId xmlns:a16="http://schemas.microsoft.com/office/drawing/2014/main" val="831110595"/>
+                  </a:ext>
+                </a:extLst>
+              </a:tr>
+              <a:tr h="439925">
+                <a:tc>
+                  <a:txBody>
+                    <a:bodyPr/>
+                    <a:lstStyle/>
+                    <a:p>
+                      <a:pPr algn="ctr">
+                        <a:buNone/>
+                      </a:pPr>
+                      <a:r>
+                        <a:rPr lang="en-US"/>
+                        <a:t>rm</a:t>
+                      </a:r>
+                    </a:p>
+                  </a:txBody>
+                  <a:tcPr anchor="ctr"/>
+                </a:tc>
+                <a:tc>
+                  <a:txBody>
+                    <a:bodyPr/>
+                    <a:lstStyle/>
+                    <a:p>
+                      <a:pPr>
+                        <a:buNone/>
+                      </a:pPr>
+                      <a:r>
+                        <a:rPr lang="ko-KR" altLang="en-US" dirty="0"/>
+                        <a:t>삭제</a:t>
+                      </a:r>
+                    </a:p>
+                  </a:txBody>
+                  <a:tcPr anchor="ctr"/>
+                </a:tc>
+                <a:tc>
+                  <a:txBody>
+                    <a:bodyPr/>
+                    <a:lstStyle/>
+                    <a:p>
+                      <a:pPr>
+                        <a:buNone/>
+                      </a:pPr>
+                      <a:r>
+                        <a:rPr lang="en-US" dirty="0"/>
+                        <a:t>-r </a:t>
+                      </a:r>
+                      <a:r>
+                        <a:rPr lang="ko-KR" altLang="en-US" dirty="0"/>
+                        <a:t>하위 내용 포함 폴더 삭제</a:t>
+                      </a:r>
+                      <a:endParaRPr lang="en-US" altLang="ko-KR" dirty="0"/>
+                    </a:p>
+                    <a:p>
+                      <a:pPr>
+                        <a:buNone/>
+                      </a:pPr>
+                      <a:r>
+                        <a:rPr lang="en-US" altLang="ko-KR" dirty="0"/>
+                        <a:t>-</a:t>
+                      </a:r>
+                      <a:r>
+                        <a:rPr lang="en-US" dirty="0"/>
+                        <a:t>f </a:t>
+                      </a:r>
+                      <a:r>
+                        <a:rPr lang="ko-KR" altLang="en-US" dirty="0"/>
+                        <a:t>강제</a:t>
+                      </a:r>
+                      <a:r>
+                        <a:rPr lang="en-US" altLang="ko-KR" dirty="0"/>
+                        <a:t>(</a:t>
+                      </a:r>
+                      <a:r>
+                        <a:rPr lang="ko-KR" altLang="en-US" dirty="0"/>
+                        <a:t>묻지 않음</a:t>
+                      </a:r>
+                      <a:r>
+                        <a:rPr lang="en-US" altLang="ko-KR" dirty="0"/>
+                        <a:t>)</a:t>
+                      </a:r>
+                      <a:endParaRPr lang="ko-KR" altLang="en-US" dirty="0"/>
+                    </a:p>
+                  </a:txBody>
+                  <a:tcPr anchor="ctr"/>
+                </a:tc>
+                <a:tc>
+                  <a:txBody>
+                    <a:bodyPr/>
+                    <a:lstStyle/>
+                    <a:p>
+                      <a:pPr>
+                        <a:buNone/>
+                      </a:pPr>
+                      <a:r>
+                        <a:rPr lang="en-US"/>
+                        <a:t>rm -rf build/</a:t>
+                      </a:r>
+                    </a:p>
+                  </a:txBody>
+                  <a:tcPr anchor="ctr"/>
+                </a:tc>
+                <a:extLst>
+                  <a:ext uri="{0D108BD9-81ED-4DB2-BD59-A6C34878D82A}">
+                    <a16:rowId xmlns:a16="http://schemas.microsoft.com/office/drawing/2014/main" val="537908987"/>
+                  </a:ext>
+                </a:extLst>
+              </a:tr>
+              <a:tr h="439925">
+                <a:tc>
+                  <a:txBody>
+                    <a:bodyPr/>
+                    <a:lstStyle/>
+                    <a:p>
+                      <a:pPr algn="ctr">
+                        <a:buNone/>
+                      </a:pPr>
+                      <a:r>
+                        <a:rPr lang="en-US" dirty="0"/>
+                        <a:t>tree</a:t>
+                      </a:r>
+                    </a:p>
+                  </a:txBody>
+                  <a:tcPr anchor="ctr"/>
+                </a:tc>
+                <a:tc>
+                  <a:txBody>
+                    <a:bodyPr/>
+                    <a:lstStyle/>
+                    <a:p>
+                      <a:pPr>
+                        <a:buNone/>
+                      </a:pPr>
+                      <a:r>
+                        <a:rPr lang="ko-KR" altLang="en-US" dirty="0"/>
+                        <a:t>트리 구조로 보기</a:t>
+                      </a:r>
+                    </a:p>
+                  </a:txBody>
+                  <a:tcPr anchor="ctr"/>
+                </a:tc>
+                <a:tc>
+                  <a:txBody>
+                    <a:bodyPr/>
+                    <a:lstStyle/>
+                    <a:p>
+                      <a:pPr>
+                        <a:buNone/>
+                      </a:pPr>
+                      <a:r>
+                        <a:rPr lang="en-US"/>
+                        <a:t>-L </a:t>
+                      </a:r>
+                      <a:r>
+                        <a:rPr lang="ko-KR" altLang="en-US"/>
+                        <a:t>깊이</a:t>
+                      </a:r>
+                    </a:p>
+                  </a:txBody>
+                  <a:tcPr anchor="ctr"/>
+                </a:tc>
+                <a:tc>
+                  <a:txBody>
+                    <a:bodyPr/>
+                    <a:lstStyle/>
+                    <a:p>
+                      <a:pPr>
+                        <a:buNone/>
+                      </a:pPr>
+                      <a:r>
+                        <a:rPr lang="en-US" dirty="0"/>
+                        <a:t>tree -L 2</a:t>
+                      </a:r>
+                    </a:p>
+                  </a:txBody>
+                  <a:tcPr anchor="ctr"/>
+                </a:tc>
+                <a:extLst>
+                  <a:ext uri="{0D108BD9-81ED-4DB2-BD59-A6C34878D82A}">
+                    <a16:rowId xmlns:a16="http://schemas.microsoft.com/office/drawing/2014/main" val="2192553392"/>
+                  </a:ext>
+                </a:extLst>
+              </a:tr>
+            </a:tbl>
+          </a:graphicData>
+        </a:graphic>
+      </p:graphicFrame>
+    </p:spTree>
+    <p:extLst>
+      <p:ext uri="{BB962C8B-B14F-4D97-AF65-F5344CB8AC3E}">
+        <p14:creationId xmlns:p14="http://schemas.microsoft.com/office/powerpoint/2010/main" val="1778304451"/>
+      </p:ext>
+    </p:extLst>
+  </p:cSld>
+  <p:clrMapOvr>
+    <a:masterClrMapping/>
+  </p:clrMapOvr>
+</p:sld>
+</file>
+
+<file path=ppt/slides/slide13.xml><?xml version="1.0" encoding="utf-8"?>
+<p:sld xmlns:a="http://schemas.openxmlformats.org/drawingml/2006/main" xmlns:r="http://schemas.openxmlformats.org/officeDocument/2006/relationships" xmlns:p="http://schemas.openxmlformats.org/presentationml/2006/main">
+  <p:cSld>
+    <p:spTree>
+      <p:nvGrpSpPr>
+        <p:cNvPr id="1" name="">
+          <a:extLst>
+            <a:ext uri="{FF2B5EF4-FFF2-40B4-BE49-F238E27FC236}">
               <a16:creationId xmlns:a16="http://schemas.microsoft.com/office/drawing/2014/main" id="{B0B5E4E8-2D06-DF7B-3262-20CB5DF182FE}"/>
             </a:ext>
           </a:extLst>
@@ -4396,7 +6077,7 @@
 </p:sld>
 </file>
 
-<file path=ppt/slides/slide11.xml><?xml version="1.0" encoding="utf-8"?>
+<file path=ppt/slides/slide14.xml><?xml version="1.0" encoding="utf-8"?>
 <p:sld xmlns:a="http://schemas.openxmlformats.org/drawingml/2006/main" xmlns:r="http://schemas.openxmlformats.org/officeDocument/2006/relationships" xmlns:p="http://schemas.openxmlformats.org/presentationml/2006/main">
   <p:cSld>
     <p:spTree>
@@ -5313,7 +6994,7 @@
 </p:sld>
 </file>
 
-<file path=ppt/slides/slide12.xml><?xml version="1.0" encoding="utf-8"?>
+<file path=ppt/slides/slide15.xml><?xml version="1.0" encoding="utf-8"?>
 <p:sld xmlns:a="http://schemas.openxmlformats.org/drawingml/2006/main" xmlns:r="http://schemas.openxmlformats.org/officeDocument/2006/relationships" xmlns:p="http://schemas.openxmlformats.org/presentationml/2006/main">
   <p:cSld>
     <p:spTree>
@@ -5479,7 +7160,7 @@
           <p:nvPr>
             <p:extLst>
               <p:ext uri="{D42A27DB-BD31-4B8C-83A1-F6EECF244321}">
-                <p14:modId xmlns:p14="http://schemas.microsoft.com/office/powerpoint/2010/main" val="433856677"/>
+                <p14:modId xmlns:p14="http://schemas.microsoft.com/office/powerpoint/2010/main" val="342508201"/>
               </p:ext>
             </p:extLst>
           </p:nvPr>
@@ -5725,10 +7406,14 @@
                         <a:buNone/>
                       </a:pPr>
                       <a:r>
-                        <a:rPr lang="en-US"/>
-                        <a:t>`ps aux</a:t>
-                      </a:r>
-                      <a:endParaRPr lang="en-US">
+                        <a:rPr lang="en-US" dirty="0" err="1"/>
+                        <a:t>ps</a:t>
+                      </a:r>
+                      <a:r>
+                        <a:rPr lang="en-US" dirty="0"/>
+                        <a:t> aux</a:t>
+                      </a:r>
+                      <a:endParaRPr lang="en-US" dirty="0">
                         <a:latin typeface="+mn-ea"/>
                         <a:ea typeface="+mn-ea"/>
                       </a:endParaRPr>
@@ -6234,7 +7919,7 @@
 </p:sld>
 </file>
 
-<file path=ppt/slides/slide13.xml><?xml version="1.0" encoding="utf-8"?>
+<file path=ppt/slides/slide16.xml><?xml version="1.0" encoding="utf-8"?>
 <p:sld xmlns:a="http://schemas.openxmlformats.org/drawingml/2006/main" xmlns:r="http://schemas.openxmlformats.org/officeDocument/2006/relationships" xmlns:p="http://schemas.openxmlformats.org/presentationml/2006/main">
   <p:cSld>
     <p:spTree>
@@ -7227,7 +8912,7 @@
 </p:sld>
 </file>
 
-<file path=ppt/slides/slide14.xml><?xml version="1.0" encoding="utf-8"?>
+<file path=ppt/slides/slide17.xml><?xml version="1.0" encoding="utf-8"?>
 <p:sld xmlns:a="http://schemas.openxmlformats.org/drawingml/2006/main" xmlns:r="http://schemas.openxmlformats.org/officeDocument/2006/relationships" xmlns:p="http://schemas.openxmlformats.org/presentationml/2006/main">
   <p:cSld>
     <p:spTree>
@@ -7496,7 +9181,7 @@
 </p:sld>
 </file>
 
-<file path=ppt/slides/slide15.xml><?xml version="1.0" encoding="utf-8"?>
+<file path=ppt/slides/slide18.xml><?xml version="1.0" encoding="utf-8"?>
 <p:sld xmlns:a="http://schemas.openxmlformats.org/drawingml/2006/main" xmlns:r="http://schemas.openxmlformats.org/officeDocument/2006/relationships" xmlns:p="http://schemas.openxmlformats.org/presentationml/2006/main">
   <p:cSld>
     <p:spTree>
@@ -7801,7 +9486,7 @@
 </p:sld>
 </file>
 
-<file path=ppt/slides/slide16.xml><?xml version="1.0" encoding="utf-8"?>
+<file path=ppt/slides/slide19.xml><?xml version="1.0" encoding="utf-8"?>
 <p:sld xmlns:a="http://schemas.openxmlformats.org/drawingml/2006/main" xmlns:r="http://schemas.openxmlformats.org/officeDocument/2006/relationships" xmlns:p="http://schemas.openxmlformats.org/presentationml/2006/main">
   <p:cSld>
     <p:spTree>
@@ -8100,7 +9785,210 @@
 </p:sld>
 </file>
 
-<file path=ppt/slides/slide17.xml><?xml version="1.0" encoding="utf-8"?>
+<file path=ppt/slides/slide2.xml><?xml version="1.0" encoding="utf-8"?>
+<p:sld xmlns:a="http://schemas.openxmlformats.org/drawingml/2006/main" xmlns:r="http://schemas.openxmlformats.org/officeDocument/2006/relationships" xmlns:p="http://schemas.openxmlformats.org/presentationml/2006/main">
+  <p:cSld>
+    <p:spTree>
+      <p:nvGrpSpPr>
+        <p:cNvPr id="1" name="">
+          <a:extLst>
+            <a:ext uri="{FF2B5EF4-FFF2-40B4-BE49-F238E27FC236}">
+              <a16:creationId xmlns:a16="http://schemas.microsoft.com/office/drawing/2014/main" id="{D9AA5483-6FF1-EB22-80BB-541D163D66D1}"/>
+            </a:ext>
+          </a:extLst>
+        </p:cNvPr>
+        <p:cNvGrpSpPr/>
+        <p:nvPr/>
+      </p:nvGrpSpPr>
+      <p:grpSpPr>
+        <a:xfrm>
+          <a:off x="0" y="0"/>
+          <a:ext cx="0" cy="0"/>
+          <a:chOff x="0" y="0"/>
+          <a:chExt cx="0" cy="0"/>
+        </a:xfrm>
+      </p:grpSpPr>
+      <p:sp>
+        <p:nvSpPr>
+          <p:cNvPr id="2" name="직사각형 1">
+            <a:extLst>
+              <a:ext uri="{FF2B5EF4-FFF2-40B4-BE49-F238E27FC236}">
+                <a16:creationId xmlns:a16="http://schemas.microsoft.com/office/drawing/2014/main" id="{9CF16B01-DB72-42E4-74D2-6E952DB272E7}"/>
+              </a:ext>
+            </a:extLst>
+          </p:cNvPr>
+          <p:cNvSpPr/>
+          <p:nvPr/>
+        </p:nvSpPr>
+        <p:spPr>
+          <a:xfrm>
+            <a:off x="0" y="0"/>
+            <a:ext cx="12192000" cy="631596"/>
+          </a:xfrm>
+          <a:prstGeom prst="rect">
+            <a:avLst/>
+          </a:prstGeom>
+          <a:solidFill>
+            <a:srgbClr val="002060"/>
+          </a:solidFill>
+        </p:spPr>
+        <p:style>
+          <a:lnRef idx="2">
+            <a:schemeClr val="accent1">
+              <a:shade val="15000"/>
+            </a:schemeClr>
+          </a:lnRef>
+          <a:fillRef idx="1">
+            <a:schemeClr val="accent1"/>
+          </a:fillRef>
+          <a:effectRef idx="0">
+            <a:schemeClr val="accent1"/>
+          </a:effectRef>
+          <a:fontRef idx="minor">
+            <a:schemeClr val="lt1"/>
+          </a:fontRef>
+        </p:style>
+        <p:txBody>
+          <a:bodyPr rtlCol="0" anchor="ctr"/>
+          <a:lstStyle/>
+          <a:p>
+            <a:pPr marL="442913" indent="-263525">
+              <a:buFont typeface="Wingdings" panose="05000000000000000000" pitchFamily="2" charset="2"/>
+              <a:buChar char="§"/>
+            </a:pPr>
+            <a:r>
+              <a:rPr lang="ko-KR" altLang="en-US" sz="2000" b="1" dirty="0"/>
+              <a:t>개발환경 구축 순서</a:t>
+            </a:r>
+          </a:p>
+        </p:txBody>
+      </p:sp>
+      <p:sp>
+        <p:nvSpPr>
+          <p:cNvPr id="14" name="TextBox 13">
+            <a:extLst>
+              <a:ext uri="{FF2B5EF4-FFF2-40B4-BE49-F238E27FC236}">
+                <a16:creationId xmlns:a16="http://schemas.microsoft.com/office/drawing/2014/main" id="{EDC92531-084E-9FD1-2E8C-4CE3E29AD39F}"/>
+              </a:ext>
+            </a:extLst>
+          </p:cNvPr>
+          <p:cNvSpPr txBox="1"/>
+          <p:nvPr/>
+        </p:nvSpPr>
+        <p:spPr>
+          <a:xfrm>
+            <a:off x="325574" y="1018572"/>
+            <a:ext cx="5770426" cy="2083071"/>
+          </a:xfrm>
+          <a:prstGeom prst="rect">
+            <a:avLst/>
+          </a:prstGeom>
+          <a:noFill/>
+        </p:spPr>
+        <p:txBody>
+          <a:bodyPr wrap="none" rtlCol="0">
+            <a:spAutoFit/>
+          </a:bodyPr>
+          <a:lstStyle/>
+          <a:p>
+            <a:pPr marL="342900" indent="-342900">
+              <a:lnSpc>
+                <a:spcPts val="4000"/>
+              </a:lnSpc>
+              <a:buAutoNum type="arabicPeriod"/>
+            </a:pPr>
+            <a:r>
+              <a:rPr lang="en-US" altLang="ko-KR" sz="2400" dirty="0">
+                <a:latin typeface="+mn-ea"/>
+              </a:rPr>
+              <a:t>Raspberry Pi Imager OS </a:t>
+            </a:r>
+            <a:r>
+              <a:rPr lang="ko-KR" altLang="en-US" sz="2400" dirty="0">
+                <a:latin typeface="+mn-ea"/>
+              </a:rPr>
+              <a:t>굽기</a:t>
+            </a:r>
+            <a:endParaRPr lang="en-US" altLang="ko-KR" sz="2400" dirty="0">
+              <a:latin typeface="+mn-ea"/>
+            </a:endParaRPr>
+          </a:p>
+          <a:p>
+            <a:pPr marL="342900" indent="-342900">
+              <a:lnSpc>
+                <a:spcPts val="4000"/>
+              </a:lnSpc>
+              <a:buAutoNum type="arabicPeriod"/>
+            </a:pPr>
+            <a:r>
+              <a:rPr lang="en-US" altLang="ko-KR" sz="2400" dirty="0">
+                <a:latin typeface="+mn-ea"/>
+              </a:rPr>
+              <a:t>microSD Card </a:t>
+            </a:r>
+            <a:r>
+              <a:rPr lang="ko-KR" altLang="en-US" sz="2400" dirty="0">
+                <a:latin typeface="+mn-ea"/>
+              </a:rPr>
+              <a:t>삽입 및 초기 환경 설정</a:t>
+            </a:r>
+            <a:endParaRPr lang="en-US" altLang="ko-KR" sz="2400" dirty="0">
+              <a:latin typeface="+mn-ea"/>
+            </a:endParaRPr>
+          </a:p>
+          <a:p>
+            <a:pPr marL="342900" indent="-342900">
+              <a:lnSpc>
+                <a:spcPts val="4000"/>
+              </a:lnSpc>
+              <a:buAutoNum type="arabicPeriod"/>
+            </a:pPr>
+            <a:r>
+              <a:rPr lang="ko-KR" altLang="en-US" sz="2400" dirty="0">
+                <a:latin typeface="+mn-ea"/>
+              </a:rPr>
+              <a:t>리눅스 명령어</a:t>
+            </a:r>
+            <a:endParaRPr lang="en-US" altLang="ko-KR" sz="2400" dirty="0">
+              <a:latin typeface="+mn-ea"/>
+            </a:endParaRPr>
+          </a:p>
+          <a:p>
+            <a:pPr marL="342900" indent="-342900">
+              <a:lnSpc>
+                <a:spcPts val="4000"/>
+              </a:lnSpc>
+              <a:buAutoNum type="arabicPeriod"/>
+            </a:pPr>
+            <a:r>
+              <a:rPr lang="en-US" altLang="ko-KR" sz="2400" dirty="0">
+                <a:latin typeface="+mn-ea"/>
+              </a:rPr>
+              <a:t>VS Code, ssh </a:t>
+            </a:r>
+            <a:r>
+              <a:rPr lang="ko-KR" altLang="en-US" sz="2400" dirty="0">
+                <a:latin typeface="+mn-ea"/>
+              </a:rPr>
+              <a:t>원격 개발 환경 구축</a:t>
+            </a:r>
+          </a:p>
+        </p:txBody>
+      </p:sp>
+    </p:spTree>
+    <p:extLst>
+      <p:ext uri="{BB962C8B-B14F-4D97-AF65-F5344CB8AC3E}">
+        <p14:creationId xmlns:p14="http://schemas.microsoft.com/office/powerpoint/2010/main" val="2142845943"/>
+      </p:ext>
+    </p:extLst>
+  </p:cSld>
+  <p:clrMapOvr>
+    <a:masterClrMapping/>
+  </p:clrMapOvr>
+</p:sld>
+</file>
+
+<file path=ppt/slides/slide20.xml><?xml version="1.0" encoding="utf-8"?>
 <p:sld xmlns:a="http://schemas.openxmlformats.org/drawingml/2006/main" xmlns:r="http://schemas.openxmlformats.org/officeDocument/2006/relationships" xmlns:p="http://schemas.openxmlformats.org/presentationml/2006/main">
   <p:cSld>
     <p:spTree>
@@ -8272,7 +10160,7 @@
 </p:sld>
 </file>
 
-<file path=ppt/slides/slide18.xml><?xml version="1.0" encoding="utf-8"?>
+<file path=ppt/slides/slide21.xml><?xml version="1.0" encoding="utf-8"?>
 <p:sld xmlns:a="http://schemas.openxmlformats.org/drawingml/2006/main" xmlns:r="http://schemas.openxmlformats.org/officeDocument/2006/relationships" xmlns:p="http://schemas.openxmlformats.org/presentationml/2006/main">
   <p:cSld>
     <p:spTree>
@@ -8714,7 +10602,7 @@
 </p:sld>
 </file>
 
-<file path=ppt/slides/slide19.xml><?xml version="1.0" encoding="utf-8"?>
+<file path=ppt/slides/slide22.xml><?xml version="1.0" encoding="utf-8"?>
 <p:sld xmlns:a="http://schemas.openxmlformats.org/drawingml/2006/main" xmlns:r="http://schemas.openxmlformats.org/officeDocument/2006/relationships" xmlns:p="http://schemas.openxmlformats.org/presentationml/2006/main">
   <p:cSld>
     <p:spTree>
@@ -9002,210 +10890,7 @@
 </p:sld>
 </file>
 
-<file path=ppt/slides/slide2.xml><?xml version="1.0" encoding="utf-8"?>
-<p:sld xmlns:a="http://schemas.openxmlformats.org/drawingml/2006/main" xmlns:r="http://schemas.openxmlformats.org/officeDocument/2006/relationships" xmlns:p="http://schemas.openxmlformats.org/presentationml/2006/main">
-  <p:cSld>
-    <p:spTree>
-      <p:nvGrpSpPr>
-        <p:cNvPr id="1" name="">
-          <a:extLst>
-            <a:ext uri="{FF2B5EF4-FFF2-40B4-BE49-F238E27FC236}">
-              <a16:creationId xmlns:a16="http://schemas.microsoft.com/office/drawing/2014/main" id="{D9AA5483-6FF1-EB22-80BB-541D163D66D1}"/>
-            </a:ext>
-          </a:extLst>
-        </p:cNvPr>
-        <p:cNvGrpSpPr/>
-        <p:nvPr/>
-      </p:nvGrpSpPr>
-      <p:grpSpPr>
-        <a:xfrm>
-          <a:off x="0" y="0"/>
-          <a:ext cx="0" cy="0"/>
-          <a:chOff x="0" y="0"/>
-          <a:chExt cx="0" cy="0"/>
-        </a:xfrm>
-      </p:grpSpPr>
-      <p:sp>
-        <p:nvSpPr>
-          <p:cNvPr id="2" name="직사각형 1">
-            <a:extLst>
-              <a:ext uri="{FF2B5EF4-FFF2-40B4-BE49-F238E27FC236}">
-                <a16:creationId xmlns:a16="http://schemas.microsoft.com/office/drawing/2014/main" id="{9CF16B01-DB72-42E4-74D2-6E952DB272E7}"/>
-              </a:ext>
-            </a:extLst>
-          </p:cNvPr>
-          <p:cNvSpPr/>
-          <p:nvPr/>
-        </p:nvSpPr>
-        <p:spPr>
-          <a:xfrm>
-            <a:off x="0" y="0"/>
-            <a:ext cx="12192000" cy="631596"/>
-          </a:xfrm>
-          <a:prstGeom prst="rect">
-            <a:avLst/>
-          </a:prstGeom>
-          <a:solidFill>
-            <a:srgbClr val="002060"/>
-          </a:solidFill>
-        </p:spPr>
-        <p:style>
-          <a:lnRef idx="2">
-            <a:schemeClr val="accent1">
-              <a:shade val="15000"/>
-            </a:schemeClr>
-          </a:lnRef>
-          <a:fillRef idx="1">
-            <a:schemeClr val="accent1"/>
-          </a:fillRef>
-          <a:effectRef idx="0">
-            <a:schemeClr val="accent1"/>
-          </a:effectRef>
-          <a:fontRef idx="minor">
-            <a:schemeClr val="lt1"/>
-          </a:fontRef>
-        </p:style>
-        <p:txBody>
-          <a:bodyPr rtlCol="0" anchor="ctr"/>
-          <a:lstStyle/>
-          <a:p>
-            <a:pPr marL="442913" indent="-263525">
-              <a:buFont typeface="Wingdings" panose="05000000000000000000" pitchFamily="2" charset="2"/>
-              <a:buChar char="§"/>
-            </a:pPr>
-            <a:r>
-              <a:rPr lang="ko-KR" altLang="en-US" sz="2000" b="1" dirty="0"/>
-              <a:t>개발환경 구축 순서</a:t>
-            </a:r>
-          </a:p>
-        </p:txBody>
-      </p:sp>
-      <p:sp>
-        <p:nvSpPr>
-          <p:cNvPr id="14" name="TextBox 13">
-            <a:extLst>
-              <a:ext uri="{FF2B5EF4-FFF2-40B4-BE49-F238E27FC236}">
-                <a16:creationId xmlns:a16="http://schemas.microsoft.com/office/drawing/2014/main" id="{EDC92531-084E-9FD1-2E8C-4CE3E29AD39F}"/>
-              </a:ext>
-            </a:extLst>
-          </p:cNvPr>
-          <p:cNvSpPr txBox="1"/>
-          <p:nvPr/>
-        </p:nvSpPr>
-        <p:spPr>
-          <a:xfrm>
-            <a:off x="325574" y="1018572"/>
-            <a:ext cx="5770426" cy="2083071"/>
-          </a:xfrm>
-          <a:prstGeom prst="rect">
-            <a:avLst/>
-          </a:prstGeom>
-          <a:noFill/>
-        </p:spPr>
-        <p:txBody>
-          <a:bodyPr wrap="none" rtlCol="0">
-            <a:spAutoFit/>
-          </a:bodyPr>
-          <a:lstStyle/>
-          <a:p>
-            <a:pPr marL="342900" indent="-342900">
-              <a:lnSpc>
-                <a:spcPts val="4000"/>
-              </a:lnSpc>
-              <a:buAutoNum type="arabicPeriod"/>
-            </a:pPr>
-            <a:r>
-              <a:rPr lang="en-US" altLang="ko-KR" sz="2400" dirty="0">
-                <a:latin typeface="+mn-ea"/>
-              </a:rPr>
-              <a:t>Raspberry Pi Imager OS </a:t>
-            </a:r>
-            <a:r>
-              <a:rPr lang="ko-KR" altLang="en-US" sz="2400" dirty="0">
-                <a:latin typeface="+mn-ea"/>
-              </a:rPr>
-              <a:t>굽기</a:t>
-            </a:r>
-            <a:endParaRPr lang="en-US" altLang="ko-KR" sz="2400" dirty="0">
-              <a:latin typeface="+mn-ea"/>
-            </a:endParaRPr>
-          </a:p>
-          <a:p>
-            <a:pPr marL="342900" indent="-342900">
-              <a:lnSpc>
-                <a:spcPts val="4000"/>
-              </a:lnSpc>
-              <a:buAutoNum type="arabicPeriod"/>
-            </a:pPr>
-            <a:r>
-              <a:rPr lang="en-US" altLang="ko-KR" sz="2400" dirty="0">
-                <a:latin typeface="+mn-ea"/>
-              </a:rPr>
-              <a:t>microSD Card </a:t>
-            </a:r>
-            <a:r>
-              <a:rPr lang="ko-KR" altLang="en-US" sz="2400" dirty="0">
-                <a:latin typeface="+mn-ea"/>
-              </a:rPr>
-              <a:t>삽입 및 초기 환경 설정</a:t>
-            </a:r>
-            <a:endParaRPr lang="en-US" altLang="ko-KR" sz="2400" dirty="0">
-              <a:latin typeface="+mn-ea"/>
-            </a:endParaRPr>
-          </a:p>
-          <a:p>
-            <a:pPr marL="342900" indent="-342900">
-              <a:lnSpc>
-                <a:spcPts val="4000"/>
-              </a:lnSpc>
-              <a:buAutoNum type="arabicPeriod"/>
-            </a:pPr>
-            <a:r>
-              <a:rPr lang="ko-KR" altLang="en-US" sz="2400" dirty="0">
-                <a:latin typeface="+mn-ea"/>
-              </a:rPr>
-              <a:t>리눅스 명령어</a:t>
-            </a:r>
-            <a:endParaRPr lang="en-US" altLang="ko-KR" sz="2400" dirty="0">
-              <a:latin typeface="+mn-ea"/>
-            </a:endParaRPr>
-          </a:p>
-          <a:p>
-            <a:pPr marL="342900" indent="-342900">
-              <a:lnSpc>
-                <a:spcPts val="4000"/>
-              </a:lnSpc>
-              <a:buAutoNum type="arabicPeriod"/>
-            </a:pPr>
-            <a:r>
-              <a:rPr lang="en-US" altLang="ko-KR" sz="2400" dirty="0">
-                <a:latin typeface="+mn-ea"/>
-              </a:rPr>
-              <a:t>VS Code, ssh </a:t>
-            </a:r>
-            <a:r>
-              <a:rPr lang="ko-KR" altLang="en-US" sz="2400" dirty="0">
-                <a:latin typeface="+mn-ea"/>
-              </a:rPr>
-              <a:t>원격 개발 환경 구축</a:t>
-            </a:r>
-          </a:p>
-        </p:txBody>
-      </p:sp>
-    </p:spTree>
-    <p:extLst>
-      <p:ext uri="{BB962C8B-B14F-4D97-AF65-F5344CB8AC3E}">
-        <p14:creationId xmlns:p14="http://schemas.microsoft.com/office/powerpoint/2010/main" val="2142845943"/>
-      </p:ext>
-    </p:extLst>
-  </p:cSld>
-  <p:clrMapOvr>
-    <a:masterClrMapping/>
-  </p:clrMapOvr>
-</p:sld>
-</file>
-
-<file path=ppt/slides/slide20.xml><?xml version="1.0" encoding="utf-8"?>
+<file path=ppt/slides/slide23.xml><?xml version="1.0" encoding="utf-8"?>
 <p:sld xmlns:a="http://schemas.openxmlformats.org/drawingml/2006/main" xmlns:r="http://schemas.openxmlformats.org/officeDocument/2006/relationships" xmlns:p="http://schemas.openxmlformats.org/presentationml/2006/main">
   <p:cSld>
     <p:spTree>
@@ -10380,7 +12065,7 @@
 </p:sld>
 </file>
 
-<file path=ppt/slides/slide21.xml><?xml version="1.0" encoding="utf-8"?>
+<file path=ppt/slides/slide24.xml><?xml version="1.0" encoding="utf-8"?>
 <p:sld xmlns:a="http://schemas.openxmlformats.org/drawingml/2006/main" xmlns:r="http://schemas.openxmlformats.org/officeDocument/2006/relationships" xmlns:p="http://schemas.openxmlformats.org/presentationml/2006/main">
   <p:cSld>
     <p:spTree>
@@ -10993,7 +12678,7 @@
 </p:sld>
 </file>
 
-<file path=ppt/slides/slide22.xml><?xml version="1.0" encoding="utf-8"?>
+<file path=ppt/slides/slide25.xml><?xml version="1.0" encoding="utf-8"?>
 <p:sld xmlns:a="http://schemas.openxmlformats.org/drawingml/2006/main" xmlns:r="http://schemas.openxmlformats.org/officeDocument/2006/relationships" xmlns:p="http://schemas.openxmlformats.org/presentationml/2006/main">
   <p:cSld>
     <p:spTree>
@@ -11320,7 +13005,7 @@
 </p:sld>
 </file>
 
-<file path=ppt/slides/slide23.xml><?xml version="1.0" encoding="utf-8"?>
+<file path=ppt/slides/slide26.xml><?xml version="1.0" encoding="utf-8"?>
 <p:sld xmlns:a="http://schemas.openxmlformats.org/drawingml/2006/main" xmlns:r="http://schemas.openxmlformats.org/officeDocument/2006/relationships" xmlns:p="http://schemas.openxmlformats.org/presentationml/2006/main">
   <p:cSld>
     <p:spTree>
@@ -11494,14 +13179,14 @@
           <p:nvPr>
             <p:extLst>
               <p:ext uri="{D42A27DB-BD31-4B8C-83A1-F6EECF244321}">
-                <p14:modId xmlns:p14="http://schemas.microsoft.com/office/powerpoint/2010/main" val="2492615380"/>
+                <p14:modId xmlns:p14="http://schemas.microsoft.com/office/powerpoint/2010/main" val="521232214"/>
               </p:ext>
             </p:extLst>
           </p:nvPr>
         </p:nvGraphicFramePr>
         <p:xfrm>
-          <a:off x="432652" y="782318"/>
-          <a:ext cx="11251347" cy="5659121"/>
+          <a:off x="432652" y="782317"/>
+          <a:ext cx="11251347" cy="5703320"/>
         </p:xfrm>
         <a:graphic>
           <a:graphicData uri="http://schemas.openxmlformats.org/drawingml/2006/table">
@@ -11532,7 +13217,7 @@
                   </a:extLst>
                 </a:gridCol>
               </a:tblGrid>
-              <a:tr h="435317">
+              <a:tr h="407380">
                 <a:tc>
                   <a:txBody>
                     <a:bodyPr/>
@@ -11631,7 +13316,7 @@
                   </a:ext>
                 </a:extLst>
               </a:tr>
-              <a:tr h="435317">
+              <a:tr h="407380">
                 <a:tc>
                   <a:txBody>
                     <a:bodyPr/>
@@ -11738,7 +13423,7 @@
                   </a:ext>
                 </a:extLst>
               </a:tr>
-              <a:tr h="435317">
+              <a:tr h="407380">
                 <a:tc>
                   <a:txBody>
                     <a:bodyPr/>
@@ -11748,7 +13433,7 @@
                         <a:buNone/>
                       </a:pPr>
                       <a:r>
-                        <a:rPr lang="ko-KR" altLang="en-US" sz="1400" b="1" dirty="0">
+                        <a:rPr lang="ko-KR" altLang="en-US" sz="1400" b="0" dirty="0">
                           <a:latin typeface="+mn-ea"/>
                           <a:ea typeface="+mn-ea"/>
                         </a:rPr>
@@ -11767,41 +13452,41 @@
                         <a:buNone/>
                       </a:pPr>
                       <a:r>
-                        <a:rPr lang="en-US" sz="1400" b="1" dirty="0">
+                        <a:rPr lang="en-US" sz="1400" b="0" dirty="0">
                           <a:latin typeface="+mn-ea"/>
                           <a:ea typeface="+mn-ea"/>
                         </a:rPr>
                         <a:t>python3.X -m </a:t>
                       </a:r>
                       <a:r>
-                        <a:rPr lang="en-US" sz="1400" b="1" dirty="0" err="1">
+                        <a:rPr lang="en-US" sz="1400" b="0" dirty="0" err="1">
                           <a:latin typeface="+mn-ea"/>
                           <a:ea typeface="+mn-ea"/>
                         </a:rPr>
                         <a:t>venv</a:t>
                       </a:r>
                       <a:r>
-                        <a:rPr lang="en-US" sz="1400" b="1" dirty="0">
+                        <a:rPr lang="en-US" sz="1400" b="0" dirty="0">
                           <a:latin typeface="+mn-ea"/>
                           <a:ea typeface="+mn-ea"/>
                         </a:rPr>
                         <a:t> &lt;</a:t>
                       </a:r>
                       <a:r>
-                        <a:rPr lang="ko-KR" altLang="en-US" sz="1400" b="1" dirty="0">
+                        <a:rPr lang="ko-KR" altLang="en-US" sz="1400" b="0" dirty="0">
                           <a:latin typeface="+mn-ea"/>
                           <a:ea typeface="+mn-ea"/>
                         </a:rPr>
                         <a:t>경로</a:t>
                       </a:r>
                       <a:r>
-                        <a:rPr lang="en-US" altLang="ko-KR" sz="1400" b="1" dirty="0">
+                        <a:rPr lang="en-US" altLang="ko-KR" sz="1400" b="0" dirty="0">
                           <a:latin typeface="+mn-ea"/>
                           <a:ea typeface="+mn-ea"/>
                         </a:rPr>
                         <a:t>&gt;</a:t>
                       </a:r>
-                      <a:endParaRPr lang="ko-KR" altLang="en-US" sz="1400" b="1" dirty="0">
+                      <a:endParaRPr lang="ko-KR" altLang="en-US" sz="1400" b="0" dirty="0">
                         <a:latin typeface="+mn-ea"/>
                         <a:ea typeface="+mn-ea"/>
                       </a:endParaRPr>
@@ -11818,34 +13503,34 @@
                         <a:buNone/>
                       </a:pPr>
                       <a:r>
-                        <a:rPr lang="en-US" sz="1400" b="1" dirty="0">
+                        <a:rPr lang="en-US" sz="1400" b="0" dirty="0">
                           <a:latin typeface="+mn-ea"/>
                           <a:ea typeface="+mn-ea"/>
                         </a:rPr>
                         <a:t>python3.11 -m </a:t>
                       </a:r>
                       <a:r>
-                        <a:rPr lang="en-US" sz="1400" b="1" dirty="0" err="1">
+                        <a:rPr lang="en-US" sz="1400" b="0" dirty="0" err="1">
                           <a:latin typeface="+mn-ea"/>
                           <a:ea typeface="+mn-ea"/>
                         </a:rPr>
                         <a:t>venv</a:t>
                       </a:r>
                       <a:r>
-                        <a:rPr lang="en-US" sz="1400" b="1" dirty="0">
+                        <a:rPr lang="en-US" sz="1400" b="0" dirty="0">
                           <a:latin typeface="+mn-ea"/>
                           <a:ea typeface="+mn-ea"/>
                         </a:rPr>
                         <a:t> .</a:t>
                       </a:r>
                       <a:r>
-                        <a:rPr lang="en-US" sz="1400" b="1" dirty="0" err="1">
+                        <a:rPr lang="en-US" sz="1400" b="0" dirty="0" err="1">
                           <a:latin typeface="+mn-ea"/>
                           <a:ea typeface="+mn-ea"/>
                         </a:rPr>
                         <a:t>venv</a:t>
                       </a:r>
-                      <a:endParaRPr lang="en-US" sz="1400" b="1" dirty="0">
+                      <a:endParaRPr lang="en-US" sz="1400" b="0" dirty="0">
                         <a:latin typeface="+mn-ea"/>
                         <a:ea typeface="+mn-ea"/>
                       </a:endParaRPr>
@@ -11859,7 +13544,7 @@
                   </a:ext>
                 </a:extLst>
               </a:tr>
-              <a:tr h="435317">
+              <a:tr h="407380">
                 <a:tc>
                   <a:txBody>
                     <a:bodyPr/>
@@ -11869,11 +13554,11 @@
                         <a:buNone/>
                       </a:pPr>
                       <a:r>
-                        <a:rPr lang="ko-KR" altLang="en-US" sz="1400">
+                        <a:rPr lang="ko-KR" altLang="en-US" sz="1400" b="1" dirty="0">
                           <a:latin typeface="+mn-ea"/>
                           <a:ea typeface="+mn-ea"/>
                         </a:rPr>
-                        <a:t>활성화</a:t>
+                        <a:t>전역 패키지 활용 생성</a:t>
                       </a:r>
                     </a:p>
                   </a:txBody>
@@ -11888,33 +13573,29 @@
                         <a:buNone/>
                       </a:pPr>
                       <a:r>
-                        <a:rPr lang="en-US" sz="1400">
-                          <a:latin typeface="+mn-ea"/>
-                          <a:ea typeface="+mn-ea"/>
-                        </a:rPr>
-                        <a:t>source &lt;</a:t>
-                      </a:r>
-                      <a:r>
-                        <a:rPr lang="ko-KR" altLang="en-US" sz="1400">
-                          <a:latin typeface="+mn-ea"/>
-                          <a:ea typeface="+mn-ea"/>
-                        </a:rPr>
+                        <a:rPr lang="en-US" altLang="ko-KR" sz="1400" b="1" dirty="0"/>
+                        <a:t>python3 -m </a:t>
+                      </a:r>
+                      <a:r>
+                        <a:rPr lang="en-US" altLang="ko-KR" sz="1400" b="1" dirty="0" err="1"/>
+                        <a:t>venv</a:t>
+                      </a:r>
+                      <a:r>
+                        <a:rPr lang="en-US" altLang="ko-KR" sz="1400" b="1" dirty="0"/>
+                        <a:t> --system-site-packages &lt;</a:t>
+                      </a:r>
+                      <a:r>
+                        <a:rPr lang="ko-KR" altLang="en-US" sz="1400" b="1" dirty="0"/>
                         <a:t>경로</a:t>
                       </a:r>
                       <a:r>
-                        <a:rPr lang="en-US" altLang="ko-KR" sz="1400">
-                          <a:latin typeface="+mn-ea"/>
-                          <a:ea typeface="+mn-ea"/>
-                        </a:rPr>
-                        <a:t>&gt;/</a:t>
-                      </a:r>
-                      <a:r>
-                        <a:rPr lang="en-US" sz="1400">
-                          <a:latin typeface="+mn-ea"/>
-                          <a:ea typeface="+mn-ea"/>
-                        </a:rPr>
-                        <a:t>bin/activate</a:t>
-                      </a:r>
+                        <a:rPr lang="en-US" altLang="ko-KR" sz="1400" b="1" dirty="0"/>
+                        <a:t>&gt;</a:t>
+                      </a:r>
+                      <a:endParaRPr lang="en-US" sz="1400" b="1" dirty="0">
+                        <a:latin typeface="+mn-ea"/>
+                        <a:ea typeface="+mn-ea"/>
+                      </a:endParaRPr>
                     </a:p>
                   </a:txBody>
                   <a:tcPr marL="32232" marR="32232" marT="16116" marB="16116" anchor="ctr"/>
@@ -11928,26 +13609,25 @@
                         <a:buNone/>
                       </a:pPr>
                       <a:r>
-                        <a:rPr lang="en-US" sz="1400" dirty="0">
-                          <a:latin typeface="+mn-ea"/>
-                          <a:ea typeface="+mn-ea"/>
-                        </a:rPr>
-                        <a:t>source .</a:t>
-                      </a:r>
-                      <a:r>
-                        <a:rPr lang="en-US" sz="1400" dirty="0" err="1">
-                          <a:latin typeface="+mn-ea"/>
-                          <a:ea typeface="+mn-ea"/>
-                        </a:rPr>
+                        <a:rPr lang="en-US" altLang="ko-KR" sz="1400" b="1" dirty="0"/>
+                        <a:t>python3 -m </a:t>
+                      </a:r>
+                      <a:r>
+                        <a:rPr lang="en-US" altLang="ko-KR" sz="1400" b="1" dirty="0" err="1"/>
                         <a:t>venv</a:t>
                       </a:r>
                       <a:r>
-                        <a:rPr lang="en-US" sz="1400" dirty="0">
-                          <a:latin typeface="+mn-ea"/>
-                          <a:ea typeface="+mn-ea"/>
-                        </a:rPr>
-                        <a:t>/bin/activate</a:t>
-                      </a:r>
+                        <a:rPr lang="en-US" altLang="ko-KR" sz="1400" b="1" dirty="0"/>
+                        <a:t> --system-site-packages .</a:t>
+                      </a:r>
+                      <a:r>
+                        <a:rPr lang="en-US" altLang="ko-KR" sz="1400" b="1" dirty="0" err="1"/>
+                        <a:t>venv</a:t>
+                      </a:r>
+                      <a:endParaRPr lang="en-US" sz="1400" b="1" dirty="0">
+                        <a:latin typeface="+mn-ea"/>
+                        <a:ea typeface="+mn-ea"/>
+                      </a:endParaRPr>
                     </a:p>
                   </a:txBody>
                   <a:tcPr marL="32232" marR="32232" marT="16116" marB="16116" anchor="ctr"/>
@@ -11958,7 +13638,106 @@
                   </a:ext>
                 </a:extLst>
               </a:tr>
-              <a:tr h="435317">
+              <a:tr h="407380">
+                <a:tc>
+                  <a:txBody>
+                    <a:bodyPr/>
+                    <a:lstStyle/>
+                    <a:p>
+                      <a:pPr algn="ctr">
+                        <a:buNone/>
+                      </a:pPr>
+                      <a:r>
+                        <a:rPr lang="ko-KR" altLang="en-US" sz="1400" dirty="0">
+                          <a:latin typeface="+mn-ea"/>
+                          <a:ea typeface="+mn-ea"/>
+                        </a:rPr>
+                        <a:t>활성화</a:t>
+                      </a:r>
+                    </a:p>
+                  </a:txBody>
+                  <a:tcPr marL="32232" marR="32232" marT="16116" marB="16116" anchor="ctr"/>
+                </a:tc>
+                <a:tc>
+                  <a:txBody>
+                    <a:bodyPr/>
+                    <a:lstStyle/>
+                    <a:p>
+                      <a:pPr>
+                        <a:buNone/>
+                      </a:pPr>
+                      <a:r>
+                        <a:rPr lang="en-US" sz="1400" dirty="0">
+                          <a:latin typeface="+mn-ea"/>
+                          <a:ea typeface="+mn-ea"/>
+                        </a:rPr>
+                        <a:t>source &lt;</a:t>
+                      </a:r>
+                      <a:r>
+                        <a:rPr lang="ko-KR" altLang="en-US" sz="1400" dirty="0">
+                          <a:latin typeface="+mn-ea"/>
+                          <a:ea typeface="+mn-ea"/>
+                        </a:rPr>
+                        <a:t>경로</a:t>
+                      </a:r>
+                      <a:r>
+                        <a:rPr lang="en-US" altLang="ko-KR" sz="1400" dirty="0">
+                          <a:latin typeface="+mn-ea"/>
+                          <a:ea typeface="+mn-ea"/>
+                        </a:rPr>
+                        <a:t>&gt;/</a:t>
+                      </a:r>
+                      <a:r>
+                        <a:rPr lang="en-US" sz="1400" dirty="0">
+                          <a:latin typeface="+mn-ea"/>
+                          <a:ea typeface="+mn-ea"/>
+                        </a:rPr>
+                        <a:t>bin/activate</a:t>
+                      </a:r>
+                    </a:p>
+                  </a:txBody>
+                  <a:tcPr marL="32232" marR="32232" marT="16116" marB="16116" anchor="ctr"/>
+                </a:tc>
+                <a:tc>
+                  <a:txBody>
+                    <a:bodyPr/>
+                    <a:lstStyle/>
+                    <a:p>
+                      <a:pPr>
+                        <a:buNone/>
+                      </a:pPr>
+                      <a:r>
+                        <a:rPr lang="en-US" sz="1400" dirty="0">
+                          <a:latin typeface="+mn-ea"/>
+                          <a:ea typeface="+mn-ea"/>
+                        </a:rPr>
+                        <a:t>source .</a:t>
+                      </a:r>
+                      <a:r>
+                        <a:rPr lang="en-US" sz="1400" dirty="0" err="1">
+                          <a:latin typeface="+mn-ea"/>
+                          <a:ea typeface="+mn-ea"/>
+                        </a:rPr>
+                        <a:t>venv</a:t>
+                      </a:r>
+                      <a:r>
+                        <a:rPr lang="en-US" sz="1400" dirty="0">
+                          <a:latin typeface="+mn-ea"/>
+                          <a:ea typeface="+mn-ea"/>
+                        </a:rPr>
+                        <a:t>/bin/activate</a:t>
+                      </a:r>
+                    </a:p>
+                  </a:txBody>
+                  <a:tcPr marL="32232" marR="32232" marT="16116" marB="16116" anchor="ctr"/>
+                </a:tc>
+                <a:extLst>
+                  <a:ext uri="{0D108BD9-81ED-4DB2-BD59-A6C34878D82A}">
+                    <a16:rowId xmlns:a16="http://schemas.microsoft.com/office/drawing/2014/main" val="3244357115"/>
+                  </a:ext>
+                </a:extLst>
+              </a:tr>
+              <a:tr h="407380">
                 <a:tc>
                   <a:txBody>
                     <a:bodyPr/>
@@ -12019,7 +13798,7 @@
                   </a:ext>
                 </a:extLst>
               </a:tr>
-              <a:tr h="435317">
+              <a:tr h="407380">
                 <a:tc>
                   <a:txBody>
                     <a:bodyPr/>
@@ -12125,7 +13904,7 @@
                   </a:ext>
                 </a:extLst>
               </a:tr>
-              <a:tr h="435317">
+              <a:tr h="407380">
                 <a:tc>
                   <a:txBody>
                     <a:bodyPr/>
@@ -12207,7 +13986,7 @@
                   </a:ext>
                 </a:extLst>
               </a:tr>
-              <a:tr h="435317">
+              <a:tr h="407380">
                 <a:tc>
                   <a:txBody>
                     <a:bodyPr/>
@@ -12289,7 +14068,7 @@
                   </a:ext>
                 </a:extLst>
               </a:tr>
-              <a:tr h="435317">
+              <a:tr h="407380">
                 <a:tc>
                   <a:txBody>
                     <a:bodyPr/>
@@ -12350,7 +14129,7 @@
                   </a:ext>
                 </a:extLst>
               </a:tr>
-              <a:tr h="435317">
+              <a:tr h="407380">
                 <a:tc>
                   <a:txBody>
                     <a:bodyPr/>
@@ -12442,7 +14221,7 @@
                   </a:ext>
                 </a:extLst>
               </a:tr>
-              <a:tr h="435317">
+              <a:tr h="407380">
                 <a:tc>
                   <a:txBody>
                     <a:bodyPr/>
@@ -12534,7 +14313,7 @@
                   </a:ext>
                 </a:extLst>
               </a:tr>
-              <a:tr h="435317">
+              <a:tr h="407380">
                 <a:tc>
                   <a:txBody>
                     <a:bodyPr/>
@@ -12619,7 +14398,7 @@
                   </a:ext>
                 </a:extLst>
               </a:tr>
-              <a:tr h="435317">
+              <a:tr h="407380">
                 <a:tc>
                   <a:txBody>
                     <a:bodyPr/>
@@ -12767,7 +14546,7 @@
 </p:sld>
 </file>
 
-<file path=ppt/slides/slide24.xml><?xml version="1.0" encoding="utf-8"?>
+<file path=ppt/slides/slide27.xml><?xml version="1.0" encoding="utf-8"?>
 <p:sld xmlns:a="http://schemas.openxmlformats.org/drawingml/2006/main" xmlns:r="http://schemas.openxmlformats.org/officeDocument/2006/relationships" xmlns:p="http://schemas.openxmlformats.org/presentationml/2006/main">
   <p:cSld>
     <p:spTree>
@@ -15010,6 +16789,912 @@
         <p:cNvPr id="1" name="">
           <a:extLst>
             <a:ext uri="{FF2B5EF4-FFF2-40B4-BE49-F238E27FC236}">
+              <a16:creationId xmlns:a16="http://schemas.microsoft.com/office/drawing/2014/main" id="{6AD1BDB9-EAC3-AFF6-9820-1C9E31729568}"/>
+            </a:ext>
+          </a:extLst>
+        </p:cNvPr>
+        <p:cNvGrpSpPr/>
+        <p:nvPr/>
+      </p:nvGrpSpPr>
+      <p:grpSpPr>
+        <a:xfrm>
+          <a:off x="0" y="0"/>
+          <a:ext cx="0" cy="0"/>
+          <a:chOff x="0" y="0"/>
+          <a:chExt cx="0" cy="0"/>
+        </a:xfrm>
+      </p:grpSpPr>
+      <p:sp>
+        <p:nvSpPr>
+          <p:cNvPr id="3" name="직사각형 2">
+            <a:extLst>
+              <a:ext uri="{FF2B5EF4-FFF2-40B4-BE49-F238E27FC236}">
+                <a16:creationId xmlns:a16="http://schemas.microsoft.com/office/drawing/2014/main" id="{CA7F14F2-192A-FEAE-0AD9-BF540C759D3A}"/>
+              </a:ext>
+            </a:extLst>
+          </p:cNvPr>
+          <p:cNvSpPr/>
+          <p:nvPr/>
+        </p:nvSpPr>
+        <p:spPr>
+          <a:xfrm>
+            <a:off x="0" y="0"/>
+            <a:ext cx="3778898" cy="631596"/>
+          </a:xfrm>
+          <a:prstGeom prst="rect">
+            <a:avLst/>
+          </a:prstGeom>
+          <a:solidFill>
+            <a:srgbClr val="002060"/>
+          </a:solidFill>
+        </p:spPr>
+        <p:style>
+          <a:lnRef idx="2">
+            <a:schemeClr val="accent1">
+              <a:shade val="15000"/>
+            </a:schemeClr>
+          </a:lnRef>
+          <a:fillRef idx="1">
+            <a:schemeClr val="accent1"/>
+          </a:fillRef>
+          <a:effectRef idx="0">
+            <a:schemeClr val="accent1"/>
+          </a:effectRef>
+          <a:fontRef idx="minor">
+            <a:schemeClr val="lt1"/>
+          </a:fontRef>
+        </p:style>
+        <p:txBody>
+          <a:bodyPr rtlCol="0" anchor="ctr"/>
+          <a:lstStyle/>
+          <a:p>
+            <a:pPr marL="442913" indent="-263525">
+              <a:buFont typeface="Wingdings" panose="05000000000000000000" pitchFamily="2" charset="2"/>
+              <a:buChar char="§"/>
+            </a:pPr>
+            <a:r>
+              <a:rPr lang="ko-KR" altLang="en-US" sz="2000" b="1" dirty="0"/>
+              <a:t>실습 환경</a:t>
+            </a:r>
+          </a:p>
+        </p:txBody>
+      </p:sp>
+      <p:sp>
+        <p:nvSpPr>
+          <p:cNvPr id="2" name="직사각형 1">
+            <a:extLst>
+              <a:ext uri="{FF2B5EF4-FFF2-40B4-BE49-F238E27FC236}">
+                <a16:creationId xmlns:a16="http://schemas.microsoft.com/office/drawing/2014/main" id="{2999EA47-AA53-3F8F-4D91-911EEAF8D58D}"/>
+              </a:ext>
+            </a:extLst>
+          </p:cNvPr>
+          <p:cNvSpPr/>
+          <p:nvPr/>
+        </p:nvSpPr>
+        <p:spPr>
+          <a:xfrm>
+            <a:off x="3789058" y="-3715"/>
+            <a:ext cx="3778898" cy="631596"/>
+          </a:xfrm>
+          <a:prstGeom prst="rect">
+            <a:avLst/>
+          </a:prstGeom>
+          <a:solidFill>
+            <a:schemeClr val="accent5">
+              <a:lumMod val="50000"/>
+            </a:schemeClr>
+          </a:solidFill>
+        </p:spPr>
+        <p:style>
+          <a:lnRef idx="2">
+            <a:schemeClr val="accent1">
+              <a:shade val="15000"/>
+            </a:schemeClr>
+          </a:lnRef>
+          <a:fillRef idx="1">
+            <a:schemeClr val="accent1"/>
+          </a:fillRef>
+          <a:effectRef idx="0">
+            <a:schemeClr val="accent1"/>
+          </a:effectRef>
+          <a:fontRef idx="minor">
+            <a:schemeClr val="lt1"/>
+          </a:fontRef>
+        </p:style>
+        <p:txBody>
+          <a:bodyPr rtlCol="0" anchor="ctr"/>
+          <a:lstStyle/>
+          <a:p>
+            <a:pPr marL="522288" indent="-342900">
+              <a:buFont typeface="Arial" panose="020B0604020202020204" pitchFamily="34" charset="0"/>
+              <a:buChar char="•"/>
+            </a:pPr>
+            <a:r>
+              <a:rPr lang="en-US" altLang="ko-KR" sz="2000" b="1" dirty="0"/>
+              <a:t>Raspberry Pi  </a:t>
+            </a:r>
+            <a:r>
+              <a:rPr lang="en-US" altLang="ko-KR" sz="2000" b="1" dirty="0">
+                <a:sym typeface="Wingdings" panose="05000000000000000000" pitchFamily="2" charset="2"/>
+              </a:rPr>
+              <a:t> </a:t>
+            </a:r>
+            <a:r>
+              <a:rPr lang="en-US" altLang="ko-KR" sz="2000" b="1" dirty="0" err="1">
+                <a:sym typeface="Wingdings" panose="05000000000000000000" pitchFamily="2" charset="2"/>
+              </a:rPr>
+              <a:t>wifi</a:t>
+            </a:r>
+            <a:endParaRPr lang="ko-KR" altLang="en-US" sz="2000" b="1" dirty="0"/>
+          </a:p>
+        </p:txBody>
+      </p:sp>
+      <p:pic>
+        <p:nvPicPr>
+          <p:cNvPr id="4" name="그림 3">
+            <a:extLst>
+              <a:ext uri="{FF2B5EF4-FFF2-40B4-BE49-F238E27FC236}">
+                <a16:creationId xmlns:a16="http://schemas.microsoft.com/office/drawing/2014/main" id="{33256934-8072-5279-2FF9-EC827E1F20F1}"/>
+              </a:ext>
+            </a:extLst>
+          </p:cNvPr>
+          <p:cNvPicPr>
+            <a:picLocks noChangeAspect="1"/>
+          </p:cNvPicPr>
+          <p:nvPr/>
+        </p:nvPicPr>
+        <p:blipFill>
+          <a:blip r:embed="rId2"/>
+          <a:stretch>
+            <a:fillRect/>
+          </a:stretch>
+        </p:blipFill>
+        <p:spPr>
+          <a:xfrm>
+            <a:off x="301182" y="1118304"/>
+            <a:ext cx="4521128" cy="2844038"/>
+          </a:xfrm>
+          <a:prstGeom prst="rect">
+            <a:avLst/>
+          </a:prstGeom>
+        </p:spPr>
+      </p:pic>
+      <p:sp>
+        <p:nvSpPr>
+          <p:cNvPr id="6" name="TextBox 5">
+            <a:extLst>
+              <a:ext uri="{FF2B5EF4-FFF2-40B4-BE49-F238E27FC236}">
+                <a16:creationId xmlns:a16="http://schemas.microsoft.com/office/drawing/2014/main" id="{8CF6E2F3-4BBC-13D4-7B59-6E3CA0FF5154}"/>
+              </a:ext>
+            </a:extLst>
+          </p:cNvPr>
+          <p:cNvSpPr txBox="1"/>
+          <p:nvPr/>
+        </p:nvSpPr>
+        <p:spPr>
+          <a:xfrm>
+            <a:off x="301182" y="748972"/>
+            <a:ext cx="2608406" cy="307777"/>
+          </a:xfrm>
+          <a:prstGeom prst="rect">
+            <a:avLst/>
+          </a:prstGeom>
+          <a:noFill/>
+        </p:spPr>
+        <p:txBody>
+          <a:bodyPr wrap="none" rtlCol="0">
+            <a:spAutoFit/>
+          </a:bodyPr>
+          <a:lstStyle/>
+          <a:p>
+            <a:r>
+              <a:rPr lang="en-US" altLang="ko-KR" sz="1400" b="1" dirty="0">
+                <a:solidFill>
+                  <a:srgbClr val="002060"/>
+                </a:solidFill>
+              </a:rPr>
+              <a:t>1. </a:t>
+            </a:r>
+            <a:r>
+              <a:rPr lang="ko-KR" altLang="en-US" sz="1400" b="1" dirty="0">
+                <a:solidFill>
+                  <a:srgbClr val="002060"/>
+                </a:solidFill>
+              </a:rPr>
+              <a:t>부팅 후</a:t>
+            </a:r>
+            <a:r>
+              <a:rPr lang="en-US" altLang="ko-KR" sz="1400" b="1" dirty="0">
+                <a:solidFill>
+                  <a:srgbClr val="002060"/>
+                </a:solidFill>
+              </a:rPr>
+              <a:t>,  WiFi </a:t>
+            </a:r>
+            <a:r>
+              <a:rPr lang="ko-KR" altLang="en-US" sz="1400" b="1" dirty="0">
+                <a:solidFill>
+                  <a:srgbClr val="002060"/>
+                </a:solidFill>
+              </a:rPr>
+              <a:t>연결 안된다면</a:t>
+            </a:r>
+            <a:r>
+              <a:rPr lang="en-US" altLang="ko-KR" sz="1400" b="1" dirty="0">
+                <a:solidFill>
+                  <a:srgbClr val="002060"/>
+                </a:solidFill>
+              </a:rPr>
+              <a:t>,</a:t>
+            </a:r>
+            <a:endParaRPr lang="ko-KR" altLang="en-US" sz="1400" b="1" dirty="0">
+              <a:solidFill>
+                <a:srgbClr val="002060"/>
+              </a:solidFill>
+            </a:endParaRPr>
+          </a:p>
+        </p:txBody>
+      </p:sp>
+      <p:pic>
+        <p:nvPicPr>
+          <p:cNvPr id="7" name="그림 6">
+            <a:extLst>
+              <a:ext uri="{FF2B5EF4-FFF2-40B4-BE49-F238E27FC236}">
+                <a16:creationId xmlns:a16="http://schemas.microsoft.com/office/drawing/2014/main" id="{351C01D1-B1D0-8898-18B7-E57E921C5996}"/>
+              </a:ext>
+            </a:extLst>
+          </p:cNvPr>
+          <p:cNvPicPr>
+            <a:picLocks noChangeAspect="1"/>
+          </p:cNvPicPr>
+          <p:nvPr/>
+        </p:nvPicPr>
+        <p:blipFill>
+          <a:blip r:embed="rId3"/>
+          <a:stretch>
+            <a:fillRect/>
+          </a:stretch>
+        </p:blipFill>
+        <p:spPr>
+          <a:xfrm>
+            <a:off x="5374205" y="939192"/>
+            <a:ext cx="6077798" cy="3486637"/>
+          </a:xfrm>
+          <a:prstGeom prst="rect">
+            <a:avLst/>
+          </a:prstGeom>
+        </p:spPr>
+      </p:pic>
+      <p:sp>
+        <p:nvSpPr>
+          <p:cNvPr id="12" name="화살표: 오른쪽 11">
+            <a:extLst>
+              <a:ext uri="{FF2B5EF4-FFF2-40B4-BE49-F238E27FC236}">
+                <a16:creationId xmlns:a16="http://schemas.microsoft.com/office/drawing/2014/main" id="{0C8E3A84-993A-14DC-C1F7-B66E7901ED90}"/>
+              </a:ext>
+            </a:extLst>
+          </p:cNvPr>
+          <p:cNvSpPr/>
+          <p:nvPr/>
+        </p:nvSpPr>
+        <p:spPr>
+          <a:xfrm>
+            <a:off x="4972622" y="1989763"/>
+            <a:ext cx="237994" cy="1002082"/>
+          </a:xfrm>
+          <a:prstGeom prst="rightArrow">
+            <a:avLst/>
+          </a:prstGeom>
+          <a:solidFill>
+            <a:schemeClr val="tx1">
+              <a:lumMod val="50000"/>
+              <a:lumOff val="50000"/>
+            </a:schemeClr>
+          </a:solidFill>
+        </p:spPr>
+        <p:style>
+          <a:lnRef idx="2">
+            <a:schemeClr val="accent1">
+              <a:shade val="50000"/>
+            </a:schemeClr>
+          </a:lnRef>
+          <a:fillRef idx="1">
+            <a:schemeClr val="accent1"/>
+          </a:fillRef>
+          <a:effectRef idx="0">
+            <a:schemeClr val="accent1"/>
+          </a:effectRef>
+          <a:fontRef idx="minor">
+            <a:schemeClr val="lt1"/>
+          </a:fontRef>
+        </p:style>
+        <p:txBody>
+          <a:bodyPr rtlCol="0" anchor="ctr"/>
+          <a:lstStyle/>
+          <a:p>
+            <a:pPr algn="ctr"/>
+            <a:endParaRPr lang="ko-KR" altLang="en-US"/>
+          </a:p>
+        </p:txBody>
+      </p:sp>
+      <p:sp>
+        <p:nvSpPr>
+          <p:cNvPr id="15" name="TextBox 14">
+            <a:extLst>
+              <a:ext uri="{FF2B5EF4-FFF2-40B4-BE49-F238E27FC236}">
+                <a16:creationId xmlns:a16="http://schemas.microsoft.com/office/drawing/2014/main" id="{1CA1C472-3714-4011-6E5B-1EA288F40656}"/>
+              </a:ext>
+            </a:extLst>
+          </p:cNvPr>
+          <p:cNvSpPr txBox="1"/>
+          <p:nvPr/>
+        </p:nvSpPr>
+        <p:spPr>
+          <a:xfrm>
+            <a:off x="5413160" y="600096"/>
+            <a:ext cx="1649811" cy="307777"/>
+          </a:xfrm>
+          <a:prstGeom prst="rect">
+            <a:avLst/>
+          </a:prstGeom>
+          <a:noFill/>
+        </p:spPr>
+        <p:txBody>
+          <a:bodyPr wrap="none" rtlCol="0">
+            <a:spAutoFit/>
+          </a:bodyPr>
+          <a:lstStyle/>
+          <a:p>
+            <a:r>
+              <a:rPr lang="en-US" altLang="ko-KR" sz="1400" b="1" dirty="0">
+                <a:solidFill>
+                  <a:srgbClr val="002060"/>
+                </a:solidFill>
+              </a:rPr>
+              <a:t>2. WiFi SSID </a:t>
+            </a:r>
+            <a:r>
+              <a:rPr lang="ko-KR" altLang="en-US" sz="1400" b="1" dirty="0">
+                <a:solidFill>
+                  <a:srgbClr val="002060"/>
+                </a:solidFill>
+              </a:rPr>
+              <a:t>선택</a:t>
+            </a:r>
+          </a:p>
+        </p:txBody>
+      </p:sp>
+      <p:pic>
+        <p:nvPicPr>
+          <p:cNvPr id="17" name="그림 16">
+            <a:extLst>
+              <a:ext uri="{FF2B5EF4-FFF2-40B4-BE49-F238E27FC236}">
+                <a16:creationId xmlns:a16="http://schemas.microsoft.com/office/drawing/2014/main" id="{A0F838F9-12B3-0AFC-C0B0-7355EB414062}"/>
+              </a:ext>
+            </a:extLst>
+          </p:cNvPr>
+          <p:cNvPicPr>
+            <a:picLocks noChangeAspect="1"/>
+          </p:cNvPicPr>
+          <p:nvPr/>
+        </p:nvPicPr>
+        <p:blipFill>
+          <a:blip r:embed="rId4"/>
+          <a:stretch>
+            <a:fillRect/>
+          </a:stretch>
+        </p:blipFill>
+        <p:spPr>
+          <a:xfrm>
+            <a:off x="5413160" y="5008726"/>
+            <a:ext cx="3528221" cy="1849274"/>
+          </a:xfrm>
+          <a:prstGeom prst="rect">
+            <a:avLst/>
+          </a:prstGeom>
+        </p:spPr>
+      </p:pic>
+      <p:sp>
+        <p:nvSpPr>
+          <p:cNvPr id="19" name="TextBox 18">
+            <a:extLst>
+              <a:ext uri="{FF2B5EF4-FFF2-40B4-BE49-F238E27FC236}">
+                <a16:creationId xmlns:a16="http://schemas.microsoft.com/office/drawing/2014/main" id="{8DB8C5F6-D4F1-06F5-C634-9777BB832D35}"/>
+              </a:ext>
+            </a:extLst>
+          </p:cNvPr>
+          <p:cNvSpPr txBox="1"/>
+          <p:nvPr/>
+        </p:nvSpPr>
+        <p:spPr>
+          <a:xfrm>
+            <a:off x="5413160" y="4642356"/>
+            <a:ext cx="1623778" cy="307777"/>
+          </a:xfrm>
+          <a:prstGeom prst="rect">
+            <a:avLst/>
+          </a:prstGeom>
+          <a:noFill/>
+        </p:spPr>
+        <p:txBody>
+          <a:bodyPr wrap="none" rtlCol="0">
+            <a:spAutoFit/>
+          </a:bodyPr>
+          <a:lstStyle/>
+          <a:p>
+            <a:r>
+              <a:rPr lang="en-US" altLang="ko-KR" sz="1400" b="1" dirty="0">
+                <a:solidFill>
+                  <a:srgbClr val="002060"/>
+                </a:solidFill>
+              </a:rPr>
+              <a:t>3. Password</a:t>
+            </a:r>
+            <a:r>
+              <a:rPr lang="ko-KR" altLang="en-US" sz="1400" b="1" dirty="0">
+                <a:solidFill>
+                  <a:srgbClr val="002060"/>
+                </a:solidFill>
+              </a:rPr>
+              <a:t> 입력</a:t>
+            </a:r>
+          </a:p>
+        </p:txBody>
+      </p:sp>
+      <p:pic>
+        <p:nvPicPr>
+          <p:cNvPr id="20" name="그림 19">
+            <a:extLst>
+              <a:ext uri="{FF2B5EF4-FFF2-40B4-BE49-F238E27FC236}">
+                <a16:creationId xmlns:a16="http://schemas.microsoft.com/office/drawing/2014/main" id="{602617BC-530A-F6C3-06A6-028240EF5734}"/>
+              </a:ext>
+            </a:extLst>
+          </p:cNvPr>
+          <p:cNvPicPr>
+            <a:picLocks noChangeAspect="1"/>
+          </p:cNvPicPr>
+          <p:nvPr/>
+        </p:nvPicPr>
+        <p:blipFill>
+          <a:blip r:embed="rId5"/>
+          <a:stretch>
+            <a:fillRect/>
+          </a:stretch>
+        </p:blipFill>
+        <p:spPr>
+          <a:xfrm>
+            <a:off x="278257" y="4950133"/>
+            <a:ext cx="3954250" cy="1742442"/>
+          </a:xfrm>
+          <a:prstGeom prst="rect">
+            <a:avLst/>
+          </a:prstGeom>
+        </p:spPr>
+      </p:pic>
+      <p:sp>
+        <p:nvSpPr>
+          <p:cNvPr id="21" name="TextBox 20">
+            <a:extLst>
+              <a:ext uri="{FF2B5EF4-FFF2-40B4-BE49-F238E27FC236}">
+                <a16:creationId xmlns:a16="http://schemas.microsoft.com/office/drawing/2014/main" id="{DF42259B-707E-472B-D1C2-7011FD8FF1DC}"/>
+              </a:ext>
+            </a:extLst>
+          </p:cNvPr>
+          <p:cNvSpPr txBox="1"/>
+          <p:nvPr/>
+        </p:nvSpPr>
+        <p:spPr>
+          <a:xfrm>
+            <a:off x="348808" y="4634229"/>
+            <a:ext cx="1616148" cy="307777"/>
+          </a:xfrm>
+          <a:prstGeom prst="rect">
+            <a:avLst/>
+          </a:prstGeom>
+          <a:noFill/>
+        </p:spPr>
+        <p:txBody>
+          <a:bodyPr wrap="none" rtlCol="0">
+            <a:spAutoFit/>
+          </a:bodyPr>
+          <a:lstStyle/>
+          <a:p>
+            <a:r>
+              <a:rPr lang="en-US" altLang="ko-KR" sz="1400" b="1" dirty="0">
+                <a:solidFill>
+                  <a:srgbClr val="002060"/>
+                </a:solidFill>
+              </a:rPr>
+              <a:t>4. WiFi </a:t>
+            </a:r>
+            <a:r>
+              <a:rPr lang="ko-KR" altLang="en-US" sz="1400" b="1" dirty="0">
+                <a:solidFill>
+                  <a:srgbClr val="002060"/>
+                </a:solidFill>
+              </a:rPr>
+              <a:t>연결 성공</a:t>
+            </a:r>
+          </a:p>
+        </p:txBody>
+      </p:sp>
+      <p:sp>
+        <p:nvSpPr>
+          <p:cNvPr id="22" name="화살표: 오른쪽 21">
+            <a:extLst>
+              <a:ext uri="{FF2B5EF4-FFF2-40B4-BE49-F238E27FC236}">
+                <a16:creationId xmlns:a16="http://schemas.microsoft.com/office/drawing/2014/main" id="{9F36EA13-2DC1-AD9C-C5D8-965CCBFFC4F6}"/>
+              </a:ext>
+            </a:extLst>
+          </p:cNvPr>
+          <p:cNvSpPr/>
+          <p:nvPr/>
+        </p:nvSpPr>
+        <p:spPr>
+          <a:xfrm flipH="1">
+            <a:off x="4797258" y="5320313"/>
+            <a:ext cx="300624" cy="1002082"/>
+          </a:xfrm>
+          <a:prstGeom prst="rightArrow">
+            <a:avLst/>
+          </a:prstGeom>
+          <a:solidFill>
+            <a:schemeClr val="tx1">
+              <a:lumMod val="50000"/>
+              <a:lumOff val="50000"/>
+            </a:schemeClr>
+          </a:solidFill>
+        </p:spPr>
+        <p:style>
+          <a:lnRef idx="2">
+            <a:schemeClr val="accent1">
+              <a:shade val="50000"/>
+            </a:schemeClr>
+          </a:lnRef>
+          <a:fillRef idx="1">
+            <a:schemeClr val="accent1"/>
+          </a:fillRef>
+          <a:effectRef idx="0">
+            <a:schemeClr val="accent1"/>
+          </a:effectRef>
+          <a:fontRef idx="minor">
+            <a:schemeClr val="lt1"/>
+          </a:fontRef>
+        </p:style>
+        <p:txBody>
+          <a:bodyPr rtlCol="0" anchor="ctr"/>
+          <a:lstStyle/>
+          <a:p>
+            <a:pPr algn="ctr"/>
+            <a:endParaRPr lang="ko-KR" altLang="en-US"/>
+          </a:p>
+        </p:txBody>
+      </p:sp>
+      <p:sp>
+        <p:nvSpPr>
+          <p:cNvPr id="23" name="화살표: 오른쪽 22">
+            <a:extLst>
+              <a:ext uri="{FF2B5EF4-FFF2-40B4-BE49-F238E27FC236}">
+                <a16:creationId xmlns:a16="http://schemas.microsoft.com/office/drawing/2014/main" id="{F13A484B-98E5-8BE3-FB39-41139821F67D}"/>
+              </a:ext>
+            </a:extLst>
+          </p:cNvPr>
+          <p:cNvSpPr/>
+          <p:nvPr/>
+        </p:nvSpPr>
+        <p:spPr>
+          <a:xfrm rot="16200000" flipH="1">
+            <a:off x="7891187" y="4216236"/>
+            <a:ext cx="300624" cy="1002082"/>
+          </a:xfrm>
+          <a:prstGeom prst="rightArrow">
+            <a:avLst/>
+          </a:prstGeom>
+          <a:solidFill>
+            <a:schemeClr val="tx1">
+              <a:lumMod val="50000"/>
+              <a:lumOff val="50000"/>
+            </a:schemeClr>
+          </a:solidFill>
+        </p:spPr>
+        <p:style>
+          <a:lnRef idx="2">
+            <a:schemeClr val="accent1">
+              <a:shade val="50000"/>
+            </a:schemeClr>
+          </a:lnRef>
+          <a:fillRef idx="1">
+            <a:schemeClr val="accent1"/>
+          </a:fillRef>
+          <a:effectRef idx="0">
+            <a:schemeClr val="accent1"/>
+          </a:effectRef>
+          <a:fontRef idx="minor">
+            <a:schemeClr val="lt1"/>
+          </a:fontRef>
+        </p:style>
+        <p:txBody>
+          <a:bodyPr rtlCol="0" anchor="ctr"/>
+          <a:lstStyle/>
+          <a:p>
+            <a:pPr algn="ctr"/>
+            <a:endParaRPr lang="ko-KR" altLang="en-US"/>
+          </a:p>
+        </p:txBody>
+      </p:sp>
+    </p:spTree>
+    <p:extLst>
+      <p:ext uri="{BB962C8B-B14F-4D97-AF65-F5344CB8AC3E}">
+        <p14:creationId xmlns:p14="http://schemas.microsoft.com/office/powerpoint/2010/main" val="3893244411"/>
+      </p:ext>
+    </p:extLst>
+  </p:cSld>
+  <p:clrMapOvr>
+    <a:masterClrMapping/>
+  </p:clrMapOvr>
+</p:sld>
+</file>
+
+<file path=ppt/slides/slide7.xml><?xml version="1.0" encoding="utf-8"?>
+<p:sld xmlns:a="http://schemas.openxmlformats.org/drawingml/2006/main" xmlns:r="http://schemas.openxmlformats.org/officeDocument/2006/relationships" xmlns:p="http://schemas.openxmlformats.org/presentationml/2006/main">
+  <p:cSld>
+    <p:spTree>
+      <p:nvGrpSpPr>
+        <p:cNvPr id="1" name="">
+          <a:extLst>
+            <a:ext uri="{FF2B5EF4-FFF2-40B4-BE49-F238E27FC236}">
+              <a16:creationId xmlns:a16="http://schemas.microsoft.com/office/drawing/2014/main" id="{EC46BEB4-F89D-951A-B483-2C7C7D1A785F}"/>
+            </a:ext>
+          </a:extLst>
+        </p:cNvPr>
+        <p:cNvGrpSpPr/>
+        <p:nvPr/>
+      </p:nvGrpSpPr>
+      <p:grpSpPr>
+        <a:xfrm>
+          <a:off x="0" y="0"/>
+          <a:ext cx="0" cy="0"/>
+          <a:chOff x="0" y="0"/>
+          <a:chExt cx="0" cy="0"/>
+        </a:xfrm>
+      </p:grpSpPr>
+      <p:sp>
+        <p:nvSpPr>
+          <p:cNvPr id="3" name="직사각형 2">
+            <a:extLst>
+              <a:ext uri="{FF2B5EF4-FFF2-40B4-BE49-F238E27FC236}">
+                <a16:creationId xmlns:a16="http://schemas.microsoft.com/office/drawing/2014/main" id="{DF6610E4-3D85-1D37-863B-3C9A9639B4E3}"/>
+              </a:ext>
+            </a:extLst>
+          </p:cNvPr>
+          <p:cNvSpPr/>
+          <p:nvPr/>
+        </p:nvSpPr>
+        <p:spPr>
+          <a:xfrm>
+            <a:off x="0" y="0"/>
+            <a:ext cx="3778898" cy="631596"/>
+          </a:xfrm>
+          <a:prstGeom prst="rect">
+            <a:avLst/>
+          </a:prstGeom>
+          <a:solidFill>
+            <a:srgbClr val="002060"/>
+          </a:solidFill>
+        </p:spPr>
+        <p:style>
+          <a:lnRef idx="2">
+            <a:schemeClr val="accent1">
+              <a:shade val="15000"/>
+            </a:schemeClr>
+          </a:lnRef>
+          <a:fillRef idx="1">
+            <a:schemeClr val="accent1"/>
+          </a:fillRef>
+          <a:effectRef idx="0">
+            <a:schemeClr val="accent1"/>
+          </a:effectRef>
+          <a:fontRef idx="minor">
+            <a:schemeClr val="lt1"/>
+          </a:fontRef>
+        </p:style>
+        <p:txBody>
+          <a:bodyPr rtlCol="0" anchor="ctr"/>
+          <a:lstStyle/>
+          <a:p>
+            <a:pPr marL="442913" indent="-263525">
+              <a:buFont typeface="Wingdings" panose="05000000000000000000" pitchFamily="2" charset="2"/>
+              <a:buChar char="§"/>
+            </a:pPr>
+            <a:r>
+              <a:rPr lang="ko-KR" altLang="en-US" sz="2000" b="1" dirty="0"/>
+              <a:t>실습 환경</a:t>
+            </a:r>
+          </a:p>
+        </p:txBody>
+      </p:sp>
+      <p:sp>
+        <p:nvSpPr>
+          <p:cNvPr id="2" name="직사각형 1">
+            <a:extLst>
+              <a:ext uri="{FF2B5EF4-FFF2-40B4-BE49-F238E27FC236}">
+                <a16:creationId xmlns:a16="http://schemas.microsoft.com/office/drawing/2014/main" id="{D3DDF1DA-7239-F844-D112-978D04804793}"/>
+              </a:ext>
+            </a:extLst>
+          </p:cNvPr>
+          <p:cNvSpPr/>
+          <p:nvPr/>
+        </p:nvSpPr>
+        <p:spPr>
+          <a:xfrm>
+            <a:off x="3789058" y="-3715"/>
+            <a:ext cx="3778898" cy="631596"/>
+          </a:xfrm>
+          <a:prstGeom prst="rect">
+            <a:avLst/>
+          </a:prstGeom>
+          <a:solidFill>
+            <a:schemeClr val="accent5">
+              <a:lumMod val="50000"/>
+            </a:schemeClr>
+          </a:solidFill>
+        </p:spPr>
+        <p:style>
+          <a:lnRef idx="2">
+            <a:schemeClr val="accent1">
+              <a:shade val="15000"/>
+            </a:schemeClr>
+          </a:lnRef>
+          <a:fillRef idx="1">
+            <a:schemeClr val="accent1"/>
+          </a:fillRef>
+          <a:effectRef idx="0">
+            <a:schemeClr val="accent1"/>
+          </a:effectRef>
+          <a:fontRef idx="minor">
+            <a:schemeClr val="lt1"/>
+          </a:fontRef>
+        </p:style>
+        <p:txBody>
+          <a:bodyPr rtlCol="0" anchor="ctr"/>
+          <a:lstStyle/>
+          <a:p>
+            <a:pPr marL="522288" indent="-342900">
+              <a:buFont typeface="Arial" panose="020B0604020202020204" pitchFamily="34" charset="0"/>
+              <a:buChar char="•"/>
+            </a:pPr>
+            <a:r>
+              <a:rPr lang="en-US" altLang="ko-KR" sz="2000" b="1" dirty="0"/>
+              <a:t>Raspberry Pi  </a:t>
+            </a:r>
+            <a:r>
+              <a:rPr lang="en-US" altLang="ko-KR" sz="2000" b="1" dirty="0">
+                <a:sym typeface="Wingdings" panose="05000000000000000000" pitchFamily="2" charset="2"/>
+              </a:rPr>
+              <a:t> </a:t>
+            </a:r>
+            <a:r>
+              <a:rPr lang="en-US" altLang="ko-KR" sz="2000" b="1" dirty="0" err="1">
+                <a:sym typeface="Wingdings" panose="05000000000000000000" pitchFamily="2" charset="2"/>
+              </a:rPr>
+              <a:t>wifi</a:t>
+            </a:r>
+            <a:endParaRPr lang="ko-KR" altLang="en-US" sz="2000" b="1" dirty="0"/>
+          </a:p>
+        </p:txBody>
+      </p:sp>
+      <p:pic>
+        <p:nvPicPr>
+          <p:cNvPr id="5" name="그림 4">
+            <a:extLst>
+              <a:ext uri="{FF2B5EF4-FFF2-40B4-BE49-F238E27FC236}">
+                <a16:creationId xmlns:a16="http://schemas.microsoft.com/office/drawing/2014/main" id="{61BED1C0-FAC1-2C89-AD81-BA8E9F52037F}"/>
+              </a:ext>
+            </a:extLst>
+          </p:cNvPr>
+          <p:cNvPicPr>
+            <a:picLocks noChangeAspect="1"/>
+          </p:cNvPicPr>
+          <p:nvPr/>
+        </p:nvPicPr>
+        <p:blipFill>
+          <a:blip r:embed="rId2" cstate="print">
+            <a:extLst>
+              <a:ext uri="{28A0092B-C50C-407E-A947-70E740481C1C}">
+                <a14:useLocalDpi xmlns:a14="http://schemas.microsoft.com/office/drawing/2010/main" val="0"/>
+              </a:ext>
+            </a:extLst>
+          </a:blip>
+          <a:stretch>
+            <a:fillRect/>
+          </a:stretch>
+        </p:blipFill>
+        <p:spPr>
+          <a:xfrm>
+            <a:off x="531372" y="817280"/>
+            <a:ext cx="8420734" cy="5807404"/>
+          </a:xfrm>
+          <a:prstGeom prst="rect">
+            <a:avLst/>
+          </a:prstGeom>
+          <a:ln>
+            <a:solidFill>
+              <a:schemeClr val="tx1">
+                <a:lumMod val="50000"/>
+                <a:lumOff val="50000"/>
+              </a:schemeClr>
+            </a:solidFill>
+          </a:ln>
+        </p:spPr>
+      </p:pic>
+      <p:sp>
+        <p:nvSpPr>
+          <p:cNvPr id="8" name="TextBox 7">
+            <a:extLst>
+              <a:ext uri="{FF2B5EF4-FFF2-40B4-BE49-F238E27FC236}">
+                <a16:creationId xmlns:a16="http://schemas.microsoft.com/office/drawing/2014/main" id="{9B210F68-56E5-F529-E9D8-B60DE6B4FAEB}"/>
+              </a:ext>
+            </a:extLst>
+          </p:cNvPr>
+          <p:cNvSpPr txBox="1"/>
+          <p:nvPr/>
+        </p:nvSpPr>
+        <p:spPr>
+          <a:xfrm>
+            <a:off x="7701698" y="168583"/>
+            <a:ext cx="3924472" cy="369332"/>
+          </a:xfrm>
+          <a:prstGeom prst="rect">
+            <a:avLst/>
+          </a:prstGeom>
+          <a:noFill/>
+        </p:spPr>
+        <p:txBody>
+          <a:bodyPr wrap="none" rtlCol="0">
+            <a:spAutoFit/>
+          </a:bodyPr>
+          <a:lstStyle/>
+          <a:p>
+            <a:r>
+              <a:rPr lang="en-US" altLang="ko-KR" dirty="0"/>
+              <a:t>WiFi </a:t>
+            </a:r>
+            <a:r>
+              <a:rPr lang="ko-KR" altLang="en-US" dirty="0"/>
+              <a:t>연결 안되면</a:t>
+            </a:r>
+            <a:r>
+              <a:rPr lang="en-US" altLang="ko-KR" dirty="0"/>
+              <a:t>, </a:t>
+            </a:r>
+            <a:r>
+              <a:rPr lang="ko-KR" altLang="en-US" dirty="0"/>
+              <a:t>모바일 핫스팟 사용</a:t>
+            </a:r>
+          </a:p>
+        </p:txBody>
+      </p:sp>
+    </p:spTree>
+    <p:extLst>
+      <p:ext uri="{BB962C8B-B14F-4D97-AF65-F5344CB8AC3E}">
+        <p14:creationId xmlns:p14="http://schemas.microsoft.com/office/powerpoint/2010/main" val="847487803"/>
+      </p:ext>
+    </p:extLst>
+  </p:cSld>
+  <p:clrMapOvr>
+    <a:masterClrMapping/>
+  </p:clrMapOvr>
+</p:sld>
+</file>
+
+<file path=ppt/slides/slide8.xml><?xml version="1.0" encoding="utf-8"?>
+<p:sld xmlns:a="http://schemas.openxmlformats.org/drawingml/2006/main" xmlns:r="http://schemas.openxmlformats.org/officeDocument/2006/relationships" xmlns:p="http://schemas.openxmlformats.org/presentationml/2006/main">
+  <p:cSld>
+    <p:spTree>
+      <p:nvGrpSpPr>
+        <p:cNvPr id="1" name="">
+          <a:extLst>
+            <a:ext uri="{FF2B5EF4-FFF2-40B4-BE49-F238E27FC236}">
               <a16:creationId xmlns:a16="http://schemas.microsoft.com/office/drawing/2014/main" id="{2C49FCA8-293D-0C7B-C317-DF3C6FBBF811}"/>
             </a:ext>
           </a:extLst>
@@ -15341,7 +18026,7 @@
 </p:sld>
 </file>
 
-<file path=ppt/slides/slide7.xml><?xml version="1.0" encoding="utf-8"?>
+<file path=ppt/slides/slide9.xml><?xml version="1.0" encoding="utf-8"?>
 <p:sld xmlns:a="http://schemas.openxmlformats.org/drawingml/2006/main" xmlns:r="http://schemas.openxmlformats.org/officeDocument/2006/relationships" xmlns:p="http://schemas.openxmlformats.org/presentationml/2006/main">
   <p:cSld>
     <p:spTree>
@@ -15349,7 +18034,7 @@
         <p:cNvPr id="1" name="">
           <a:extLst>
             <a:ext uri="{FF2B5EF4-FFF2-40B4-BE49-F238E27FC236}">
-              <a16:creationId xmlns:a16="http://schemas.microsoft.com/office/drawing/2014/main" id="{4D04E998-77D9-D7C8-C1CB-9C80F2428BD5}"/>
+              <a16:creationId xmlns:a16="http://schemas.microsoft.com/office/drawing/2014/main" id="{07D99FAF-37DE-9550-3512-78C6F2D61DC8}"/>
             </a:ext>
           </a:extLst>
         </p:cNvPr>
@@ -15369,7 +18054,7 @@
           <p:cNvPr id="3" name="직사각형 2">
             <a:extLst>
               <a:ext uri="{FF2B5EF4-FFF2-40B4-BE49-F238E27FC236}">
-                <a16:creationId xmlns:a16="http://schemas.microsoft.com/office/drawing/2014/main" id="{003A58A0-3662-5B90-02BA-42268D3773A6}"/>
+                <a16:creationId xmlns:a16="http://schemas.microsoft.com/office/drawing/2014/main" id="{A9ABAA8C-4718-3ED0-2460-A5652DF1F0B8}"/>
               </a:ext>
             </a:extLst>
           </p:cNvPr>
@@ -15424,7 +18109,7 @@
           <p:cNvPr id="2" name="직사각형 1">
             <a:extLst>
               <a:ext uri="{FF2B5EF4-FFF2-40B4-BE49-F238E27FC236}">
-                <a16:creationId xmlns:a16="http://schemas.microsoft.com/office/drawing/2014/main" id="{BE0E3BF3-3F80-0090-6B17-2717BC2C2D08}"/>
+                <a16:creationId xmlns:a16="http://schemas.microsoft.com/office/drawing/2014/main" id="{89E46074-E61D-8C75-75E6-D5F62A3C7C41}"/>
               </a:ext>
             </a:extLst>
           </p:cNvPr>
@@ -15465,23 +18150,439 @@
           <a:bodyPr rtlCol="0" anchor="ctr"/>
           <a:lstStyle/>
           <a:p>
-            <a:pPr marL="355600" indent="-176213">
+            <a:pPr marL="522288" indent="-342900">
               <a:buFont typeface="Arial" panose="020B0604020202020204" pitchFamily="34" charset="0"/>
               <a:buChar char="•"/>
             </a:pPr>
             <a:r>
+              <a:rPr lang="en-US" altLang="ko-KR" sz="2000" b="1" dirty="0"/>
+              <a:t>Raspberry Pi  </a:t>
+            </a:r>
+            <a:r>
               <a:rPr lang="ko-KR" altLang="en-US" sz="2000" b="1" dirty="0"/>
-              <a:t>가상 환경 설치</a:t>
-            </a:r>
+              <a:t>개발 환경 설정</a:t>
+            </a:r>
+          </a:p>
+        </p:txBody>
+      </p:sp>
+      <p:sp>
+        <p:nvSpPr>
+          <p:cNvPr id="4" name="TextBox 3">
+            <a:extLst>
+              <a:ext uri="{FF2B5EF4-FFF2-40B4-BE49-F238E27FC236}">
+                <a16:creationId xmlns:a16="http://schemas.microsoft.com/office/drawing/2014/main" id="{E139B052-4E1F-FBCC-25AA-F945664D3760}"/>
+              </a:ext>
+            </a:extLst>
+          </p:cNvPr>
+          <p:cNvSpPr txBox="1"/>
+          <p:nvPr/>
+        </p:nvSpPr>
+        <p:spPr>
+          <a:xfrm>
+            <a:off x="88555" y="741457"/>
+            <a:ext cx="1992853" cy="369332"/>
+          </a:xfrm>
+          <a:prstGeom prst="rect">
+            <a:avLst/>
+          </a:prstGeom>
+          <a:noFill/>
+        </p:spPr>
+        <p:txBody>
+          <a:bodyPr wrap="none" rtlCol="0">
+            <a:spAutoFit/>
+          </a:bodyPr>
+          <a:lstStyle/>
+          <a:p>
+            <a:r>
+              <a:rPr lang="en-US" altLang="ko-KR" dirty="0">
+                <a:solidFill>
+                  <a:srgbClr val="0000FF"/>
+                </a:solidFill>
+              </a:rPr>
+              <a:t>1. </a:t>
+            </a:r>
+            <a:r>
+              <a:rPr lang="ko-KR" altLang="en-US" dirty="0">
+                <a:solidFill>
+                  <a:srgbClr val="0000FF"/>
+                </a:solidFill>
+              </a:rPr>
+              <a:t>한글 폰트 설치</a:t>
+            </a:r>
+          </a:p>
+        </p:txBody>
+      </p:sp>
+      <p:sp>
+        <p:nvSpPr>
+          <p:cNvPr id="5" name="TextBox 4">
+            <a:extLst>
+              <a:ext uri="{FF2B5EF4-FFF2-40B4-BE49-F238E27FC236}">
+                <a16:creationId xmlns:a16="http://schemas.microsoft.com/office/drawing/2014/main" id="{CDB7A7E1-36EB-4F34-EE63-1497A9B9DF4B}"/>
+              </a:ext>
+            </a:extLst>
+          </p:cNvPr>
+          <p:cNvSpPr txBox="1"/>
+          <p:nvPr/>
+        </p:nvSpPr>
+        <p:spPr>
+          <a:xfrm>
+            <a:off x="293077" y="1110789"/>
+            <a:ext cx="6096000" cy="923330"/>
+          </a:xfrm>
+          <a:prstGeom prst="rect">
+            <a:avLst/>
+          </a:prstGeom>
+          <a:noFill/>
+        </p:spPr>
+        <p:txBody>
+          <a:bodyPr wrap="square">
+            <a:spAutoFit/>
+          </a:bodyPr>
+          <a:lstStyle/>
+          <a:p>
+            <a:r>
+              <a:rPr lang="ko-KR" altLang="en-US" dirty="0">
+                <a:latin typeface="Consolas" panose="020B0609020204030204" pitchFamily="49" charset="0"/>
+              </a:rPr>
+              <a:t>sudo </a:t>
+            </a:r>
+            <a:r>
+              <a:rPr lang="ko-KR" altLang="en-US" dirty="0" err="1">
+                <a:latin typeface="Consolas" panose="020B0609020204030204" pitchFamily="49" charset="0"/>
+              </a:rPr>
+              <a:t>apt</a:t>
+            </a:r>
+            <a:r>
+              <a:rPr lang="ko-KR" altLang="en-US" dirty="0">
+                <a:latin typeface="Consolas" panose="020B0609020204030204" pitchFamily="49" charset="0"/>
+              </a:rPr>
+              <a:t> </a:t>
+            </a:r>
+            <a:r>
+              <a:rPr lang="ko-KR" altLang="en-US" dirty="0" err="1">
+                <a:latin typeface="Consolas" panose="020B0609020204030204" pitchFamily="49" charset="0"/>
+              </a:rPr>
+              <a:t>update</a:t>
+            </a:r>
+            <a:endParaRPr lang="en-US" altLang="ko-KR" dirty="0">
+              <a:latin typeface="Consolas" panose="020B0609020204030204" pitchFamily="49" charset="0"/>
+            </a:endParaRPr>
+          </a:p>
+          <a:p>
+            <a:r>
+              <a:rPr lang="en-US" altLang="ko-KR" dirty="0">
+                <a:latin typeface="Consolas" panose="020B0609020204030204" pitchFamily="49" charset="0"/>
+              </a:rPr>
+              <a:t>sudo apt upgrade</a:t>
+            </a:r>
+            <a:endParaRPr lang="ko-KR" altLang="en-US" dirty="0">
+              <a:latin typeface="Consolas" panose="020B0609020204030204" pitchFamily="49" charset="0"/>
+            </a:endParaRPr>
+          </a:p>
+          <a:p>
+            <a:r>
+              <a:rPr lang="ko-KR" altLang="en-US" dirty="0">
+                <a:latin typeface="Consolas" panose="020B0609020204030204" pitchFamily="49" charset="0"/>
+              </a:rPr>
+              <a:t>sudo </a:t>
+            </a:r>
+            <a:r>
+              <a:rPr lang="ko-KR" altLang="en-US" dirty="0" err="1">
+                <a:latin typeface="Consolas" panose="020B0609020204030204" pitchFamily="49" charset="0"/>
+              </a:rPr>
+              <a:t>apt</a:t>
+            </a:r>
+            <a:r>
+              <a:rPr lang="ko-KR" altLang="en-US" dirty="0">
+                <a:latin typeface="Consolas" panose="020B0609020204030204" pitchFamily="49" charset="0"/>
+              </a:rPr>
+              <a:t> </a:t>
+            </a:r>
+            <a:r>
+              <a:rPr lang="ko-KR" altLang="en-US" dirty="0" err="1">
+                <a:latin typeface="Consolas" panose="020B0609020204030204" pitchFamily="49" charset="0"/>
+              </a:rPr>
+              <a:t>install</a:t>
+            </a:r>
+            <a:r>
+              <a:rPr lang="ko-KR" altLang="en-US" dirty="0">
+                <a:latin typeface="Consolas" panose="020B0609020204030204" pitchFamily="49" charset="0"/>
+              </a:rPr>
+              <a:t> </a:t>
+            </a:r>
+            <a:r>
+              <a:rPr lang="ko-KR" altLang="en-US" dirty="0" err="1">
+                <a:latin typeface="Consolas" panose="020B0609020204030204" pitchFamily="49" charset="0"/>
+              </a:rPr>
+              <a:t>fonts-unfonts-core</a:t>
+            </a:r>
+            <a:r>
+              <a:rPr lang="ko-KR" altLang="en-US" dirty="0">
+                <a:latin typeface="Consolas" panose="020B0609020204030204" pitchFamily="49" charset="0"/>
+              </a:rPr>
+              <a:t> </a:t>
+            </a:r>
+            <a:r>
+              <a:rPr lang="ko-KR" altLang="en-US" dirty="0" err="1">
+                <a:latin typeface="Consolas" panose="020B0609020204030204" pitchFamily="49" charset="0"/>
+              </a:rPr>
+              <a:t>fonts-nanum</a:t>
+            </a:r>
+            <a:endParaRPr lang="ko-KR" altLang="en-US" dirty="0">
+              <a:latin typeface="Consolas" panose="020B0609020204030204" pitchFamily="49" charset="0"/>
+            </a:endParaRPr>
+          </a:p>
+        </p:txBody>
+      </p:sp>
+      <p:sp>
+        <p:nvSpPr>
+          <p:cNvPr id="7" name="TextBox 6">
+            <a:extLst>
+              <a:ext uri="{FF2B5EF4-FFF2-40B4-BE49-F238E27FC236}">
+                <a16:creationId xmlns:a16="http://schemas.microsoft.com/office/drawing/2014/main" id="{EA8A0E2E-CEF8-6B64-5520-5C7A94377BD3}"/>
+              </a:ext>
+            </a:extLst>
+          </p:cNvPr>
+          <p:cNvSpPr txBox="1"/>
+          <p:nvPr/>
+        </p:nvSpPr>
+        <p:spPr>
+          <a:xfrm>
+            <a:off x="147224" y="2092617"/>
+            <a:ext cx="3868367" cy="369332"/>
+          </a:xfrm>
+          <a:prstGeom prst="rect">
+            <a:avLst/>
+          </a:prstGeom>
+          <a:noFill/>
+        </p:spPr>
+        <p:txBody>
+          <a:bodyPr wrap="none" rtlCol="0">
+            <a:spAutoFit/>
+          </a:bodyPr>
+          <a:lstStyle/>
+          <a:p>
+            <a:r>
+              <a:rPr lang="en-US" altLang="ko-KR" dirty="0">
+                <a:solidFill>
+                  <a:srgbClr val="0000FF"/>
+                </a:solidFill>
+              </a:rPr>
+              <a:t>2. </a:t>
+            </a:r>
+            <a:r>
+              <a:rPr lang="ko-KR" altLang="en-US" dirty="0">
+                <a:solidFill>
+                  <a:srgbClr val="0000FF"/>
+                </a:solidFill>
+              </a:rPr>
+              <a:t>한글 </a:t>
+            </a:r>
+            <a:r>
+              <a:rPr lang="ko-KR" altLang="en-US" dirty="0" err="1">
+                <a:solidFill>
+                  <a:srgbClr val="0000FF"/>
+                </a:solidFill>
+              </a:rPr>
+              <a:t>입력기</a:t>
+            </a:r>
+            <a:r>
+              <a:rPr lang="ko-KR" altLang="en-US" dirty="0">
+                <a:solidFill>
+                  <a:srgbClr val="0000FF"/>
+                </a:solidFill>
+              </a:rPr>
+              <a:t> 설치</a:t>
+            </a:r>
+            <a:r>
+              <a:rPr lang="en-US" altLang="ko-KR" dirty="0">
+                <a:solidFill>
+                  <a:srgbClr val="0000FF"/>
+                </a:solidFill>
+              </a:rPr>
+              <a:t>(</a:t>
+            </a:r>
+            <a:r>
+              <a:rPr lang="en-US" altLang="ko-KR" dirty="0" err="1">
+                <a:solidFill>
+                  <a:srgbClr val="0000FF"/>
+                </a:solidFill>
+              </a:rPr>
+              <a:t>IBus</a:t>
+            </a:r>
+            <a:r>
+              <a:rPr lang="en-US" altLang="ko-KR" dirty="0">
+                <a:solidFill>
+                  <a:srgbClr val="0000FF"/>
+                </a:solidFill>
+              </a:rPr>
+              <a:t> + Hangul)</a:t>
+            </a:r>
+            <a:endParaRPr lang="ko-KR" altLang="en-US" dirty="0">
+              <a:solidFill>
+                <a:srgbClr val="0000FF"/>
+              </a:solidFill>
+            </a:endParaRPr>
+          </a:p>
+        </p:txBody>
+      </p:sp>
+      <p:sp>
+        <p:nvSpPr>
+          <p:cNvPr id="8" name="TextBox 7">
+            <a:extLst>
+              <a:ext uri="{FF2B5EF4-FFF2-40B4-BE49-F238E27FC236}">
+                <a16:creationId xmlns:a16="http://schemas.microsoft.com/office/drawing/2014/main" id="{0A917EAF-5202-E98A-7607-59FA076B6B77}"/>
+              </a:ext>
+            </a:extLst>
+          </p:cNvPr>
+          <p:cNvSpPr txBox="1"/>
+          <p:nvPr/>
+        </p:nvSpPr>
+        <p:spPr>
+          <a:xfrm>
+            <a:off x="293077" y="2433668"/>
+            <a:ext cx="6096000" cy="369332"/>
+          </a:xfrm>
+          <a:prstGeom prst="rect">
+            <a:avLst/>
+          </a:prstGeom>
+          <a:noFill/>
+        </p:spPr>
+        <p:txBody>
+          <a:bodyPr wrap="square">
+            <a:spAutoFit/>
+          </a:bodyPr>
+          <a:lstStyle/>
+          <a:p>
+            <a:r>
+              <a:rPr lang="ko-KR" altLang="en-US" dirty="0">
+                <a:latin typeface="Consolas" panose="020B0609020204030204" pitchFamily="49" charset="0"/>
+              </a:rPr>
+              <a:t>sudo </a:t>
+            </a:r>
+            <a:r>
+              <a:rPr lang="ko-KR" altLang="en-US" dirty="0" err="1">
+                <a:latin typeface="Consolas" panose="020B0609020204030204" pitchFamily="49" charset="0"/>
+              </a:rPr>
+              <a:t>apt</a:t>
+            </a:r>
+            <a:r>
+              <a:rPr lang="ko-KR" altLang="en-US" dirty="0">
+                <a:latin typeface="Consolas" panose="020B0609020204030204" pitchFamily="49" charset="0"/>
+              </a:rPr>
+              <a:t> </a:t>
+            </a:r>
+            <a:r>
+              <a:rPr lang="ko-KR" altLang="en-US" dirty="0" err="1">
+                <a:latin typeface="Consolas" panose="020B0609020204030204" pitchFamily="49" charset="0"/>
+              </a:rPr>
+              <a:t>install</a:t>
+            </a:r>
+            <a:r>
+              <a:rPr lang="ko-KR" altLang="en-US" dirty="0">
+                <a:latin typeface="Consolas" panose="020B0609020204030204" pitchFamily="49" charset="0"/>
+              </a:rPr>
+              <a:t> </a:t>
+            </a:r>
+            <a:r>
+              <a:rPr lang="ko-KR" altLang="en-US" dirty="0" err="1">
+                <a:latin typeface="Consolas" panose="020B0609020204030204" pitchFamily="49" charset="0"/>
+              </a:rPr>
+              <a:t>ibus</a:t>
+            </a:r>
+            <a:r>
+              <a:rPr lang="ko-KR" altLang="en-US" dirty="0">
+                <a:latin typeface="Consolas" panose="020B0609020204030204" pitchFamily="49" charset="0"/>
+              </a:rPr>
+              <a:t> </a:t>
+            </a:r>
+            <a:r>
+              <a:rPr lang="ko-KR" altLang="en-US" dirty="0" err="1">
+                <a:latin typeface="Consolas" panose="020B0609020204030204" pitchFamily="49" charset="0"/>
+              </a:rPr>
+              <a:t>ibus-hangul</a:t>
+            </a:r>
+            <a:endParaRPr lang="ko-KR" altLang="en-US" dirty="0">
+              <a:latin typeface="Consolas" panose="020B0609020204030204" pitchFamily="49" charset="0"/>
+            </a:endParaRPr>
+          </a:p>
+        </p:txBody>
+      </p:sp>
+      <p:sp>
+        <p:nvSpPr>
+          <p:cNvPr id="9" name="TextBox 8">
+            <a:extLst>
+              <a:ext uri="{FF2B5EF4-FFF2-40B4-BE49-F238E27FC236}">
+                <a16:creationId xmlns:a16="http://schemas.microsoft.com/office/drawing/2014/main" id="{15817E2E-9362-C0A0-DF36-A01DE20FE6E2}"/>
+              </a:ext>
+            </a:extLst>
+          </p:cNvPr>
+          <p:cNvSpPr txBox="1"/>
+          <p:nvPr/>
+        </p:nvSpPr>
+        <p:spPr>
+          <a:xfrm>
+            <a:off x="147224" y="2957449"/>
+            <a:ext cx="4902689" cy="369332"/>
+          </a:xfrm>
+          <a:prstGeom prst="rect">
+            <a:avLst/>
+          </a:prstGeom>
+          <a:noFill/>
+        </p:spPr>
+        <p:txBody>
+          <a:bodyPr wrap="none" rtlCol="0">
+            <a:spAutoFit/>
+          </a:bodyPr>
+          <a:lstStyle/>
+          <a:p>
+            <a:r>
+              <a:rPr lang="en-US" altLang="ko-KR" dirty="0">
+                <a:solidFill>
+                  <a:srgbClr val="0000FF"/>
+                </a:solidFill>
+              </a:rPr>
+              <a:t>3. </a:t>
+            </a:r>
+            <a:r>
+              <a:rPr lang="ko-KR" altLang="en-US" dirty="0" err="1">
+                <a:solidFill>
+                  <a:srgbClr val="0000FF"/>
+                </a:solidFill>
+              </a:rPr>
+              <a:t>입력기</a:t>
+            </a:r>
+            <a:r>
+              <a:rPr lang="ko-KR" altLang="en-US" dirty="0">
+                <a:solidFill>
+                  <a:srgbClr val="0000FF"/>
+                </a:solidFill>
+              </a:rPr>
+              <a:t> 설정 </a:t>
+            </a:r>
+            <a:r>
+              <a:rPr lang="en-US" altLang="ko-KR" dirty="0">
+                <a:solidFill>
+                  <a:srgbClr val="0000FF"/>
+                </a:solidFill>
+                <a:sym typeface="Wingdings" panose="05000000000000000000" pitchFamily="2" charset="2"/>
+              </a:rPr>
+              <a:t> Raspberry pi Configuration</a:t>
+            </a:r>
+            <a:endParaRPr lang="ko-KR" altLang="en-US" dirty="0">
+              <a:solidFill>
+                <a:srgbClr val="0000FF"/>
+              </a:solidFill>
+            </a:endParaRPr>
           </a:p>
         </p:txBody>
       </p:sp>
       <p:pic>
         <p:nvPicPr>
-          <p:cNvPr id="5" name="그림 4">
+          <p:cNvPr id="10" name="그림 9">
             <a:extLst>
               <a:ext uri="{FF2B5EF4-FFF2-40B4-BE49-F238E27FC236}">
-                <a16:creationId xmlns:a16="http://schemas.microsoft.com/office/drawing/2014/main" id="{4C8AC454-F331-63AC-95F9-927FA1183FB0}"/>
+                <a16:creationId xmlns:a16="http://schemas.microsoft.com/office/drawing/2014/main" id="{BE86D085-6C55-5F0D-1A46-C035EE2B36F3}"/>
               </a:ext>
             </a:extLst>
           </p:cNvPr>
@@ -15498,122 +18599,20 @@
         </p:blipFill>
         <p:spPr>
           <a:xfrm>
-            <a:off x="584925" y="1268330"/>
-            <a:ext cx="7811590" cy="1171739"/>
+            <a:off x="5791200" y="3493625"/>
+            <a:ext cx="3591426" cy="1971950"/>
           </a:xfrm>
           <a:prstGeom prst="rect">
             <a:avLst/>
           </a:prstGeom>
-          <a:ln>
-            <a:solidFill>
-              <a:schemeClr val="accent1">
-                <a:shade val="15000"/>
-              </a:schemeClr>
-            </a:solidFill>
-          </a:ln>
         </p:spPr>
       </p:pic>
-      <p:sp>
-        <p:nvSpPr>
-          <p:cNvPr id="7" name="TextBox 6">
+      <p:pic>
+        <p:nvPicPr>
+          <p:cNvPr id="11" name="그림 10">
             <a:extLst>
               <a:ext uri="{FF2B5EF4-FFF2-40B4-BE49-F238E27FC236}">
-                <a16:creationId xmlns:a16="http://schemas.microsoft.com/office/drawing/2014/main" id="{D2F5AB1E-0306-B743-6865-65FD84884687}"/>
-              </a:ext>
-            </a:extLst>
-          </p:cNvPr>
-          <p:cNvSpPr txBox="1"/>
-          <p:nvPr/>
-        </p:nvSpPr>
-        <p:spPr>
-          <a:xfrm flipH="1">
-            <a:off x="290285" y="848198"/>
-            <a:ext cx="3337561" cy="369332"/>
-          </a:xfrm>
-          <a:prstGeom prst="rect">
-            <a:avLst/>
-          </a:prstGeom>
-          <a:noFill/>
-        </p:spPr>
-        <p:txBody>
-          <a:bodyPr wrap="square" rtlCol="0">
-            <a:spAutoFit/>
-          </a:bodyPr>
-          <a:lstStyle/>
-          <a:p>
-            <a:pPr marL="285750" indent="-285750">
-              <a:buFont typeface="Arial" panose="020B0604020202020204" pitchFamily="34" charset="0"/>
-              <a:buChar char="•"/>
-            </a:pPr>
-            <a:r>
-              <a:rPr lang="ko-KR" altLang="en-US" dirty="0"/>
-              <a:t>현재 폴더 내용 확인</a:t>
-            </a:r>
-          </a:p>
-        </p:txBody>
-      </p:sp>
-      <p:sp>
-        <p:nvSpPr>
-          <p:cNvPr id="8" name="TextBox 7">
-            <a:extLst>
-              <a:ext uri="{FF2B5EF4-FFF2-40B4-BE49-F238E27FC236}">
-                <a16:creationId xmlns:a16="http://schemas.microsoft.com/office/drawing/2014/main" id="{8DCD1DC8-52B4-F025-7F73-308E1A97666F}"/>
-              </a:ext>
-            </a:extLst>
-          </p:cNvPr>
-          <p:cNvSpPr txBox="1"/>
-          <p:nvPr/>
-        </p:nvSpPr>
-        <p:spPr>
-          <a:xfrm flipH="1">
-            <a:off x="310605" y="2707471"/>
-            <a:ext cx="3337561" cy="369332"/>
-          </a:xfrm>
-          <a:prstGeom prst="rect">
-            <a:avLst/>
-          </a:prstGeom>
-          <a:noFill/>
-        </p:spPr>
-        <p:txBody>
-          <a:bodyPr wrap="square" rtlCol="0">
-            <a:spAutoFit/>
-          </a:bodyPr>
-          <a:lstStyle/>
-          <a:p>
-            <a:pPr marL="285750" indent="-285750">
-              <a:buFont typeface="Arial" panose="020B0604020202020204" pitchFamily="34" charset="0"/>
-              <a:buChar char="•"/>
-            </a:pPr>
-            <a:r>
-              <a:rPr lang="en-US" altLang="ko-KR" dirty="0"/>
-              <a:t>work </a:t>
-            </a:r>
-            <a:r>
-              <a:rPr lang="ko-KR" altLang="en-US" dirty="0"/>
-              <a:t>폴더 생성 </a:t>
-            </a:r>
-            <a:r>
-              <a:rPr lang="en-US" altLang="ko-KR" dirty="0"/>
-              <a:t>: </a:t>
-            </a:r>
-            <a:r>
-              <a:rPr lang="en-US" altLang="ko-KR" dirty="0" err="1"/>
-              <a:t>mkdir</a:t>
-            </a:r>
-            <a:r>
-              <a:rPr lang="en-US" altLang="ko-KR" dirty="0"/>
-              <a:t> work</a:t>
-            </a:r>
-            <a:endParaRPr lang="ko-KR" altLang="en-US" dirty="0"/>
-          </a:p>
-        </p:txBody>
-      </p:sp>
-      <p:pic>
-        <p:nvPicPr>
-          <p:cNvPr id="10" name="그림 9">
-            <a:extLst>
-              <a:ext uri="{FF2B5EF4-FFF2-40B4-BE49-F238E27FC236}">
-                <a16:creationId xmlns:a16="http://schemas.microsoft.com/office/drawing/2014/main" id="{FD135896-A706-0150-7861-8A03E1570BA2}"/>
+                <a16:creationId xmlns:a16="http://schemas.microsoft.com/office/drawing/2014/main" id="{E45F2BDA-6252-59B4-E360-D1CFC69C5331}"/>
               </a:ext>
             </a:extLst>
           </p:cNvPr>
@@ -15630,8 +18629,8 @@
         </p:blipFill>
         <p:spPr>
           <a:xfrm>
-            <a:off x="595084" y="3076802"/>
-            <a:ext cx="5999785" cy="1341129"/>
+            <a:off x="534433" y="3493625"/>
+            <a:ext cx="4515480" cy="1810003"/>
           </a:xfrm>
           <a:prstGeom prst="rect">
             <a:avLst/>
@@ -15640,332 +18639,10 @@
       </p:pic>
       <p:sp>
         <p:nvSpPr>
-          <p:cNvPr id="11" name="TextBox 10">
+          <p:cNvPr id="13" name="TextBox 12">
             <a:extLst>
               <a:ext uri="{FF2B5EF4-FFF2-40B4-BE49-F238E27FC236}">
-                <a16:creationId xmlns:a16="http://schemas.microsoft.com/office/drawing/2014/main" id="{A0B387DC-A12F-0628-FD0A-B19F0B00AF58}"/>
-              </a:ext>
-            </a:extLst>
-          </p:cNvPr>
-          <p:cNvSpPr txBox="1"/>
-          <p:nvPr/>
-        </p:nvSpPr>
-        <p:spPr>
-          <a:xfrm flipH="1">
-            <a:off x="290285" y="4566743"/>
-            <a:ext cx="8132356" cy="369332"/>
-          </a:xfrm>
-          <a:prstGeom prst="rect">
-            <a:avLst/>
-          </a:prstGeom>
-          <a:noFill/>
-        </p:spPr>
-        <p:txBody>
-          <a:bodyPr wrap="square" rtlCol="0">
-            <a:spAutoFit/>
-          </a:bodyPr>
-          <a:lstStyle/>
-          <a:p>
-            <a:pPr marL="285750" indent="-285750">
-              <a:buFont typeface="Arial" panose="020B0604020202020204" pitchFamily="34" charset="0"/>
-              <a:buChar char="•"/>
-            </a:pPr>
-            <a:r>
-              <a:rPr lang="en-US" altLang="ko-KR" dirty="0"/>
-              <a:t>python3.11</a:t>
-            </a:r>
-            <a:r>
-              <a:rPr lang="ko-KR" altLang="en-US" dirty="0"/>
-              <a:t> 버전으로 가상환경 만들기 </a:t>
-            </a:r>
-            <a:r>
-              <a:rPr lang="en-US" altLang="ko-KR" dirty="0"/>
-              <a:t>:  python3.11 -m </a:t>
-            </a:r>
-            <a:r>
-              <a:rPr lang="en-US" altLang="ko-KR" dirty="0" err="1"/>
-              <a:t>venv</a:t>
-            </a:r>
-            <a:r>
-              <a:rPr lang="en-US" altLang="ko-KR" dirty="0"/>
-              <a:t> .</a:t>
-            </a:r>
-            <a:r>
-              <a:rPr lang="en-US" altLang="ko-KR" dirty="0" err="1"/>
-              <a:t>venv</a:t>
-            </a:r>
-            <a:endParaRPr lang="ko-KR" altLang="en-US" dirty="0"/>
-          </a:p>
-        </p:txBody>
-      </p:sp>
-      <p:pic>
-        <p:nvPicPr>
-          <p:cNvPr id="14" name="그림 13">
-            <a:extLst>
-              <a:ext uri="{FF2B5EF4-FFF2-40B4-BE49-F238E27FC236}">
-                <a16:creationId xmlns:a16="http://schemas.microsoft.com/office/drawing/2014/main" id="{027A72D3-C3C8-82CB-43DD-0E532341C2BF}"/>
-              </a:ext>
-            </a:extLst>
-          </p:cNvPr>
-          <p:cNvPicPr>
-            <a:picLocks noChangeAspect="1"/>
-          </p:cNvPicPr>
-          <p:nvPr/>
-        </p:nvPicPr>
-        <p:blipFill>
-          <a:blip r:embed="rId4"/>
-          <a:stretch>
-            <a:fillRect/>
-          </a:stretch>
-        </p:blipFill>
-        <p:spPr>
-          <a:xfrm>
-            <a:off x="607593" y="4976714"/>
-            <a:ext cx="3841807" cy="1200565"/>
-          </a:xfrm>
-          <a:prstGeom prst="rect">
-            <a:avLst/>
-          </a:prstGeom>
-          <a:ln>
-            <a:solidFill>
-              <a:schemeClr val="accent1">
-                <a:shade val="15000"/>
-              </a:schemeClr>
-            </a:solidFill>
-          </a:ln>
-        </p:spPr>
-      </p:pic>
-    </p:spTree>
-    <p:extLst>
-      <p:ext uri="{BB962C8B-B14F-4D97-AF65-F5344CB8AC3E}">
-        <p14:creationId xmlns:p14="http://schemas.microsoft.com/office/powerpoint/2010/main" val="3973854312"/>
-      </p:ext>
-    </p:extLst>
-  </p:cSld>
-  <p:clrMapOvr>
-    <a:masterClrMapping/>
-  </p:clrMapOvr>
-</p:sld>
-</file>
-
-<file path=ppt/slides/slide8.xml><?xml version="1.0" encoding="utf-8"?>
-<p:sld xmlns:a="http://schemas.openxmlformats.org/drawingml/2006/main" xmlns:r="http://schemas.openxmlformats.org/officeDocument/2006/relationships" xmlns:p="http://schemas.openxmlformats.org/presentationml/2006/main">
-  <p:cSld>
-    <p:spTree>
-      <p:nvGrpSpPr>
-        <p:cNvPr id="1" name="">
-          <a:extLst>
-            <a:ext uri="{FF2B5EF4-FFF2-40B4-BE49-F238E27FC236}">
-              <a16:creationId xmlns:a16="http://schemas.microsoft.com/office/drawing/2014/main" id="{D7B8027B-10CD-6622-3BBD-2176FA2EF466}"/>
-            </a:ext>
-          </a:extLst>
-        </p:cNvPr>
-        <p:cNvGrpSpPr/>
-        <p:nvPr/>
-      </p:nvGrpSpPr>
-      <p:grpSpPr>
-        <a:xfrm>
-          <a:off x="0" y="0"/>
-          <a:ext cx="0" cy="0"/>
-          <a:chOff x="0" y="0"/>
-          <a:chExt cx="0" cy="0"/>
-        </a:xfrm>
-      </p:grpSpPr>
-      <p:sp>
-        <p:nvSpPr>
-          <p:cNvPr id="3" name="직사각형 2">
-            <a:extLst>
-              <a:ext uri="{FF2B5EF4-FFF2-40B4-BE49-F238E27FC236}">
-                <a16:creationId xmlns:a16="http://schemas.microsoft.com/office/drawing/2014/main" id="{7B8BCF29-8100-0B16-7AFA-B25C1C7D4248}"/>
-              </a:ext>
-            </a:extLst>
-          </p:cNvPr>
-          <p:cNvSpPr/>
-          <p:nvPr/>
-        </p:nvSpPr>
-        <p:spPr>
-          <a:xfrm>
-            <a:off x="0" y="0"/>
-            <a:ext cx="3778898" cy="631596"/>
-          </a:xfrm>
-          <a:prstGeom prst="rect">
-            <a:avLst/>
-          </a:prstGeom>
-          <a:solidFill>
-            <a:srgbClr val="002060"/>
-          </a:solidFill>
-        </p:spPr>
-        <p:style>
-          <a:lnRef idx="2">
-            <a:schemeClr val="accent1">
-              <a:shade val="15000"/>
-            </a:schemeClr>
-          </a:lnRef>
-          <a:fillRef idx="1">
-            <a:schemeClr val="accent1"/>
-          </a:fillRef>
-          <a:effectRef idx="0">
-            <a:schemeClr val="accent1"/>
-          </a:effectRef>
-          <a:fontRef idx="minor">
-            <a:schemeClr val="lt1"/>
-          </a:fontRef>
-        </p:style>
-        <p:txBody>
-          <a:bodyPr rtlCol="0" anchor="ctr"/>
-          <a:lstStyle/>
-          <a:p>
-            <a:pPr marL="442913" indent="-263525">
-              <a:buFont typeface="Wingdings" panose="05000000000000000000" pitchFamily="2" charset="2"/>
-              <a:buChar char="§"/>
-            </a:pPr>
-            <a:r>
-              <a:rPr lang="ko-KR" altLang="en-US" sz="2000" b="1" dirty="0"/>
-              <a:t>실습 환경</a:t>
-            </a:r>
-          </a:p>
-        </p:txBody>
-      </p:sp>
-      <p:sp>
-        <p:nvSpPr>
-          <p:cNvPr id="2" name="직사각형 1">
-            <a:extLst>
-              <a:ext uri="{FF2B5EF4-FFF2-40B4-BE49-F238E27FC236}">
-                <a16:creationId xmlns:a16="http://schemas.microsoft.com/office/drawing/2014/main" id="{0699EDBA-701A-808B-913E-705484D7D39E}"/>
-              </a:ext>
-            </a:extLst>
-          </p:cNvPr>
-          <p:cNvSpPr/>
-          <p:nvPr/>
-        </p:nvSpPr>
-        <p:spPr>
-          <a:xfrm>
-            <a:off x="3789058" y="-3715"/>
-            <a:ext cx="3952862" cy="631596"/>
-          </a:xfrm>
-          <a:prstGeom prst="rect">
-            <a:avLst/>
-          </a:prstGeom>
-          <a:solidFill>
-            <a:schemeClr val="accent5">
-              <a:lumMod val="50000"/>
-            </a:schemeClr>
-          </a:solidFill>
-        </p:spPr>
-        <p:style>
-          <a:lnRef idx="2">
-            <a:schemeClr val="accent1">
-              <a:shade val="15000"/>
-            </a:schemeClr>
-          </a:lnRef>
-          <a:fillRef idx="1">
-            <a:schemeClr val="accent1"/>
-          </a:fillRef>
-          <a:effectRef idx="0">
-            <a:schemeClr val="accent1"/>
-          </a:effectRef>
-          <a:fontRef idx="minor">
-            <a:schemeClr val="lt1"/>
-          </a:fontRef>
-        </p:style>
-        <p:txBody>
-          <a:bodyPr rtlCol="0" anchor="ctr"/>
-          <a:lstStyle/>
-          <a:p>
-            <a:pPr marL="355600" indent="-176213">
-              <a:buFont typeface="Arial" panose="020B0604020202020204" pitchFamily="34" charset="0"/>
-              <a:buChar char="•"/>
-            </a:pPr>
-            <a:r>
-              <a:rPr lang="ko-KR" altLang="en-US" sz="2000" b="1" dirty="0"/>
-              <a:t>가상 환경 설치</a:t>
-            </a:r>
-          </a:p>
-        </p:txBody>
-      </p:sp>
-      <p:sp>
-        <p:nvSpPr>
-          <p:cNvPr id="7" name="TextBox 6">
-            <a:extLst>
-              <a:ext uri="{FF2B5EF4-FFF2-40B4-BE49-F238E27FC236}">
-                <a16:creationId xmlns:a16="http://schemas.microsoft.com/office/drawing/2014/main" id="{C173B5AF-EDF6-DE72-FC41-2BE9DE48370D}"/>
-              </a:ext>
-            </a:extLst>
-          </p:cNvPr>
-          <p:cNvSpPr txBox="1"/>
-          <p:nvPr/>
-        </p:nvSpPr>
-        <p:spPr>
-          <a:xfrm flipH="1">
-            <a:off x="290285" y="848198"/>
-            <a:ext cx="3337561" cy="369332"/>
-          </a:xfrm>
-          <a:prstGeom prst="rect">
-            <a:avLst/>
-          </a:prstGeom>
-          <a:noFill/>
-        </p:spPr>
-        <p:txBody>
-          <a:bodyPr wrap="square" rtlCol="0">
-            <a:spAutoFit/>
-          </a:bodyPr>
-          <a:lstStyle/>
-          <a:p>
-            <a:pPr marL="285750" indent="-285750">
-              <a:buFont typeface="Arial" panose="020B0604020202020204" pitchFamily="34" charset="0"/>
-              <a:buChar char="•"/>
-            </a:pPr>
-            <a:r>
-              <a:rPr lang="ko-KR" altLang="en-US" dirty="0"/>
-              <a:t>가상환경 실행</a:t>
-            </a:r>
-          </a:p>
-        </p:txBody>
-      </p:sp>
-      <p:pic>
-        <p:nvPicPr>
-          <p:cNvPr id="6" name="그림 5">
-            <a:extLst>
-              <a:ext uri="{FF2B5EF4-FFF2-40B4-BE49-F238E27FC236}">
-                <a16:creationId xmlns:a16="http://schemas.microsoft.com/office/drawing/2014/main" id="{BD8BE4D6-5A77-1E57-E15A-5A1323F81424}"/>
-              </a:ext>
-            </a:extLst>
-          </p:cNvPr>
-          <p:cNvPicPr>
-            <a:picLocks noChangeAspect="1"/>
-          </p:cNvPicPr>
-          <p:nvPr/>
-        </p:nvPicPr>
-        <p:blipFill>
-          <a:blip r:embed="rId2"/>
-          <a:stretch>
-            <a:fillRect/>
-          </a:stretch>
-        </p:blipFill>
-        <p:spPr>
-          <a:xfrm>
-            <a:off x="538908" y="1852031"/>
-            <a:ext cx="6687483" cy="1800476"/>
-          </a:xfrm>
-          <a:prstGeom prst="rect">
-            <a:avLst/>
-          </a:prstGeom>
-          <a:ln>
-            <a:solidFill>
-              <a:schemeClr val="tx1">
-                <a:lumMod val="50000"/>
-                <a:lumOff val="50000"/>
-              </a:schemeClr>
-            </a:solidFill>
-          </a:ln>
-        </p:spPr>
-      </p:pic>
-      <p:sp>
-        <p:nvSpPr>
-          <p:cNvPr id="9" name="TextBox 8">
-            <a:extLst>
-              <a:ext uri="{FF2B5EF4-FFF2-40B4-BE49-F238E27FC236}">
-                <a16:creationId xmlns:a16="http://schemas.microsoft.com/office/drawing/2014/main" id="{A0732013-9003-4745-D051-D09DD62A6122}"/>
+                <a16:creationId xmlns:a16="http://schemas.microsoft.com/office/drawing/2014/main" id="{590F5ECB-9051-146A-C8D7-2BC43AD9C046}"/>
               </a:ext>
             </a:extLst>
           </p:cNvPr>
@@ -15974,8 +18651,8 @@
         </p:nvSpPr>
         <p:spPr>
           <a:xfrm>
-            <a:off x="538908" y="1205700"/>
-            <a:ext cx="2558842" cy="646331"/>
+            <a:off x="581325" y="5465575"/>
+            <a:ext cx="3167855" cy="369332"/>
           </a:xfrm>
           <a:prstGeom prst="rect">
             <a:avLst/>
@@ -15989,1027 +18666,126 @@
           <a:lstStyle/>
           <a:p>
             <a:r>
+              <a:rPr lang="en-US" altLang="ko-KR" dirty="0" err="1"/>
+              <a:t>IBus</a:t>
+            </a:r>
+            <a:r>
               <a:rPr lang="en-US" altLang="ko-KR" dirty="0"/>
-              <a:t>source .</a:t>
-            </a:r>
-            <a:r>
-              <a:rPr lang="en-US" altLang="ko-KR" dirty="0" err="1"/>
-              <a:t>venv</a:t>
-            </a:r>
+              <a:t> </a:t>
+            </a:r>
+            <a:r>
+              <a:rPr lang="ko-KR" altLang="en-US" dirty="0"/>
+              <a:t>입력기에서 한국어 추가</a:t>
+            </a:r>
+          </a:p>
+        </p:txBody>
+      </p:sp>
+      <p:sp>
+        <p:nvSpPr>
+          <p:cNvPr id="14" name="TextBox 13">
+            <a:extLst>
+              <a:ext uri="{FF2B5EF4-FFF2-40B4-BE49-F238E27FC236}">
+                <a16:creationId xmlns:a16="http://schemas.microsoft.com/office/drawing/2014/main" id="{3BF9B1F9-D40F-3C36-96ED-54695B6AB511}"/>
+              </a:ext>
+            </a:extLst>
+          </p:cNvPr>
+          <p:cNvSpPr txBox="1"/>
+          <p:nvPr/>
+        </p:nvSpPr>
+        <p:spPr>
+          <a:xfrm>
+            <a:off x="5704310" y="5465575"/>
+            <a:ext cx="2818272" cy="369332"/>
+          </a:xfrm>
+          <a:prstGeom prst="rect">
+            <a:avLst/>
+          </a:prstGeom>
+          <a:noFill/>
+        </p:spPr>
+        <p:txBody>
+          <a:bodyPr wrap="none" rtlCol="0">
+            <a:spAutoFit/>
+          </a:bodyPr>
+          <a:lstStyle/>
+          <a:p>
             <a:r>
               <a:rPr lang="en-US" altLang="ko-KR" dirty="0"/>
-              <a:t>/bin/activate</a:t>
-            </a:r>
-          </a:p>
-          <a:p>
-            <a:r>
-              <a:rPr lang="en-US" altLang="ko-KR" dirty="0"/>
-              <a:t>deactivate</a:t>
-            </a:r>
-            <a:endParaRPr lang="ko-KR" altLang="en-US" dirty="0"/>
+              <a:t>Locale  Korean </a:t>
+            </a:r>
+            <a:r>
+              <a:rPr lang="ko-KR" altLang="en-US" dirty="0"/>
+              <a:t>으로 설정</a:t>
+            </a:r>
+          </a:p>
+        </p:txBody>
+      </p:sp>
+      <p:sp>
+        <p:nvSpPr>
+          <p:cNvPr id="15" name="TextBox 14">
+            <a:extLst>
+              <a:ext uri="{FF2B5EF4-FFF2-40B4-BE49-F238E27FC236}">
+                <a16:creationId xmlns:a16="http://schemas.microsoft.com/office/drawing/2014/main" id="{643FD907-D4FD-1AE0-6822-ED4BDEDD7AE7}"/>
+              </a:ext>
+            </a:extLst>
+          </p:cNvPr>
+          <p:cNvSpPr txBox="1"/>
+          <p:nvPr/>
+        </p:nvSpPr>
+        <p:spPr>
+          <a:xfrm>
+            <a:off x="147224" y="6116543"/>
+            <a:ext cx="4276555" cy="369332"/>
+          </a:xfrm>
+          <a:prstGeom prst="rect">
+            <a:avLst/>
+          </a:prstGeom>
+          <a:noFill/>
+        </p:spPr>
+        <p:txBody>
+          <a:bodyPr wrap="none" rtlCol="0">
+            <a:spAutoFit/>
+          </a:bodyPr>
+          <a:lstStyle/>
+          <a:p>
+            <a:r>
+              <a:rPr lang="en-US" altLang="ko-KR" dirty="0">
+                <a:solidFill>
+                  <a:srgbClr val="0000FF"/>
+                </a:solidFill>
+              </a:rPr>
+              <a:t>4. Reboot </a:t>
+            </a:r>
+            <a:r>
+              <a:rPr lang="ko-KR" altLang="en-US" dirty="0">
+                <a:solidFill>
+                  <a:srgbClr val="0000FF"/>
+                </a:solidFill>
+              </a:rPr>
+              <a:t>하면 한글 쓰기</a:t>
+            </a:r>
+            <a:r>
+              <a:rPr lang="en-US" altLang="ko-KR" dirty="0">
+                <a:solidFill>
+                  <a:srgbClr val="0000FF"/>
+                </a:solidFill>
+              </a:rPr>
+              <a:t>, </a:t>
+            </a:r>
+            <a:r>
+              <a:rPr lang="ko-KR" altLang="en-US" dirty="0">
+                <a:solidFill>
+                  <a:srgbClr val="0000FF"/>
+                </a:solidFill>
+              </a:rPr>
+              <a:t>보기 모두 됨</a:t>
+            </a:r>
           </a:p>
         </p:txBody>
       </p:sp>
     </p:spTree>
     <p:extLst>
       <p:ext uri="{BB962C8B-B14F-4D97-AF65-F5344CB8AC3E}">
-        <p14:creationId xmlns:p14="http://schemas.microsoft.com/office/powerpoint/2010/main" val="470306724"/>
-      </p:ext>
-    </p:extLst>
-  </p:cSld>
-  <p:clrMapOvr>
-    <a:masterClrMapping/>
-  </p:clrMapOvr>
-</p:sld>
-</file>
-
-<file path=ppt/slides/slide9.xml><?xml version="1.0" encoding="utf-8"?>
-<p:sld xmlns:a="http://schemas.openxmlformats.org/drawingml/2006/main" xmlns:r="http://schemas.openxmlformats.org/officeDocument/2006/relationships" xmlns:p="http://schemas.openxmlformats.org/presentationml/2006/main">
-  <p:cSld>
-    <p:spTree>
-      <p:nvGrpSpPr>
-        <p:cNvPr id="1" name="">
-          <a:extLst>
-            <a:ext uri="{FF2B5EF4-FFF2-40B4-BE49-F238E27FC236}">
-              <a16:creationId xmlns:a16="http://schemas.microsoft.com/office/drawing/2014/main" id="{58C3FDCF-7AF7-FCD8-0E9F-F4F6F6C8C685}"/>
-            </a:ext>
-          </a:extLst>
-        </p:cNvPr>
-        <p:cNvGrpSpPr/>
-        <p:nvPr/>
-      </p:nvGrpSpPr>
-      <p:grpSpPr>
-        <a:xfrm>
-          <a:off x="0" y="0"/>
-          <a:ext cx="0" cy="0"/>
-          <a:chOff x="0" y="0"/>
-          <a:chExt cx="0" cy="0"/>
-        </a:xfrm>
-      </p:grpSpPr>
-      <p:sp>
-        <p:nvSpPr>
-          <p:cNvPr id="3" name="직사각형 2">
-            <a:extLst>
-              <a:ext uri="{FF2B5EF4-FFF2-40B4-BE49-F238E27FC236}">
-                <a16:creationId xmlns:a16="http://schemas.microsoft.com/office/drawing/2014/main" id="{40940FF2-ED9B-05A8-4358-545E721CCE2B}"/>
-              </a:ext>
-            </a:extLst>
-          </p:cNvPr>
-          <p:cNvSpPr/>
-          <p:nvPr/>
-        </p:nvSpPr>
-        <p:spPr>
-          <a:xfrm>
-            <a:off x="0" y="0"/>
-            <a:ext cx="3778898" cy="631596"/>
-          </a:xfrm>
-          <a:prstGeom prst="rect">
-            <a:avLst/>
-          </a:prstGeom>
-          <a:solidFill>
-            <a:schemeClr val="accent5">
-              <a:lumMod val="50000"/>
-            </a:schemeClr>
-          </a:solidFill>
-        </p:spPr>
-        <p:style>
-          <a:lnRef idx="2">
-            <a:schemeClr val="accent1">
-              <a:shade val="15000"/>
-            </a:schemeClr>
-          </a:lnRef>
-          <a:fillRef idx="1">
-            <a:schemeClr val="accent1"/>
-          </a:fillRef>
-          <a:effectRef idx="0">
-            <a:schemeClr val="accent1"/>
-          </a:effectRef>
-          <a:fontRef idx="minor">
-            <a:schemeClr val="lt1"/>
-          </a:fontRef>
-        </p:style>
-        <p:txBody>
-          <a:bodyPr rtlCol="0" anchor="ctr"/>
-          <a:lstStyle/>
-          <a:p>
-            <a:pPr marL="442913" indent="-263525">
-              <a:buFont typeface="Wingdings" panose="05000000000000000000" pitchFamily="2" charset="2"/>
-              <a:buChar char="§"/>
-            </a:pPr>
-            <a:r>
-              <a:rPr lang="ko-KR" altLang="en-US" sz="2000" b="1" dirty="0"/>
-              <a:t>리눅스 명령어</a:t>
-            </a:r>
-          </a:p>
-        </p:txBody>
-      </p:sp>
-      <p:sp>
-        <p:nvSpPr>
-          <p:cNvPr id="4" name="직사각형 3">
-            <a:extLst>
-              <a:ext uri="{FF2B5EF4-FFF2-40B4-BE49-F238E27FC236}">
-                <a16:creationId xmlns:a16="http://schemas.microsoft.com/office/drawing/2014/main" id="{B1868EAB-4E9D-6684-A1AD-4E738536865F}"/>
-              </a:ext>
-            </a:extLst>
-          </p:cNvPr>
-          <p:cNvSpPr/>
-          <p:nvPr/>
-        </p:nvSpPr>
-        <p:spPr>
-          <a:xfrm>
-            <a:off x="3789058" y="-3715"/>
-            <a:ext cx="3952862" cy="631596"/>
-          </a:xfrm>
-          <a:prstGeom prst="rect">
-            <a:avLst/>
-          </a:prstGeom>
-          <a:solidFill>
-            <a:srgbClr val="00B050"/>
-          </a:solidFill>
-        </p:spPr>
-        <p:style>
-          <a:lnRef idx="2">
-            <a:schemeClr val="accent1">
-              <a:shade val="15000"/>
-            </a:schemeClr>
-          </a:lnRef>
-          <a:fillRef idx="1">
-            <a:schemeClr val="accent1"/>
-          </a:fillRef>
-          <a:effectRef idx="0">
-            <a:schemeClr val="accent1"/>
-          </a:effectRef>
-          <a:fontRef idx="minor">
-            <a:schemeClr val="lt1"/>
-          </a:fontRef>
-        </p:style>
-        <p:txBody>
-          <a:bodyPr rtlCol="0" anchor="ctr"/>
-          <a:lstStyle/>
-          <a:p>
-            <a:pPr marL="355600" indent="-176213">
-              <a:buFont typeface="Arial" panose="020B0604020202020204" pitchFamily="34" charset="0"/>
-              <a:buChar char="•"/>
-            </a:pPr>
-            <a:r>
-              <a:rPr lang="ko-KR" altLang="en-US" sz="2000" b="1" dirty="0"/>
-              <a:t>파일</a:t>
-            </a:r>
-            <a:r>
-              <a:rPr lang="en-US" altLang="ko-KR" sz="2000" b="1" dirty="0"/>
-              <a:t>/</a:t>
-            </a:r>
-            <a:r>
-              <a:rPr lang="ko-KR" altLang="en-US" sz="2000" b="1" dirty="0"/>
-              <a:t>디렉토리 관련</a:t>
-            </a:r>
-          </a:p>
-        </p:txBody>
-      </p:sp>
-      <p:graphicFrame>
-        <p:nvGraphicFramePr>
-          <p:cNvPr id="5" name="표 4">
-            <a:extLst>
-              <a:ext uri="{FF2B5EF4-FFF2-40B4-BE49-F238E27FC236}">
-                <a16:creationId xmlns:a16="http://schemas.microsoft.com/office/drawing/2014/main" id="{1C03A567-C988-2425-6772-36DF9B744CDC}"/>
-              </a:ext>
-            </a:extLst>
-          </p:cNvPr>
-          <p:cNvGraphicFramePr>
-            <a:graphicFrameLocks noGrp="1"/>
-          </p:cNvGraphicFramePr>
-          <p:nvPr>
-            <p:extLst>
-              <p:ext uri="{D42A27DB-BD31-4B8C-83A1-F6EECF244321}">
-                <p14:modId xmlns:p14="http://schemas.microsoft.com/office/powerpoint/2010/main" val="3441293527"/>
-              </p:ext>
-            </p:extLst>
-          </p:nvPr>
-        </p:nvGraphicFramePr>
-        <p:xfrm>
-          <a:off x="446729" y="912654"/>
-          <a:ext cx="10515600" cy="4689578"/>
-        </p:xfrm>
-        <a:graphic>
-          <a:graphicData uri="http://schemas.openxmlformats.org/drawingml/2006/table">
-            <a:tbl>
-              <a:tblPr>
-                <a:tableStyleId>{5940675A-B579-460E-94D1-54222C63F5DA}</a:tableStyleId>
-              </a:tblPr>
-              <a:tblGrid>
-                <a:gridCol w="1910391">
-                  <a:extLst>
-                    <a:ext uri="{9D8B030D-6E8A-4147-A177-3AD203B41FA5}">
-                      <a16:colId xmlns:a16="http://schemas.microsoft.com/office/drawing/2014/main" val="2209365290"/>
-                    </a:ext>
-                  </a:extLst>
-                </a:gridCol>
-                <a:gridCol w="2743200">
-                  <a:extLst>
-                    <a:ext uri="{9D8B030D-6E8A-4147-A177-3AD203B41FA5}">
-                      <a16:colId xmlns:a16="http://schemas.microsoft.com/office/drawing/2014/main" val="81765637"/>
-                    </a:ext>
-                  </a:extLst>
-                </a:gridCol>
-                <a:gridCol w="3233109">
-                  <a:extLst>
-                    <a:ext uri="{9D8B030D-6E8A-4147-A177-3AD203B41FA5}">
-                      <a16:colId xmlns:a16="http://schemas.microsoft.com/office/drawing/2014/main" val="2686932100"/>
-                    </a:ext>
-                  </a:extLst>
-                </a:gridCol>
-                <a:gridCol w="2628900">
-                  <a:extLst>
-                    <a:ext uri="{9D8B030D-6E8A-4147-A177-3AD203B41FA5}">
-                      <a16:colId xmlns:a16="http://schemas.microsoft.com/office/drawing/2014/main" val="2137572290"/>
-                    </a:ext>
-                  </a:extLst>
-                </a:gridCol>
-              </a:tblGrid>
-              <a:tr h="439925">
-                <a:tc>
-                  <a:txBody>
-                    <a:bodyPr/>
-                    <a:lstStyle/>
-                    <a:p>
-                      <a:pPr algn="ctr">
-                        <a:buNone/>
-                      </a:pPr>
-                      <a:r>
-                        <a:rPr lang="ko-KR" altLang="en-US" dirty="0"/>
-                        <a:t>명령어</a:t>
-                      </a:r>
-                    </a:p>
-                  </a:txBody>
-                  <a:tcPr anchor="ctr">
-                    <a:solidFill>
-                      <a:schemeClr val="accent2">
-                        <a:lumMod val="20000"/>
-                        <a:lumOff val="80000"/>
-                      </a:schemeClr>
-                    </a:solidFill>
-                  </a:tcPr>
-                </a:tc>
-                <a:tc>
-                  <a:txBody>
-                    <a:bodyPr/>
-                    <a:lstStyle/>
-                    <a:p>
-                      <a:pPr algn="ctr">
-                        <a:buNone/>
-                      </a:pPr>
-                      <a:r>
-                        <a:rPr lang="ko-KR" altLang="en-US" dirty="0"/>
-                        <a:t>용도</a:t>
-                      </a:r>
-                    </a:p>
-                  </a:txBody>
-                  <a:tcPr anchor="ctr">
-                    <a:solidFill>
-                      <a:schemeClr val="accent2">
-                        <a:lumMod val="20000"/>
-                        <a:lumOff val="80000"/>
-                      </a:schemeClr>
-                    </a:solidFill>
-                  </a:tcPr>
-                </a:tc>
-                <a:tc>
-                  <a:txBody>
-                    <a:bodyPr/>
-                    <a:lstStyle/>
-                    <a:p>
-                      <a:pPr algn="ctr">
-                        <a:buNone/>
-                      </a:pPr>
-                      <a:r>
-                        <a:rPr lang="ko-KR" altLang="en-US" dirty="0"/>
-                        <a:t>자주 쓰는 옵션</a:t>
-                      </a:r>
-                    </a:p>
-                  </a:txBody>
-                  <a:tcPr anchor="ctr">
-                    <a:solidFill>
-                      <a:schemeClr val="accent2">
-                        <a:lumMod val="20000"/>
-                        <a:lumOff val="80000"/>
-                      </a:schemeClr>
-                    </a:solidFill>
-                  </a:tcPr>
-                </a:tc>
-                <a:tc>
-                  <a:txBody>
-                    <a:bodyPr/>
-                    <a:lstStyle/>
-                    <a:p>
-                      <a:pPr algn="ctr">
-                        <a:buNone/>
-                      </a:pPr>
-                      <a:r>
-                        <a:rPr lang="ko-KR" altLang="en-US" dirty="0"/>
-                        <a:t>예시</a:t>
-                      </a:r>
-                    </a:p>
-                  </a:txBody>
-                  <a:tcPr anchor="ctr">
-                    <a:solidFill>
-                      <a:schemeClr val="accent2">
-                        <a:lumMod val="20000"/>
-                        <a:lumOff val="80000"/>
-                      </a:schemeClr>
-                    </a:solidFill>
-                  </a:tcPr>
-                </a:tc>
-                <a:extLst>
-                  <a:ext uri="{0D108BD9-81ED-4DB2-BD59-A6C34878D82A}">
-                    <a16:rowId xmlns:a16="http://schemas.microsoft.com/office/drawing/2014/main" val="2570324081"/>
-                  </a:ext>
-                </a:extLst>
-              </a:tr>
-              <a:tr h="439925">
-                <a:tc>
-                  <a:txBody>
-                    <a:bodyPr/>
-                    <a:lstStyle/>
-                    <a:p>
-                      <a:pPr algn="ctr">
-                        <a:buNone/>
-                      </a:pPr>
-                      <a:r>
-                        <a:rPr lang="en-US" dirty="0" err="1"/>
-                        <a:t>pwd</a:t>
-                      </a:r>
-                      <a:endParaRPr lang="en-US" dirty="0"/>
-                    </a:p>
-                  </a:txBody>
-                  <a:tcPr anchor="ctr"/>
-                </a:tc>
-                <a:tc>
-                  <a:txBody>
-                    <a:bodyPr/>
-                    <a:lstStyle/>
-                    <a:p>
-                      <a:pPr>
-                        <a:buNone/>
-                      </a:pPr>
-                      <a:r>
-                        <a:rPr lang="ko-KR" altLang="en-US"/>
-                        <a:t>현재 경로 출력</a:t>
-                      </a:r>
-                    </a:p>
-                  </a:txBody>
-                  <a:tcPr anchor="ctr"/>
-                </a:tc>
-                <a:tc>
-                  <a:txBody>
-                    <a:bodyPr/>
-                    <a:lstStyle/>
-                    <a:p>
-                      <a:pPr>
-                        <a:buNone/>
-                      </a:pPr>
-                      <a:r>
-                        <a:rPr lang="en-US" altLang="ko-KR"/>
-                        <a:t>-</a:t>
-                      </a:r>
-                    </a:p>
-                  </a:txBody>
-                  <a:tcPr anchor="ctr"/>
-                </a:tc>
-                <a:tc>
-                  <a:txBody>
-                    <a:bodyPr/>
-                    <a:lstStyle/>
-                    <a:p>
-                      <a:pPr>
-                        <a:buNone/>
-                      </a:pPr>
-                      <a:r>
-                        <a:rPr lang="en-US"/>
-                        <a:t>pwd</a:t>
-                      </a:r>
-                    </a:p>
-                  </a:txBody>
-                  <a:tcPr anchor="ctr"/>
-                </a:tc>
-                <a:extLst>
-                  <a:ext uri="{0D108BD9-81ED-4DB2-BD59-A6C34878D82A}">
-                    <a16:rowId xmlns:a16="http://schemas.microsoft.com/office/drawing/2014/main" val="683228950"/>
-                  </a:ext>
-                </a:extLst>
-              </a:tr>
-              <a:tr h="769868">
-                <a:tc>
-                  <a:txBody>
-                    <a:bodyPr/>
-                    <a:lstStyle/>
-                    <a:p>
-                      <a:pPr algn="ctr">
-                        <a:buNone/>
-                      </a:pPr>
-                      <a:r>
-                        <a:rPr lang="en-US"/>
-                        <a:t>ls</a:t>
-                      </a:r>
-                    </a:p>
-                  </a:txBody>
-                  <a:tcPr anchor="ctr"/>
-                </a:tc>
-                <a:tc>
-                  <a:txBody>
-                    <a:bodyPr/>
-                    <a:lstStyle/>
-                    <a:p>
-                      <a:pPr>
-                        <a:buNone/>
-                      </a:pPr>
-                      <a:r>
-                        <a:rPr lang="ko-KR" altLang="en-US" dirty="0"/>
-                        <a:t>파일 목록 보기</a:t>
-                      </a:r>
-                    </a:p>
-                  </a:txBody>
-                  <a:tcPr anchor="ctr"/>
-                </a:tc>
-                <a:tc>
-                  <a:txBody>
-                    <a:bodyPr/>
-                    <a:lstStyle/>
-                    <a:p>
-                      <a:pPr>
-                        <a:buNone/>
-                      </a:pPr>
-                      <a:r>
-                        <a:rPr lang="en-US" altLang="ko-KR" dirty="0"/>
-                        <a:t>-a</a:t>
-                      </a:r>
-                      <a:r>
-                        <a:rPr lang="ko-KR" altLang="en-US" dirty="0"/>
-                        <a:t> 숨김 파일 보기</a:t>
-                      </a:r>
-                      <a:r>
-                        <a:rPr lang="en-US" altLang="ko-KR" dirty="0"/>
-                        <a:t> </a:t>
-                      </a:r>
-                    </a:p>
-                    <a:p>
-                      <a:pPr>
-                        <a:buNone/>
-                      </a:pPr>
-                      <a:r>
-                        <a:rPr lang="en-US" altLang="ko-KR" dirty="0"/>
-                        <a:t>-l</a:t>
-                      </a:r>
-                      <a:r>
-                        <a:rPr lang="ko-KR" altLang="en-US" dirty="0"/>
-                        <a:t> 자세히</a:t>
-                      </a:r>
-                    </a:p>
-                  </a:txBody>
-                  <a:tcPr anchor="ctr"/>
-                </a:tc>
-                <a:tc>
-                  <a:txBody>
-                    <a:bodyPr/>
-                    <a:lstStyle/>
-                    <a:p>
-                      <a:pPr>
-                        <a:buNone/>
-                      </a:pPr>
-                      <a:r>
-                        <a:rPr lang="en-US" dirty="0"/>
-                        <a:t>ls -la</a:t>
-                      </a:r>
-                    </a:p>
-                  </a:txBody>
-                  <a:tcPr anchor="ctr"/>
-                </a:tc>
-                <a:extLst>
-                  <a:ext uri="{0D108BD9-81ED-4DB2-BD59-A6C34878D82A}">
-                    <a16:rowId xmlns:a16="http://schemas.microsoft.com/office/drawing/2014/main" val="1085089344"/>
-                  </a:ext>
-                </a:extLst>
-              </a:tr>
-              <a:tr h="439925">
-                <a:tc>
-                  <a:txBody>
-                    <a:bodyPr/>
-                    <a:lstStyle/>
-                    <a:p>
-                      <a:pPr algn="ctr">
-                        <a:buNone/>
-                      </a:pPr>
-                      <a:r>
-                        <a:rPr lang="en-US"/>
-                        <a:t>cd</a:t>
-                      </a:r>
-                    </a:p>
-                  </a:txBody>
-                  <a:tcPr anchor="ctr"/>
-                </a:tc>
-                <a:tc>
-                  <a:txBody>
-                    <a:bodyPr/>
-                    <a:lstStyle/>
-                    <a:p>
-                      <a:pPr>
-                        <a:buNone/>
-                      </a:pPr>
-                      <a:r>
-                        <a:rPr lang="ko-KR" altLang="en-US"/>
-                        <a:t>디렉터리 이동</a:t>
-                      </a:r>
-                    </a:p>
-                  </a:txBody>
-                  <a:tcPr anchor="ctr"/>
-                </a:tc>
-                <a:tc>
-                  <a:txBody>
-                    <a:bodyPr/>
-                    <a:lstStyle/>
-                    <a:p>
-                      <a:pPr>
-                        <a:buNone/>
-                      </a:pPr>
-                      <a:r>
-                        <a:rPr lang="en-US" altLang="ko-KR" dirty="0"/>
-                        <a:t>-</a:t>
-                      </a:r>
-                      <a:r>
-                        <a:rPr lang="ko-KR" altLang="en-US" dirty="0"/>
-                        <a:t>  </a:t>
-                      </a:r>
-                      <a:r>
-                        <a:rPr lang="en-US" altLang="ko-KR" dirty="0"/>
-                        <a:t>..</a:t>
-                      </a:r>
-                      <a:endParaRPr lang="ko-KR" altLang="en-US" dirty="0"/>
-                    </a:p>
-                  </a:txBody>
-                  <a:tcPr anchor="ctr"/>
-                </a:tc>
-                <a:tc>
-                  <a:txBody>
-                    <a:bodyPr/>
-                    <a:lstStyle/>
-                    <a:p>
-                      <a:pPr>
-                        <a:buNone/>
-                      </a:pPr>
-                      <a:r>
-                        <a:rPr lang="en-US" dirty="0"/>
-                        <a:t>cd ~/projects</a:t>
-                      </a:r>
-                    </a:p>
-                  </a:txBody>
-                  <a:tcPr anchor="ctr"/>
-                </a:tc>
-                <a:extLst>
-                  <a:ext uri="{0D108BD9-81ED-4DB2-BD59-A6C34878D82A}">
-                    <a16:rowId xmlns:a16="http://schemas.microsoft.com/office/drawing/2014/main" val="555598751"/>
-                  </a:ext>
-                </a:extLst>
-              </a:tr>
-              <a:tr h="439925">
-                <a:tc>
-                  <a:txBody>
-                    <a:bodyPr/>
-                    <a:lstStyle/>
-                    <a:p>
-                      <a:pPr algn="ctr">
-                        <a:buNone/>
-                      </a:pPr>
-                      <a:r>
-                        <a:rPr lang="en-US"/>
-                        <a:t>mkdir</a:t>
-                      </a:r>
-                    </a:p>
-                  </a:txBody>
-                  <a:tcPr anchor="ctr"/>
-                </a:tc>
-                <a:tc>
-                  <a:txBody>
-                    <a:bodyPr/>
-                    <a:lstStyle/>
-                    <a:p>
-                      <a:pPr>
-                        <a:buNone/>
-                      </a:pPr>
-                      <a:r>
-                        <a:rPr lang="ko-KR" altLang="en-US"/>
-                        <a:t>디렉터리 생성</a:t>
-                      </a:r>
-                    </a:p>
-                  </a:txBody>
-                  <a:tcPr anchor="ctr"/>
-                </a:tc>
-                <a:tc>
-                  <a:txBody>
-                    <a:bodyPr/>
-                    <a:lstStyle/>
-                    <a:p>
-                      <a:pPr>
-                        <a:buNone/>
-                      </a:pPr>
-                      <a:r>
-                        <a:rPr lang="en-US"/>
-                        <a:t>-p </a:t>
-                      </a:r>
-                      <a:r>
-                        <a:rPr lang="ko-KR" altLang="en-US"/>
-                        <a:t>상위까지</a:t>
-                      </a:r>
-                    </a:p>
-                  </a:txBody>
-                  <a:tcPr anchor="ctr"/>
-                </a:tc>
-                <a:tc>
-                  <a:txBody>
-                    <a:bodyPr/>
-                    <a:lstStyle/>
-                    <a:p>
-                      <a:pPr>
-                        <a:buNone/>
-                      </a:pPr>
-                      <a:r>
-                        <a:rPr lang="en-US"/>
-                        <a:t>mkdir -p data/raw</a:t>
-                      </a:r>
-                    </a:p>
-                  </a:txBody>
-                  <a:tcPr anchor="ctr"/>
-                </a:tc>
-                <a:extLst>
-                  <a:ext uri="{0D108BD9-81ED-4DB2-BD59-A6C34878D82A}">
-                    <a16:rowId xmlns:a16="http://schemas.microsoft.com/office/drawing/2014/main" val="4094742331"/>
-                  </a:ext>
-                </a:extLst>
-              </a:tr>
-              <a:tr h="439925">
-                <a:tc>
-                  <a:txBody>
-                    <a:bodyPr/>
-                    <a:lstStyle/>
-                    <a:p>
-                      <a:pPr algn="ctr">
-                        <a:buNone/>
-                      </a:pPr>
-                      <a:r>
-                        <a:rPr lang="en-US"/>
-                        <a:t>cp</a:t>
-                      </a:r>
-                    </a:p>
-                  </a:txBody>
-                  <a:tcPr anchor="ctr"/>
-                </a:tc>
-                <a:tc>
-                  <a:txBody>
-                    <a:bodyPr/>
-                    <a:lstStyle/>
-                    <a:p>
-                      <a:pPr>
-                        <a:buNone/>
-                      </a:pPr>
-                      <a:r>
-                        <a:rPr lang="ko-KR" altLang="en-US" dirty="0"/>
-                        <a:t>폴더 복사</a:t>
-                      </a:r>
-                    </a:p>
-                  </a:txBody>
-                  <a:tcPr anchor="ctr"/>
-                </a:tc>
-                <a:tc>
-                  <a:txBody>
-                    <a:bodyPr/>
-                    <a:lstStyle/>
-                    <a:p>
-                      <a:pPr>
-                        <a:buNone/>
-                      </a:pPr>
-                      <a:r>
-                        <a:rPr lang="en-US" dirty="0"/>
-                        <a:t>-r </a:t>
-                      </a:r>
-                      <a:r>
-                        <a:rPr lang="ko-KR" altLang="en-US" dirty="0"/>
-                        <a:t>폴더와 모든 내용 복사</a:t>
-                      </a:r>
-                      <a:endParaRPr lang="en-US" altLang="ko-KR" dirty="0"/>
-                    </a:p>
-                    <a:p>
-                      <a:pPr>
-                        <a:buNone/>
-                      </a:pPr>
-                      <a:r>
-                        <a:rPr lang="en-US" altLang="ko-KR" dirty="0"/>
-                        <a:t>-</a:t>
-                      </a:r>
-                      <a:r>
-                        <a:rPr lang="en-US" dirty="0"/>
-                        <a:t>a </a:t>
-                      </a:r>
-                      <a:r>
-                        <a:rPr lang="ko-KR" altLang="en-US" dirty="0"/>
-                        <a:t>속성 유지</a:t>
-                      </a:r>
-                    </a:p>
-                  </a:txBody>
-                  <a:tcPr anchor="ctr"/>
-                </a:tc>
-                <a:tc>
-                  <a:txBody>
-                    <a:bodyPr/>
-                    <a:lstStyle/>
-                    <a:p>
-                      <a:pPr>
-                        <a:buNone/>
-                      </a:pPr>
-                      <a:r>
-                        <a:rPr lang="en-US"/>
-                        <a:t>cp -a src/ dst/</a:t>
-                      </a:r>
-                    </a:p>
-                  </a:txBody>
-                  <a:tcPr anchor="ctr"/>
-                </a:tc>
-                <a:extLst>
-                  <a:ext uri="{0D108BD9-81ED-4DB2-BD59-A6C34878D82A}">
-                    <a16:rowId xmlns:a16="http://schemas.microsoft.com/office/drawing/2014/main" val="3946834447"/>
-                  </a:ext>
-                </a:extLst>
-              </a:tr>
-              <a:tr h="439925">
-                <a:tc>
-                  <a:txBody>
-                    <a:bodyPr/>
-                    <a:lstStyle/>
-                    <a:p>
-                      <a:pPr algn="ctr">
-                        <a:buNone/>
-                      </a:pPr>
-                      <a:r>
-                        <a:rPr lang="en-US"/>
-                        <a:t>mv</a:t>
-                      </a:r>
-                    </a:p>
-                  </a:txBody>
-                  <a:tcPr anchor="ctr"/>
-                </a:tc>
-                <a:tc>
-                  <a:txBody>
-                    <a:bodyPr/>
-                    <a:lstStyle/>
-                    <a:p>
-                      <a:pPr>
-                        <a:buNone/>
-                      </a:pPr>
-                      <a:r>
-                        <a:rPr lang="ko-KR" altLang="en-US" dirty="0"/>
-                        <a:t>파일</a:t>
-                      </a:r>
-                      <a:r>
-                        <a:rPr lang="en-US" altLang="ko-KR" dirty="0"/>
-                        <a:t>,</a:t>
-                      </a:r>
-                      <a:r>
-                        <a:rPr lang="ko-KR" altLang="en-US" dirty="0"/>
-                        <a:t>폴더 이동</a:t>
-                      </a:r>
-                      <a:r>
-                        <a:rPr lang="en-US" altLang="ko-KR" dirty="0"/>
-                        <a:t>/</a:t>
-                      </a:r>
-                      <a:r>
-                        <a:rPr lang="ko-KR" altLang="en-US" dirty="0"/>
-                        <a:t>이름변경</a:t>
-                      </a:r>
-                    </a:p>
-                  </a:txBody>
-                  <a:tcPr anchor="ctr"/>
-                </a:tc>
-                <a:tc>
-                  <a:txBody>
-                    <a:bodyPr/>
-                    <a:lstStyle/>
-                    <a:p>
-                      <a:pPr>
-                        <a:buNone/>
-                      </a:pPr>
-                      <a:endParaRPr lang="en-US" altLang="ko-KR" dirty="0"/>
-                    </a:p>
-                  </a:txBody>
-                  <a:tcPr anchor="ctr"/>
-                </a:tc>
-                <a:tc>
-                  <a:txBody>
-                    <a:bodyPr/>
-                    <a:lstStyle/>
-                    <a:p>
-                      <a:pPr>
-                        <a:buNone/>
-                      </a:pPr>
-                      <a:r>
-                        <a:rPr lang="en-US"/>
-                        <a:t>mv app.py app.old.py</a:t>
-                      </a:r>
-                    </a:p>
-                  </a:txBody>
-                  <a:tcPr anchor="ctr"/>
-                </a:tc>
-                <a:extLst>
-                  <a:ext uri="{0D108BD9-81ED-4DB2-BD59-A6C34878D82A}">
-                    <a16:rowId xmlns:a16="http://schemas.microsoft.com/office/drawing/2014/main" val="831110595"/>
-                  </a:ext>
-                </a:extLst>
-              </a:tr>
-              <a:tr h="439925">
-                <a:tc>
-                  <a:txBody>
-                    <a:bodyPr/>
-                    <a:lstStyle/>
-                    <a:p>
-                      <a:pPr algn="ctr">
-                        <a:buNone/>
-                      </a:pPr>
-                      <a:r>
-                        <a:rPr lang="en-US"/>
-                        <a:t>rm</a:t>
-                      </a:r>
-                    </a:p>
-                  </a:txBody>
-                  <a:tcPr anchor="ctr"/>
-                </a:tc>
-                <a:tc>
-                  <a:txBody>
-                    <a:bodyPr/>
-                    <a:lstStyle/>
-                    <a:p>
-                      <a:pPr>
-                        <a:buNone/>
-                      </a:pPr>
-                      <a:r>
-                        <a:rPr lang="ko-KR" altLang="en-US" dirty="0"/>
-                        <a:t>삭제</a:t>
-                      </a:r>
-                    </a:p>
-                  </a:txBody>
-                  <a:tcPr anchor="ctr"/>
-                </a:tc>
-                <a:tc>
-                  <a:txBody>
-                    <a:bodyPr/>
-                    <a:lstStyle/>
-                    <a:p>
-                      <a:pPr>
-                        <a:buNone/>
-                      </a:pPr>
-                      <a:r>
-                        <a:rPr lang="en-US" dirty="0"/>
-                        <a:t>-r </a:t>
-                      </a:r>
-                      <a:r>
-                        <a:rPr lang="ko-KR" altLang="en-US" dirty="0"/>
-                        <a:t>하위 내용 포함 폴더 삭제</a:t>
-                      </a:r>
-                      <a:endParaRPr lang="en-US" altLang="ko-KR" dirty="0"/>
-                    </a:p>
-                    <a:p>
-                      <a:pPr>
-                        <a:buNone/>
-                      </a:pPr>
-                      <a:r>
-                        <a:rPr lang="en-US" altLang="ko-KR" dirty="0"/>
-                        <a:t>-</a:t>
-                      </a:r>
-                      <a:r>
-                        <a:rPr lang="en-US" dirty="0"/>
-                        <a:t>f </a:t>
-                      </a:r>
-                      <a:r>
-                        <a:rPr lang="ko-KR" altLang="en-US" dirty="0"/>
-                        <a:t>강제</a:t>
-                      </a:r>
-                      <a:r>
-                        <a:rPr lang="en-US" altLang="ko-KR" dirty="0"/>
-                        <a:t>(</a:t>
-                      </a:r>
-                      <a:r>
-                        <a:rPr lang="ko-KR" altLang="en-US" dirty="0"/>
-                        <a:t>묻지 않음</a:t>
-                      </a:r>
-                      <a:r>
-                        <a:rPr lang="en-US" altLang="ko-KR" dirty="0"/>
-                        <a:t>)</a:t>
-                      </a:r>
-                      <a:endParaRPr lang="ko-KR" altLang="en-US" dirty="0"/>
-                    </a:p>
-                  </a:txBody>
-                  <a:tcPr anchor="ctr"/>
-                </a:tc>
-                <a:tc>
-                  <a:txBody>
-                    <a:bodyPr/>
-                    <a:lstStyle/>
-                    <a:p>
-                      <a:pPr>
-                        <a:buNone/>
-                      </a:pPr>
-                      <a:r>
-                        <a:rPr lang="en-US"/>
-                        <a:t>rm -rf build/</a:t>
-                      </a:r>
-                    </a:p>
-                  </a:txBody>
-                  <a:tcPr anchor="ctr"/>
-                </a:tc>
-                <a:extLst>
-                  <a:ext uri="{0D108BD9-81ED-4DB2-BD59-A6C34878D82A}">
-                    <a16:rowId xmlns:a16="http://schemas.microsoft.com/office/drawing/2014/main" val="537908987"/>
-                  </a:ext>
-                </a:extLst>
-              </a:tr>
-              <a:tr h="439925">
-                <a:tc>
-                  <a:txBody>
-                    <a:bodyPr/>
-                    <a:lstStyle/>
-                    <a:p>
-                      <a:pPr algn="ctr">
-                        <a:buNone/>
-                      </a:pPr>
-                      <a:r>
-                        <a:rPr lang="en-US" dirty="0"/>
-                        <a:t>tree</a:t>
-                      </a:r>
-                    </a:p>
-                  </a:txBody>
-                  <a:tcPr anchor="ctr"/>
-                </a:tc>
-                <a:tc>
-                  <a:txBody>
-                    <a:bodyPr/>
-                    <a:lstStyle/>
-                    <a:p>
-                      <a:pPr>
-                        <a:buNone/>
-                      </a:pPr>
-                      <a:r>
-                        <a:rPr lang="ko-KR" altLang="en-US" dirty="0"/>
-                        <a:t>트리 구조로 보기</a:t>
-                      </a:r>
-                    </a:p>
-                  </a:txBody>
-                  <a:tcPr anchor="ctr"/>
-                </a:tc>
-                <a:tc>
-                  <a:txBody>
-                    <a:bodyPr/>
-                    <a:lstStyle/>
-                    <a:p>
-                      <a:pPr>
-                        <a:buNone/>
-                      </a:pPr>
-                      <a:r>
-                        <a:rPr lang="en-US"/>
-                        <a:t>-L </a:t>
-                      </a:r>
-                      <a:r>
-                        <a:rPr lang="ko-KR" altLang="en-US"/>
-                        <a:t>깊이</a:t>
-                      </a:r>
-                    </a:p>
-                  </a:txBody>
-                  <a:tcPr anchor="ctr"/>
-                </a:tc>
-                <a:tc>
-                  <a:txBody>
-                    <a:bodyPr/>
-                    <a:lstStyle/>
-                    <a:p>
-                      <a:pPr>
-                        <a:buNone/>
-                      </a:pPr>
-                      <a:r>
-                        <a:rPr lang="en-US" dirty="0"/>
-                        <a:t>tree -L 2</a:t>
-                      </a:r>
-                    </a:p>
-                  </a:txBody>
-                  <a:tcPr anchor="ctr"/>
-                </a:tc>
-                <a:extLst>
-                  <a:ext uri="{0D108BD9-81ED-4DB2-BD59-A6C34878D82A}">
-                    <a16:rowId xmlns:a16="http://schemas.microsoft.com/office/drawing/2014/main" val="2192553392"/>
-                  </a:ext>
-                </a:extLst>
-              </a:tr>
-            </a:tbl>
-          </a:graphicData>
-        </a:graphic>
-      </p:graphicFrame>
-    </p:spTree>
-    <p:extLst>
-      <p:ext uri="{BB962C8B-B14F-4D97-AF65-F5344CB8AC3E}">
-        <p14:creationId xmlns:p14="http://schemas.microsoft.com/office/powerpoint/2010/main" val="1778304451"/>
+        <p14:creationId xmlns:p14="http://schemas.microsoft.com/office/powerpoint/2010/main" val="1550374070"/>
       </p:ext>
     </p:extLst>
   </p:cSld>
